--- a/final/dufour_kathryn_final.pptx
+++ b/final/dufour_kathryn_final.pptx
@@ -4,10 +4,26 @@
   <p:sldMasterIdLst>
     <p:sldMasterId id="2147483660" r:id="rId1"/>
   </p:sldMasterIdLst>
+  <p:notesMasterIdLst>
+    <p:notesMasterId r:id="rId18"/>
+  </p:notesMasterIdLst>
   <p:sldIdLst>
     <p:sldId id="256" r:id="rId2"/>
     <p:sldId id="257" r:id="rId3"/>
     <p:sldId id="258" r:id="rId4"/>
+    <p:sldId id="259" r:id="rId5"/>
+    <p:sldId id="263" r:id="rId6"/>
+    <p:sldId id="264" r:id="rId7"/>
+    <p:sldId id="265" r:id="rId8"/>
+    <p:sldId id="266" r:id="rId9"/>
+    <p:sldId id="267" r:id="rId10"/>
+    <p:sldId id="260" r:id="rId11"/>
+    <p:sldId id="261" r:id="rId12"/>
+    <p:sldId id="268" r:id="rId13"/>
+    <p:sldId id="262" r:id="rId14"/>
+    <p:sldId id="269" r:id="rId15"/>
+    <p:sldId id="270" r:id="rId16"/>
+    <p:sldId id="271" r:id="rId17"/>
   </p:sldIdLst>
   <p:sldSz cx="12192000" cy="6858000"/>
   <p:notesSz cx="6858000" cy="9144000"/>
@@ -106,7 +122,2267 @@
       </a:defRPr>
     </a:lvl9pPr>
   </p:defaultTextStyle>
+  <p:extLst>
+    <p:ext uri="{EFAFB233-063F-42B5-8137-9DF3F51BA10A}">
+      <p15:sldGuideLst xmlns:p15="http://schemas.microsoft.com/office/powerpoint/2012/main">
+        <p15:guide id="1" orient="horz" pos="2160" userDrawn="1">
+          <p15:clr>
+            <a:srgbClr val="A4A3A4"/>
+          </p15:clr>
+        </p15:guide>
+        <p15:guide id="2" pos="3840" userDrawn="1">
+          <p15:clr>
+            <a:srgbClr val="A4A3A4"/>
+          </p15:clr>
+        </p15:guide>
+      </p15:sldGuideLst>
+    </p:ext>
+  </p:extLst>
 </p:presentation>
+</file>
+
+<file path=ppt/revisionInfo.xml><?xml version="1.0" encoding="utf-8"?>
+<p1510:revInfo xmlns:a="http://schemas.openxmlformats.org/drawingml/2006/main" xmlns:r="http://schemas.openxmlformats.org/officeDocument/2006/relationships" xmlns:p1510="http://schemas.microsoft.com/office/powerpoint/2015/10/main"/>
+</file>
+
+<file path=ppt/notesMasters/notesMaster1.xml><?xml version="1.0" encoding="utf-8"?>
+<p:notesMaster xmlns:a="http://schemas.openxmlformats.org/drawingml/2006/main" xmlns:r="http://schemas.openxmlformats.org/officeDocument/2006/relationships" xmlns:p="http://schemas.openxmlformats.org/presentationml/2006/main">
+  <p:cSld>
+    <p:bg>
+      <p:bgRef idx="1001">
+        <a:schemeClr val="bg1"/>
+      </p:bgRef>
+    </p:bg>
+    <p:spTree>
+      <p:nvGrpSpPr>
+        <p:cNvPr id="1" name=""/>
+        <p:cNvGrpSpPr/>
+        <p:nvPr/>
+      </p:nvGrpSpPr>
+      <p:grpSpPr>
+        <a:xfrm>
+          <a:off x="0" y="0"/>
+          <a:ext cx="0" cy="0"/>
+          <a:chOff x="0" y="0"/>
+          <a:chExt cx="0" cy="0"/>
+        </a:xfrm>
+      </p:grpSpPr>
+      <p:sp>
+        <p:nvSpPr>
+          <p:cNvPr id="2" name="Header Placeholder 1"/>
+          <p:cNvSpPr>
+            <a:spLocks noGrp="1"/>
+          </p:cNvSpPr>
+          <p:nvPr>
+            <p:ph type="hdr" sz="quarter"/>
+          </p:nvPr>
+        </p:nvSpPr>
+        <p:spPr>
+          <a:xfrm>
+            <a:off x="0" y="0"/>
+            <a:ext cx="2971800" cy="458788"/>
+          </a:xfrm>
+          <a:prstGeom prst="rect">
+            <a:avLst/>
+          </a:prstGeom>
+        </p:spPr>
+        <p:txBody>
+          <a:bodyPr vert="horz" lIns="91440" tIns="45720" rIns="91440" bIns="45720" rtlCol="0"/>
+          <a:lstStyle>
+            <a:lvl1pPr algn="l">
+              <a:defRPr sz="1200"/>
+            </a:lvl1pPr>
+          </a:lstStyle>
+          <a:p>
+            <a:endParaRPr lang="en-CA"/>
+          </a:p>
+        </p:txBody>
+      </p:sp>
+      <p:sp>
+        <p:nvSpPr>
+          <p:cNvPr id="3" name="Date Placeholder 2"/>
+          <p:cNvSpPr>
+            <a:spLocks noGrp="1"/>
+          </p:cNvSpPr>
+          <p:nvPr>
+            <p:ph type="dt" idx="1"/>
+          </p:nvPr>
+        </p:nvSpPr>
+        <p:spPr>
+          <a:xfrm>
+            <a:off x="3884613" y="0"/>
+            <a:ext cx="2971800" cy="458788"/>
+          </a:xfrm>
+          <a:prstGeom prst="rect">
+            <a:avLst/>
+          </a:prstGeom>
+        </p:spPr>
+        <p:txBody>
+          <a:bodyPr vert="horz" lIns="91440" tIns="45720" rIns="91440" bIns="45720" rtlCol="0"/>
+          <a:lstStyle>
+            <a:lvl1pPr algn="r">
+              <a:defRPr sz="1200"/>
+            </a:lvl1pPr>
+          </a:lstStyle>
+          <a:p>
+            <a:fld id="{BA7AC9ED-6B37-47F4-8832-CBAD3A8FB761}" type="datetimeFigureOut">
+              <a:rPr lang="en-CA" smtClean="0"/>
+              <a:t>2018-04-25</a:t>
+            </a:fld>
+            <a:endParaRPr lang="en-CA"/>
+          </a:p>
+        </p:txBody>
+      </p:sp>
+      <p:sp>
+        <p:nvSpPr>
+          <p:cNvPr id="4" name="Slide Image Placeholder 3"/>
+          <p:cNvSpPr>
+            <a:spLocks noGrp="1" noRot="1" noChangeAspect="1"/>
+          </p:cNvSpPr>
+          <p:nvPr>
+            <p:ph type="sldImg" idx="2"/>
+          </p:nvPr>
+        </p:nvSpPr>
+        <p:spPr>
+          <a:xfrm>
+            <a:off x="685800" y="1143000"/>
+            <a:ext cx="5486400" cy="3086100"/>
+          </a:xfrm>
+          <a:prstGeom prst="rect">
+            <a:avLst/>
+          </a:prstGeom>
+          <a:noFill/>
+          <a:ln w="12700">
+            <a:solidFill>
+              <a:prstClr val="black"/>
+            </a:solidFill>
+          </a:ln>
+        </p:spPr>
+        <p:txBody>
+          <a:bodyPr vert="horz" lIns="91440" tIns="45720" rIns="91440" bIns="45720" rtlCol="0" anchor="ctr"/>
+          <a:lstStyle/>
+          <a:p>
+            <a:endParaRPr lang="en-CA"/>
+          </a:p>
+        </p:txBody>
+      </p:sp>
+      <p:sp>
+        <p:nvSpPr>
+          <p:cNvPr id="5" name="Notes Placeholder 4"/>
+          <p:cNvSpPr>
+            <a:spLocks noGrp="1"/>
+          </p:cNvSpPr>
+          <p:nvPr>
+            <p:ph type="body" sz="quarter" idx="3"/>
+          </p:nvPr>
+        </p:nvSpPr>
+        <p:spPr>
+          <a:xfrm>
+            <a:off x="685800" y="4400550"/>
+            <a:ext cx="5486400" cy="3600450"/>
+          </a:xfrm>
+          <a:prstGeom prst="rect">
+            <a:avLst/>
+          </a:prstGeom>
+        </p:spPr>
+        <p:txBody>
+          <a:bodyPr vert="horz" lIns="91440" tIns="45720" rIns="91440" bIns="45720" rtlCol="0"/>
+          <a:lstStyle/>
+          <a:p>
+            <a:pPr lvl="0"/>
+            <a:r>
+              <a:rPr lang="en-US"/>
+              <a:t>Edit Master text styles</a:t>
+            </a:r>
+          </a:p>
+          <a:p>
+            <a:pPr lvl="1"/>
+            <a:r>
+              <a:rPr lang="en-US"/>
+              <a:t>Second level</a:t>
+            </a:r>
+          </a:p>
+          <a:p>
+            <a:pPr lvl="2"/>
+            <a:r>
+              <a:rPr lang="en-US"/>
+              <a:t>Third level</a:t>
+            </a:r>
+          </a:p>
+          <a:p>
+            <a:pPr lvl="3"/>
+            <a:r>
+              <a:rPr lang="en-US"/>
+              <a:t>Fourth level</a:t>
+            </a:r>
+          </a:p>
+          <a:p>
+            <a:pPr lvl="4"/>
+            <a:r>
+              <a:rPr lang="en-US"/>
+              <a:t>Fifth level</a:t>
+            </a:r>
+            <a:endParaRPr lang="en-CA"/>
+          </a:p>
+        </p:txBody>
+      </p:sp>
+      <p:sp>
+        <p:nvSpPr>
+          <p:cNvPr id="6" name="Footer Placeholder 5"/>
+          <p:cNvSpPr>
+            <a:spLocks noGrp="1"/>
+          </p:cNvSpPr>
+          <p:nvPr>
+            <p:ph type="ftr" sz="quarter" idx="4"/>
+          </p:nvPr>
+        </p:nvSpPr>
+        <p:spPr>
+          <a:xfrm>
+            <a:off x="0" y="8685213"/>
+            <a:ext cx="2971800" cy="458787"/>
+          </a:xfrm>
+          <a:prstGeom prst="rect">
+            <a:avLst/>
+          </a:prstGeom>
+        </p:spPr>
+        <p:txBody>
+          <a:bodyPr vert="horz" lIns="91440" tIns="45720" rIns="91440" bIns="45720" rtlCol="0" anchor="b"/>
+          <a:lstStyle>
+            <a:lvl1pPr algn="l">
+              <a:defRPr sz="1200"/>
+            </a:lvl1pPr>
+          </a:lstStyle>
+          <a:p>
+            <a:endParaRPr lang="en-CA"/>
+          </a:p>
+        </p:txBody>
+      </p:sp>
+      <p:sp>
+        <p:nvSpPr>
+          <p:cNvPr id="7" name="Slide Number Placeholder 6"/>
+          <p:cNvSpPr>
+            <a:spLocks noGrp="1"/>
+          </p:cNvSpPr>
+          <p:nvPr>
+            <p:ph type="sldNum" sz="quarter" idx="5"/>
+          </p:nvPr>
+        </p:nvSpPr>
+        <p:spPr>
+          <a:xfrm>
+            <a:off x="3884613" y="8685213"/>
+            <a:ext cx="2971800" cy="458787"/>
+          </a:xfrm>
+          <a:prstGeom prst="rect">
+            <a:avLst/>
+          </a:prstGeom>
+        </p:spPr>
+        <p:txBody>
+          <a:bodyPr vert="horz" lIns="91440" tIns="45720" rIns="91440" bIns="45720" rtlCol="0" anchor="b"/>
+          <a:lstStyle>
+            <a:lvl1pPr algn="r">
+              <a:defRPr sz="1200"/>
+            </a:lvl1pPr>
+          </a:lstStyle>
+          <a:p>
+            <a:fld id="{CB8A3AB7-8654-40A4-9C17-545E9D278470}" type="slidenum">
+              <a:rPr lang="en-CA" smtClean="0"/>
+              <a:t>‹#›</a:t>
+            </a:fld>
+            <a:endParaRPr lang="en-CA"/>
+          </a:p>
+        </p:txBody>
+      </p:sp>
+    </p:spTree>
+    <p:extLst>
+      <p:ext uri="{BB962C8B-B14F-4D97-AF65-F5344CB8AC3E}">
+        <p14:creationId xmlns:p14="http://schemas.microsoft.com/office/powerpoint/2010/main" val="3004694919"/>
+      </p:ext>
+    </p:extLst>
+  </p:cSld>
+  <p:clrMap bg1="lt1" tx1="dk1" bg2="lt2" tx2="dk2" accent1="accent1" accent2="accent2" accent3="accent3" accent4="accent4" accent5="accent5" accent6="accent6" hlink="hlink" folHlink="folHlink"/>
+  <p:notesStyle>
+    <a:lvl1pPr marL="0" algn="l" defTabSz="914400" rtl="0" eaLnBrk="1" latinLnBrk="0" hangingPunct="1">
+      <a:defRPr sz="1200" kern="1200">
+        <a:solidFill>
+          <a:schemeClr val="tx1"/>
+        </a:solidFill>
+        <a:latin typeface="+mn-lt"/>
+        <a:ea typeface="+mn-ea"/>
+        <a:cs typeface="+mn-cs"/>
+      </a:defRPr>
+    </a:lvl1pPr>
+    <a:lvl2pPr marL="457200" algn="l" defTabSz="914400" rtl="0" eaLnBrk="1" latinLnBrk="0" hangingPunct="1">
+      <a:defRPr sz="1200" kern="1200">
+        <a:solidFill>
+          <a:schemeClr val="tx1"/>
+        </a:solidFill>
+        <a:latin typeface="+mn-lt"/>
+        <a:ea typeface="+mn-ea"/>
+        <a:cs typeface="+mn-cs"/>
+      </a:defRPr>
+    </a:lvl2pPr>
+    <a:lvl3pPr marL="914400" algn="l" defTabSz="914400" rtl="0" eaLnBrk="1" latinLnBrk="0" hangingPunct="1">
+      <a:defRPr sz="1200" kern="1200">
+        <a:solidFill>
+          <a:schemeClr val="tx1"/>
+        </a:solidFill>
+        <a:latin typeface="+mn-lt"/>
+        <a:ea typeface="+mn-ea"/>
+        <a:cs typeface="+mn-cs"/>
+      </a:defRPr>
+    </a:lvl3pPr>
+    <a:lvl4pPr marL="1371600" algn="l" defTabSz="914400" rtl="0" eaLnBrk="1" latinLnBrk="0" hangingPunct="1">
+      <a:defRPr sz="1200" kern="1200">
+        <a:solidFill>
+          <a:schemeClr val="tx1"/>
+        </a:solidFill>
+        <a:latin typeface="+mn-lt"/>
+        <a:ea typeface="+mn-ea"/>
+        <a:cs typeface="+mn-cs"/>
+      </a:defRPr>
+    </a:lvl4pPr>
+    <a:lvl5pPr marL="1828800" algn="l" defTabSz="914400" rtl="0" eaLnBrk="1" latinLnBrk="0" hangingPunct="1">
+      <a:defRPr sz="1200" kern="1200">
+        <a:solidFill>
+          <a:schemeClr val="tx1"/>
+        </a:solidFill>
+        <a:latin typeface="+mn-lt"/>
+        <a:ea typeface="+mn-ea"/>
+        <a:cs typeface="+mn-cs"/>
+      </a:defRPr>
+    </a:lvl5pPr>
+    <a:lvl6pPr marL="2286000" algn="l" defTabSz="914400" rtl="0" eaLnBrk="1" latinLnBrk="0" hangingPunct="1">
+      <a:defRPr sz="1200" kern="1200">
+        <a:solidFill>
+          <a:schemeClr val="tx1"/>
+        </a:solidFill>
+        <a:latin typeface="+mn-lt"/>
+        <a:ea typeface="+mn-ea"/>
+        <a:cs typeface="+mn-cs"/>
+      </a:defRPr>
+    </a:lvl6pPr>
+    <a:lvl7pPr marL="2743200" algn="l" defTabSz="914400" rtl="0" eaLnBrk="1" latinLnBrk="0" hangingPunct="1">
+      <a:defRPr sz="1200" kern="1200">
+        <a:solidFill>
+          <a:schemeClr val="tx1"/>
+        </a:solidFill>
+        <a:latin typeface="+mn-lt"/>
+        <a:ea typeface="+mn-ea"/>
+        <a:cs typeface="+mn-cs"/>
+      </a:defRPr>
+    </a:lvl7pPr>
+    <a:lvl8pPr marL="3200400" algn="l" defTabSz="914400" rtl="0" eaLnBrk="1" latinLnBrk="0" hangingPunct="1">
+      <a:defRPr sz="1200" kern="1200">
+        <a:solidFill>
+          <a:schemeClr val="tx1"/>
+        </a:solidFill>
+        <a:latin typeface="+mn-lt"/>
+        <a:ea typeface="+mn-ea"/>
+        <a:cs typeface="+mn-cs"/>
+      </a:defRPr>
+    </a:lvl8pPr>
+    <a:lvl9pPr marL="3657600" algn="l" defTabSz="914400" rtl="0" eaLnBrk="1" latinLnBrk="0" hangingPunct="1">
+      <a:defRPr sz="1200" kern="1200">
+        <a:solidFill>
+          <a:schemeClr val="tx1"/>
+        </a:solidFill>
+        <a:latin typeface="+mn-lt"/>
+        <a:ea typeface="+mn-ea"/>
+        <a:cs typeface="+mn-cs"/>
+      </a:defRPr>
+    </a:lvl9pPr>
+  </p:notesStyle>
+</p:notesMaster>
+</file>
+
+<file path=ppt/notesSlides/notesSlide1.xml><?xml version="1.0" encoding="utf-8"?>
+<p:notes xmlns:a="http://schemas.openxmlformats.org/drawingml/2006/main" xmlns:r="http://schemas.openxmlformats.org/officeDocument/2006/relationships" xmlns:p="http://schemas.openxmlformats.org/presentationml/2006/main">
+  <p:cSld>
+    <p:spTree>
+      <p:nvGrpSpPr>
+        <p:cNvPr id="1" name=""/>
+        <p:cNvGrpSpPr/>
+        <p:nvPr/>
+      </p:nvGrpSpPr>
+      <p:grpSpPr>
+        <a:xfrm>
+          <a:off x="0" y="0"/>
+          <a:ext cx="0" cy="0"/>
+          <a:chOff x="0" y="0"/>
+          <a:chExt cx="0" cy="0"/>
+        </a:xfrm>
+      </p:grpSpPr>
+      <p:sp>
+        <p:nvSpPr>
+          <p:cNvPr id="2" name="Slide Image Placeholder 1"/>
+          <p:cNvSpPr>
+            <a:spLocks noGrp="1" noRot="1" noChangeAspect="1"/>
+          </p:cNvSpPr>
+          <p:nvPr>
+            <p:ph type="sldImg"/>
+          </p:nvPr>
+        </p:nvSpPr>
+        <p:spPr/>
+      </p:sp>
+      <p:sp>
+        <p:nvSpPr>
+          <p:cNvPr id="3" name="Notes Placeholder 2"/>
+          <p:cNvSpPr>
+            <a:spLocks noGrp="1"/>
+          </p:cNvSpPr>
+          <p:nvPr>
+            <p:ph type="body" idx="1"/>
+          </p:nvPr>
+        </p:nvSpPr>
+        <p:spPr/>
+        <p:txBody>
+          <a:bodyPr/>
+          <a:lstStyle/>
+          <a:p>
+            <a:pPr marL="0" marR="0" lvl="0" indent="0" algn="l" defTabSz="914400" rtl="0" eaLnBrk="1" fontAlgn="auto" latinLnBrk="0" hangingPunct="1">
+              <a:lnSpc>
+                <a:spcPct val="100000"/>
+              </a:lnSpc>
+              <a:spcBef>
+                <a:spcPts val="0"/>
+              </a:spcBef>
+              <a:spcAft>
+                <a:spcPts val="0"/>
+              </a:spcAft>
+              <a:buClrTx/>
+              <a:buSzTx/>
+              <a:buFontTx/>
+              <a:buNone/>
+              <a:tabLst/>
+              <a:defRPr/>
+            </a:pPr>
+            <a:r>
+              <a:rPr lang="en-CA" sz="1200" kern="1200" dirty="0">
+                <a:solidFill>
+                  <a:schemeClr val="tx1"/>
+                </a:solidFill>
+                <a:effectLst/>
+                <a:latin typeface="+mn-lt"/>
+                <a:ea typeface="+mn-ea"/>
+                <a:cs typeface="+mn-cs"/>
+              </a:rPr>
+              <a:t>So for my assignment, I decided to create a website to promote a fictional company called </a:t>
+            </a:r>
+            <a:r>
+              <a:rPr lang="en-CA" sz="1200" kern="1200" dirty="0" err="1">
+                <a:solidFill>
+                  <a:schemeClr val="tx1"/>
+                </a:solidFill>
+                <a:effectLst/>
+                <a:latin typeface="+mn-lt"/>
+                <a:ea typeface="+mn-ea"/>
+                <a:cs typeface="+mn-cs"/>
+              </a:rPr>
+              <a:t>sustainabili</a:t>
+            </a:r>
+            <a:r>
+              <a:rPr lang="en-CA" sz="1200" kern="1200" dirty="0">
+                <a:solidFill>
+                  <a:schemeClr val="tx1"/>
+                </a:solidFill>
+                <a:effectLst/>
+                <a:latin typeface="+mn-lt"/>
+                <a:ea typeface="+mn-ea"/>
+                <a:cs typeface="+mn-cs"/>
+              </a:rPr>
+              <a:t>-tree. Sustainable Christmas tree-rental company that grows Christmas trees responsibly, and uproots them and pots them during the Christmas season so that they can be  rented out to families. At the end of the Christmas season, the trees are returned to the company and are replanted for continued growth and future rentals, until they get too large for in-house use. This process eliminates the plastic associated with </a:t>
+            </a:r>
+            <a:r>
+              <a:rPr lang="en-CA" sz="1200" kern="1200" dirty="0" err="1">
+                <a:solidFill>
+                  <a:schemeClr val="tx1"/>
+                </a:solidFill>
+                <a:effectLst/>
+                <a:latin typeface="+mn-lt"/>
+                <a:ea typeface="+mn-ea"/>
+                <a:cs typeface="+mn-cs"/>
+              </a:rPr>
+              <a:t>articficial</a:t>
+            </a:r>
+            <a:r>
+              <a:rPr lang="en-CA" sz="1200" kern="1200" dirty="0">
+                <a:solidFill>
+                  <a:schemeClr val="tx1"/>
+                </a:solidFill>
+                <a:effectLst/>
+                <a:latin typeface="+mn-lt"/>
+                <a:ea typeface="+mn-ea"/>
+                <a:cs typeface="+mn-cs"/>
+              </a:rPr>
+              <a:t> trees, and the pesticides traditionally associated with live-cut trees. </a:t>
+            </a:r>
+          </a:p>
+          <a:p>
+            <a:endParaRPr lang="en-CA" dirty="0"/>
+          </a:p>
+        </p:txBody>
+      </p:sp>
+      <p:sp>
+        <p:nvSpPr>
+          <p:cNvPr id="4" name="Slide Number Placeholder 3"/>
+          <p:cNvSpPr>
+            <a:spLocks noGrp="1"/>
+          </p:cNvSpPr>
+          <p:nvPr>
+            <p:ph type="sldNum" sz="quarter" idx="10"/>
+          </p:nvPr>
+        </p:nvSpPr>
+        <p:spPr/>
+        <p:txBody>
+          <a:bodyPr/>
+          <a:lstStyle/>
+          <a:p>
+            <a:fld id="{CB8A3AB7-8654-40A4-9C17-545E9D278470}" type="slidenum">
+              <a:rPr lang="en-CA" smtClean="0"/>
+              <a:t>2</a:t>
+            </a:fld>
+            <a:endParaRPr lang="en-CA"/>
+          </a:p>
+        </p:txBody>
+      </p:sp>
+    </p:spTree>
+    <p:extLst>
+      <p:ext uri="{BB962C8B-B14F-4D97-AF65-F5344CB8AC3E}">
+        <p14:creationId xmlns:p14="http://schemas.microsoft.com/office/powerpoint/2010/main" val="2413525837"/>
+      </p:ext>
+    </p:extLst>
+  </p:cSld>
+  <p:clrMapOvr>
+    <a:masterClrMapping/>
+  </p:clrMapOvr>
+</p:notes>
+</file>
+
+<file path=ppt/notesSlides/notesSlide10.xml><?xml version="1.0" encoding="utf-8"?>
+<p:notes xmlns:a="http://schemas.openxmlformats.org/drawingml/2006/main" xmlns:r="http://schemas.openxmlformats.org/officeDocument/2006/relationships" xmlns:p="http://schemas.openxmlformats.org/presentationml/2006/main">
+  <p:cSld>
+    <p:spTree>
+      <p:nvGrpSpPr>
+        <p:cNvPr id="1" name=""/>
+        <p:cNvGrpSpPr/>
+        <p:nvPr/>
+      </p:nvGrpSpPr>
+      <p:grpSpPr>
+        <a:xfrm>
+          <a:off x="0" y="0"/>
+          <a:ext cx="0" cy="0"/>
+          <a:chOff x="0" y="0"/>
+          <a:chExt cx="0" cy="0"/>
+        </a:xfrm>
+      </p:grpSpPr>
+      <p:sp>
+        <p:nvSpPr>
+          <p:cNvPr id="2" name="Slide Image Placeholder 1"/>
+          <p:cNvSpPr>
+            <a:spLocks noGrp="1" noRot="1" noChangeAspect="1"/>
+          </p:cNvSpPr>
+          <p:nvPr>
+            <p:ph type="sldImg"/>
+          </p:nvPr>
+        </p:nvSpPr>
+        <p:spPr/>
+      </p:sp>
+      <p:sp>
+        <p:nvSpPr>
+          <p:cNvPr id="3" name="Notes Placeholder 2"/>
+          <p:cNvSpPr>
+            <a:spLocks noGrp="1"/>
+          </p:cNvSpPr>
+          <p:nvPr>
+            <p:ph type="body" idx="1"/>
+          </p:nvPr>
+        </p:nvSpPr>
+        <p:spPr/>
+        <p:txBody>
+          <a:bodyPr/>
+          <a:lstStyle/>
+          <a:p>
+            <a:r>
+              <a:rPr lang="en-CA" sz="1200" kern="1200" dirty="0" err="1">
+                <a:solidFill>
+                  <a:schemeClr val="tx1"/>
+                </a:solidFill>
+                <a:effectLst/>
+                <a:latin typeface="+mn-lt"/>
+                <a:ea typeface="+mn-ea"/>
+                <a:cs typeface="+mn-cs"/>
+              </a:rPr>
+              <a:t>Soooo</a:t>
+            </a:r>
+            <a:r>
+              <a:rPr lang="en-CA" sz="1200" kern="1200" dirty="0">
+                <a:solidFill>
+                  <a:schemeClr val="tx1"/>
+                </a:solidFill>
+                <a:effectLst/>
+                <a:latin typeface="+mn-lt"/>
+                <a:ea typeface="+mn-ea"/>
+                <a:cs typeface="+mn-cs"/>
+              </a:rPr>
+              <a:t>, as you can see, the homepage is basic, intuitive, with clear titles, and helpful buttons. You can see for yourselves that the homepage covers information about reserving trees,  it conveys information about the company and its benefits, and it provides highlights from the blog. All links are active. Clicking on any link triggers a loading animation. The contact page is fully validated, which ensures that all necessary information is input in the correct format before submitting a form. As you can see, there is a lovely slideshow here, on the about page.</a:t>
+            </a:r>
+          </a:p>
+          <a:p>
+            <a:endParaRPr lang="en-CA" sz="1200" kern="1200" dirty="0">
+              <a:solidFill>
+                <a:schemeClr val="tx1"/>
+              </a:solidFill>
+              <a:effectLst/>
+              <a:latin typeface="+mn-lt"/>
+              <a:ea typeface="+mn-ea"/>
+              <a:cs typeface="+mn-cs"/>
+            </a:endParaRPr>
+          </a:p>
+          <a:p>
+            <a:pPr marL="0" marR="0" lvl="0" indent="0" algn="l" defTabSz="914400" rtl="0" eaLnBrk="1" fontAlgn="auto" latinLnBrk="0" hangingPunct="1">
+              <a:lnSpc>
+                <a:spcPct val="100000"/>
+              </a:lnSpc>
+              <a:spcBef>
+                <a:spcPts val="0"/>
+              </a:spcBef>
+              <a:spcAft>
+                <a:spcPts val="0"/>
+              </a:spcAft>
+              <a:buClrTx/>
+              <a:buSzTx/>
+              <a:buFontTx/>
+              <a:buNone/>
+              <a:tabLst/>
+              <a:defRPr/>
+            </a:pPr>
+            <a:r>
+              <a:rPr lang="en-CA" sz="1200" kern="1200" dirty="0">
+                <a:solidFill>
+                  <a:schemeClr val="tx1"/>
+                </a:solidFill>
+                <a:effectLst/>
+                <a:latin typeface="+mn-lt"/>
+                <a:ea typeface="+mn-ea"/>
+                <a:cs typeface="+mn-cs"/>
+              </a:rPr>
+              <a:t>Only three of the pages are completely finished, so there is a friendly message on all other pages. Finally, as you can see the website it fully responsive, with a functional dropdown menu. </a:t>
+            </a:r>
+          </a:p>
+          <a:p>
+            <a:endParaRPr lang="en-CA" dirty="0"/>
+          </a:p>
+        </p:txBody>
+      </p:sp>
+      <p:sp>
+        <p:nvSpPr>
+          <p:cNvPr id="4" name="Slide Number Placeholder 3"/>
+          <p:cNvSpPr>
+            <a:spLocks noGrp="1"/>
+          </p:cNvSpPr>
+          <p:nvPr>
+            <p:ph type="sldNum" sz="quarter" idx="10"/>
+          </p:nvPr>
+        </p:nvSpPr>
+        <p:spPr/>
+        <p:txBody>
+          <a:bodyPr/>
+          <a:lstStyle/>
+          <a:p>
+            <a:fld id="{CB8A3AB7-8654-40A4-9C17-545E9D278470}" type="slidenum">
+              <a:rPr lang="en-CA" smtClean="0"/>
+              <a:t>11</a:t>
+            </a:fld>
+            <a:endParaRPr lang="en-CA"/>
+          </a:p>
+        </p:txBody>
+      </p:sp>
+    </p:spTree>
+    <p:extLst>
+      <p:ext uri="{BB962C8B-B14F-4D97-AF65-F5344CB8AC3E}">
+        <p14:creationId xmlns:p14="http://schemas.microsoft.com/office/powerpoint/2010/main" val="1697382075"/>
+      </p:ext>
+    </p:extLst>
+  </p:cSld>
+  <p:clrMapOvr>
+    <a:masterClrMapping/>
+  </p:clrMapOvr>
+</p:notes>
+</file>
+
+<file path=ppt/notesSlides/notesSlide11.xml><?xml version="1.0" encoding="utf-8"?>
+<p:notes xmlns:a="http://schemas.openxmlformats.org/drawingml/2006/main" xmlns:r="http://schemas.openxmlformats.org/officeDocument/2006/relationships" xmlns:p="http://schemas.openxmlformats.org/presentationml/2006/main">
+  <p:cSld>
+    <p:spTree>
+      <p:nvGrpSpPr>
+        <p:cNvPr id="1" name=""/>
+        <p:cNvGrpSpPr/>
+        <p:nvPr/>
+      </p:nvGrpSpPr>
+      <p:grpSpPr>
+        <a:xfrm>
+          <a:off x="0" y="0"/>
+          <a:ext cx="0" cy="0"/>
+          <a:chOff x="0" y="0"/>
+          <a:chExt cx="0" cy="0"/>
+        </a:xfrm>
+      </p:grpSpPr>
+      <p:sp>
+        <p:nvSpPr>
+          <p:cNvPr id="2" name="Slide Image Placeholder 1"/>
+          <p:cNvSpPr>
+            <a:spLocks noGrp="1" noRot="1" noChangeAspect="1"/>
+          </p:cNvSpPr>
+          <p:nvPr>
+            <p:ph type="sldImg"/>
+          </p:nvPr>
+        </p:nvSpPr>
+        <p:spPr/>
+      </p:sp>
+      <p:sp>
+        <p:nvSpPr>
+          <p:cNvPr id="3" name="Notes Placeholder 2"/>
+          <p:cNvSpPr>
+            <a:spLocks noGrp="1"/>
+          </p:cNvSpPr>
+          <p:nvPr>
+            <p:ph type="body" idx="1"/>
+          </p:nvPr>
+        </p:nvSpPr>
+        <p:spPr/>
+        <p:txBody>
+          <a:bodyPr/>
+          <a:lstStyle/>
+          <a:p>
+            <a:r>
+              <a:rPr lang="en-CA" sz="1200" kern="1200" dirty="0" err="1">
+                <a:solidFill>
+                  <a:schemeClr val="tx1"/>
+                </a:solidFill>
+                <a:effectLst/>
+                <a:latin typeface="+mn-lt"/>
+                <a:ea typeface="+mn-ea"/>
+                <a:cs typeface="+mn-cs"/>
+              </a:rPr>
+              <a:t>Soooo</a:t>
+            </a:r>
+            <a:r>
+              <a:rPr lang="en-CA" sz="1200" kern="1200" dirty="0">
+                <a:solidFill>
+                  <a:schemeClr val="tx1"/>
+                </a:solidFill>
+                <a:effectLst/>
+                <a:latin typeface="+mn-lt"/>
+                <a:ea typeface="+mn-ea"/>
+                <a:cs typeface="+mn-cs"/>
+              </a:rPr>
+              <a:t>, as you can see, the homepage is basic, intuitive, with clear titles, and helpful buttons. You can see for yourselves that the homepage covers information about reserving trees,  it conveys information about the company and its benefits, and it provides highlights from the blog. All links are active. Clicking on any link triggers a loading animation. The contact page is fully validated, which ensures that all necessary information is input in the correct format before submitting a form. As you can see, there is a lovely slideshow here, on the about page.</a:t>
+            </a:r>
+          </a:p>
+          <a:p>
+            <a:endParaRPr lang="en-CA" sz="1200" kern="1200" dirty="0">
+              <a:solidFill>
+                <a:schemeClr val="tx1"/>
+              </a:solidFill>
+              <a:effectLst/>
+              <a:latin typeface="+mn-lt"/>
+              <a:ea typeface="+mn-ea"/>
+              <a:cs typeface="+mn-cs"/>
+            </a:endParaRPr>
+          </a:p>
+          <a:p>
+            <a:pPr marL="0" marR="0" lvl="0" indent="0" algn="l" defTabSz="914400" rtl="0" eaLnBrk="1" fontAlgn="auto" latinLnBrk="0" hangingPunct="1">
+              <a:lnSpc>
+                <a:spcPct val="100000"/>
+              </a:lnSpc>
+              <a:spcBef>
+                <a:spcPts val="0"/>
+              </a:spcBef>
+              <a:spcAft>
+                <a:spcPts val="0"/>
+              </a:spcAft>
+              <a:buClrTx/>
+              <a:buSzTx/>
+              <a:buFontTx/>
+              <a:buNone/>
+              <a:tabLst/>
+              <a:defRPr/>
+            </a:pPr>
+            <a:r>
+              <a:rPr lang="en-CA" sz="1200" kern="1200" dirty="0">
+                <a:solidFill>
+                  <a:schemeClr val="tx1"/>
+                </a:solidFill>
+                <a:effectLst/>
+                <a:latin typeface="+mn-lt"/>
+                <a:ea typeface="+mn-ea"/>
+                <a:cs typeface="+mn-cs"/>
+              </a:rPr>
+              <a:t>Only three of the pages are completely finished, so there is a friendly message on all other pages. Finally, as you can see the website it fully responsive, with a functional dropdown menu. </a:t>
+            </a:r>
+          </a:p>
+          <a:p>
+            <a:endParaRPr lang="en-CA" dirty="0"/>
+          </a:p>
+          <a:p>
+            <a:endParaRPr lang="en-CA" dirty="0"/>
+          </a:p>
+        </p:txBody>
+      </p:sp>
+      <p:sp>
+        <p:nvSpPr>
+          <p:cNvPr id="4" name="Slide Number Placeholder 3"/>
+          <p:cNvSpPr>
+            <a:spLocks noGrp="1"/>
+          </p:cNvSpPr>
+          <p:nvPr>
+            <p:ph type="sldNum" sz="quarter" idx="10"/>
+          </p:nvPr>
+        </p:nvSpPr>
+        <p:spPr/>
+        <p:txBody>
+          <a:bodyPr/>
+          <a:lstStyle/>
+          <a:p>
+            <a:fld id="{CB8A3AB7-8654-40A4-9C17-545E9D278470}" type="slidenum">
+              <a:rPr lang="en-CA" smtClean="0"/>
+              <a:t>12</a:t>
+            </a:fld>
+            <a:endParaRPr lang="en-CA"/>
+          </a:p>
+        </p:txBody>
+      </p:sp>
+    </p:spTree>
+    <p:extLst>
+      <p:ext uri="{BB962C8B-B14F-4D97-AF65-F5344CB8AC3E}">
+        <p14:creationId xmlns:p14="http://schemas.microsoft.com/office/powerpoint/2010/main" val="4122720394"/>
+      </p:ext>
+    </p:extLst>
+  </p:cSld>
+  <p:clrMapOvr>
+    <a:masterClrMapping/>
+  </p:clrMapOvr>
+</p:notes>
+</file>
+
+<file path=ppt/notesSlides/notesSlide12.xml><?xml version="1.0" encoding="utf-8"?>
+<p:notes xmlns:a="http://schemas.openxmlformats.org/drawingml/2006/main" xmlns:r="http://schemas.openxmlformats.org/officeDocument/2006/relationships" xmlns:p="http://schemas.openxmlformats.org/presentationml/2006/main">
+  <p:cSld>
+    <p:spTree>
+      <p:nvGrpSpPr>
+        <p:cNvPr id="1" name=""/>
+        <p:cNvGrpSpPr/>
+        <p:nvPr/>
+      </p:nvGrpSpPr>
+      <p:grpSpPr>
+        <a:xfrm>
+          <a:off x="0" y="0"/>
+          <a:ext cx="0" cy="0"/>
+          <a:chOff x="0" y="0"/>
+          <a:chExt cx="0" cy="0"/>
+        </a:xfrm>
+      </p:grpSpPr>
+      <p:sp>
+        <p:nvSpPr>
+          <p:cNvPr id="2" name="Slide Image Placeholder 1"/>
+          <p:cNvSpPr>
+            <a:spLocks noGrp="1" noRot="1" noChangeAspect="1"/>
+          </p:cNvSpPr>
+          <p:nvPr>
+            <p:ph type="sldImg"/>
+          </p:nvPr>
+        </p:nvSpPr>
+        <p:spPr/>
+      </p:sp>
+      <p:sp>
+        <p:nvSpPr>
+          <p:cNvPr id="3" name="Notes Placeholder 2"/>
+          <p:cNvSpPr>
+            <a:spLocks noGrp="1"/>
+          </p:cNvSpPr>
+          <p:nvPr>
+            <p:ph type="body" idx="1"/>
+          </p:nvPr>
+        </p:nvSpPr>
+        <p:spPr/>
+        <p:txBody>
+          <a:bodyPr/>
+          <a:lstStyle/>
+          <a:p>
+            <a:r>
+              <a:rPr lang="en-CA" sz="1200" kern="1200" dirty="0" err="1">
+                <a:solidFill>
+                  <a:schemeClr val="tx1"/>
+                </a:solidFill>
+                <a:effectLst/>
+                <a:latin typeface="+mn-lt"/>
+                <a:ea typeface="+mn-ea"/>
+                <a:cs typeface="+mn-cs"/>
+              </a:rPr>
+              <a:t>Soooo</a:t>
+            </a:r>
+            <a:r>
+              <a:rPr lang="en-CA" sz="1200" kern="1200" dirty="0">
+                <a:solidFill>
+                  <a:schemeClr val="tx1"/>
+                </a:solidFill>
+                <a:effectLst/>
+                <a:latin typeface="+mn-lt"/>
+                <a:ea typeface="+mn-ea"/>
+                <a:cs typeface="+mn-cs"/>
+              </a:rPr>
+              <a:t>, as you can see, the homepage is basic, intuitive, with clear titles, and helpful buttons. You can see for yourselves that the homepage covers information about reserving trees,  it conveys information about the company and its benefits, and it provides highlights from the blog. All links are active. Clicking on any link triggers a loading animation. The contact page is fully validated, which ensures that all necessary information is input in the correct format before submitting a form. As you can see, there is a lovely slideshow here, on the about page.</a:t>
+            </a:r>
+          </a:p>
+          <a:p>
+            <a:endParaRPr lang="en-CA" sz="1200" kern="1200" dirty="0">
+              <a:solidFill>
+                <a:schemeClr val="tx1"/>
+              </a:solidFill>
+              <a:effectLst/>
+              <a:latin typeface="+mn-lt"/>
+              <a:ea typeface="+mn-ea"/>
+              <a:cs typeface="+mn-cs"/>
+            </a:endParaRPr>
+          </a:p>
+          <a:p>
+            <a:pPr marL="0" marR="0" lvl="0" indent="0" algn="l" defTabSz="914400" rtl="0" eaLnBrk="1" fontAlgn="auto" latinLnBrk="0" hangingPunct="1">
+              <a:lnSpc>
+                <a:spcPct val="100000"/>
+              </a:lnSpc>
+              <a:spcBef>
+                <a:spcPts val="0"/>
+              </a:spcBef>
+              <a:spcAft>
+                <a:spcPts val="0"/>
+              </a:spcAft>
+              <a:buClrTx/>
+              <a:buSzTx/>
+              <a:buFontTx/>
+              <a:buNone/>
+              <a:tabLst/>
+              <a:defRPr/>
+            </a:pPr>
+            <a:r>
+              <a:rPr lang="en-CA" sz="1200" kern="1200" dirty="0">
+                <a:solidFill>
+                  <a:schemeClr val="tx1"/>
+                </a:solidFill>
+                <a:effectLst/>
+                <a:latin typeface="+mn-lt"/>
+                <a:ea typeface="+mn-ea"/>
+                <a:cs typeface="+mn-cs"/>
+              </a:rPr>
+              <a:t>Only three of the pages are completely finished, so there is a friendly message on all other pages. Finally, as you can see the website it fully responsive, with a functional dropdown menu. </a:t>
+            </a:r>
+          </a:p>
+          <a:p>
+            <a:endParaRPr lang="en-CA" dirty="0"/>
+          </a:p>
+          <a:p>
+            <a:endParaRPr lang="en-CA" dirty="0"/>
+          </a:p>
+        </p:txBody>
+      </p:sp>
+      <p:sp>
+        <p:nvSpPr>
+          <p:cNvPr id="4" name="Slide Number Placeholder 3"/>
+          <p:cNvSpPr>
+            <a:spLocks noGrp="1"/>
+          </p:cNvSpPr>
+          <p:nvPr>
+            <p:ph type="sldNum" sz="quarter" idx="10"/>
+          </p:nvPr>
+        </p:nvSpPr>
+        <p:spPr/>
+        <p:txBody>
+          <a:bodyPr/>
+          <a:lstStyle/>
+          <a:p>
+            <a:fld id="{CB8A3AB7-8654-40A4-9C17-545E9D278470}" type="slidenum">
+              <a:rPr lang="en-CA" smtClean="0"/>
+              <a:t>13</a:t>
+            </a:fld>
+            <a:endParaRPr lang="en-CA"/>
+          </a:p>
+        </p:txBody>
+      </p:sp>
+    </p:spTree>
+    <p:extLst>
+      <p:ext uri="{BB962C8B-B14F-4D97-AF65-F5344CB8AC3E}">
+        <p14:creationId xmlns:p14="http://schemas.microsoft.com/office/powerpoint/2010/main" val="2457748275"/>
+      </p:ext>
+    </p:extLst>
+  </p:cSld>
+  <p:clrMapOvr>
+    <a:masterClrMapping/>
+  </p:clrMapOvr>
+</p:notes>
+</file>
+
+<file path=ppt/notesSlides/notesSlide13.xml><?xml version="1.0" encoding="utf-8"?>
+<p:notes xmlns:a="http://schemas.openxmlformats.org/drawingml/2006/main" xmlns:r="http://schemas.openxmlformats.org/officeDocument/2006/relationships" xmlns:p="http://schemas.openxmlformats.org/presentationml/2006/main">
+  <p:cSld>
+    <p:spTree>
+      <p:nvGrpSpPr>
+        <p:cNvPr id="1" name=""/>
+        <p:cNvGrpSpPr/>
+        <p:nvPr/>
+      </p:nvGrpSpPr>
+      <p:grpSpPr>
+        <a:xfrm>
+          <a:off x="0" y="0"/>
+          <a:ext cx="0" cy="0"/>
+          <a:chOff x="0" y="0"/>
+          <a:chExt cx="0" cy="0"/>
+        </a:xfrm>
+      </p:grpSpPr>
+      <p:sp>
+        <p:nvSpPr>
+          <p:cNvPr id="2" name="Slide Image Placeholder 1"/>
+          <p:cNvSpPr>
+            <a:spLocks noGrp="1" noRot="1" noChangeAspect="1"/>
+          </p:cNvSpPr>
+          <p:nvPr>
+            <p:ph type="sldImg"/>
+          </p:nvPr>
+        </p:nvSpPr>
+        <p:spPr/>
+      </p:sp>
+      <p:sp>
+        <p:nvSpPr>
+          <p:cNvPr id="3" name="Notes Placeholder 2"/>
+          <p:cNvSpPr>
+            <a:spLocks noGrp="1"/>
+          </p:cNvSpPr>
+          <p:nvPr>
+            <p:ph type="body" idx="1"/>
+          </p:nvPr>
+        </p:nvSpPr>
+        <p:spPr/>
+        <p:txBody>
+          <a:bodyPr/>
+          <a:lstStyle/>
+          <a:p>
+            <a:r>
+              <a:rPr lang="en-CA" sz="1200" kern="1200" dirty="0" err="1">
+                <a:solidFill>
+                  <a:schemeClr val="tx1"/>
+                </a:solidFill>
+                <a:effectLst/>
+                <a:latin typeface="+mn-lt"/>
+                <a:ea typeface="+mn-ea"/>
+                <a:cs typeface="+mn-cs"/>
+              </a:rPr>
+              <a:t>Soooo</a:t>
+            </a:r>
+            <a:r>
+              <a:rPr lang="en-CA" sz="1200" kern="1200" dirty="0">
+                <a:solidFill>
+                  <a:schemeClr val="tx1"/>
+                </a:solidFill>
+                <a:effectLst/>
+                <a:latin typeface="+mn-lt"/>
+                <a:ea typeface="+mn-ea"/>
+                <a:cs typeface="+mn-cs"/>
+              </a:rPr>
+              <a:t>, as you can see, the homepage is basic, intuitive, with clear titles, and helpful buttons. You can see for yourselves that the homepage covers information about reserving trees,  it conveys information about the company and its benefits, and it provides highlights from the blog. All links are active. Clicking on any link triggers a loading animation. The contact page is fully validated, which ensures that all necessary information is input in the correct format before submitting a form. As you can see, there is a lovely slideshow here, on the about page.</a:t>
+            </a:r>
+          </a:p>
+          <a:p>
+            <a:endParaRPr lang="en-CA" sz="1200" kern="1200" dirty="0">
+              <a:solidFill>
+                <a:schemeClr val="tx1"/>
+              </a:solidFill>
+              <a:effectLst/>
+              <a:latin typeface="+mn-lt"/>
+              <a:ea typeface="+mn-ea"/>
+              <a:cs typeface="+mn-cs"/>
+            </a:endParaRPr>
+          </a:p>
+          <a:p>
+            <a:pPr marL="0" marR="0" lvl="0" indent="0" algn="l" defTabSz="914400" rtl="0" eaLnBrk="1" fontAlgn="auto" latinLnBrk="0" hangingPunct="1">
+              <a:lnSpc>
+                <a:spcPct val="100000"/>
+              </a:lnSpc>
+              <a:spcBef>
+                <a:spcPts val="0"/>
+              </a:spcBef>
+              <a:spcAft>
+                <a:spcPts val="0"/>
+              </a:spcAft>
+              <a:buClrTx/>
+              <a:buSzTx/>
+              <a:buFontTx/>
+              <a:buNone/>
+              <a:tabLst/>
+              <a:defRPr/>
+            </a:pPr>
+            <a:r>
+              <a:rPr lang="en-CA" sz="1200" kern="1200" dirty="0">
+                <a:solidFill>
+                  <a:schemeClr val="tx1"/>
+                </a:solidFill>
+                <a:effectLst/>
+                <a:latin typeface="+mn-lt"/>
+                <a:ea typeface="+mn-ea"/>
+                <a:cs typeface="+mn-cs"/>
+              </a:rPr>
+              <a:t>Only three of the pages are completely finished, so there is a friendly message on all other pages. Finally, as you can see the website it fully responsive, with a functional dropdown menu. </a:t>
+            </a:r>
+          </a:p>
+          <a:p>
+            <a:endParaRPr lang="en-CA" dirty="0"/>
+          </a:p>
+          <a:p>
+            <a:endParaRPr lang="en-CA" dirty="0"/>
+          </a:p>
+        </p:txBody>
+      </p:sp>
+      <p:sp>
+        <p:nvSpPr>
+          <p:cNvPr id="4" name="Slide Number Placeholder 3"/>
+          <p:cNvSpPr>
+            <a:spLocks noGrp="1"/>
+          </p:cNvSpPr>
+          <p:nvPr>
+            <p:ph type="sldNum" sz="quarter" idx="10"/>
+          </p:nvPr>
+        </p:nvSpPr>
+        <p:spPr/>
+        <p:txBody>
+          <a:bodyPr/>
+          <a:lstStyle/>
+          <a:p>
+            <a:fld id="{CB8A3AB7-8654-40A4-9C17-545E9D278470}" type="slidenum">
+              <a:rPr lang="en-CA" smtClean="0"/>
+              <a:t>14</a:t>
+            </a:fld>
+            <a:endParaRPr lang="en-CA"/>
+          </a:p>
+        </p:txBody>
+      </p:sp>
+    </p:spTree>
+    <p:extLst>
+      <p:ext uri="{BB962C8B-B14F-4D97-AF65-F5344CB8AC3E}">
+        <p14:creationId xmlns:p14="http://schemas.microsoft.com/office/powerpoint/2010/main" val="4017199150"/>
+      </p:ext>
+    </p:extLst>
+  </p:cSld>
+  <p:clrMapOvr>
+    <a:masterClrMapping/>
+  </p:clrMapOvr>
+</p:notes>
+</file>
+
+<file path=ppt/notesSlides/notesSlide14.xml><?xml version="1.0" encoding="utf-8"?>
+<p:notes xmlns:a="http://schemas.openxmlformats.org/drawingml/2006/main" xmlns:r="http://schemas.openxmlformats.org/officeDocument/2006/relationships" xmlns:p="http://schemas.openxmlformats.org/presentationml/2006/main">
+  <p:cSld>
+    <p:spTree>
+      <p:nvGrpSpPr>
+        <p:cNvPr id="1" name=""/>
+        <p:cNvGrpSpPr/>
+        <p:nvPr/>
+      </p:nvGrpSpPr>
+      <p:grpSpPr>
+        <a:xfrm>
+          <a:off x="0" y="0"/>
+          <a:ext cx="0" cy="0"/>
+          <a:chOff x="0" y="0"/>
+          <a:chExt cx="0" cy="0"/>
+        </a:xfrm>
+      </p:grpSpPr>
+      <p:sp>
+        <p:nvSpPr>
+          <p:cNvPr id="2" name="Slide Image Placeholder 1"/>
+          <p:cNvSpPr>
+            <a:spLocks noGrp="1" noRot="1" noChangeAspect="1"/>
+          </p:cNvSpPr>
+          <p:nvPr>
+            <p:ph type="sldImg"/>
+          </p:nvPr>
+        </p:nvSpPr>
+        <p:spPr/>
+      </p:sp>
+      <p:sp>
+        <p:nvSpPr>
+          <p:cNvPr id="3" name="Notes Placeholder 2"/>
+          <p:cNvSpPr>
+            <a:spLocks noGrp="1"/>
+          </p:cNvSpPr>
+          <p:nvPr>
+            <p:ph type="body" idx="1"/>
+          </p:nvPr>
+        </p:nvSpPr>
+        <p:spPr/>
+        <p:txBody>
+          <a:bodyPr/>
+          <a:lstStyle/>
+          <a:p>
+            <a:r>
+              <a:rPr lang="en-CA" sz="1200" kern="1200" dirty="0" err="1">
+                <a:solidFill>
+                  <a:schemeClr val="tx1"/>
+                </a:solidFill>
+                <a:effectLst/>
+                <a:latin typeface="+mn-lt"/>
+                <a:ea typeface="+mn-ea"/>
+                <a:cs typeface="+mn-cs"/>
+              </a:rPr>
+              <a:t>Soooo</a:t>
+            </a:r>
+            <a:r>
+              <a:rPr lang="en-CA" sz="1200" kern="1200" dirty="0">
+                <a:solidFill>
+                  <a:schemeClr val="tx1"/>
+                </a:solidFill>
+                <a:effectLst/>
+                <a:latin typeface="+mn-lt"/>
+                <a:ea typeface="+mn-ea"/>
+                <a:cs typeface="+mn-cs"/>
+              </a:rPr>
+              <a:t>, as you can see, the homepage is basic, intuitive, with clear titles, and helpful buttons. You can see for yourselves that the homepage covers information about reserving trees,  it conveys information about the company and its benefits, and it provides highlights from the blog. All links are active. Clicking on any link triggers a loading animation. The contact page is fully validated, which ensures that all necessary information is input in the correct format before submitting a form. As you can see, there is a lovely slideshow here, on the about page.</a:t>
+            </a:r>
+          </a:p>
+          <a:p>
+            <a:endParaRPr lang="en-CA" sz="1200" kern="1200" dirty="0">
+              <a:solidFill>
+                <a:schemeClr val="tx1"/>
+              </a:solidFill>
+              <a:effectLst/>
+              <a:latin typeface="+mn-lt"/>
+              <a:ea typeface="+mn-ea"/>
+              <a:cs typeface="+mn-cs"/>
+            </a:endParaRPr>
+          </a:p>
+          <a:p>
+            <a:pPr marL="0" marR="0" lvl="0" indent="0" algn="l" defTabSz="914400" rtl="0" eaLnBrk="1" fontAlgn="auto" latinLnBrk="0" hangingPunct="1">
+              <a:lnSpc>
+                <a:spcPct val="100000"/>
+              </a:lnSpc>
+              <a:spcBef>
+                <a:spcPts val="0"/>
+              </a:spcBef>
+              <a:spcAft>
+                <a:spcPts val="0"/>
+              </a:spcAft>
+              <a:buClrTx/>
+              <a:buSzTx/>
+              <a:buFontTx/>
+              <a:buNone/>
+              <a:tabLst/>
+              <a:defRPr/>
+            </a:pPr>
+            <a:r>
+              <a:rPr lang="en-CA" sz="1200" kern="1200" dirty="0">
+                <a:solidFill>
+                  <a:schemeClr val="tx1"/>
+                </a:solidFill>
+                <a:effectLst/>
+                <a:latin typeface="+mn-lt"/>
+                <a:ea typeface="+mn-ea"/>
+                <a:cs typeface="+mn-cs"/>
+              </a:rPr>
+              <a:t>Only three of the pages are completely finished, so there is a friendly message on all other pages. Finally, as you can see the website it fully responsive, with a functional dropdown menu. </a:t>
+            </a:r>
+          </a:p>
+          <a:p>
+            <a:endParaRPr lang="en-CA" dirty="0"/>
+          </a:p>
+          <a:p>
+            <a:endParaRPr lang="en-CA" dirty="0"/>
+          </a:p>
+        </p:txBody>
+      </p:sp>
+      <p:sp>
+        <p:nvSpPr>
+          <p:cNvPr id="4" name="Slide Number Placeholder 3"/>
+          <p:cNvSpPr>
+            <a:spLocks noGrp="1"/>
+          </p:cNvSpPr>
+          <p:nvPr>
+            <p:ph type="sldNum" sz="quarter" idx="10"/>
+          </p:nvPr>
+        </p:nvSpPr>
+        <p:spPr/>
+        <p:txBody>
+          <a:bodyPr/>
+          <a:lstStyle/>
+          <a:p>
+            <a:fld id="{CB8A3AB7-8654-40A4-9C17-545E9D278470}" type="slidenum">
+              <a:rPr lang="en-CA" smtClean="0"/>
+              <a:t>15</a:t>
+            </a:fld>
+            <a:endParaRPr lang="en-CA"/>
+          </a:p>
+        </p:txBody>
+      </p:sp>
+    </p:spTree>
+    <p:extLst>
+      <p:ext uri="{BB962C8B-B14F-4D97-AF65-F5344CB8AC3E}">
+        <p14:creationId xmlns:p14="http://schemas.microsoft.com/office/powerpoint/2010/main" val="2183671904"/>
+      </p:ext>
+    </p:extLst>
+  </p:cSld>
+  <p:clrMapOvr>
+    <a:masterClrMapping/>
+  </p:clrMapOvr>
+</p:notes>
+</file>
+
+<file path=ppt/notesSlides/notesSlide15.xml><?xml version="1.0" encoding="utf-8"?>
+<p:notes xmlns:a="http://schemas.openxmlformats.org/drawingml/2006/main" xmlns:r="http://schemas.openxmlformats.org/officeDocument/2006/relationships" xmlns:p="http://schemas.openxmlformats.org/presentationml/2006/main">
+  <p:cSld>
+    <p:spTree>
+      <p:nvGrpSpPr>
+        <p:cNvPr id="1" name=""/>
+        <p:cNvGrpSpPr/>
+        <p:nvPr/>
+      </p:nvGrpSpPr>
+      <p:grpSpPr>
+        <a:xfrm>
+          <a:off x="0" y="0"/>
+          <a:ext cx="0" cy="0"/>
+          <a:chOff x="0" y="0"/>
+          <a:chExt cx="0" cy="0"/>
+        </a:xfrm>
+      </p:grpSpPr>
+      <p:sp>
+        <p:nvSpPr>
+          <p:cNvPr id="2" name="Slide Image Placeholder 1"/>
+          <p:cNvSpPr>
+            <a:spLocks noGrp="1" noRot="1" noChangeAspect="1"/>
+          </p:cNvSpPr>
+          <p:nvPr>
+            <p:ph type="sldImg"/>
+          </p:nvPr>
+        </p:nvSpPr>
+        <p:spPr/>
+      </p:sp>
+      <p:sp>
+        <p:nvSpPr>
+          <p:cNvPr id="3" name="Notes Placeholder 2"/>
+          <p:cNvSpPr>
+            <a:spLocks noGrp="1"/>
+          </p:cNvSpPr>
+          <p:nvPr>
+            <p:ph type="body" idx="1"/>
+          </p:nvPr>
+        </p:nvSpPr>
+        <p:spPr/>
+        <p:txBody>
+          <a:bodyPr/>
+          <a:lstStyle/>
+          <a:p>
+            <a:r>
+              <a:rPr lang="en-CA" sz="1200" kern="1200" dirty="0" err="1">
+                <a:solidFill>
+                  <a:schemeClr val="tx1"/>
+                </a:solidFill>
+                <a:effectLst/>
+                <a:latin typeface="+mn-lt"/>
+                <a:ea typeface="+mn-ea"/>
+                <a:cs typeface="+mn-cs"/>
+              </a:rPr>
+              <a:t>Soooo</a:t>
+            </a:r>
+            <a:r>
+              <a:rPr lang="en-CA" sz="1200" kern="1200" dirty="0">
+                <a:solidFill>
+                  <a:schemeClr val="tx1"/>
+                </a:solidFill>
+                <a:effectLst/>
+                <a:latin typeface="+mn-lt"/>
+                <a:ea typeface="+mn-ea"/>
+                <a:cs typeface="+mn-cs"/>
+              </a:rPr>
+              <a:t>, as you can see, the homepage is basic, intuitive, with clear titles, and helpful buttons. You can see for yourselves that the homepage covers information about reserving trees,  it conveys information about the company and its benefits, and it provides highlights from the blog. All links are active. Clicking on any link triggers a loading animation. The contact page is fully validated, which ensures that all necessary information is input in the correct format before submitting a form. As you can see, there is a lovely slideshow here, on the about page.</a:t>
+            </a:r>
+          </a:p>
+          <a:p>
+            <a:endParaRPr lang="en-CA" sz="1200" kern="1200" dirty="0">
+              <a:solidFill>
+                <a:schemeClr val="tx1"/>
+              </a:solidFill>
+              <a:effectLst/>
+              <a:latin typeface="+mn-lt"/>
+              <a:ea typeface="+mn-ea"/>
+              <a:cs typeface="+mn-cs"/>
+            </a:endParaRPr>
+          </a:p>
+          <a:p>
+            <a:pPr marL="0" marR="0" lvl="0" indent="0" algn="l" defTabSz="914400" rtl="0" eaLnBrk="1" fontAlgn="auto" latinLnBrk="0" hangingPunct="1">
+              <a:lnSpc>
+                <a:spcPct val="100000"/>
+              </a:lnSpc>
+              <a:spcBef>
+                <a:spcPts val="0"/>
+              </a:spcBef>
+              <a:spcAft>
+                <a:spcPts val="0"/>
+              </a:spcAft>
+              <a:buClrTx/>
+              <a:buSzTx/>
+              <a:buFontTx/>
+              <a:buNone/>
+              <a:tabLst/>
+              <a:defRPr/>
+            </a:pPr>
+            <a:r>
+              <a:rPr lang="en-CA" sz="1200" kern="1200" dirty="0">
+                <a:solidFill>
+                  <a:schemeClr val="tx1"/>
+                </a:solidFill>
+                <a:effectLst/>
+                <a:latin typeface="+mn-lt"/>
+                <a:ea typeface="+mn-ea"/>
+                <a:cs typeface="+mn-cs"/>
+              </a:rPr>
+              <a:t>Only three of the pages are completely finished, so there is a friendly message on all other pages. Finally, as you can see the website it fully responsive, with a functional dropdown menu. </a:t>
+            </a:r>
+          </a:p>
+          <a:p>
+            <a:endParaRPr lang="en-CA" dirty="0"/>
+          </a:p>
+          <a:p>
+            <a:endParaRPr lang="en-CA" dirty="0"/>
+          </a:p>
+        </p:txBody>
+      </p:sp>
+      <p:sp>
+        <p:nvSpPr>
+          <p:cNvPr id="4" name="Slide Number Placeholder 3"/>
+          <p:cNvSpPr>
+            <a:spLocks noGrp="1"/>
+          </p:cNvSpPr>
+          <p:nvPr>
+            <p:ph type="sldNum" sz="quarter" idx="10"/>
+          </p:nvPr>
+        </p:nvSpPr>
+        <p:spPr/>
+        <p:txBody>
+          <a:bodyPr/>
+          <a:lstStyle/>
+          <a:p>
+            <a:fld id="{CB8A3AB7-8654-40A4-9C17-545E9D278470}" type="slidenum">
+              <a:rPr lang="en-CA" smtClean="0"/>
+              <a:t>16</a:t>
+            </a:fld>
+            <a:endParaRPr lang="en-CA"/>
+          </a:p>
+        </p:txBody>
+      </p:sp>
+    </p:spTree>
+    <p:extLst>
+      <p:ext uri="{BB962C8B-B14F-4D97-AF65-F5344CB8AC3E}">
+        <p14:creationId xmlns:p14="http://schemas.microsoft.com/office/powerpoint/2010/main" val="232344525"/>
+      </p:ext>
+    </p:extLst>
+  </p:cSld>
+  <p:clrMapOvr>
+    <a:masterClrMapping/>
+  </p:clrMapOvr>
+</p:notes>
+</file>
+
+<file path=ppt/notesSlides/notesSlide2.xml><?xml version="1.0" encoding="utf-8"?>
+<p:notes xmlns:a="http://schemas.openxmlformats.org/drawingml/2006/main" xmlns:r="http://schemas.openxmlformats.org/officeDocument/2006/relationships" xmlns:p="http://schemas.openxmlformats.org/presentationml/2006/main">
+  <p:cSld>
+    <p:spTree>
+      <p:nvGrpSpPr>
+        <p:cNvPr id="1" name=""/>
+        <p:cNvGrpSpPr/>
+        <p:nvPr/>
+      </p:nvGrpSpPr>
+      <p:grpSpPr>
+        <a:xfrm>
+          <a:off x="0" y="0"/>
+          <a:ext cx="0" cy="0"/>
+          <a:chOff x="0" y="0"/>
+          <a:chExt cx="0" cy="0"/>
+        </a:xfrm>
+      </p:grpSpPr>
+      <p:sp>
+        <p:nvSpPr>
+          <p:cNvPr id="2" name="Slide Image Placeholder 1"/>
+          <p:cNvSpPr>
+            <a:spLocks noGrp="1" noRot="1" noChangeAspect="1"/>
+          </p:cNvSpPr>
+          <p:nvPr>
+            <p:ph type="sldImg"/>
+          </p:nvPr>
+        </p:nvSpPr>
+        <p:spPr/>
+      </p:sp>
+      <p:sp>
+        <p:nvSpPr>
+          <p:cNvPr id="3" name="Notes Placeholder 2"/>
+          <p:cNvSpPr>
+            <a:spLocks noGrp="1"/>
+          </p:cNvSpPr>
+          <p:nvPr>
+            <p:ph type="body" idx="1"/>
+          </p:nvPr>
+        </p:nvSpPr>
+        <p:spPr/>
+        <p:txBody>
+          <a:bodyPr/>
+          <a:lstStyle/>
+          <a:p>
+            <a:pPr marL="0" marR="0" lvl="0" indent="0" algn="l" defTabSz="914400" rtl="0" eaLnBrk="1" fontAlgn="auto" latinLnBrk="0" hangingPunct="1">
+              <a:lnSpc>
+                <a:spcPct val="100000"/>
+              </a:lnSpc>
+              <a:spcBef>
+                <a:spcPts val="0"/>
+              </a:spcBef>
+              <a:spcAft>
+                <a:spcPts val="0"/>
+              </a:spcAft>
+              <a:buClrTx/>
+              <a:buSzTx/>
+              <a:buFontTx/>
+              <a:buNone/>
+              <a:tabLst/>
+              <a:defRPr/>
+            </a:pPr>
+            <a:r>
+              <a:rPr lang="en-CA" sz="1200" kern="1200" dirty="0">
+                <a:solidFill>
+                  <a:schemeClr val="tx1"/>
+                </a:solidFill>
+                <a:effectLst/>
+                <a:latin typeface="+mn-lt"/>
+                <a:ea typeface="+mn-ea"/>
+                <a:cs typeface="+mn-cs"/>
+              </a:rPr>
+              <a:t>The creative design for the website was inspired by the primary, target demographic, namely </a:t>
+            </a:r>
+            <a:r>
+              <a:rPr lang="en-CA" sz="1200" kern="1200" dirty="0" err="1">
+                <a:solidFill>
+                  <a:schemeClr val="tx1"/>
+                </a:solidFill>
+                <a:effectLst/>
+                <a:latin typeface="+mn-lt"/>
+                <a:ea typeface="+mn-ea"/>
+                <a:cs typeface="+mn-cs"/>
+              </a:rPr>
+              <a:t>environmentaists</a:t>
+            </a:r>
+            <a:r>
+              <a:rPr lang="en-CA" sz="1200" kern="1200" dirty="0">
+                <a:solidFill>
+                  <a:schemeClr val="tx1"/>
+                </a:solidFill>
+                <a:effectLst/>
+                <a:latin typeface="+mn-lt"/>
+                <a:ea typeface="+mn-ea"/>
+                <a:cs typeface="+mn-cs"/>
+              </a:rPr>
+              <a:t>. Most environmentalists in todays’ society are between 24 and 40 years of age. They are nature-lovers, and often fall into the minimalist/zero-waste categories as well. This age group is very busy and does not have a lot of time to research and read content; they appreciate when information is </a:t>
+            </a:r>
+            <a:r>
+              <a:rPr lang="en-CA" sz="1200" kern="1200" dirty="0" err="1">
+                <a:solidFill>
+                  <a:schemeClr val="tx1"/>
+                </a:solidFill>
+                <a:effectLst/>
+                <a:latin typeface="+mn-lt"/>
+                <a:ea typeface="+mn-ea"/>
+                <a:cs typeface="+mn-cs"/>
+              </a:rPr>
+              <a:t>sussinct</a:t>
+            </a:r>
+            <a:r>
+              <a:rPr lang="en-CA" sz="1200" kern="1200" dirty="0">
+                <a:solidFill>
+                  <a:schemeClr val="tx1"/>
+                </a:solidFill>
+                <a:effectLst/>
+                <a:latin typeface="+mn-lt"/>
+                <a:ea typeface="+mn-ea"/>
+                <a:cs typeface="+mn-cs"/>
+              </a:rPr>
+              <a:t> and well-laid out. Individuals in this age group tend to be quite technology-dependent, and thus likely have mobile phones. Thus, a natural, mature, green colour scheme was chosen for the website. The layout is very minimalistic. It is also responsive in order to accommodate mobile viewing. </a:t>
+            </a:r>
+          </a:p>
+          <a:p>
+            <a:endParaRPr lang="en-CA" dirty="0"/>
+          </a:p>
+        </p:txBody>
+      </p:sp>
+      <p:sp>
+        <p:nvSpPr>
+          <p:cNvPr id="4" name="Slide Number Placeholder 3"/>
+          <p:cNvSpPr>
+            <a:spLocks noGrp="1"/>
+          </p:cNvSpPr>
+          <p:nvPr>
+            <p:ph type="sldNum" sz="quarter" idx="10"/>
+          </p:nvPr>
+        </p:nvSpPr>
+        <p:spPr/>
+        <p:txBody>
+          <a:bodyPr/>
+          <a:lstStyle/>
+          <a:p>
+            <a:fld id="{CB8A3AB7-8654-40A4-9C17-545E9D278470}" type="slidenum">
+              <a:rPr lang="en-CA" smtClean="0"/>
+              <a:t>3</a:t>
+            </a:fld>
+            <a:endParaRPr lang="en-CA"/>
+          </a:p>
+        </p:txBody>
+      </p:sp>
+    </p:spTree>
+    <p:extLst>
+      <p:ext uri="{BB962C8B-B14F-4D97-AF65-F5344CB8AC3E}">
+        <p14:creationId xmlns:p14="http://schemas.microsoft.com/office/powerpoint/2010/main" val="1959025238"/>
+      </p:ext>
+    </p:extLst>
+  </p:cSld>
+  <p:clrMapOvr>
+    <a:masterClrMapping/>
+  </p:clrMapOvr>
+</p:notes>
+</file>
+
+<file path=ppt/notesSlides/notesSlide3.xml><?xml version="1.0" encoding="utf-8"?>
+<p:notes xmlns:a="http://schemas.openxmlformats.org/drawingml/2006/main" xmlns:r="http://schemas.openxmlformats.org/officeDocument/2006/relationships" xmlns:p="http://schemas.openxmlformats.org/presentationml/2006/main">
+  <p:cSld>
+    <p:spTree>
+      <p:nvGrpSpPr>
+        <p:cNvPr id="1" name=""/>
+        <p:cNvGrpSpPr/>
+        <p:nvPr/>
+      </p:nvGrpSpPr>
+      <p:grpSpPr>
+        <a:xfrm>
+          <a:off x="0" y="0"/>
+          <a:ext cx="0" cy="0"/>
+          <a:chOff x="0" y="0"/>
+          <a:chExt cx="0" cy="0"/>
+        </a:xfrm>
+      </p:grpSpPr>
+      <p:sp>
+        <p:nvSpPr>
+          <p:cNvPr id="2" name="Slide Image Placeholder 1"/>
+          <p:cNvSpPr>
+            <a:spLocks noGrp="1" noRot="1" noChangeAspect="1"/>
+          </p:cNvSpPr>
+          <p:nvPr>
+            <p:ph type="sldImg"/>
+          </p:nvPr>
+        </p:nvSpPr>
+        <p:spPr/>
+      </p:sp>
+      <p:sp>
+        <p:nvSpPr>
+          <p:cNvPr id="3" name="Notes Placeholder 2"/>
+          <p:cNvSpPr>
+            <a:spLocks noGrp="1"/>
+          </p:cNvSpPr>
+          <p:nvPr>
+            <p:ph type="body" idx="1"/>
+          </p:nvPr>
+        </p:nvSpPr>
+        <p:spPr/>
+        <p:txBody>
+          <a:bodyPr/>
+          <a:lstStyle/>
+          <a:p>
+            <a:r>
+              <a:rPr lang="en-CA" dirty="0"/>
+              <a:t>Based on the purpose of the company, I created a list of information that would be beneficial or essential to visitors to the website. I used that list to develop the navigation menu and the different pages on the website. </a:t>
+            </a:r>
+          </a:p>
+        </p:txBody>
+      </p:sp>
+      <p:sp>
+        <p:nvSpPr>
+          <p:cNvPr id="4" name="Slide Number Placeholder 3"/>
+          <p:cNvSpPr>
+            <a:spLocks noGrp="1"/>
+          </p:cNvSpPr>
+          <p:nvPr>
+            <p:ph type="sldNum" sz="quarter" idx="10"/>
+          </p:nvPr>
+        </p:nvSpPr>
+        <p:spPr/>
+        <p:txBody>
+          <a:bodyPr/>
+          <a:lstStyle/>
+          <a:p>
+            <a:fld id="{CB8A3AB7-8654-40A4-9C17-545E9D278470}" type="slidenum">
+              <a:rPr lang="en-CA" smtClean="0"/>
+              <a:t>4</a:t>
+            </a:fld>
+            <a:endParaRPr lang="en-CA"/>
+          </a:p>
+        </p:txBody>
+      </p:sp>
+    </p:spTree>
+    <p:extLst>
+      <p:ext uri="{BB962C8B-B14F-4D97-AF65-F5344CB8AC3E}">
+        <p14:creationId xmlns:p14="http://schemas.microsoft.com/office/powerpoint/2010/main" val="1357386206"/>
+      </p:ext>
+    </p:extLst>
+  </p:cSld>
+  <p:clrMapOvr>
+    <a:masterClrMapping/>
+  </p:clrMapOvr>
+</p:notes>
+</file>
+
+<file path=ppt/notesSlides/notesSlide4.xml><?xml version="1.0" encoding="utf-8"?>
+<p:notes xmlns:a="http://schemas.openxmlformats.org/drawingml/2006/main" xmlns:r="http://schemas.openxmlformats.org/officeDocument/2006/relationships" xmlns:p="http://schemas.openxmlformats.org/presentationml/2006/main">
+  <p:cSld>
+    <p:spTree>
+      <p:nvGrpSpPr>
+        <p:cNvPr id="1" name=""/>
+        <p:cNvGrpSpPr/>
+        <p:nvPr/>
+      </p:nvGrpSpPr>
+      <p:grpSpPr>
+        <a:xfrm>
+          <a:off x="0" y="0"/>
+          <a:ext cx="0" cy="0"/>
+          <a:chOff x="0" y="0"/>
+          <a:chExt cx="0" cy="0"/>
+        </a:xfrm>
+      </p:grpSpPr>
+      <p:sp>
+        <p:nvSpPr>
+          <p:cNvPr id="2" name="Slide Image Placeholder 1"/>
+          <p:cNvSpPr>
+            <a:spLocks noGrp="1" noRot="1" noChangeAspect="1"/>
+          </p:cNvSpPr>
+          <p:nvPr>
+            <p:ph type="sldImg"/>
+          </p:nvPr>
+        </p:nvSpPr>
+        <p:spPr/>
+      </p:sp>
+      <p:sp>
+        <p:nvSpPr>
+          <p:cNvPr id="3" name="Notes Placeholder 2"/>
+          <p:cNvSpPr>
+            <a:spLocks noGrp="1"/>
+          </p:cNvSpPr>
+          <p:nvPr>
+            <p:ph type="body" idx="1"/>
+          </p:nvPr>
+        </p:nvSpPr>
+        <p:spPr/>
+        <p:txBody>
+          <a:bodyPr/>
+          <a:lstStyle/>
+          <a:p>
+            <a:r>
+              <a:rPr lang="en-CA" dirty="0"/>
+              <a:t>Based on the purpose of the company, I created a list of information that would be beneficial or essential to visitors to the website. I used that list to develop the navigation menu and the different pages on the website. </a:t>
+            </a:r>
+          </a:p>
+        </p:txBody>
+      </p:sp>
+      <p:sp>
+        <p:nvSpPr>
+          <p:cNvPr id="4" name="Slide Number Placeholder 3"/>
+          <p:cNvSpPr>
+            <a:spLocks noGrp="1"/>
+          </p:cNvSpPr>
+          <p:nvPr>
+            <p:ph type="sldNum" sz="quarter" idx="10"/>
+          </p:nvPr>
+        </p:nvSpPr>
+        <p:spPr/>
+        <p:txBody>
+          <a:bodyPr/>
+          <a:lstStyle/>
+          <a:p>
+            <a:fld id="{CB8A3AB7-8654-40A4-9C17-545E9D278470}" type="slidenum">
+              <a:rPr lang="en-CA" smtClean="0"/>
+              <a:t>5</a:t>
+            </a:fld>
+            <a:endParaRPr lang="en-CA"/>
+          </a:p>
+        </p:txBody>
+      </p:sp>
+    </p:spTree>
+    <p:extLst>
+      <p:ext uri="{BB962C8B-B14F-4D97-AF65-F5344CB8AC3E}">
+        <p14:creationId xmlns:p14="http://schemas.microsoft.com/office/powerpoint/2010/main" val="3511433290"/>
+      </p:ext>
+    </p:extLst>
+  </p:cSld>
+  <p:clrMapOvr>
+    <a:masterClrMapping/>
+  </p:clrMapOvr>
+</p:notes>
+</file>
+
+<file path=ppt/notesSlides/notesSlide5.xml><?xml version="1.0" encoding="utf-8"?>
+<p:notes xmlns:a="http://schemas.openxmlformats.org/drawingml/2006/main" xmlns:r="http://schemas.openxmlformats.org/officeDocument/2006/relationships" xmlns:p="http://schemas.openxmlformats.org/presentationml/2006/main">
+  <p:cSld>
+    <p:spTree>
+      <p:nvGrpSpPr>
+        <p:cNvPr id="1" name=""/>
+        <p:cNvGrpSpPr/>
+        <p:nvPr/>
+      </p:nvGrpSpPr>
+      <p:grpSpPr>
+        <a:xfrm>
+          <a:off x="0" y="0"/>
+          <a:ext cx="0" cy="0"/>
+          <a:chOff x="0" y="0"/>
+          <a:chExt cx="0" cy="0"/>
+        </a:xfrm>
+      </p:grpSpPr>
+      <p:sp>
+        <p:nvSpPr>
+          <p:cNvPr id="2" name="Slide Image Placeholder 1"/>
+          <p:cNvSpPr>
+            <a:spLocks noGrp="1" noRot="1" noChangeAspect="1"/>
+          </p:cNvSpPr>
+          <p:nvPr>
+            <p:ph type="sldImg"/>
+          </p:nvPr>
+        </p:nvSpPr>
+        <p:spPr/>
+      </p:sp>
+      <p:sp>
+        <p:nvSpPr>
+          <p:cNvPr id="3" name="Notes Placeholder 2"/>
+          <p:cNvSpPr>
+            <a:spLocks noGrp="1"/>
+          </p:cNvSpPr>
+          <p:nvPr>
+            <p:ph type="body" idx="1"/>
+          </p:nvPr>
+        </p:nvSpPr>
+        <p:spPr/>
+        <p:txBody>
+          <a:bodyPr/>
+          <a:lstStyle/>
+          <a:p>
+            <a:r>
+              <a:rPr lang="en-CA" dirty="0"/>
+              <a:t>Based on the purpose of the company, I created a list of information that would be beneficial or essential to visitors to the website. I used that list to develop the navigation menu and the different pages on the website. </a:t>
+            </a:r>
+          </a:p>
+        </p:txBody>
+      </p:sp>
+      <p:sp>
+        <p:nvSpPr>
+          <p:cNvPr id="4" name="Slide Number Placeholder 3"/>
+          <p:cNvSpPr>
+            <a:spLocks noGrp="1"/>
+          </p:cNvSpPr>
+          <p:nvPr>
+            <p:ph type="sldNum" sz="quarter" idx="10"/>
+          </p:nvPr>
+        </p:nvSpPr>
+        <p:spPr/>
+        <p:txBody>
+          <a:bodyPr/>
+          <a:lstStyle/>
+          <a:p>
+            <a:fld id="{CB8A3AB7-8654-40A4-9C17-545E9D278470}" type="slidenum">
+              <a:rPr lang="en-CA" smtClean="0"/>
+              <a:t>6</a:t>
+            </a:fld>
+            <a:endParaRPr lang="en-CA"/>
+          </a:p>
+        </p:txBody>
+      </p:sp>
+    </p:spTree>
+    <p:extLst>
+      <p:ext uri="{BB962C8B-B14F-4D97-AF65-F5344CB8AC3E}">
+        <p14:creationId xmlns:p14="http://schemas.microsoft.com/office/powerpoint/2010/main" val="4084247882"/>
+      </p:ext>
+    </p:extLst>
+  </p:cSld>
+  <p:clrMapOvr>
+    <a:masterClrMapping/>
+  </p:clrMapOvr>
+</p:notes>
+</file>
+
+<file path=ppt/notesSlides/notesSlide6.xml><?xml version="1.0" encoding="utf-8"?>
+<p:notes xmlns:a="http://schemas.openxmlformats.org/drawingml/2006/main" xmlns:r="http://schemas.openxmlformats.org/officeDocument/2006/relationships" xmlns:p="http://schemas.openxmlformats.org/presentationml/2006/main">
+  <p:cSld>
+    <p:spTree>
+      <p:nvGrpSpPr>
+        <p:cNvPr id="1" name=""/>
+        <p:cNvGrpSpPr/>
+        <p:nvPr/>
+      </p:nvGrpSpPr>
+      <p:grpSpPr>
+        <a:xfrm>
+          <a:off x="0" y="0"/>
+          <a:ext cx="0" cy="0"/>
+          <a:chOff x="0" y="0"/>
+          <a:chExt cx="0" cy="0"/>
+        </a:xfrm>
+      </p:grpSpPr>
+      <p:sp>
+        <p:nvSpPr>
+          <p:cNvPr id="2" name="Slide Image Placeholder 1"/>
+          <p:cNvSpPr>
+            <a:spLocks noGrp="1" noRot="1" noChangeAspect="1"/>
+          </p:cNvSpPr>
+          <p:nvPr>
+            <p:ph type="sldImg"/>
+          </p:nvPr>
+        </p:nvSpPr>
+        <p:spPr/>
+      </p:sp>
+      <p:sp>
+        <p:nvSpPr>
+          <p:cNvPr id="3" name="Notes Placeholder 2"/>
+          <p:cNvSpPr>
+            <a:spLocks noGrp="1"/>
+          </p:cNvSpPr>
+          <p:nvPr>
+            <p:ph type="body" idx="1"/>
+          </p:nvPr>
+        </p:nvSpPr>
+        <p:spPr/>
+        <p:txBody>
+          <a:bodyPr/>
+          <a:lstStyle/>
+          <a:p>
+            <a:r>
+              <a:rPr lang="en-CA" dirty="0"/>
+              <a:t>Based on the purpose of the company, I created a list of information that would be beneficial or essential to visitors to the website. I used that list to develop the navigation menu and the different pages on the website. </a:t>
+            </a:r>
+          </a:p>
+        </p:txBody>
+      </p:sp>
+      <p:sp>
+        <p:nvSpPr>
+          <p:cNvPr id="4" name="Slide Number Placeholder 3"/>
+          <p:cNvSpPr>
+            <a:spLocks noGrp="1"/>
+          </p:cNvSpPr>
+          <p:nvPr>
+            <p:ph type="sldNum" sz="quarter" idx="10"/>
+          </p:nvPr>
+        </p:nvSpPr>
+        <p:spPr/>
+        <p:txBody>
+          <a:bodyPr/>
+          <a:lstStyle/>
+          <a:p>
+            <a:fld id="{CB8A3AB7-8654-40A4-9C17-545E9D278470}" type="slidenum">
+              <a:rPr lang="en-CA" smtClean="0"/>
+              <a:t>7</a:t>
+            </a:fld>
+            <a:endParaRPr lang="en-CA"/>
+          </a:p>
+        </p:txBody>
+      </p:sp>
+    </p:spTree>
+    <p:extLst>
+      <p:ext uri="{BB962C8B-B14F-4D97-AF65-F5344CB8AC3E}">
+        <p14:creationId xmlns:p14="http://schemas.microsoft.com/office/powerpoint/2010/main" val="2663483"/>
+      </p:ext>
+    </p:extLst>
+  </p:cSld>
+  <p:clrMapOvr>
+    <a:masterClrMapping/>
+  </p:clrMapOvr>
+</p:notes>
+</file>
+
+<file path=ppt/notesSlides/notesSlide7.xml><?xml version="1.0" encoding="utf-8"?>
+<p:notes xmlns:a="http://schemas.openxmlformats.org/drawingml/2006/main" xmlns:r="http://schemas.openxmlformats.org/officeDocument/2006/relationships" xmlns:p="http://schemas.openxmlformats.org/presentationml/2006/main">
+  <p:cSld>
+    <p:spTree>
+      <p:nvGrpSpPr>
+        <p:cNvPr id="1" name=""/>
+        <p:cNvGrpSpPr/>
+        <p:nvPr/>
+      </p:nvGrpSpPr>
+      <p:grpSpPr>
+        <a:xfrm>
+          <a:off x="0" y="0"/>
+          <a:ext cx="0" cy="0"/>
+          <a:chOff x="0" y="0"/>
+          <a:chExt cx="0" cy="0"/>
+        </a:xfrm>
+      </p:grpSpPr>
+      <p:sp>
+        <p:nvSpPr>
+          <p:cNvPr id="2" name="Slide Image Placeholder 1"/>
+          <p:cNvSpPr>
+            <a:spLocks noGrp="1" noRot="1" noChangeAspect="1"/>
+          </p:cNvSpPr>
+          <p:nvPr>
+            <p:ph type="sldImg"/>
+          </p:nvPr>
+        </p:nvSpPr>
+        <p:spPr/>
+      </p:sp>
+      <p:sp>
+        <p:nvSpPr>
+          <p:cNvPr id="3" name="Notes Placeholder 2"/>
+          <p:cNvSpPr>
+            <a:spLocks noGrp="1"/>
+          </p:cNvSpPr>
+          <p:nvPr>
+            <p:ph type="body" idx="1"/>
+          </p:nvPr>
+        </p:nvSpPr>
+        <p:spPr/>
+        <p:txBody>
+          <a:bodyPr/>
+          <a:lstStyle/>
+          <a:p>
+            <a:r>
+              <a:rPr lang="en-CA" dirty="0"/>
+              <a:t>Based on the purpose of the company, I created a list of information that would be beneficial or essential to visitors to the website. I used that list to develop the navigation menu and the different pages on the website. </a:t>
+            </a:r>
+          </a:p>
+        </p:txBody>
+      </p:sp>
+      <p:sp>
+        <p:nvSpPr>
+          <p:cNvPr id="4" name="Slide Number Placeholder 3"/>
+          <p:cNvSpPr>
+            <a:spLocks noGrp="1"/>
+          </p:cNvSpPr>
+          <p:nvPr>
+            <p:ph type="sldNum" sz="quarter" idx="10"/>
+          </p:nvPr>
+        </p:nvSpPr>
+        <p:spPr/>
+        <p:txBody>
+          <a:bodyPr/>
+          <a:lstStyle/>
+          <a:p>
+            <a:fld id="{CB8A3AB7-8654-40A4-9C17-545E9D278470}" type="slidenum">
+              <a:rPr lang="en-CA" smtClean="0"/>
+              <a:t>8</a:t>
+            </a:fld>
+            <a:endParaRPr lang="en-CA"/>
+          </a:p>
+        </p:txBody>
+      </p:sp>
+    </p:spTree>
+    <p:extLst>
+      <p:ext uri="{BB962C8B-B14F-4D97-AF65-F5344CB8AC3E}">
+        <p14:creationId xmlns:p14="http://schemas.microsoft.com/office/powerpoint/2010/main" val="2459562762"/>
+      </p:ext>
+    </p:extLst>
+  </p:cSld>
+  <p:clrMapOvr>
+    <a:masterClrMapping/>
+  </p:clrMapOvr>
+</p:notes>
+</file>
+
+<file path=ppt/notesSlides/notesSlide8.xml><?xml version="1.0" encoding="utf-8"?>
+<p:notes xmlns:a="http://schemas.openxmlformats.org/drawingml/2006/main" xmlns:r="http://schemas.openxmlformats.org/officeDocument/2006/relationships" xmlns:p="http://schemas.openxmlformats.org/presentationml/2006/main">
+  <p:cSld>
+    <p:spTree>
+      <p:nvGrpSpPr>
+        <p:cNvPr id="1" name=""/>
+        <p:cNvGrpSpPr/>
+        <p:nvPr/>
+      </p:nvGrpSpPr>
+      <p:grpSpPr>
+        <a:xfrm>
+          <a:off x="0" y="0"/>
+          <a:ext cx="0" cy="0"/>
+          <a:chOff x="0" y="0"/>
+          <a:chExt cx="0" cy="0"/>
+        </a:xfrm>
+      </p:grpSpPr>
+      <p:sp>
+        <p:nvSpPr>
+          <p:cNvPr id="2" name="Slide Image Placeholder 1"/>
+          <p:cNvSpPr>
+            <a:spLocks noGrp="1" noRot="1" noChangeAspect="1"/>
+          </p:cNvSpPr>
+          <p:nvPr>
+            <p:ph type="sldImg"/>
+          </p:nvPr>
+        </p:nvSpPr>
+        <p:spPr/>
+      </p:sp>
+      <p:sp>
+        <p:nvSpPr>
+          <p:cNvPr id="3" name="Notes Placeholder 2"/>
+          <p:cNvSpPr>
+            <a:spLocks noGrp="1"/>
+          </p:cNvSpPr>
+          <p:nvPr>
+            <p:ph type="body" idx="1"/>
+          </p:nvPr>
+        </p:nvSpPr>
+        <p:spPr/>
+        <p:txBody>
+          <a:bodyPr/>
+          <a:lstStyle/>
+          <a:p>
+            <a:r>
+              <a:rPr lang="en-CA" dirty="0"/>
+              <a:t>Based on the purpose of the company, I created a list of information that would be beneficial or essential to visitors to the website. I used that list to develop the navigation menu and the different pages on the website. </a:t>
+            </a:r>
+          </a:p>
+        </p:txBody>
+      </p:sp>
+      <p:sp>
+        <p:nvSpPr>
+          <p:cNvPr id="4" name="Slide Number Placeholder 3"/>
+          <p:cNvSpPr>
+            <a:spLocks noGrp="1"/>
+          </p:cNvSpPr>
+          <p:nvPr>
+            <p:ph type="sldNum" sz="quarter" idx="10"/>
+          </p:nvPr>
+        </p:nvSpPr>
+        <p:spPr/>
+        <p:txBody>
+          <a:bodyPr/>
+          <a:lstStyle/>
+          <a:p>
+            <a:fld id="{CB8A3AB7-8654-40A4-9C17-545E9D278470}" type="slidenum">
+              <a:rPr lang="en-CA" smtClean="0"/>
+              <a:t>9</a:t>
+            </a:fld>
+            <a:endParaRPr lang="en-CA"/>
+          </a:p>
+        </p:txBody>
+      </p:sp>
+    </p:spTree>
+    <p:extLst>
+      <p:ext uri="{BB962C8B-B14F-4D97-AF65-F5344CB8AC3E}">
+        <p14:creationId xmlns:p14="http://schemas.microsoft.com/office/powerpoint/2010/main" val="3335415588"/>
+      </p:ext>
+    </p:extLst>
+  </p:cSld>
+  <p:clrMapOvr>
+    <a:masterClrMapping/>
+  </p:clrMapOvr>
+</p:notes>
+</file>
+
+<file path=ppt/notesSlides/notesSlide9.xml><?xml version="1.0" encoding="utf-8"?>
+<p:notes xmlns:a="http://schemas.openxmlformats.org/drawingml/2006/main" xmlns:r="http://schemas.openxmlformats.org/officeDocument/2006/relationships" xmlns:p="http://schemas.openxmlformats.org/presentationml/2006/main">
+  <p:cSld>
+    <p:spTree>
+      <p:nvGrpSpPr>
+        <p:cNvPr id="1" name=""/>
+        <p:cNvGrpSpPr/>
+        <p:nvPr/>
+      </p:nvGrpSpPr>
+      <p:grpSpPr>
+        <a:xfrm>
+          <a:off x="0" y="0"/>
+          <a:ext cx="0" cy="0"/>
+          <a:chOff x="0" y="0"/>
+          <a:chExt cx="0" cy="0"/>
+        </a:xfrm>
+      </p:grpSpPr>
+      <p:sp>
+        <p:nvSpPr>
+          <p:cNvPr id="2" name="Slide Image Placeholder 1"/>
+          <p:cNvSpPr>
+            <a:spLocks noGrp="1" noRot="1" noChangeAspect="1"/>
+          </p:cNvSpPr>
+          <p:nvPr>
+            <p:ph type="sldImg"/>
+          </p:nvPr>
+        </p:nvSpPr>
+        <p:spPr/>
+      </p:sp>
+      <p:sp>
+        <p:nvSpPr>
+          <p:cNvPr id="3" name="Notes Placeholder 2"/>
+          <p:cNvSpPr>
+            <a:spLocks noGrp="1"/>
+          </p:cNvSpPr>
+          <p:nvPr>
+            <p:ph type="body" idx="1"/>
+          </p:nvPr>
+        </p:nvSpPr>
+        <p:spPr/>
+        <p:txBody>
+          <a:bodyPr/>
+          <a:lstStyle/>
+          <a:p>
+            <a:pPr marL="0" marR="0" lvl="0" indent="0" algn="l" defTabSz="914400" rtl="0" eaLnBrk="1" fontAlgn="auto" latinLnBrk="0" hangingPunct="1">
+              <a:lnSpc>
+                <a:spcPct val="100000"/>
+              </a:lnSpc>
+              <a:spcBef>
+                <a:spcPts val="0"/>
+              </a:spcBef>
+              <a:spcAft>
+                <a:spcPts val="0"/>
+              </a:spcAft>
+              <a:buClrTx/>
+              <a:buSzTx/>
+              <a:buFontTx/>
+              <a:buNone/>
+              <a:tabLst/>
+              <a:defRPr/>
+            </a:pPr>
+            <a:r>
+              <a:rPr lang="en-CA" sz="1200" kern="1200" dirty="0">
+                <a:solidFill>
+                  <a:schemeClr val="tx1"/>
+                </a:solidFill>
+                <a:effectLst/>
+                <a:latin typeface="+mn-lt"/>
+                <a:ea typeface="+mn-ea"/>
+                <a:cs typeface="+mn-cs"/>
+              </a:rPr>
+              <a:t>In terms of the homepage, the purpose is to succinctly summarize all of the information in a visually-appealing fashion, while emphasizing the purpose and benefits of the company. The reason for this is that this is a very novel concept that is not well known. Individuals who visit the website likely don’t know anything about the company. So the website has to quickly catch the attention of users, efficiently answer any questions they might have and thus sell the idea. </a:t>
+            </a:r>
+          </a:p>
+          <a:p>
+            <a:endParaRPr lang="en-CA" dirty="0"/>
+          </a:p>
+        </p:txBody>
+      </p:sp>
+      <p:sp>
+        <p:nvSpPr>
+          <p:cNvPr id="4" name="Slide Number Placeholder 3"/>
+          <p:cNvSpPr>
+            <a:spLocks noGrp="1"/>
+          </p:cNvSpPr>
+          <p:nvPr>
+            <p:ph type="sldNum" sz="quarter" idx="10"/>
+          </p:nvPr>
+        </p:nvSpPr>
+        <p:spPr/>
+        <p:txBody>
+          <a:bodyPr/>
+          <a:lstStyle/>
+          <a:p>
+            <a:fld id="{CB8A3AB7-8654-40A4-9C17-545E9D278470}" type="slidenum">
+              <a:rPr lang="en-CA" smtClean="0"/>
+              <a:t>10</a:t>
+            </a:fld>
+            <a:endParaRPr lang="en-CA"/>
+          </a:p>
+        </p:txBody>
+      </p:sp>
+    </p:spTree>
+    <p:extLst>
+      <p:ext uri="{BB962C8B-B14F-4D97-AF65-F5344CB8AC3E}">
+        <p14:creationId xmlns:p14="http://schemas.microsoft.com/office/powerpoint/2010/main" val="3941058"/>
+      </p:ext>
+    </p:extLst>
+  </p:cSld>
+  <p:clrMapOvr>
+    <a:masterClrMapping/>
+  </p:clrMapOvr>
+</p:notes>
 </file>
 
 <file path=ppt/slideLayouts/slideLayout1.xml><?xml version="1.0" encoding="utf-8"?>
@@ -335,7 +2611,7 @@
           <a:p>
             <a:fld id="{E33C9A0A-5784-4B83-BD11-792F9B36826A}" type="datetimeFigureOut">
               <a:rPr lang="en-CA" smtClean="0"/>
-              <a:t>2018-04-18</a:t>
+              <a:t>2018-04-25</a:t>
             </a:fld>
             <a:endParaRPr lang="en-CA"/>
           </a:p>
@@ -543,7 +2819,7 @@
           <a:p>
             <a:fld id="{E33C9A0A-5784-4B83-BD11-792F9B36826A}" type="datetimeFigureOut">
               <a:rPr lang="en-CA" smtClean="0"/>
-              <a:t>2018-04-18</a:t>
+              <a:t>2018-04-25</a:t>
             </a:fld>
             <a:endParaRPr lang="en-CA"/>
           </a:p>
@@ -799,7 +3075,7 @@
           <a:p>
             <a:fld id="{E33C9A0A-5784-4B83-BD11-792F9B36826A}" type="datetimeFigureOut">
               <a:rPr lang="en-CA" smtClean="0"/>
-              <a:t>2018-04-18</a:t>
+              <a:t>2018-04-25</a:t>
             </a:fld>
             <a:endParaRPr lang="en-CA"/>
           </a:p>
@@ -973,7 +3249,7 @@
           <a:p>
             <a:fld id="{E33C9A0A-5784-4B83-BD11-792F9B36826A}" type="datetimeFigureOut">
               <a:rPr lang="en-CA" smtClean="0"/>
-              <a:t>2018-04-18</a:t>
+              <a:t>2018-04-25</a:t>
             </a:fld>
             <a:endParaRPr lang="en-CA"/>
           </a:p>
@@ -1316,7 +3592,7 @@
           <a:p>
             <a:fld id="{E33C9A0A-5784-4B83-BD11-792F9B36826A}" type="datetimeFigureOut">
               <a:rPr lang="en-CA" smtClean="0"/>
-              <a:t>2018-04-18</a:t>
+              <a:t>2018-04-25</a:t>
             </a:fld>
             <a:endParaRPr lang="en-CA"/>
           </a:p>
@@ -1591,7 +3867,7 @@
           <a:p>
             <a:fld id="{E33C9A0A-5784-4B83-BD11-792F9B36826A}" type="datetimeFigureOut">
               <a:rPr lang="en-CA" smtClean="0"/>
-              <a:t>2018-04-18</a:t>
+              <a:t>2018-04-25</a:t>
             </a:fld>
             <a:endParaRPr lang="en-CA"/>
           </a:p>
@@ -1970,7 +4246,7 @@
           <a:p>
             <a:fld id="{E33C9A0A-5784-4B83-BD11-792F9B36826A}" type="datetimeFigureOut">
               <a:rPr lang="en-CA" smtClean="0"/>
-              <a:t>2018-04-18</a:t>
+              <a:t>2018-04-25</a:t>
             </a:fld>
             <a:endParaRPr lang="en-CA"/>
           </a:p>
@@ -2088,7 +4364,7 @@
           <a:p>
             <a:fld id="{E33C9A0A-5784-4B83-BD11-792F9B36826A}" type="datetimeFigureOut">
               <a:rPr lang="en-CA" smtClean="0"/>
-              <a:t>2018-04-18</a:t>
+              <a:t>2018-04-25</a:t>
             </a:fld>
             <a:endParaRPr lang="en-CA"/>
           </a:p>
@@ -2259,7 +4535,7 @@
           <a:p>
             <a:fld id="{E33C9A0A-5784-4B83-BD11-792F9B36826A}" type="datetimeFigureOut">
               <a:rPr lang="en-CA" smtClean="0"/>
-              <a:t>2018-04-18</a:t>
+              <a:t>2018-04-25</a:t>
             </a:fld>
             <a:endParaRPr lang="en-CA"/>
           </a:p>
@@ -2613,7 +4889,7 @@
           <a:p>
             <a:fld id="{E33C9A0A-5784-4B83-BD11-792F9B36826A}" type="datetimeFigureOut">
               <a:rPr lang="en-CA" smtClean="0"/>
-              <a:t>2018-04-18</a:t>
+              <a:t>2018-04-25</a:t>
             </a:fld>
             <a:endParaRPr lang="en-CA"/>
           </a:p>
@@ -2995,7 +5271,7 @@
           <a:p>
             <a:fld id="{E33C9A0A-5784-4B83-BD11-792F9B36826A}" type="datetimeFigureOut">
               <a:rPr lang="en-CA" smtClean="0"/>
-              <a:t>2018-04-18</a:t>
+              <a:t>2018-04-25</a:t>
             </a:fld>
             <a:endParaRPr lang="en-CA"/>
           </a:p>
@@ -3282,7 +5558,7 @@
           <a:p>
             <a:fld id="{E33C9A0A-5784-4B83-BD11-792F9B36826A}" type="datetimeFigureOut">
               <a:rPr lang="en-CA" smtClean="0"/>
-              <a:t>2018-04-18</a:t>
+              <a:t>2018-04-25</a:t>
             </a:fld>
             <a:endParaRPr lang="en-CA"/>
           </a:p>
@@ -4071,6 +6347,2502 @@
 </p:sld>
 </file>
 
+<file path=ppt/slides/slide10.xml><?xml version="1.0" encoding="utf-8"?>
+<p:sld xmlns:a="http://schemas.openxmlformats.org/drawingml/2006/main" xmlns:r="http://schemas.openxmlformats.org/officeDocument/2006/relationships" xmlns:p="http://schemas.openxmlformats.org/presentationml/2006/main">
+  <p:cSld>
+    <p:spTree>
+      <p:nvGrpSpPr>
+        <p:cNvPr id="1" name=""/>
+        <p:cNvGrpSpPr/>
+        <p:nvPr/>
+      </p:nvGrpSpPr>
+      <p:grpSpPr>
+        <a:xfrm>
+          <a:off x="0" y="0"/>
+          <a:ext cx="0" cy="0"/>
+          <a:chOff x="0" y="0"/>
+          <a:chExt cx="0" cy="0"/>
+        </a:xfrm>
+      </p:grpSpPr>
+      <p:sp>
+        <p:nvSpPr>
+          <p:cNvPr id="2" name="Rectangle 1">
+            <a:extLst>
+              <a:ext uri="{FF2B5EF4-FFF2-40B4-BE49-F238E27FC236}">
+                <a16:creationId xmlns:a16="http://schemas.microsoft.com/office/drawing/2014/main" id="{DDE44C0A-170A-4D97-B3BE-EE4096F9C886}"/>
+              </a:ext>
+            </a:extLst>
+          </p:cNvPr>
+          <p:cNvSpPr/>
+          <p:nvPr/>
+        </p:nvSpPr>
+        <p:spPr>
+          <a:xfrm>
+            <a:off x="4816491" y="323882"/>
+            <a:ext cx="2546852" cy="646331"/>
+          </a:xfrm>
+          <a:prstGeom prst="rect">
+            <a:avLst/>
+          </a:prstGeom>
+        </p:spPr>
+        <p:txBody>
+          <a:bodyPr wrap="none">
+            <a:spAutoFit/>
+          </a:bodyPr>
+          <a:lstStyle/>
+          <a:p>
+            <a:pPr algn="ctr"/>
+            <a:r>
+              <a:rPr lang="en-CA" sz="3600" b="1" u="sng" dirty="0">
+                <a:solidFill>
+                  <a:schemeClr val="accent2"/>
+                </a:solidFill>
+                <a:latin typeface="Source Serif Pro" panose="02040603050405020204" pitchFamily="18" charset="0"/>
+                <a:ea typeface="Source Serif Pro" panose="02040603050405020204" pitchFamily="18" charset="0"/>
+              </a:rPr>
+              <a:t>Home Page</a:t>
+            </a:r>
+            <a:endParaRPr lang="en-CA" sz="3600" u="sng" dirty="0">
+              <a:solidFill>
+                <a:schemeClr val="accent2"/>
+              </a:solidFill>
+            </a:endParaRPr>
+          </a:p>
+        </p:txBody>
+      </p:sp>
+      <p:sp>
+        <p:nvSpPr>
+          <p:cNvPr id="3" name="TextBox 2">
+            <a:extLst>
+              <a:ext uri="{FF2B5EF4-FFF2-40B4-BE49-F238E27FC236}">
+                <a16:creationId xmlns:a16="http://schemas.microsoft.com/office/drawing/2014/main" id="{7F47E76A-DB1B-49B0-8868-155EBA0C0DF2}"/>
+              </a:ext>
+            </a:extLst>
+          </p:cNvPr>
+          <p:cNvSpPr txBox="1"/>
+          <p:nvPr/>
+        </p:nvSpPr>
+        <p:spPr>
+          <a:xfrm>
+            <a:off x="690663" y="1308097"/>
+            <a:ext cx="5336511" cy="523220"/>
+          </a:xfrm>
+          <a:prstGeom prst="rect">
+            <a:avLst/>
+          </a:prstGeom>
+          <a:solidFill>
+            <a:schemeClr val="accent1"/>
+          </a:solidFill>
+          <a:ln w="76200">
+            <a:solidFill>
+              <a:schemeClr val="accent2"/>
+            </a:solidFill>
+          </a:ln>
+        </p:spPr>
+        <p:txBody>
+          <a:bodyPr wrap="square" rtlCol="0">
+            <a:spAutoFit/>
+          </a:bodyPr>
+          <a:lstStyle/>
+          <a:p>
+            <a:pPr algn="ctr"/>
+            <a:r>
+              <a:rPr lang="en-CA" sz="2800" b="1" dirty="0">
+                <a:latin typeface="Source Serif Pro" panose="02040603050405020204" pitchFamily="18" charset="0"/>
+                <a:ea typeface="Source Serif Pro" panose="02040603050405020204" pitchFamily="18" charset="0"/>
+              </a:rPr>
+              <a:t>Purpose:</a:t>
+            </a:r>
+            <a:endParaRPr lang="en-CA" sz="2800" dirty="0">
+              <a:latin typeface="Source Serif Pro" panose="02040603050405020204" pitchFamily="18" charset="0"/>
+              <a:ea typeface="Source Serif Pro" panose="02040603050405020204" pitchFamily="18" charset="0"/>
+            </a:endParaRPr>
+          </a:p>
+        </p:txBody>
+      </p:sp>
+      <p:sp>
+        <p:nvSpPr>
+          <p:cNvPr id="8" name="TextBox 7">
+            <a:extLst>
+              <a:ext uri="{FF2B5EF4-FFF2-40B4-BE49-F238E27FC236}">
+                <a16:creationId xmlns:a16="http://schemas.microsoft.com/office/drawing/2014/main" id="{EB2DAA5F-C8B8-4112-B10F-3ECB269D8271}"/>
+              </a:ext>
+            </a:extLst>
+          </p:cNvPr>
+          <p:cNvSpPr txBox="1"/>
+          <p:nvPr/>
+        </p:nvSpPr>
+        <p:spPr>
+          <a:xfrm>
+            <a:off x="690663" y="1987742"/>
+            <a:ext cx="5336511" cy="1200329"/>
+          </a:xfrm>
+          <a:prstGeom prst="rect">
+            <a:avLst/>
+          </a:prstGeom>
+          <a:noFill/>
+          <a:ln w="76200">
+            <a:solidFill>
+              <a:schemeClr val="accent2"/>
+            </a:solidFill>
+          </a:ln>
+        </p:spPr>
+        <p:txBody>
+          <a:bodyPr wrap="square" rtlCol="0">
+            <a:spAutoFit/>
+          </a:bodyPr>
+          <a:lstStyle/>
+          <a:p>
+            <a:pPr marL="457200" indent="-457200">
+              <a:buFont typeface="+mj-lt"/>
+              <a:buAutoNum type="arabicPeriod"/>
+            </a:pPr>
+            <a:r>
+              <a:rPr lang="en-CA" sz="2400" b="1" dirty="0">
+                <a:latin typeface="Source Serif Pro" panose="02040603050405020204" pitchFamily="18" charset="0"/>
+                <a:ea typeface="Source Serif Pro" panose="02040603050405020204" pitchFamily="18" charset="0"/>
+              </a:rPr>
+              <a:t>Summarize all content</a:t>
+            </a:r>
+          </a:p>
+          <a:p>
+            <a:pPr marL="457200" indent="-457200">
+              <a:buFont typeface="+mj-lt"/>
+              <a:buAutoNum type="arabicPeriod"/>
+            </a:pPr>
+            <a:r>
+              <a:rPr lang="en-CA" sz="2400" b="1" dirty="0">
+                <a:latin typeface="Source Serif Pro" panose="02040603050405020204" pitchFamily="18" charset="0"/>
+                <a:ea typeface="Source Serif Pro" panose="02040603050405020204" pitchFamily="18" charset="0"/>
+              </a:rPr>
+              <a:t>Visually appealing</a:t>
+            </a:r>
+          </a:p>
+          <a:p>
+            <a:pPr marL="457200" indent="-457200">
+              <a:buFont typeface="+mj-lt"/>
+              <a:buAutoNum type="arabicPeriod"/>
+            </a:pPr>
+            <a:r>
+              <a:rPr lang="en-CA" sz="2400" b="1" dirty="0">
+                <a:latin typeface="Source Serif Pro" panose="02040603050405020204" pitchFamily="18" charset="0"/>
+                <a:ea typeface="Source Serif Pro" panose="02040603050405020204" pitchFamily="18" charset="0"/>
+              </a:rPr>
+              <a:t>Emphasize purpose/benefits</a:t>
+            </a:r>
+          </a:p>
+        </p:txBody>
+      </p:sp>
+      <p:sp>
+        <p:nvSpPr>
+          <p:cNvPr id="11" name="TextBox 10">
+            <a:extLst>
+              <a:ext uri="{FF2B5EF4-FFF2-40B4-BE49-F238E27FC236}">
+                <a16:creationId xmlns:a16="http://schemas.microsoft.com/office/drawing/2014/main" id="{E81D2282-B499-4AB6-BA9B-83CE9E83D387}"/>
+              </a:ext>
+            </a:extLst>
+          </p:cNvPr>
+          <p:cNvSpPr txBox="1"/>
+          <p:nvPr/>
+        </p:nvSpPr>
+        <p:spPr>
+          <a:xfrm>
+            <a:off x="690663" y="3790742"/>
+            <a:ext cx="5336511" cy="523220"/>
+          </a:xfrm>
+          <a:prstGeom prst="rect">
+            <a:avLst/>
+          </a:prstGeom>
+          <a:solidFill>
+            <a:schemeClr val="accent1"/>
+          </a:solidFill>
+          <a:ln w="76200">
+            <a:solidFill>
+              <a:schemeClr val="accent2"/>
+            </a:solidFill>
+          </a:ln>
+        </p:spPr>
+        <p:txBody>
+          <a:bodyPr wrap="square" rtlCol="0">
+            <a:spAutoFit/>
+          </a:bodyPr>
+          <a:lstStyle/>
+          <a:p>
+            <a:pPr algn="ctr"/>
+            <a:r>
+              <a:rPr lang="en-CA" sz="2800" b="1" dirty="0">
+                <a:latin typeface="Source Serif Pro" panose="02040603050405020204" pitchFamily="18" charset="0"/>
+                <a:ea typeface="Source Serif Pro" panose="02040603050405020204" pitchFamily="18" charset="0"/>
+              </a:rPr>
+              <a:t>Reason:</a:t>
+            </a:r>
+            <a:endParaRPr lang="en-CA" sz="2800" dirty="0">
+              <a:latin typeface="Source Serif Pro" panose="02040603050405020204" pitchFamily="18" charset="0"/>
+              <a:ea typeface="Source Serif Pro" panose="02040603050405020204" pitchFamily="18" charset="0"/>
+            </a:endParaRPr>
+          </a:p>
+        </p:txBody>
+      </p:sp>
+      <p:sp>
+        <p:nvSpPr>
+          <p:cNvPr id="12" name="TextBox 11">
+            <a:extLst>
+              <a:ext uri="{FF2B5EF4-FFF2-40B4-BE49-F238E27FC236}">
+                <a16:creationId xmlns:a16="http://schemas.microsoft.com/office/drawing/2014/main" id="{FFE3ECAF-DED7-4341-8389-93B0F5BC8235}"/>
+              </a:ext>
+            </a:extLst>
+          </p:cNvPr>
+          <p:cNvSpPr txBox="1"/>
+          <p:nvPr/>
+        </p:nvSpPr>
+        <p:spPr>
+          <a:xfrm>
+            <a:off x="690663" y="4470387"/>
+            <a:ext cx="5336511" cy="1569660"/>
+          </a:xfrm>
+          <a:prstGeom prst="rect">
+            <a:avLst/>
+          </a:prstGeom>
+          <a:noFill/>
+          <a:ln w="76200">
+            <a:solidFill>
+              <a:schemeClr val="accent2"/>
+            </a:solidFill>
+          </a:ln>
+        </p:spPr>
+        <p:txBody>
+          <a:bodyPr wrap="square" rtlCol="0">
+            <a:spAutoFit/>
+          </a:bodyPr>
+          <a:lstStyle/>
+          <a:p>
+            <a:pPr marL="457200" indent="-457200">
+              <a:buFont typeface="Arial" panose="020B0604020202020204" pitchFamily="34" charset="0"/>
+              <a:buChar char="•"/>
+            </a:pPr>
+            <a:r>
+              <a:rPr lang="en-CA" sz="2400" b="1" dirty="0">
+                <a:latin typeface="Source Serif Pro" panose="02040603050405020204" pitchFamily="18" charset="0"/>
+                <a:ea typeface="Source Serif Pro" panose="02040603050405020204" pitchFamily="18" charset="0"/>
+              </a:rPr>
+              <a:t>Novel idea</a:t>
+            </a:r>
+          </a:p>
+          <a:p>
+            <a:pPr marL="457200" indent="-457200">
+              <a:buFont typeface="Arial" panose="020B0604020202020204" pitchFamily="34" charset="0"/>
+              <a:buChar char="•"/>
+            </a:pPr>
+            <a:r>
+              <a:rPr lang="en-CA" sz="2400" b="1" dirty="0">
+                <a:latin typeface="Source Serif Pro" panose="02040603050405020204" pitchFamily="18" charset="0"/>
+                <a:ea typeface="Source Serif Pro" panose="02040603050405020204" pitchFamily="18" charset="0"/>
+              </a:rPr>
+              <a:t>Quickly catch attention</a:t>
+            </a:r>
+          </a:p>
+          <a:p>
+            <a:pPr marL="457200" indent="-457200">
+              <a:buFont typeface="Arial" panose="020B0604020202020204" pitchFamily="34" charset="0"/>
+              <a:buChar char="•"/>
+            </a:pPr>
+            <a:r>
+              <a:rPr lang="en-CA" sz="2400" b="1" dirty="0">
+                <a:latin typeface="Source Serif Pro" panose="02040603050405020204" pitchFamily="18" charset="0"/>
+                <a:ea typeface="Source Serif Pro" panose="02040603050405020204" pitchFamily="18" charset="0"/>
+              </a:rPr>
+              <a:t>Quickly Answer questions</a:t>
+            </a:r>
+          </a:p>
+          <a:p>
+            <a:pPr marL="457200" indent="-457200">
+              <a:buFont typeface="Arial" panose="020B0604020202020204" pitchFamily="34" charset="0"/>
+              <a:buChar char="•"/>
+            </a:pPr>
+            <a:r>
+              <a:rPr lang="en-CA" sz="2400" b="1" dirty="0">
+                <a:latin typeface="Source Serif Pro" panose="02040603050405020204" pitchFamily="18" charset="0"/>
+                <a:ea typeface="Source Serif Pro" panose="02040603050405020204" pitchFamily="18" charset="0"/>
+              </a:rPr>
+              <a:t>Sell idea</a:t>
+            </a:r>
+          </a:p>
+        </p:txBody>
+      </p:sp>
+      <p:pic>
+        <p:nvPicPr>
+          <p:cNvPr id="13" name="Picture 12">
+            <a:extLst>
+              <a:ext uri="{FF2B5EF4-FFF2-40B4-BE49-F238E27FC236}">
+                <a16:creationId xmlns:a16="http://schemas.microsoft.com/office/drawing/2014/main" id="{9A79127D-5B95-4529-B6FC-A3798EE2913E}"/>
+              </a:ext>
+            </a:extLst>
+          </p:cNvPr>
+          <p:cNvPicPr>
+            <a:picLocks noChangeAspect="1"/>
+          </p:cNvPicPr>
+          <p:nvPr/>
+        </p:nvPicPr>
+        <p:blipFill>
+          <a:blip r:embed="rId3"/>
+          <a:stretch>
+            <a:fillRect/>
+          </a:stretch>
+        </p:blipFill>
+        <p:spPr>
+          <a:xfrm>
+            <a:off x="6603329" y="1308097"/>
+            <a:ext cx="4865030" cy="4791871"/>
+          </a:xfrm>
+          <a:prstGeom prst="rect">
+            <a:avLst/>
+          </a:prstGeom>
+          <a:ln w="76200">
+            <a:solidFill>
+              <a:schemeClr val="accent2"/>
+            </a:solidFill>
+          </a:ln>
+        </p:spPr>
+      </p:pic>
+    </p:spTree>
+    <p:extLst>
+      <p:ext uri="{BB962C8B-B14F-4D97-AF65-F5344CB8AC3E}">
+        <p14:creationId xmlns:p14="http://schemas.microsoft.com/office/powerpoint/2010/main" val="2319488190"/>
+      </p:ext>
+    </p:extLst>
+  </p:cSld>
+  <p:clrMapOvr>
+    <a:masterClrMapping/>
+  </p:clrMapOvr>
+</p:sld>
+</file>
+
+<file path=ppt/slides/slide11.xml><?xml version="1.0" encoding="utf-8"?>
+<p:sld xmlns:a="http://schemas.openxmlformats.org/drawingml/2006/main" xmlns:r="http://schemas.openxmlformats.org/officeDocument/2006/relationships" xmlns:p="http://schemas.openxmlformats.org/presentationml/2006/main">
+  <p:cSld>
+    <p:spTree>
+      <p:nvGrpSpPr>
+        <p:cNvPr id="1" name=""/>
+        <p:cNvGrpSpPr/>
+        <p:nvPr/>
+      </p:nvGrpSpPr>
+      <p:grpSpPr>
+        <a:xfrm>
+          <a:off x="0" y="0"/>
+          <a:ext cx="0" cy="0"/>
+          <a:chOff x="0" y="0"/>
+          <a:chExt cx="0" cy="0"/>
+        </a:xfrm>
+      </p:grpSpPr>
+      <p:sp>
+        <p:nvSpPr>
+          <p:cNvPr id="2" name="Rectangle 1">
+            <a:extLst>
+              <a:ext uri="{FF2B5EF4-FFF2-40B4-BE49-F238E27FC236}">
+                <a16:creationId xmlns:a16="http://schemas.microsoft.com/office/drawing/2014/main" id="{DDE44C0A-170A-4D97-B3BE-EE4096F9C886}"/>
+              </a:ext>
+            </a:extLst>
+          </p:cNvPr>
+          <p:cNvSpPr/>
+          <p:nvPr/>
+        </p:nvSpPr>
+        <p:spPr>
+          <a:xfrm>
+            <a:off x="4816491" y="323882"/>
+            <a:ext cx="2546852" cy="646331"/>
+          </a:xfrm>
+          <a:prstGeom prst="rect">
+            <a:avLst/>
+          </a:prstGeom>
+        </p:spPr>
+        <p:txBody>
+          <a:bodyPr wrap="none">
+            <a:spAutoFit/>
+          </a:bodyPr>
+          <a:lstStyle/>
+          <a:p>
+            <a:pPr algn="ctr"/>
+            <a:r>
+              <a:rPr lang="en-CA" sz="3600" b="1" u="sng" dirty="0">
+                <a:solidFill>
+                  <a:schemeClr val="accent2"/>
+                </a:solidFill>
+                <a:latin typeface="Source Serif Pro" panose="02040603050405020204" pitchFamily="18" charset="0"/>
+                <a:ea typeface="Source Serif Pro" panose="02040603050405020204" pitchFamily="18" charset="0"/>
+              </a:rPr>
+              <a:t>Home Page</a:t>
+            </a:r>
+            <a:endParaRPr lang="en-CA" sz="3600" u="sng" dirty="0">
+              <a:solidFill>
+                <a:schemeClr val="accent2"/>
+              </a:solidFill>
+            </a:endParaRPr>
+          </a:p>
+        </p:txBody>
+      </p:sp>
+      <p:sp>
+        <p:nvSpPr>
+          <p:cNvPr id="3" name="TextBox 2">
+            <a:extLst>
+              <a:ext uri="{FF2B5EF4-FFF2-40B4-BE49-F238E27FC236}">
+                <a16:creationId xmlns:a16="http://schemas.microsoft.com/office/drawing/2014/main" id="{7F47E76A-DB1B-49B0-8868-155EBA0C0DF2}"/>
+              </a:ext>
+            </a:extLst>
+          </p:cNvPr>
+          <p:cNvSpPr txBox="1"/>
+          <p:nvPr/>
+        </p:nvSpPr>
+        <p:spPr>
+          <a:xfrm>
+            <a:off x="690663" y="1308097"/>
+            <a:ext cx="5336511" cy="523220"/>
+          </a:xfrm>
+          <a:prstGeom prst="rect">
+            <a:avLst/>
+          </a:prstGeom>
+          <a:solidFill>
+            <a:schemeClr val="accent1"/>
+          </a:solidFill>
+          <a:ln w="76200">
+            <a:solidFill>
+              <a:schemeClr val="accent2"/>
+            </a:solidFill>
+          </a:ln>
+        </p:spPr>
+        <p:txBody>
+          <a:bodyPr wrap="square" rtlCol="0">
+            <a:spAutoFit/>
+          </a:bodyPr>
+          <a:lstStyle/>
+          <a:p>
+            <a:pPr algn="ctr"/>
+            <a:r>
+              <a:rPr lang="en-CA" sz="2800" b="1" dirty="0">
+                <a:latin typeface="Source Serif Pro" panose="02040603050405020204" pitchFamily="18" charset="0"/>
+                <a:ea typeface="Source Serif Pro" panose="02040603050405020204" pitchFamily="18" charset="0"/>
+              </a:rPr>
+              <a:t>Results:</a:t>
+            </a:r>
+            <a:endParaRPr lang="en-CA" sz="2800" dirty="0">
+              <a:latin typeface="Source Serif Pro" panose="02040603050405020204" pitchFamily="18" charset="0"/>
+              <a:ea typeface="Source Serif Pro" panose="02040603050405020204" pitchFamily="18" charset="0"/>
+            </a:endParaRPr>
+          </a:p>
+        </p:txBody>
+      </p:sp>
+      <p:sp>
+        <p:nvSpPr>
+          <p:cNvPr id="8" name="TextBox 7">
+            <a:extLst>
+              <a:ext uri="{FF2B5EF4-FFF2-40B4-BE49-F238E27FC236}">
+                <a16:creationId xmlns:a16="http://schemas.microsoft.com/office/drawing/2014/main" id="{EB2DAA5F-C8B8-4112-B10F-3ECB269D8271}"/>
+              </a:ext>
+            </a:extLst>
+          </p:cNvPr>
+          <p:cNvSpPr txBox="1"/>
+          <p:nvPr/>
+        </p:nvSpPr>
+        <p:spPr>
+          <a:xfrm>
+            <a:off x="690663" y="1987742"/>
+            <a:ext cx="5336511" cy="3046988"/>
+          </a:xfrm>
+          <a:prstGeom prst="rect">
+            <a:avLst/>
+          </a:prstGeom>
+          <a:noFill/>
+          <a:ln w="76200">
+            <a:solidFill>
+              <a:schemeClr val="accent2"/>
+            </a:solidFill>
+          </a:ln>
+        </p:spPr>
+        <p:txBody>
+          <a:bodyPr wrap="square" rtlCol="0">
+            <a:spAutoFit/>
+          </a:bodyPr>
+          <a:lstStyle/>
+          <a:p>
+            <a:pPr marL="457200" indent="-457200">
+              <a:buFont typeface="+mj-lt"/>
+              <a:buAutoNum type="arabicPeriod"/>
+            </a:pPr>
+            <a:r>
+              <a:rPr lang="en-CA" sz="2400" b="1" dirty="0">
+                <a:latin typeface="Source Serif Pro" panose="02040603050405020204" pitchFamily="18" charset="0"/>
+                <a:ea typeface="Source Serif Pro" panose="02040603050405020204" pitchFamily="18" charset="0"/>
+              </a:rPr>
+              <a:t>Intuitive</a:t>
+            </a:r>
+          </a:p>
+          <a:p>
+            <a:pPr marL="457200" indent="-457200">
+              <a:buFont typeface="+mj-lt"/>
+              <a:buAutoNum type="arabicPeriod"/>
+            </a:pPr>
+            <a:r>
+              <a:rPr lang="en-CA" sz="2400" b="1" dirty="0">
+                <a:latin typeface="Source Serif Pro" panose="02040603050405020204" pitchFamily="18" charset="0"/>
+                <a:ea typeface="Source Serif Pro" panose="02040603050405020204" pitchFamily="18" charset="0"/>
+              </a:rPr>
+              <a:t>Basic</a:t>
+            </a:r>
+          </a:p>
+          <a:p>
+            <a:pPr marL="457200" indent="-457200">
+              <a:buFont typeface="+mj-lt"/>
+              <a:buAutoNum type="arabicPeriod"/>
+            </a:pPr>
+            <a:r>
+              <a:rPr lang="en-CA" sz="2400" b="1" dirty="0">
+                <a:latin typeface="Source Serif Pro" panose="02040603050405020204" pitchFamily="18" charset="0"/>
+                <a:ea typeface="Source Serif Pro" panose="02040603050405020204" pitchFamily="18" charset="0"/>
+              </a:rPr>
+              <a:t>Persuasive</a:t>
+            </a:r>
+          </a:p>
+          <a:p>
+            <a:pPr marL="914400" lvl="1" indent="-457200">
+              <a:buFont typeface="Arial" panose="020B0604020202020204" pitchFamily="34" charset="0"/>
+              <a:buChar char="•"/>
+            </a:pPr>
+            <a:r>
+              <a:rPr lang="en-CA" sz="2400" dirty="0">
+                <a:latin typeface="Source Sans Pro" panose="020B0503030403020204" pitchFamily="34" charset="0"/>
+                <a:ea typeface="Source Sans Pro" panose="020B0503030403020204" pitchFamily="34" charset="0"/>
+              </a:rPr>
+              <a:t>Slogans</a:t>
+            </a:r>
+          </a:p>
+          <a:p>
+            <a:pPr marL="914400" lvl="1" indent="-457200">
+              <a:buFont typeface="Arial" panose="020B0604020202020204" pitchFamily="34" charset="0"/>
+              <a:buChar char="•"/>
+            </a:pPr>
+            <a:r>
+              <a:rPr lang="en-CA" sz="2400" dirty="0">
+                <a:latin typeface="Source Sans Pro" panose="020B0503030403020204" pitchFamily="34" charset="0"/>
+                <a:ea typeface="Source Sans Pro" panose="020B0503030403020204" pitchFamily="34" charset="0"/>
+              </a:rPr>
+              <a:t>Quotes</a:t>
+            </a:r>
+            <a:endParaRPr lang="en-CA" sz="2400" b="1" dirty="0">
+              <a:latin typeface="Source Serif Pro" panose="02040603050405020204" pitchFamily="18" charset="0"/>
+              <a:ea typeface="Source Serif Pro" panose="02040603050405020204" pitchFamily="18" charset="0"/>
+            </a:endParaRPr>
+          </a:p>
+          <a:p>
+            <a:pPr marL="457200" indent="-457200">
+              <a:buFont typeface="+mj-lt"/>
+              <a:buAutoNum type="arabicPeriod"/>
+            </a:pPr>
+            <a:r>
+              <a:rPr lang="en-CA" sz="2400" b="1" dirty="0">
+                <a:latin typeface="Source Serif Pro" panose="02040603050405020204" pitchFamily="18" charset="0"/>
+                <a:ea typeface="Source Serif Pro" panose="02040603050405020204" pitchFamily="18" charset="0"/>
+              </a:rPr>
+              <a:t>Clear Titles</a:t>
+            </a:r>
+          </a:p>
+          <a:p>
+            <a:pPr marL="457200" indent="-457200">
+              <a:buFont typeface="+mj-lt"/>
+              <a:buAutoNum type="arabicPeriod"/>
+            </a:pPr>
+            <a:r>
+              <a:rPr lang="en-CA" sz="2400" b="1" dirty="0">
+                <a:latin typeface="Source Serif Pro" panose="02040603050405020204" pitchFamily="18" charset="0"/>
+                <a:ea typeface="Source Serif Pro" panose="02040603050405020204" pitchFamily="18" charset="0"/>
+              </a:rPr>
+              <a:t>Helpful Buttons</a:t>
+            </a:r>
+          </a:p>
+          <a:p>
+            <a:pPr marL="457200" indent="-457200">
+              <a:buFont typeface="+mj-lt"/>
+              <a:buAutoNum type="arabicPeriod"/>
+            </a:pPr>
+            <a:r>
+              <a:rPr lang="en-CA" sz="2400" b="1" dirty="0">
+                <a:latin typeface="Source Serif Pro" panose="02040603050405020204" pitchFamily="18" charset="0"/>
+                <a:ea typeface="Source Serif Pro" panose="02040603050405020204" pitchFamily="18" charset="0"/>
+              </a:rPr>
+              <a:t>Good Overview</a:t>
+            </a:r>
+          </a:p>
+        </p:txBody>
+      </p:sp>
+      <p:pic>
+        <p:nvPicPr>
+          <p:cNvPr id="9" name="Picture 8">
+            <a:extLst>
+              <a:ext uri="{FF2B5EF4-FFF2-40B4-BE49-F238E27FC236}">
+                <a16:creationId xmlns:a16="http://schemas.microsoft.com/office/drawing/2014/main" id="{57064890-E8CA-4D20-883E-A1D57A3D7CD6}"/>
+              </a:ext>
+            </a:extLst>
+          </p:cNvPr>
+          <p:cNvPicPr>
+            <a:picLocks noChangeAspect="1"/>
+          </p:cNvPicPr>
+          <p:nvPr/>
+        </p:nvPicPr>
+        <p:blipFill>
+          <a:blip r:embed="rId3"/>
+          <a:stretch>
+            <a:fillRect/>
+          </a:stretch>
+        </p:blipFill>
+        <p:spPr>
+          <a:xfrm>
+            <a:off x="6603329" y="1308097"/>
+            <a:ext cx="4865030" cy="4791871"/>
+          </a:xfrm>
+          <a:prstGeom prst="rect">
+            <a:avLst/>
+          </a:prstGeom>
+          <a:ln w="76200">
+            <a:solidFill>
+              <a:schemeClr val="accent2"/>
+            </a:solidFill>
+          </a:ln>
+        </p:spPr>
+      </p:pic>
+    </p:spTree>
+    <p:extLst>
+      <p:ext uri="{BB962C8B-B14F-4D97-AF65-F5344CB8AC3E}">
+        <p14:creationId xmlns:p14="http://schemas.microsoft.com/office/powerpoint/2010/main" val="1170041502"/>
+      </p:ext>
+    </p:extLst>
+  </p:cSld>
+  <p:clrMapOvr>
+    <a:masterClrMapping/>
+  </p:clrMapOvr>
+</p:sld>
+</file>
+
+<file path=ppt/slides/slide12.xml><?xml version="1.0" encoding="utf-8"?>
+<p:sld xmlns:a="http://schemas.openxmlformats.org/drawingml/2006/main" xmlns:r="http://schemas.openxmlformats.org/officeDocument/2006/relationships" xmlns:p="http://schemas.openxmlformats.org/presentationml/2006/main">
+  <p:cSld>
+    <p:spTree>
+      <p:nvGrpSpPr>
+        <p:cNvPr id="1" name=""/>
+        <p:cNvGrpSpPr/>
+        <p:nvPr/>
+      </p:nvGrpSpPr>
+      <p:grpSpPr>
+        <a:xfrm>
+          <a:off x="0" y="0"/>
+          <a:ext cx="0" cy="0"/>
+          <a:chOff x="0" y="0"/>
+          <a:chExt cx="0" cy="0"/>
+        </a:xfrm>
+      </p:grpSpPr>
+      <p:sp>
+        <p:nvSpPr>
+          <p:cNvPr id="2" name="Rectangle 1">
+            <a:extLst>
+              <a:ext uri="{FF2B5EF4-FFF2-40B4-BE49-F238E27FC236}">
+                <a16:creationId xmlns:a16="http://schemas.microsoft.com/office/drawing/2014/main" id="{DDE44C0A-170A-4D97-B3BE-EE4096F9C886}"/>
+              </a:ext>
+            </a:extLst>
+          </p:cNvPr>
+          <p:cNvSpPr/>
+          <p:nvPr/>
+        </p:nvSpPr>
+        <p:spPr>
+          <a:xfrm>
+            <a:off x="4816491" y="323882"/>
+            <a:ext cx="2546852" cy="646331"/>
+          </a:xfrm>
+          <a:prstGeom prst="rect">
+            <a:avLst/>
+          </a:prstGeom>
+        </p:spPr>
+        <p:txBody>
+          <a:bodyPr wrap="none">
+            <a:spAutoFit/>
+          </a:bodyPr>
+          <a:lstStyle/>
+          <a:p>
+            <a:pPr algn="ctr"/>
+            <a:r>
+              <a:rPr lang="en-CA" sz="3600" b="1" u="sng" dirty="0">
+                <a:solidFill>
+                  <a:schemeClr val="accent2"/>
+                </a:solidFill>
+                <a:latin typeface="Source Serif Pro" panose="02040603050405020204" pitchFamily="18" charset="0"/>
+                <a:ea typeface="Source Serif Pro" panose="02040603050405020204" pitchFamily="18" charset="0"/>
+              </a:rPr>
+              <a:t>Home Page</a:t>
+            </a:r>
+            <a:endParaRPr lang="en-CA" sz="3600" u="sng" dirty="0">
+              <a:solidFill>
+                <a:schemeClr val="accent2"/>
+              </a:solidFill>
+            </a:endParaRPr>
+          </a:p>
+        </p:txBody>
+      </p:sp>
+      <p:sp>
+        <p:nvSpPr>
+          <p:cNvPr id="3" name="TextBox 2">
+            <a:extLst>
+              <a:ext uri="{FF2B5EF4-FFF2-40B4-BE49-F238E27FC236}">
+                <a16:creationId xmlns:a16="http://schemas.microsoft.com/office/drawing/2014/main" id="{7F47E76A-DB1B-49B0-8868-155EBA0C0DF2}"/>
+              </a:ext>
+            </a:extLst>
+          </p:cNvPr>
+          <p:cNvSpPr txBox="1"/>
+          <p:nvPr/>
+        </p:nvSpPr>
+        <p:spPr>
+          <a:xfrm>
+            <a:off x="690663" y="1308097"/>
+            <a:ext cx="5336511" cy="523220"/>
+          </a:xfrm>
+          <a:prstGeom prst="rect">
+            <a:avLst/>
+          </a:prstGeom>
+          <a:solidFill>
+            <a:schemeClr val="accent1"/>
+          </a:solidFill>
+          <a:ln w="76200">
+            <a:solidFill>
+              <a:schemeClr val="accent2"/>
+            </a:solidFill>
+          </a:ln>
+        </p:spPr>
+        <p:txBody>
+          <a:bodyPr wrap="square" rtlCol="0">
+            <a:spAutoFit/>
+          </a:bodyPr>
+          <a:lstStyle/>
+          <a:p>
+            <a:pPr algn="ctr"/>
+            <a:r>
+              <a:rPr lang="en-CA" sz="2800" b="1" dirty="0">
+                <a:latin typeface="Source Serif Pro" panose="02040603050405020204" pitchFamily="18" charset="0"/>
+                <a:ea typeface="Source Serif Pro" panose="02040603050405020204" pitchFamily="18" charset="0"/>
+              </a:rPr>
+              <a:t>Results:</a:t>
+            </a:r>
+            <a:endParaRPr lang="en-CA" sz="2800" dirty="0">
+              <a:latin typeface="Source Serif Pro" panose="02040603050405020204" pitchFamily="18" charset="0"/>
+              <a:ea typeface="Source Serif Pro" panose="02040603050405020204" pitchFamily="18" charset="0"/>
+            </a:endParaRPr>
+          </a:p>
+        </p:txBody>
+      </p:sp>
+      <p:sp>
+        <p:nvSpPr>
+          <p:cNvPr id="8" name="TextBox 7">
+            <a:extLst>
+              <a:ext uri="{FF2B5EF4-FFF2-40B4-BE49-F238E27FC236}">
+                <a16:creationId xmlns:a16="http://schemas.microsoft.com/office/drawing/2014/main" id="{EB2DAA5F-C8B8-4112-B10F-3ECB269D8271}"/>
+              </a:ext>
+            </a:extLst>
+          </p:cNvPr>
+          <p:cNvSpPr txBox="1"/>
+          <p:nvPr/>
+        </p:nvSpPr>
+        <p:spPr>
+          <a:xfrm>
+            <a:off x="690663" y="1987742"/>
+            <a:ext cx="5336511" cy="3046988"/>
+          </a:xfrm>
+          <a:prstGeom prst="rect">
+            <a:avLst/>
+          </a:prstGeom>
+          <a:noFill/>
+          <a:ln w="76200">
+            <a:solidFill>
+              <a:schemeClr val="accent2"/>
+            </a:solidFill>
+          </a:ln>
+        </p:spPr>
+        <p:txBody>
+          <a:bodyPr wrap="square" rtlCol="0">
+            <a:spAutoFit/>
+          </a:bodyPr>
+          <a:lstStyle/>
+          <a:p>
+            <a:pPr marL="457200" indent="-457200">
+              <a:buFont typeface="+mj-lt"/>
+              <a:buAutoNum type="arabicPeriod"/>
+            </a:pPr>
+            <a:r>
+              <a:rPr lang="en-CA" sz="2400" b="1" dirty="0">
+                <a:latin typeface="Source Serif Pro" panose="02040603050405020204" pitchFamily="18" charset="0"/>
+                <a:ea typeface="Source Serif Pro" panose="02040603050405020204" pitchFamily="18" charset="0"/>
+              </a:rPr>
+              <a:t>Intuitive</a:t>
+            </a:r>
+          </a:p>
+          <a:p>
+            <a:pPr marL="457200" indent="-457200">
+              <a:buFont typeface="+mj-lt"/>
+              <a:buAutoNum type="arabicPeriod"/>
+            </a:pPr>
+            <a:r>
+              <a:rPr lang="en-CA" sz="2400" b="1" dirty="0">
+                <a:latin typeface="Source Serif Pro" panose="02040603050405020204" pitchFamily="18" charset="0"/>
+                <a:ea typeface="Source Serif Pro" panose="02040603050405020204" pitchFamily="18" charset="0"/>
+              </a:rPr>
+              <a:t>Basic</a:t>
+            </a:r>
+          </a:p>
+          <a:p>
+            <a:pPr marL="457200" indent="-457200">
+              <a:buFont typeface="+mj-lt"/>
+              <a:buAutoNum type="arabicPeriod"/>
+            </a:pPr>
+            <a:r>
+              <a:rPr lang="en-CA" sz="2400" b="1" dirty="0">
+                <a:latin typeface="Source Serif Pro" panose="02040603050405020204" pitchFamily="18" charset="0"/>
+                <a:ea typeface="Source Serif Pro" panose="02040603050405020204" pitchFamily="18" charset="0"/>
+              </a:rPr>
+              <a:t>Persuasive</a:t>
+            </a:r>
+          </a:p>
+          <a:p>
+            <a:pPr marL="914400" lvl="1" indent="-457200">
+              <a:buFont typeface="Arial" panose="020B0604020202020204" pitchFamily="34" charset="0"/>
+              <a:buChar char="•"/>
+            </a:pPr>
+            <a:r>
+              <a:rPr lang="en-CA" sz="2400" dirty="0">
+                <a:latin typeface="Source Sans Pro" panose="020B0503030403020204" pitchFamily="34" charset="0"/>
+                <a:ea typeface="Source Sans Pro" panose="020B0503030403020204" pitchFamily="34" charset="0"/>
+              </a:rPr>
+              <a:t>Slogans</a:t>
+            </a:r>
+          </a:p>
+          <a:p>
+            <a:pPr marL="914400" lvl="1" indent="-457200">
+              <a:buFont typeface="Arial" panose="020B0604020202020204" pitchFamily="34" charset="0"/>
+              <a:buChar char="•"/>
+            </a:pPr>
+            <a:r>
+              <a:rPr lang="en-CA" sz="2400" dirty="0">
+                <a:latin typeface="Source Sans Pro" panose="020B0503030403020204" pitchFamily="34" charset="0"/>
+                <a:ea typeface="Source Sans Pro" panose="020B0503030403020204" pitchFamily="34" charset="0"/>
+              </a:rPr>
+              <a:t>Quotes</a:t>
+            </a:r>
+            <a:endParaRPr lang="en-CA" sz="2400" b="1" dirty="0">
+              <a:latin typeface="Source Serif Pro" panose="02040603050405020204" pitchFamily="18" charset="0"/>
+              <a:ea typeface="Source Serif Pro" panose="02040603050405020204" pitchFamily="18" charset="0"/>
+            </a:endParaRPr>
+          </a:p>
+          <a:p>
+            <a:pPr marL="457200" indent="-457200">
+              <a:buFont typeface="+mj-lt"/>
+              <a:buAutoNum type="arabicPeriod"/>
+            </a:pPr>
+            <a:r>
+              <a:rPr lang="en-CA" sz="2400" b="1" dirty="0">
+                <a:latin typeface="Source Serif Pro" panose="02040603050405020204" pitchFamily="18" charset="0"/>
+                <a:ea typeface="Source Serif Pro" panose="02040603050405020204" pitchFamily="18" charset="0"/>
+              </a:rPr>
+              <a:t>Clear Titles</a:t>
+            </a:r>
+          </a:p>
+          <a:p>
+            <a:pPr marL="457200" indent="-457200">
+              <a:buFont typeface="+mj-lt"/>
+              <a:buAutoNum type="arabicPeriod"/>
+            </a:pPr>
+            <a:r>
+              <a:rPr lang="en-CA" sz="2400" b="1" dirty="0">
+                <a:latin typeface="Source Serif Pro" panose="02040603050405020204" pitchFamily="18" charset="0"/>
+                <a:ea typeface="Source Serif Pro" panose="02040603050405020204" pitchFamily="18" charset="0"/>
+              </a:rPr>
+              <a:t>Helpful Buttons</a:t>
+            </a:r>
+          </a:p>
+          <a:p>
+            <a:pPr marL="457200" indent="-457200">
+              <a:buFont typeface="+mj-lt"/>
+              <a:buAutoNum type="arabicPeriod"/>
+            </a:pPr>
+            <a:r>
+              <a:rPr lang="en-CA" sz="2400" b="1" dirty="0">
+                <a:latin typeface="Source Serif Pro" panose="02040603050405020204" pitchFamily="18" charset="0"/>
+                <a:ea typeface="Source Serif Pro" panose="02040603050405020204" pitchFamily="18" charset="0"/>
+              </a:rPr>
+              <a:t>Good Overview</a:t>
+            </a:r>
+          </a:p>
+        </p:txBody>
+      </p:sp>
+      <p:pic>
+        <p:nvPicPr>
+          <p:cNvPr id="9" name="Picture 8">
+            <a:extLst>
+              <a:ext uri="{FF2B5EF4-FFF2-40B4-BE49-F238E27FC236}">
+                <a16:creationId xmlns:a16="http://schemas.microsoft.com/office/drawing/2014/main" id="{57064890-E8CA-4D20-883E-A1D57A3D7CD6}"/>
+              </a:ext>
+            </a:extLst>
+          </p:cNvPr>
+          <p:cNvPicPr>
+            <a:picLocks noChangeAspect="1"/>
+          </p:cNvPicPr>
+          <p:nvPr/>
+        </p:nvPicPr>
+        <p:blipFill>
+          <a:blip r:embed="rId3"/>
+          <a:stretch>
+            <a:fillRect/>
+          </a:stretch>
+        </p:blipFill>
+        <p:spPr>
+          <a:xfrm>
+            <a:off x="6603329" y="1308097"/>
+            <a:ext cx="4865030" cy="4791871"/>
+          </a:xfrm>
+          <a:prstGeom prst="rect">
+            <a:avLst/>
+          </a:prstGeom>
+          <a:ln w="76200">
+            <a:solidFill>
+              <a:schemeClr val="accent2"/>
+            </a:solidFill>
+          </a:ln>
+        </p:spPr>
+      </p:pic>
+      <p:cxnSp>
+        <p:nvCxnSpPr>
+          <p:cNvPr id="18" name="Straight Arrow Connector 17">
+            <a:extLst>
+              <a:ext uri="{FF2B5EF4-FFF2-40B4-BE49-F238E27FC236}">
+                <a16:creationId xmlns:a16="http://schemas.microsoft.com/office/drawing/2014/main" id="{0226EFA8-629C-4BB0-AAC8-EAD0B31B0A25}"/>
+              </a:ext>
+            </a:extLst>
+          </p:cNvPr>
+          <p:cNvCxnSpPr>
+            <a:cxnSpLocks/>
+          </p:cNvCxnSpPr>
+          <p:nvPr/>
+        </p:nvCxnSpPr>
+        <p:spPr>
+          <a:xfrm flipV="1">
+            <a:off x="2745230" y="2524539"/>
+            <a:ext cx="5464492" cy="781023"/>
+          </a:xfrm>
+          <a:prstGeom prst="straightConnector1">
+            <a:avLst/>
+          </a:prstGeom>
+          <a:ln w="57150">
+            <a:solidFill>
+              <a:schemeClr val="accent2"/>
+            </a:solidFill>
+            <a:tailEnd type="triangle"/>
+          </a:ln>
+        </p:spPr>
+        <p:style>
+          <a:lnRef idx="1">
+            <a:schemeClr val="accent1"/>
+          </a:lnRef>
+          <a:fillRef idx="0">
+            <a:schemeClr val="accent1"/>
+          </a:fillRef>
+          <a:effectRef idx="0">
+            <a:schemeClr val="accent1"/>
+          </a:effectRef>
+          <a:fontRef idx="minor">
+            <a:schemeClr val="tx1"/>
+          </a:fontRef>
+        </p:style>
+      </p:cxnSp>
+    </p:spTree>
+    <p:extLst>
+      <p:ext uri="{BB962C8B-B14F-4D97-AF65-F5344CB8AC3E}">
+        <p14:creationId xmlns:p14="http://schemas.microsoft.com/office/powerpoint/2010/main" val="1605154057"/>
+      </p:ext>
+    </p:extLst>
+  </p:cSld>
+  <p:clrMapOvr>
+    <a:masterClrMapping/>
+  </p:clrMapOvr>
+</p:sld>
+</file>
+
+<file path=ppt/slides/slide13.xml><?xml version="1.0" encoding="utf-8"?>
+<p:sld xmlns:a="http://schemas.openxmlformats.org/drawingml/2006/main" xmlns:r="http://schemas.openxmlformats.org/officeDocument/2006/relationships" xmlns:p="http://schemas.openxmlformats.org/presentationml/2006/main">
+  <p:cSld>
+    <p:spTree>
+      <p:nvGrpSpPr>
+        <p:cNvPr id="1" name=""/>
+        <p:cNvGrpSpPr/>
+        <p:nvPr/>
+      </p:nvGrpSpPr>
+      <p:grpSpPr>
+        <a:xfrm>
+          <a:off x="0" y="0"/>
+          <a:ext cx="0" cy="0"/>
+          <a:chOff x="0" y="0"/>
+          <a:chExt cx="0" cy="0"/>
+        </a:xfrm>
+      </p:grpSpPr>
+      <p:sp>
+        <p:nvSpPr>
+          <p:cNvPr id="2" name="Rectangle 1">
+            <a:extLst>
+              <a:ext uri="{FF2B5EF4-FFF2-40B4-BE49-F238E27FC236}">
+                <a16:creationId xmlns:a16="http://schemas.microsoft.com/office/drawing/2014/main" id="{DDE44C0A-170A-4D97-B3BE-EE4096F9C886}"/>
+              </a:ext>
+            </a:extLst>
+          </p:cNvPr>
+          <p:cNvSpPr/>
+          <p:nvPr/>
+        </p:nvSpPr>
+        <p:spPr>
+          <a:xfrm>
+            <a:off x="4816491" y="323882"/>
+            <a:ext cx="2546852" cy="646331"/>
+          </a:xfrm>
+          <a:prstGeom prst="rect">
+            <a:avLst/>
+          </a:prstGeom>
+        </p:spPr>
+        <p:txBody>
+          <a:bodyPr wrap="none">
+            <a:spAutoFit/>
+          </a:bodyPr>
+          <a:lstStyle/>
+          <a:p>
+            <a:pPr algn="ctr"/>
+            <a:r>
+              <a:rPr lang="en-CA" sz="3600" b="1" u="sng" dirty="0">
+                <a:solidFill>
+                  <a:schemeClr val="accent2"/>
+                </a:solidFill>
+                <a:latin typeface="Source Serif Pro" panose="02040603050405020204" pitchFamily="18" charset="0"/>
+                <a:ea typeface="Source Serif Pro" panose="02040603050405020204" pitchFamily="18" charset="0"/>
+              </a:rPr>
+              <a:t>Home Page</a:t>
+            </a:r>
+            <a:endParaRPr lang="en-CA" sz="3600" u="sng" dirty="0">
+              <a:solidFill>
+                <a:schemeClr val="accent2"/>
+              </a:solidFill>
+            </a:endParaRPr>
+          </a:p>
+        </p:txBody>
+      </p:sp>
+      <p:sp>
+        <p:nvSpPr>
+          <p:cNvPr id="3" name="TextBox 2">
+            <a:extLst>
+              <a:ext uri="{FF2B5EF4-FFF2-40B4-BE49-F238E27FC236}">
+                <a16:creationId xmlns:a16="http://schemas.microsoft.com/office/drawing/2014/main" id="{7F47E76A-DB1B-49B0-8868-155EBA0C0DF2}"/>
+              </a:ext>
+            </a:extLst>
+          </p:cNvPr>
+          <p:cNvSpPr txBox="1"/>
+          <p:nvPr/>
+        </p:nvSpPr>
+        <p:spPr>
+          <a:xfrm>
+            <a:off x="690663" y="1308097"/>
+            <a:ext cx="5336511" cy="523220"/>
+          </a:xfrm>
+          <a:prstGeom prst="rect">
+            <a:avLst/>
+          </a:prstGeom>
+          <a:solidFill>
+            <a:schemeClr val="accent1"/>
+          </a:solidFill>
+          <a:ln w="76200">
+            <a:solidFill>
+              <a:schemeClr val="accent2"/>
+            </a:solidFill>
+          </a:ln>
+        </p:spPr>
+        <p:txBody>
+          <a:bodyPr wrap="square" rtlCol="0">
+            <a:spAutoFit/>
+          </a:bodyPr>
+          <a:lstStyle/>
+          <a:p>
+            <a:pPr algn="ctr"/>
+            <a:r>
+              <a:rPr lang="en-CA" sz="2800" b="1" dirty="0">
+                <a:latin typeface="Source Serif Pro" panose="02040603050405020204" pitchFamily="18" charset="0"/>
+                <a:ea typeface="Source Serif Pro" panose="02040603050405020204" pitchFamily="18" charset="0"/>
+              </a:rPr>
+              <a:t>Results:</a:t>
+            </a:r>
+            <a:endParaRPr lang="en-CA" sz="2800" dirty="0">
+              <a:latin typeface="Source Serif Pro" panose="02040603050405020204" pitchFamily="18" charset="0"/>
+              <a:ea typeface="Source Serif Pro" panose="02040603050405020204" pitchFamily="18" charset="0"/>
+            </a:endParaRPr>
+          </a:p>
+        </p:txBody>
+      </p:sp>
+      <p:pic>
+        <p:nvPicPr>
+          <p:cNvPr id="7" name="Picture 6">
+            <a:extLst>
+              <a:ext uri="{FF2B5EF4-FFF2-40B4-BE49-F238E27FC236}">
+                <a16:creationId xmlns:a16="http://schemas.microsoft.com/office/drawing/2014/main" id="{C24EB77F-B92A-4FF4-8479-6C022BE3DC0F}"/>
+              </a:ext>
+            </a:extLst>
+          </p:cNvPr>
+          <p:cNvPicPr>
+            <a:picLocks noChangeAspect="1"/>
+          </p:cNvPicPr>
+          <p:nvPr/>
+        </p:nvPicPr>
+        <p:blipFill>
+          <a:blip r:embed="rId3"/>
+          <a:stretch>
+            <a:fillRect/>
+          </a:stretch>
+        </p:blipFill>
+        <p:spPr>
+          <a:xfrm>
+            <a:off x="6653565" y="1317520"/>
+            <a:ext cx="4808558" cy="4378907"/>
+          </a:xfrm>
+          <a:prstGeom prst="rect">
+            <a:avLst/>
+          </a:prstGeom>
+          <a:ln w="76200">
+            <a:solidFill>
+              <a:schemeClr val="accent2"/>
+            </a:solidFill>
+          </a:ln>
+        </p:spPr>
+      </p:pic>
+      <p:sp>
+        <p:nvSpPr>
+          <p:cNvPr id="13" name="TextBox 12">
+            <a:extLst>
+              <a:ext uri="{FF2B5EF4-FFF2-40B4-BE49-F238E27FC236}">
+                <a16:creationId xmlns:a16="http://schemas.microsoft.com/office/drawing/2014/main" id="{82F10ECE-1271-4F20-9132-413F5EA8FADC}"/>
+              </a:ext>
+            </a:extLst>
+          </p:cNvPr>
+          <p:cNvSpPr txBox="1"/>
+          <p:nvPr/>
+        </p:nvSpPr>
+        <p:spPr>
+          <a:xfrm>
+            <a:off x="690663" y="1987742"/>
+            <a:ext cx="5336511" cy="3046988"/>
+          </a:xfrm>
+          <a:prstGeom prst="rect">
+            <a:avLst/>
+          </a:prstGeom>
+          <a:noFill/>
+          <a:ln w="76200">
+            <a:solidFill>
+              <a:schemeClr val="accent2"/>
+            </a:solidFill>
+          </a:ln>
+        </p:spPr>
+        <p:txBody>
+          <a:bodyPr wrap="square" rtlCol="0">
+            <a:spAutoFit/>
+          </a:bodyPr>
+          <a:lstStyle/>
+          <a:p>
+            <a:pPr marL="457200" indent="-457200">
+              <a:buFont typeface="+mj-lt"/>
+              <a:buAutoNum type="arabicPeriod"/>
+            </a:pPr>
+            <a:r>
+              <a:rPr lang="en-CA" sz="2400" b="1" dirty="0">
+                <a:latin typeface="Source Serif Pro" panose="02040603050405020204" pitchFamily="18" charset="0"/>
+                <a:ea typeface="Source Serif Pro" panose="02040603050405020204" pitchFamily="18" charset="0"/>
+              </a:rPr>
+              <a:t>Intuitive</a:t>
+            </a:r>
+          </a:p>
+          <a:p>
+            <a:pPr marL="457200" indent="-457200">
+              <a:buFont typeface="+mj-lt"/>
+              <a:buAutoNum type="arabicPeriod"/>
+            </a:pPr>
+            <a:r>
+              <a:rPr lang="en-CA" sz="2400" b="1" dirty="0">
+                <a:latin typeface="Source Serif Pro" panose="02040603050405020204" pitchFamily="18" charset="0"/>
+                <a:ea typeface="Source Serif Pro" panose="02040603050405020204" pitchFamily="18" charset="0"/>
+              </a:rPr>
+              <a:t>Basic</a:t>
+            </a:r>
+          </a:p>
+          <a:p>
+            <a:pPr marL="457200" indent="-457200">
+              <a:buFont typeface="+mj-lt"/>
+              <a:buAutoNum type="arabicPeriod"/>
+            </a:pPr>
+            <a:r>
+              <a:rPr lang="en-CA" sz="2400" b="1" dirty="0">
+                <a:latin typeface="Source Serif Pro" panose="02040603050405020204" pitchFamily="18" charset="0"/>
+                <a:ea typeface="Source Serif Pro" panose="02040603050405020204" pitchFamily="18" charset="0"/>
+              </a:rPr>
+              <a:t>Persuasive</a:t>
+            </a:r>
+          </a:p>
+          <a:p>
+            <a:pPr marL="914400" lvl="1" indent="-457200">
+              <a:buFont typeface="Arial" panose="020B0604020202020204" pitchFamily="34" charset="0"/>
+              <a:buChar char="•"/>
+            </a:pPr>
+            <a:r>
+              <a:rPr lang="en-CA" sz="2400" dirty="0">
+                <a:latin typeface="Source Sans Pro" panose="020B0503030403020204" pitchFamily="34" charset="0"/>
+                <a:ea typeface="Source Sans Pro" panose="020B0503030403020204" pitchFamily="34" charset="0"/>
+              </a:rPr>
+              <a:t>Slogans</a:t>
+            </a:r>
+          </a:p>
+          <a:p>
+            <a:pPr marL="914400" lvl="1" indent="-457200">
+              <a:buFont typeface="Arial" panose="020B0604020202020204" pitchFamily="34" charset="0"/>
+              <a:buChar char="•"/>
+            </a:pPr>
+            <a:r>
+              <a:rPr lang="en-CA" sz="2400" dirty="0">
+                <a:latin typeface="Source Sans Pro" panose="020B0503030403020204" pitchFamily="34" charset="0"/>
+                <a:ea typeface="Source Sans Pro" panose="020B0503030403020204" pitchFamily="34" charset="0"/>
+              </a:rPr>
+              <a:t>Quotes</a:t>
+            </a:r>
+            <a:endParaRPr lang="en-CA" sz="2400" b="1" dirty="0">
+              <a:latin typeface="Source Serif Pro" panose="02040603050405020204" pitchFamily="18" charset="0"/>
+              <a:ea typeface="Source Serif Pro" panose="02040603050405020204" pitchFamily="18" charset="0"/>
+            </a:endParaRPr>
+          </a:p>
+          <a:p>
+            <a:pPr marL="457200" indent="-457200">
+              <a:buFont typeface="+mj-lt"/>
+              <a:buAutoNum type="arabicPeriod"/>
+            </a:pPr>
+            <a:r>
+              <a:rPr lang="en-CA" sz="2400" b="1" dirty="0">
+                <a:latin typeface="Source Serif Pro" panose="02040603050405020204" pitchFamily="18" charset="0"/>
+                <a:ea typeface="Source Serif Pro" panose="02040603050405020204" pitchFamily="18" charset="0"/>
+              </a:rPr>
+              <a:t>Clear Titles</a:t>
+            </a:r>
+          </a:p>
+          <a:p>
+            <a:pPr marL="457200" indent="-457200">
+              <a:buFont typeface="+mj-lt"/>
+              <a:buAutoNum type="arabicPeriod"/>
+            </a:pPr>
+            <a:r>
+              <a:rPr lang="en-CA" sz="2400" b="1" dirty="0">
+                <a:latin typeface="Source Serif Pro" panose="02040603050405020204" pitchFamily="18" charset="0"/>
+                <a:ea typeface="Source Serif Pro" panose="02040603050405020204" pitchFamily="18" charset="0"/>
+              </a:rPr>
+              <a:t>Helpful Buttons</a:t>
+            </a:r>
+          </a:p>
+          <a:p>
+            <a:pPr marL="457200" indent="-457200">
+              <a:buFont typeface="+mj-lt"/>
+              <a:buAutoNum type="arabicPeriod"/>
+            </a:pPr>
+            <a:r>
+              <a:rPr lang="en-CA" sz="2400" b="1" dirty="0">
+                <a:latin typeface="Source Serif Pro" panose="02040603050405020204" pitchFamily="18" charset="0"/>
+                <a:ea typeface="Source Serif Pro" panose="02040603050405020204" pitchFamily="18" charset="0"/>
+              </a:rPr>
+              <a:t>Good Overview</a:t>
+            </a:r>
+          </a:p>
+        </p:txBody>
+      </p:sp>
+    </p:spTree>
+    <p:extLst>
+      <p:ext uri="{BB962C8B-B14F-4D97-AF65-F5344CB8AC3E}">
+        <p14:creationId xmlns:p14="http://schemas.microsoft.com/office/powerpoint/2010/main" val="1101784368"/>
+      </p:ext>
+    </p:extLst>
+  </p:cSld>
+  <p:clrMapOvr>
+    <a:masterClrMapping/>
+  </p:clrMapOvr>
+</p:sld>
+</file>
+
+<file path=ppt/slides/slide14.xml><?xml version="1.0" encoding="utf-8"?>
+<p:sld xmlns:a="http://schemas.openxmlformats.org/drawingml/2006/main" xmlns:r="http://schemas.openxmlformats.org/officeDocument/2006/relationships" xmlns:p="http://schemas.openxmlformats.org/presentationml/2006/main">
+  <p:cSld>
+    <p:spTree>
+      <p:nvGrpSpPr>
+        <p:cNvPr id="1" name=""/>
+        <p:cNvGrpSpPr/>
+        <p:nvPr/>
+      </p:nvGrpSpPr>
+      <p:grpSpPr>
+        <a:xfrm>
+          <a:off x="0" y="0"/>
+          <a:ext cx="0" cy="0"/>
+          <a:chOff x="0" y="0"/>
+          <a:chExt cx="0" cy="0"/>
+        </a:xfrm>
+      </p:grpSpPr>
+      <p:sp>
+        <p:nvSpPr>
+          <p:cNvPr id="2" name="Rectangle 1">
+            <a:extLst>
+              <a:ext uri="{FF2B5EF4-FFF2-40B4-BE49-F238E27FC236}">
+                <a16:creationId xmlns:a16="http://schemas.microsoft.com/office/drawing/2014/main" id="{DDE44C0A-170A-4D97-B3BE-EE4096F9C886}"/>
+              </a:ext>
+            </a:extLst>
+          </p:cNvPr>
+          <p:cNvSpPr/>
+          <p:nvPr/>
+        </p:nvSpPr>
+        <p:spPr>
+          <a:xfrm>
+            <a:off x="4816491" y="323882"/>
+            <a:ext cx="2546852" cy="646331"/>
+          </a:xfrm>
+          <a:prstGeom prst="rect">
+            <a:avLst/>
+          </a:prstGeom>
+        </p:spPr>
+        <p:txBody>
+          <a:bodyPr wrap="none">
+            <a:spAutoFit/>
+          </a:bodyPr>
+          <a:lstStyle/>
+          <a:p>
+            <a:pPr algn="ctr"/>
+            <a:r>
+              <a:rPr lang="en-CA" sz="3600" b="1" u="sng" dirty="0">
+                <a:solidFill>
+                  <a:schemeClr val="accent2"/>
+                </a:solidFill>
+                <a:latin typeface="Source Serif Pro" panose="02040603050405020204" pitchFamily="18" charset="0"/>
+                <a:ea typeface="Source Serif Pro" panose="02040603050405020204" pitchFamily="18" charset="0"/>
+              </a:rPr>
+              <a:t>Home Page</a:t>
+            </a:r>
+            <a:endParaRPr lang="en-CA" sz="3600" u="sng" dirty="0">
+              <a:solidFill>
+                <a:schemeClr val="accent2"/>
+              </a:solidFill>
+            </a:endParaRPr>
+          </a:p>
+        </p:txBody>
+      </p:sp>
+      <p:sp>
+        <p:nvSpPr>
+          <p:cNvPr id="3" name="TextBox 2">
+            <a:extLst>
+              <a:ext uri="{FF2B5EF4-FFF2-40B4-BE49-F238E27FC236}">
+                <a16:creationId xmlns:a16="http://schemas.microsoft.com/office/drawing/2014/main" id="{7F47E76A-DB1B-49B0-8868-155EBA0C0DF2}"/>
+              </a:ext>
+            </a:extLst>
+          </p:cNvPr>
+          <p:cNvSpPr txBox="1"/>
+          <p:nvPr/>
+        </p:nvSpPr>
+        <p:spPr>
+          <a:xfrm>
+            <a:off x="690663" y="1308097"/>
+            <a:ext cx="5336511" cy="523220"/>
+          </a:xfrm>
+          <a:prstGeom prst="rect">
+            <a:avLst/>
+          </a:prstGeom>
+          <a:solidFill>
+            <a:schemeClr val="accent1"/>
+          </a:solidFill>
+          <a:ln w="76200">
+            <a:solidFill>
+              <a:schemeClr val="accent2"/>
+            </a:solidFill>
+          </a:ln>
+        </p:spPr>
+        <p:txBody>
+          <a:bodyPr wrap="square" rtlCol="0">
+            <a:spAutoFit/>
+          </a:bodyPr>
+          <a:lstStyle/>
+          <a:p>
+            <a:pPr algn="ctr"/>
+            <a:r>
+              <a:rPr lang="en-CA" sz="2800" b="1" dirty="0">
+                <a:latin typeface="Source Serif Pro" panose="02040603050405020204" pitchFamily="18" charset="0"/>
+                <a:ea typeface="Source Serif Pro" panose="02040603050405020204" pitchFamily="18" charset="0"/>
+              </a:rPr>
+              <a:t>Results:</a:t>
+            </a:r>
+            <a:endParaRPr lang="en-CA" sz="2800" dirty="0">
+              <a:latin typeface="Source Serif Pro" panose="02040603050405020204" pitchFamily="18" charset="0"/>
+              <a:ea typeface="Source Serif Pro" panose="02040603050405020204" pitchFamily="18" charset="0"/>
+            </a:endParaRPr>
+          </a:p>
+        </p:txBody>
+      </p:sp>
+      <p:pic>
+        <p:nvPicPr>
+          <p:cNvPr id="7" name="Picture 6">
+            <a:extLst>
+              <a:ext uri="{FF2B5EF4-FFF2-40B4-BE49-F238E27FC236}">
+                <a16:creationId xmlns:a16="http://schemas.microsoft.com/office/drawing/2014/main" id="{C24EB77F-B92A-4FF4-8479-6C022BE3DC0F}"/>
+              </a:ext>
+            </a:extLst>
+          </p:cNvPr>
+          <p:cNvPicPr>
+            <a:picLocks noChangeAspect="1"/>
+          </p:cNvPicPr>
+          <p:nvPr/>
+        </p:nvPicPr>
+        <p:blipFill>
+          <a:blip r:embed="rId3"/>
+          <a:stretch>
+            <a:fillRect/>
+          </a:stretch>
+        </p:blipFill>
+        <p:spPr>
+          <a:xfrm>
+            <a:off x="6653565" y="1317520"/>
+            <a:ext cx="4808558" cy="4378907"/>
+          </a:xfrm>
+          <a:prstGeom prst="rect">
+            <a:avLst/>
+          </a:prstGeom>
+          <a:ln w="76200">
+            <a:solidFill>
+              <a:schemeClr val="accent2"/>
+            </a:solidFill>
+          </a:ln>
+        </p:spPr>
+      </p:pic>
+      <p:sp>
+        <p:nvSpPr>
+          <p:cNvPr id="13" name="TextBox 12">
+            <a:extLst>
+              <a:ext uri="{FF2B5EF4-FFF2-40B4-BE49-F238E27FC236}">
+                <a16:creationId xmlns:a16="http://schemas.microsoft.com/office/drawing/2014/main" id="{82F10ECE-1271-4F20-9132-413F5EA8FADC}"/>
+              </a:ext>
+            </a:extLst>
+          </p:cNvPr>
+          <p:cNvSpPr txBox="1"/>
+          <p:nvPr/>
+        </p:nvSpPr>
+        <p:spPr>
+          <a:xfrm>
+            <a:off x="690663" y="1987742"/>
+            <a:ext cx="5336511" cy="3046988"/>
+          </a:xfrm>
+          <a:prstGeom prst="rect">
+            <a:avLst/>
+          </a:prstGeom>
+          <a:noFill/>
+          <a:ln w="76200">
+            <a:solidFill>
+              <a:schemeClr val="accent2"/>
+            </a:solidFill>
+          </a:ln>
+        </p:spPr>
+        <p:txBody>
+          <a:bodyPr wrap="square" rtlCol="0">
+            <a:spAutoFit/>
+          </a:bodyPr>
+          <a:lstStyle/>
+          <a:p>
+            <a:pPr marL="457200" indent="-457200">
+              <a:buFont typeface="+mj-lt"/>
+              <a:buAutoNum type="arabicPeriod"/>
+            </a:pPr>
+            <a:r>
+              <a:rPr lang="en-CA" sz="2400" b="1" dirty="0">
+                <a:latin typeface="Source Serif Pro" panose="02040603050405020204" pitchFamily="18" charset="0"/>
+                <a:ea typeface="Source Serif Pro" panose="02040603050405020204" pitchFamily="18" charset="0"/>
+              </a:rPr>
+              <a:t>Intuitive</a:t>
+            </a:r>
+          </a:p>
+          <a:p>
+            <a:pPr marL="457200" indent="-457200">
+              <a:buFont typeface="+mj-lt"/>
+              <a:buAutoNum type="arabicPeriod"/>
+            </a:pPr>
+            <a:r>
+              <a:rPr lang="en-CA" sz="2400" b="1" dirty="0">
+                <a:latin typeface="Source Serif Pro" panose="02040603050405020204" pitchFamily="18" charset="0"/>
+                <a:ea typeface="Source Serif Pro" panose="02040603050405020204" pitchFamily="18" charset="0"/>
+              </a:rPr>
+              <a:t>Basic</a:t>
+            </a:r>
+          </a:p>
+          <a:p>
+            <a:pPr marL="457200" indent="-457200">
+              <a:buFont typeface="+mj-lt"/>
+              <a:buAutoNum type="arabicPeriod"/>
+            </a:pPr>
+            <a:r>
+              <a:rPr lang="en-CA" sz="2400" b="1" dirty="0">
+                <a:latin typeface="Source Serif Pro" panose="02040603050405020204" pitchFamily="18" charset="0"/>
+                <a:ea typeface="Source Serif Pro" panose="02040603050405020204" pitchFamily="18" charset="0"/>
+              </a:rPr>
+              <a:t>Persuasive</a:t>
+            </a:r>
+          </a:p>
+          <a:p>
+            <a:pPr marL="914400" lvl="1" indent="-457200">
+              <a:buFont typeface="Arial" panose="020B0604020202020204" pitchFamily="34" charset="0"/>
+              <a:buChar char="•"/>
+            </a:pPr>
+            <a:r>
+              <a:rPr lang="en-CA" sz="2400" dirty="0">
+                <a:latin typeface="Source Sans Pro" panose="020B0503030403020204" pitchFamily="34" charset="0"/>
+                <a:ea typeface="Source Sans Pro" panose="020B0503030403020204" pitchFamily="34" charset="0"/>
+              </a:rPr>
+              <a:t>Slogans</a:t>
+            </a:r>
+          </a:p>
+          <a:p>
+            <a:pPr marL="914400" lvl="1" indent="-457200">
+              <a:buFont typeface="Arial" panose="020B0604020202020204" pitchFamily="34" charset="0"/>
+              <a:buChar char="•"/>
+            </a:pPr>
+            <a:r>
+              <a:rPr lang="en-CA" sz="2400" dirty="0">
+                <a:latin typeface="Source Sans Pro" panose="020B0503030403020204" pitchFamily="34" charset="0"/>
+                <a:ea typeface="Source Sans Pro" panose="020B0503030403020204" pitchFamily="34" charset="0"/>
+              </a:rPr>
+              <a:t>Quotes</a:t>
+            </a:r>
+            <a:endParaRPr lang="en-CA" sz="2400" b="1" dirty="0">
+              <a:latin typeface="Source Serif Pro" panose="02040603050405020204" pitchFamily="18" charset="0"/>
+              <a:ea typeface="Source Serif Pro" panose="02040603050405020204" pitchFamily="18" charset="0"/>
+            </a:endParaRPr>
+          </a:p>
+          <a:p>
+            <a:pPr marL="457200" indent="-457200">
+              <a:buFont typeface="+mj-lt"/>
+              <a:buAutoNum type="arabicPeriod"/>
+            </a:pPr>
+            <a:r>
+              <a:rPr lang="en-CA" sz="2400" b="1" dirty="0">
+                <a:latin typeface="Source Serif Pro" panose="02040603050405020204" pitchFamily="18" charset="0"/>
+                <a:ea typeface="Source Serif Pro" panose="02040603050405020204" pitchFamily="18" charset="0"/>
+              </a:rPr>
+              <a:t>Clear Titles</a:t>
+            </a:r>
+          </a:p>
+          <a:p>
+            <a:pPr marL="457200" indent="-457200">
+              <a:buFont typeface="+mj-lt"/>
+              <a:buAutoNum type="arabicPeriod"/>
+            </a:pPr>
+            <a:r>
+              <a:rPr lang="en-CA" sz="2400" b="1" dirty="0">
+                <a:latin typeface="Source Serif Pro" panose="02040603050405020204" pitchFamily="18" charset="0"/>
+                <a:ea typeface="Source Serif Pro" panose="02040603050405020204" pitchFamily="18" charset="0"/>
+              </a:rPr>
+              <a:t>Helpful Buttons</a:t>
+            </a:r>
+          </a:p>
+          <a:p>
+            <a:pPr marL="457200" indent="-457200">
+              <a:buFont typeface="+mj-lt"/>
+              <a:buAutoNum type="arabicPeriod"/>
+            </a:pPr>
+            <a:r>
+              <a:rPr lang="en-CA" sz="2400" b="1" dirty="0">
+                <a:latin typeface="Source Serif Pro" panose="02040603050405020204" pitchFamily="18" charset="0"/>
+                <a:ea typeface="Source Serif Pro" panose="02040603050405020204" pitchFamily="18" charset="0"/>
+              </a:rPr>
+              <a:t>Good Overview</a:t>
+            </a:r>
+          </a:p>
+        </p:txBody>
+      </p:sp>
+      <p:cxnSp>
+        <p:nvCxnSpPr>
+          <p:cNvPr id="16" name="Straight Arrow Connector 15">
+            <a:extLst>
+              <a:ext uri="{FF2B5EF4-FFF2-40B4-BE49-F238E27FC236}">
+                <a16:creationId xmlns:a16="http://schemas.microsoft.com/office/drawing/2014/main" id="{383575F0-8A39-4FD6-BF18-CEBFE548C69E}"/>
+              </a:ext>
+            </a:extLst>
+          </p:cNvPr>
+          <p:cNvCxnSpPr>
+            <a:cxnSpLocks/>
+          </p:cNvCxnSpPr>
+          <p:nvPr/>
+        </p:nvCxnSpPr>
+        <p:spPr>
+          <a:xfrm flipV="1">
+            <a:off x="2685596" y="1987742"/>
+            <a:ext cx="4818447" cy="1735264"/>
+          </a:xfrm>
+          <a:prstGeom prst="straightConnector1">
+            <a:avLst/>
+          </a:prstGeom>
+          <a:ln w="57150">
+            <a:solidFill>
+              <a:schemeClr val="accent2"/>
+            </a:solidFill>
+            <a:tailEnd type="triangle"/>
+          </a:ln>
+        </p:spPr>
+        <p:style>
+          <a:lnRef idx="1">
+            <a:schemeClr val="accent1"/>
+          </a:lnRef>
+          <a:fillRef idx="0">
+            <a:schemeClr val="accent1"/>
+          </a:fillRef>
+          <a:effectRef idx="0">
+            <a:schemeClr val="accent1"/>
+          </a:effectRef>
+          <a:fontRef idx="minor">
+            <a:schemeClr val="tx1"/>
+          </a:fontRef>
+        </p:style>
+      </p:cxnSp>
+    </p:spTree>
+    <p:extLst>
+      <p:ext uri="{BB962C8B-B14F-4D97-AF65-F5344CB8AC3E}">
+        <p14:creationId xmlns:p14="http://schemas.microsoft.com/office/powerpoint/2010/main" val="358826346"/>
+      </p:ext>
+    </p:extLst>
+  </p:cSld>
+  <p:clrMapOvr>
+    <a:masterClrMapping/>
+  </p:clrMapOvr>
+</p:sld>
+</file>
+
+<file path=ppt/slides/slide15.xml><?xml version="1.0" encoding="utf-8"?>
+<p:sld xmlns:a="http://schemas.openxmlformats.org/drawingml/2006/main" xmlns:r="http://schemas.openxmlformats.org/officeDocument/2006/relationships" xmlns:p="http://schemas.openxmlformats.org/presentationml/2006/main">
+  <p:cSld>
+    <p:spTree>
+      <p:nvGrpSpPr>
+        <p:cNvPr id="1" name=""/>
+        <p:cNvGrpSpPr/>
+        <p:nvPr/>
+      </p:nvGrpSpPr>
+      <p:grpSpPr>
+        <a:xfrm>
+          <a:off x="0" y="0"/>
+          <a:ext cx="0" cy="0"/>
+          <a:chOff x="0" y="0"/>
+          <a:chExt cx="0" cy="0"/>
+        </a:xfrm>
+      </p:grpSpPr>
+      <p:sp>
+        <p:nvSpPr>
+          <p:cNvPr id="2" name="Rectangle 1">
+            <a:extLst>
+              <a:ext uri="{FF2B5EF4-FFF2-40B4-BE49-F238E27FC236}">
+                <a16:creationId xmlns:a16="http://schemas.microsoft.com/office/drawing/2014/main" id="{DDE44C0A-170A-4D97-B3BE-EE4096F9C886}"/>
+              </a:ext>
+            </a:extLst>
+          </p:cNvPr>
+          <p:cNvSpPr/>
+          <p:nvPr/>
+        </p:nvSpPr>
+        <p:spPr>
+          <a:xfrm>
+            <a:off x="4816491" y="323882"/>
+            <a:ext cx="2546852" cy="646331"/>
+          </a:xfrm>
+          <a:prstGeom prst="rect">
+            <a:avLst/>
+          </a:prstGeom>
+        </p:spPr>
+        <p:txBody>
+          <a:bodyPr wrap="none">
+            <a:spAutoFit/>
+          </a:bodyPr>
+          <a:lstStyle/>
+          <a:p>
+            <a:pPr algn="ctr"/>
+            <a:r>
+              <a:rPr lang="en-CA" sz="3600" b="1" u="sng" dirty="0">
+                <a:solidFill>
+                  <a:schemeClr val="accent2"/>
+                </a:solidFill>
+                <a:latin typeface="Source Serif Pro" panose="02040603050405020204" pitchFamily="18" charset="0"/>
+                <a:ea typeface="Source Serif Pro" panose="02040603050405020204" pitchFamily="18" charset="0"/>
+              </a:rPr>
+              <a:t>Home Page</a:t>
+            </a:r>
+            <a:endParaRPr lang="en-CA" sz="3600" u="sng" dirty="0">
+              <a:solidFill>
+                <a:schemeClr val="accent2"/>
+              </a:solidFill>
+            </a:endParaRPr>
+          </a:p>
+        </p:txBody>
+      </p:sp>
+      <p:sp>
+        <p:nvSpPr>
+          <p:cNvPr id="3" name="TextBox 2">
+            <a:extLst>
+              <a:ext uri="{FF2B5EF4-FFF2-40B4-BE49-F238E27FC236}">
+                <a16:creationId xmlns:a16="http://schemas.microsoft.com/office/drawing/2014/main" id="{7F47E76A-DB1B-49B0-8868-155EBA0C0DF2}"/>
+              </a:ext>
+            </a:extLst>
+          </p:cNvPr>
+          <p:cNvSpPr txBox="1"/>
+          <p:nvPr/>
+        </p:nvSpPr>
+        <p:spPr>
+          <a:xfrm>
+            <a:off x="690663" y="1308097"/>
+            <a:ext cx="5336511" cy="523220"/>
+          </a:xfrm>
+          <a:prstGeom prst="rect">
+            <a:avLst/>
+          </a:prstGeom>
+          <a:solidFill>
+            <a:schemeClr val="accent1"/>
+          </a:solidFill>
+          <a:ln w="76200">
+            <a:solidFill>
+              <a:schemeClr val="accent2"/>
+            </a:solidFill>
+          </a:ln>
+        </p:spPr>
+        <p:txBody>
+          <a:bodyPr wrap="square" rtlCol="0">
+            <a:spAutoFit/>
+          </a:bodyPr>
+          <a:lstStyle/>
+          <a:p>
+            <a:pPr algn="ctr"/>
+            <a:r>
+              <a:rPr lang="en-CA" sz="2800" b="1" dirty="0">
+                <a:latin typeface="Source Serif Pro" panose="02040603050405020204" pitchFamily="18" charset="0"/>
+                <a:ea typeface="Source Serif Pro" panose="02040603050405020204" pitchFamily="18" charset="0"/>
+              </a:rPr>
+              <a:t>Results:</a:t>
+            </a:r>
+            <a:endParaRPr lang="en-CA" sz="2800" dirty="0">
+              <a:latin typeface="Source Serif Pro" panose="02040603050405020204" pitchFamily="18" charset="0"/>
+              <a:ea typeface="Source Serif Pro" panose="02040603050405020204" pitchFamily="18" charset="0"/>
+            </a:endParaRPr>
+          </a:p>
+        </p:txBody>
+      </p:sp>
+      <p:pic>
+        <p:nvPicPr>
+          <p:cNvPr id="7" name="Picture 6">
+            <a:extLst>
+              <a:ext uri="{FF2B5EF4-FFF2-40B4-BE49-F238E27FC236}">
+                <a16:creationId xmlns:a16="http://schemas.microsoft.com/office/drawing/2014/main" id="{C24EB77F-B92A-4FF4-8479-6C022BE3DC0F}"/>
+              </a:ext>
+            </a:extLst>
+          </p:cNvPr>
+          <p:cNvPicPr>
+            <a:picLocks noChangeAspect="1"/>
+          </p:cNvPicPr>
+          <p:nvPr/>
+        </p:nvPicPr>
+        <p:blipFill>
+          <a:blip r:embed="rId3"/>
+          <a:stretch>
+            <a:fillRect/>
+          </a:stretch>
+        </p:blipFill>
+        <p:spPr>
+          <a:xfrm>
+            <a:off x="6653565" y="1317520"/>
+            <a:ext cx="4808558" cy="4378907"/>
+          </a:xfrm>
+          <a:prstGeom prst="rect">
+            <a:avLst/>
+          </a:prstGeom>
+          <a:ln w="76200">
+            <a:solidFill>
+              <a:schemeClr val="accent2"/>
+            </a:solidFill>
+          </a:ln>
+        </p:spPr>
+      </p:pic>
+      <p:sp>
+        <p:nvSpPr>
+          <p:cNvPr id="13" name="TextBox 12">
+            <a:extLst>
+              <a:ext uri="{FF2B5EF4-FFF2-40B4-BE49-F238E27FC236}">
+                <a16:creationId xmlns:a16="http://schemas.microsoft.com/office/drawing/2014/main" id="{82F10ECE-1271-4F20-9132-413F5EA8FADC}"/>
+              </a:ext>
+            </a:extLst>
+          </p:cNvPr>
+          <p:cNvSpPr txBox="1"/>
+          <p:nvPr/>
+        </p:nvSpPr>
+        <p:spPr>
+          <a:xfrm>
+            <a:off x="690663" y="1987742"/>
+            <a:ext cx="5336511" cy="3046988"/>
+          </a:xfrm>
+          <a:prstGeom prst="rect">
+            <a:avLst/>
+          </a:prstGeom>
+          <a:noFill/>
+          <a:ln w="76200">
+            <a:solidFill>
+              <a:schemeClr val="accent2"/>
+            </a:solidFill>
+          </a:ln>
+        </p:spPr>
+        <p:txBody>
+          <a:bodyPr wrap="square" rtlCol="0">
+            <a:spAutoFit/>
+          </a:bodyPr>
+          <a:lstStyle/>
+          <a:p>
+            <a:pPr marL="457200" indent="-457200">
+              <a:buFont typeface="+mj-lt"/>
+              <a:buAutoNum type="arabicPeriod"/>
+            </a:pPr>
+            <a:r>
+              <a:rPr lang="en-CA" sz="2400" b="1" dirty="0">
+                <a:latin typeface="Source Serif Pro" panose="02040603050405020204" pitchFamily="18" charset="0"/>
+                <a:ea typeface="Source Serif Pro" panose="02040603050405020204" pitchFamily="18" charset="0"/>
+              </a:rPr>
+              <a:t>Intuitive</a:t>
+            </a:r>
+          </a:p>
+          <a:p>
+            <a:pPr marL="457200" indent="-457200">
+              <a:buFont typeface="+mj-lt"/>
+              <a:buAutoNum type="arabicPeriod"/>
+            </a:pPr>
+            <a:r>
+              <a:rPr lang="en-CA" sz="2400" b="1" dirty="0">
+                <a:latin typeface="Source Serif Pro" panose="02040603050405020204" pitchFamily="18" charset="0"/>
+                <a:ea typeface="Source Serif Pro" panose="02040603050405020204" pitchFamily="18" charset="0"/>
+              </a:rPr>
+              <a:t>Basic</a:t>
+            </a:r>
+          </a:p>
+          <a:p>
+            <a:pPr marL="457200" indent="-457200">
+              <a:buFont typeface="+mj-lt"/>
+              <a:buAutoNum type="arabicPeriod"/>
+            </a:pPr>
+            <a:r>
+              <a:rPr lang="en-CA" sz="2400" b="1" dirty="0">
+                <a:latin typeface="Source Serif Pro" panose="02040603050405020204" pitchFamily="18" charset="0"/>
+                <a:ea typeface="Source Serif Pro" panose="02040603050405020204" pitchFamily="18" charset="0"/>
+              </a:rPr>
+              <a:t>Persuasive</a:t>
+            </a:r>
+          </a:p>
+          <a:p>
+            <a:pPr marL="914400" lvl="1" indent="-457200">
+              <a:buFont typeface="Arial" panose="020B0604020202020204" pitchFamily="34" charset="0"/>
+              <a:buChar char="•"/>
+            </a:pPr>
+            <a:r>
+              <a:rPr lang="en-CA" sz="2400" dirty="0">
+                <a:latin typeface="Source Sans Pro" panose="020B0503030403020204" pitchFamily="34" charset="0"/>
+                <a:ea typeface="Source Sans Pro" panose="020B0503030403020204" pitchFamily="34" charset="0"/>
+              </a:rPr>
+              <a:t>Slogans</a:t>
+            </a:r>
+          </a:p>
+          <a:p>
+            <a:pPr marL="914400" lvl="1" indent="-457200">
+              <a:buFont typeface="Arial" panose="020B0604020202020204" pitchFamily="34" charset="0"/>
+              <a:buChar char="•"/>
+            </a:pPr>
+            <a:r>
+              <a:rPr lang="en-CA" sz="2400" dirty="0">
+                <a:latin typeface="Source Sans Pro" panose="020B0503030403020204" pitchFamily="34" charset="0"/>
+                <a:ea typeface="Source Sans Pro" panose="020B0503030403020204" pitchFamily="34" charset="0"/>
+              </a:rPr>
+              <a:t>Quotes</a:t>
+            </a:r>
+            <a:endParaRPr lang="en-CA" sz="2400" b="1" dirty="0">
+              <a:latin typeface="Source Serif Pro" panose="02040603050405020204" pitchFamily="18" charset="0"/>
+              <a:ea typeface="Source Serif Pro" panose="02040603050405020204" pitchFamily="18" charset="0"/>
+            </a:endParaRPr>
+          </a:p>
+          <a:p>
+            <a:pPr marL="457200" indent="-457200">
+              <a:buFont typeface="+mj-lt"/>
+              <a:buAutoNum type="arabicPeriod"/>
+            </a:pPr>
+            <a:r>
+              <a:rPr lang="en-CA" sz="2400" b="1" dirty="0">
+                <a:latin typeface="Source Serif Pro" panose="02040603050405020204" pitchFamily="18" charset="0"/>
+                <a:ea typeface="Source Serif Pro" panose="02040603050405020204" pitchFamily="18" charset="0"/>
+              </a:rPr>
+              <a:t>Clear Titles</a:t>
+            </a:r>
+          </a:p>
+          <a:p>
+            <a:pPr marL="457200" indent="-457200">
+              <a:buFont typeface="+mj-lt"/>
+              <a:buAutoNum type="arabicPeriod"/>
+            </a:pPr>
+            <a:r>
+              <a:rPr lang="en-CA" sz="2400" b="1" dirty="0">
+                <a:latin typeface="Source Serif Pro" panose="02040603050405020204" pitchFamily="18" charset="0"/>
+                <a:ea typeface="Source Serif Pro" panose="02040603050405020204" pitchFamily="18" charset="0"/>
+              </a:rPr>
+              <a:t>Helpful Buttons</a:t>
+            </a:r>
+          </a:p>
+          <a:p>
+            <a:pPr marL="457200" indent="-457200">
+              <a:buFont typeface="+mj-lt"/>
+              <a:buAutoNum type="arabicPeriod"/>
+            </a:pPr>
+            <a:r>
+              <a:rPr lang="en-CA" sz="2400" b="1" dirty="0">
+                <a:latin typeface="Source Serif Pro" panose="02040603050405020204" pitchFamily="18" charset="0"/>
+                <a:ea typeface="Source Serif Pro" panose="02040603050405020204" pitchFamily="18" charset="0"/>
+              </a:rPr>
+              <a:t>Good Overview</a:t>
+            </a:r>
+          </a:p>
+        </p:txBody>
+      </p:sp>
+      <p:cxnSp>
+        <p:nvCxnSpPr>
+          <p:cNvPr id="16" name="Straight Arrow Connector 15">
+            <a:extLst>
+              <a:ext uri="{FF2B5EF4-FFF2-40B4-BE49-F238E27FC236}">
+                <a16:creationId xmlns:a16="http://schemas.microsoft.com/office/drawing/2014/main" id="{383575F0-8A39-4FD6-BF18-CEBFE548C69E}"/>
+              </a:ext>
+            </a:extLst>
+          </p:cNvPr>
+          <p:cNvCxnSpPr>
+            <a:cxnSpLocks/>
+          </p:cNvCxnSpPr>
+          <p:nvPr/>
+        </p:nvCxnSpPr>
+        <p:spPr>
+          <a:xfrm flipV="1">
+            <a:off x="2685596" y="1987742"/>
+            <a:ext cx="4818447" cy="1735264"/>
+          </a:xfrm>
+          <a:prstGeom prst="straightConnector1">
+            <a:avLst/>
+          </a:prstGeom>
+          <a:ln w="57150">
+            <a:solidFill>
+              <a:schemeClr val="accent2"/>
+            </a:solidFill>
+            <a:tailEnd type="triangle"/>
+          </a:ln>
+        </p:spPr>
+        <p:style>
+          <a:lnRef idx="1">
+            <a:schemeClr val="accent1"/>
+          </a:lnRef>
+          <a:fillRef idx="0">
+            <a:schemeClr val="accent1"/>
+          </a:fillRef>
+          <a:effectRef idx="0">
+            <a:schemeClr val="accent1"/>
+          </a:effectRef>
+          <a:fontRef idx="minor">
+            <a:schemeClr val="tx1"/>
+          </a:fontRef>
+        </p:style>
+      </p:cxnSp>
+      <p:cxnSp>
+        <p:nvCxnSpPr>
+          <p:cNvPr id="18" name="Straight Arrow Connector 17">
+            <a:extLst>
+              <a:ext uri="{FF2B5EF4-FFF2-40B4-BE49-F238E27FC236}">
+                <a16:creationId xmlns:a16="http://schemas.microsoft.com/office/drawing/2014/main" id="{3C6FF44A-E379-4E88-9E4C-A478D51C839F}"/>
+              </a:ext>
+            </a:extLst>
+          </p:cNvPr>
+          <p:cNvCxnSpPr>
+            <a:cxnSpLocks/>
+          </p:cNvCxnSpPr>
+          <p:nvPr/>
+        </p:nvCxnSpPr>
+        <p:spPr>
+          <a:xfrm flipV="1">
+            <a:off x="2904256" y="3140765"/>
+            <a:ext cx="5355161" cy="929549"/>
+          </a:xfrm>
+          <a:prstGeom prst="straightConnector1">
+            <a:avLst/>
+          </a:prstGeom>
+          <a:ln w="57150">
+            <a:solidFill>
+              <a:schemeClr val="accent2"/>
+            </a:solidFill>
+            <a:tailEnd type="triangle"/>
+          </a:ln>
+        </p:spPr>
+        <p:style>
+          <a:lnRef idx="1">
+            <a:schemeClr val="accent1"/>
+          </a:lnRef>
+          <a:fillRef idx="0">
+            <a:schemeClr val="accent1"/>
+          </a:fillRef>
+          <a:effectRef idx="0">
+            <a:schemeClr val="accent1"/>
+          </a:effectRef>
+          <a:fontRef idx="minor">
+            <a:schemeClr val="tx1"/>
+          </a:fontRef>
+        </p:style>
+      </p:cxnSp>
+    </p:spTree>
+    <p:extLst>
+      <p:ext uri="{BB962C8B-B14F-4D97-AF65-F5344CB8AC3E}">
+        <p14:creationId xmlns:p14="http://schemas.microsoft.com/office/powerpoint/2010/main" val="671380444"/>
+      </p:ext>
+    </p:extLst>
+  </p:cSld>
+  <p:clrMapOvr>
+    <a:masterClrMapping/>
+  </p:clrMapOvr>
+</p:sld>
+</file>
+
+<file path=ppt/slides/slide16.xml><?xml version="1.0" encoding="utf-8"?>
+<p:sld xmlns:a="http://schemas.openxmlformats.org/drawingml/2006/main" xmlns:r="http://schemas.openxmlformats.org/officeDocument/2006/relationships" xmlns:p="http://schemas.openxmlformats.org/presentationml/2006/main">
+  <p:cSld>
+    <p:spTree>
+      <p:nvGrpSpPr>
+        <p:cNvPr id="1" name=""/>
+        <p:cNvGrpSpPr/>
+        <p:nvPr/>
+      </p:nvGrpSpPr>
+      <p:grpSpPr>
+        <a:xfrm>
+          <a:off x="0" y="0"/>
+          <a:ext cx="0" cy="0"/>
+          <a:chOff x="0" y="0"/>
+          <a:chExt cx="0" cy="0"/>
+        </a:xfrm>
+      </p:grpSpPr>
+      <p:sp>
+        <p:nvSpPr>
+          <p:cNvPr id="2" name="Rectangle 1">
+            <a:extLst>
+              <a:ext uri="{FF2B5EF4-FFF2-40B4-BE49-F238E27FC236}">
+                <a16:creationId xmlns:a16="http://schemas.microsoft.com/office/drawing/2014/main" id="{DDE44C0A-170A-4D97-B3BE-EE4096F9C886}"/>
+              </a:ext>
+            </a:extLst>
+          </p:cNvPr>
+          <p:cNvSpPr/>
+          <p:nvPr/>
+        </p:nvSpPr>
+        <p:spPr>
+          <a:xfrm>
+            <a:off x="4816491" y="323882"/>
+            <a:ext cx="2546852" cy="646331"/>
+          </a:xfrm>
+          <a:prstGeom prst="rect">
+            <a:avLst/>
+          </a:prstGeom>
+        </p:spPr>
+        <p:txBody>
+          <a:bodyPr wrap="none">
+            <a:spAutoFit/>
+          </a:bodyPr>
+          <a:lstStyle/>
+          <a:p>
+            <a:pPr algn="ctr"/>
+            <a:r>
+              <a:rPr lang="en-CA" sz="3600" b="1" u="sng" dirty="0">
+                <a:solidFill>
+                  <a:schemeClr val="accent2"/>
+                </a:solidFill>
+                <a:latin typeface="Source Serif Pro" panose="02040603050405020204" pitchFamily="18" charset="0"/>
+                <a:ea typeface="Source Serif Pro" panose="02040603050405020204" pitchFamily="18" charset="0"/>
+              </a:rPr>
+              <a:t>Home Page</a:t>
+            </a:r>
+            <a:endParaRPr lang="en-CA" sz="3600" u="sng" dirty="0">
+              <a:solidFill>
+                <a:schemeClr val="accent2"/>
+              </a:solidFill>
+            </a:endParaRPr>
+          </a:p>
+        </p:txBody>
+      </p:sp>
+      <p:sp>
+        <p:nvSpPr>
+          <p:cNvPr id="3" name="TextBox 2">
+            <a:extLst>
+              <a:ext uri="{FF2B5EF4-FFF2-40B4-BE49-F238E27FC236}">
+                <a16:creationId xmlns:a16="http://schemas.microsoft.com/office/drawing/2014/main" id="{7F47E76A-DB1B-49B0-8868-155EBA0C0DF2}"/>
+              </a:ext>
+            </a:extLst>
+          </p:cNvPr>
+          <p:cNvSpPr txBox="1"/>
+          <p:nvPr/>
+        </p:nvSpPr>
+        <p:spPr>
+          <a:xfrm>
+            <a:off x="690663" y="1308097"/>
+            <a:ext cx="5336511" cy="523220"/>
+          </a:xfrm>
+          <a:prstGeom prst="rect">
+            <a:avLst/>
+          </a:prstGeom>
+          <a:solidFill>
+            <a:schemeClr val="accent1"/>
+          </a:solidFill>
+          <a:ln w="76200">
+            <a:solidFill>
+              <a:schemeClr val="accent2"/>
+            </a:solidFill>
+          </a:ln>
+        </p:spPr>
+        <p:txBody>
+          <a:bodyPr wrap="square" rtlCol="0">
+            <a:spAutoFit/>
+          </a:bodyPr>
+          <a:lstStyle/>
+          <a:p>
+            <a:pPr algn="ctr"/>
+            <a:r>
+              <a:rPr lang="en-CA" sz="2800" b="1" dirty="0">
+                <a:latin typeface="Source Serif Pro" panose="02040603050405020204" pitchFamily="18" charset="0"/>
+                <a:ea typeface="Source Serif Pro" panose="02040603050405020204" pitchFamily="18" charset="0"/>
+              </a:rPr>
+              <a:t>Results:</a:t>
+            </a:r>
+            <a:endParaRPr lang="en-CA" sz="2800" dirty="0">
+              <a:latin typeface="Source Serif Pro" panose="02040603050405020204" pitchFamily="18" charset="0"/>
+              <a:ea typeface="Source Serif Pro" panose="02040603050405020204" pitchFamily="18" charset="0"/>
+            </a:endParaRPr>
+          </a:p>
+        </p:txBody>
+      </p:sp>
+      <p:pic>
+        <p:nvPicPr>
+          <p:cNvPr id="7" name="Picture 6">
+            <a:extLst>
+              <a:ext uri="{FF2B5EF4-FFF2-40B4-BE49-F238E27FC236}">
+                <a16:creationId xmlns:a16="http://schemas.microsoft.com/office/drawing/2014/main" id="{C24EB77F-B92A-4FF4-8479-6C022BE3DC0F}"/>
+              </a:ext>
+            </a:extLst>
+          </p:cNvPr>
+          <p:cNvPicPr>
+            <a:picLocks noChangeAspect="1"/>
+          </p:cNvPicPr>
+          <p:nvPr/>
+        </p:nvPicPr>
+        <p:blipFill>
+          <a:blip r:embed="rId3"/>
+          <a:stretch>
+            <a:fillRect/>
+          </a:stretch>
+        </p:blipFill>
+        <p:spPr>
+          <a:xfrm>
+            <a:off x="6653565" y="1317520"/>
+            <a:ext cx="4808558" cy="4378907"/>
+          </a:xfrm>
+          <a:prstGeom prst="rect">
+            <a:avLst/>
+          </a:prstGeom>
+          <a:ln w="76200">
+            <a:solidFill>
+              <a:schemeClr val="accent2"/>
+            </a:solidFill>
+          </a:ln>
+        </p:spPr>
+      </p:pic>
+      <p:sp>
+        <p:nvSpPr>
+          <p:cNvPr id="13" name="TextBox 12">
+            <a:extLst>
+              <a:ext uri="{FF2B5EF4-FFF2-40B4-BE49-F238E27FC236}">
+                <a16:creationId xmlns:a16="http://schemas.microsoft.com/office/drawing/2014/main" id="{82F10ECE-1271-4F20-9132-413F5EA8FADC}"/>
+              </a:ext>
+            </a:extLst>
+          </p:cNvPr>
+          <p:cNvSpPr txBox="1"/>
+          <p:nvPr/>
+        </p:nvSpPr>
+        <p:spPr>
+          <a:xfrm>
+            <a:off x="690663" y="1987742"/>
+            <a:ext cx="5336511" cy="3046988"/>
+          </a:xfrm>
+          <a:prstGeom prst="rect">
+            <a:avLst/>
+          </a:prstGeom>
+          <a:noFill/>
+          <a:ln w="76200">
+            <a:solidFill>
+              <a:schemeClr val="accent2"/>
+            </a:solidFill>
+          </a:ln>
+        </p:spPr>
+        <p:txBody>
+          <a:bodyPr wrap="square" rtlCol="0">
+            <a:spAutoFit/>
+          </a:bodyPr>
+          <a:lstStyle/>
+          <a:p>
+            <a:pPr marL="457200" indent="-457200">
+              <a:buFont typeface="+mj-lt"/>
+              <a:buAutoNum type="arabicPeriod"/>
+            </a:pPr>
+            <a:r>
+              <a:rPr lang="en-CA" sz="2400" b="1" dirty="0">
+                <a:latin typeface="Source Serif Pro" panose="02040603050405020204" pitchFamily="18" charset="0"/>
+                <a:ea typeface="Source Serif Pro" panose="02040603050405020204" pitchFamily="18" charset="0"/>
+              </a:rPr>
+              <a:t>Intuitive</a:t>
+            </a:r>
+          </a:p>
+          <a:p>
+            <a:pPr marL="457200" indent="-457200">
+              <a:buFont typeface="+mj-lt"/>
+              <a:buAutoNum type="arabicPeriod"/>
+            </a:pPr>
+            <a:r>
+              <a:rPr lang="en-CA" sz="2400" b="1" dirty="0">
+                <a:latin typeface="Source Serif Pro" panose="02040603050405020204" pitchFamily="18" charset="0"/>
+                <a:ea typeface="Source Serif Pro" panose="02040603050405020204" pitchFamily="18" charset="0"/>
+              </a:rPr>
+              <a:t>Basic</a:t>
+            </a:r>
+          </a:p>
+          <a:p>
+            <a:pPr marL="457200" indent="-457200">
+              <a:buFont typeface="+mj-lt"/>
+              <a:buAutoNum type="arabicPeriod"/>
+            </a:pPr>
+            <a:r>
+              <a:rPr lang="en-CA" sz="2400" b="1" dirty="0">
+                <a:latin typeface="Source Serif Pro" panose="02040603050405020204" pitchFamily="18" charset="0"/>
+                <a:ea typeface="Source Serif Pro" panose="02040603050405020204" pitchFamily="18" charset="0"/>
+              </a:rPr>
+              <a:t>Persuasive</a:t>
+            </a:r>
+          </a:p>
+          <a:p>
+            <a:pPr marL="914400" lvl="1" indent="-457200">
+              <a:buFont typeface="Arial" panose="020B0604020202020204" pitchFamily="34" charset="0"/>
+              <a:buChar char="•"/>
+            </a:pPr>
+            <a:r>
+              <a:rPr lang="en-CA" sz="2400" dirty="0">
+                <a:latin typeface="Source Sans Pro" panose="020B0503030403020204" pitchFamily="34" charset="0"/>
+                <a:ea typeface="Source Sans Pro" panose="020B0503030403020204" pitchFamily="34" charset="0"/>
+              </a:rPr>
+              <a:t>Slogans</a:t>
+            </a:r>
+          </a:p>
+          <a:p>
+            <a:pPr marL="914400" lvl="1" indent="-457200">
+              <a:buFont typeface="Arial" panose="020B0604020202020204" pitchFamily="34" charset="0"/>
+              <a:buChar char="•"/>
+            </a:pPr>
+            <a:r>
+              <a:rPr lang="en-CA" sz="2400" dirty="0">
+                <a:latin typeface="Source Sans Pro" panose="020B0503030403020204" pitchFamily="34" charset="0"/>
+                <a:ea typeface="Source Sans Pro" panose="020B0503030403020204" pitchFamily="34" charset="0"/>
+              </a:rPr>
+              <a:t>Quotes</a:t>
+            </a:r>
+            <a:endParaRPr lang="en-CA" sz="2400" b="1" dirty="0">
+              <a:latin typeface="Source Serif Pro" panose="02040603050405020204" pitchFamily="18" charset="0"/>
+              <a:ea typeface="Source Serif Pro" panose="02040603050405020204" pitchFamily="18" charset="0"/>
+            </a:endParaRPr>
+          </a:p>
+          <a:p>
+            <a:pPr marL="457200" indent="-457200">
+              <a:buFont typeface="+mj-lt"/>
+              <a:buAutoNum type="arabicPeriod"/>
+            </a:pPr>
+            <a:r>
+              <a:rPr lang="en-CA" sz="2400" b="1" dirty="0">
+                <a:latin typeface="Source Serif Pro" panose="02040603050405020204" pitchFamily="18" charset="0"/>
+                <a:ea typeface="Source Serif Pro" panose="02040603050405020204" pitchFamily="18" charset="0"/>
+              </a:rPr>
+              <a:t>Clear Titles</a:t>
+            </a:r>
+          </a:p>
+          <a:p>
+            <a:pPr marL="457200" indent="-457200">
+              <a:buFont typeface="+mj-lt"/>
+              <a:buAutoNum type="arabicPeriod"/>
+            </a:pPr>
+            <a:r>
+              <a:rPr lang="en-CA" sz="2400" b="1" dirty="0">
+                <a:latin typeface="Source Serif Pro" panose="02040603050405020204" pitchFamily="18" charset="0"/>
+                <a:ea typeface="Source Serif Pro" panose="02040603050405020204" pitchFamily="18" charset="0"/>
+              </a:rPr>
+              <a:t>Helpful Buttons</a:t>
+            </a:r>
+          </a:p>
+          <a:p>
+            <a:pPr marL="457200" indent="-457200">
+              <a:buFont typeface="+mj-lt"/>
+              <a:buAutoNum type="arabicPeriod"/>
+            </a:pPr>
+            <a:r>
+              <a:rPr lang="en-CA" sz="2400" b="1" dirty="0">
+                <a:latin typeface="Source Serif Pro" panose="02040603050405020204" pitchFamily="18" charset="0"/>
+                <a:ea typeface="Source Serif Pro" panose="02040603050405020204" pitchFamily="18" charset="0"/>
+              </a:rPr>
+              <a:t>Good Overview</a:t>
+            </a:r>
+          </a:p>
+        </p:txBody>
+      </p:sp>
+      <p:cxnSp>
+        <p:nvCxnSpPr>
+          <p:cNvPr id="16" name="Straight Arrow Connector 15">
+            <a:extLst>
+              <a:ext uri="{FF2B5EF4-FFF2-40B4-BE49-F238E27FC236}">
+                <a16:creationId xmlns:a16="http://schemas.microsoft.com/office/drawing/2014/main" id="{383575F0-8A39-4FD6-BF18-CEBFE548C69E}"/>
+              </a:ext>
+            </a:extLst>
+          </p:cNvPr>
+          <p:cNvCxnSpPr>
+            <a:cxnSpLocks/>
+          </p:cNvCxnSpPr>
+          <p:nvPr/>
+        </p:nvCxnSpPr>
+        <p:spPr>
+          <a:xfrm flipV="1">
+            <a:off x="2685596" y="1987742"/>
+            <a:ext cx="4818447" cy="1735264"/>
+          </a:xfrm>
+          <a:prstGeom prst="straightConnector1">
+            <a:avLst/>
+          </a:prstGeom>
+          <a:ln w="57150">
+            <a:solidFill>
+              <a:schemeClr val="accent2"/>
+            </a:solidFill>
+            <a:tailEnd type="triangle"/>
+          </a:ln>
+        </p:spPr>
+        <p:style>
+          <a:lnRef idx="1">
+            <a:schemeClr val="accent1"/>
+          </a:lnRef>
+          <a:fillRef idx="0">
+            <a:schemeClr val="accent1"/>
+          </a:fillRef>
+          <a:effectRef idx="0">
+            <a:schemeClr val="accent1"/>
+          </a:effectRef>
+          <a:fontRef idx="minor">
+            <a:schemeClr val="tx1"/>
+          </a:fontRef>
+        </p:style>
+      </p:cxnSp>
+      <p:cxnSp>
+        <p:nvCxnSpPr>
+          <p:cNvPr id="18" name="Straight Arrow Connector 17">
+            <a:extLst>
+              <a:ext uri="{FF2B5EF4-FFF2-40B4-BE49-F238E27FC236}">
+                <a16:creationId xmlns:a16="http://schemas.microsoft.com/office/drawing/2014/main" id="{3C6FF44A-E379-4E88-9E4C-A478D51C839F}"/>
+              </a:ext>
+            </a:extLst>
+          </p:cNvPr>
+          <p:cNvCxnSpPr>
+            <a:cxnSpLocks/>
+          </p:cNvCxnSpPr>
+          <p:nvPr/>
+        </p:nvCxnSpPr>
+        <p:spPr>
+          <a:xfrm flipV="1">
+            <a:off x="2904256" y="3140765"/>
+            <a:ext cx="5355161" cy="929549"/>
+          </a:xfrm>
+          <a:prstGeom prst="straightConnector1">
+            <a:avLst/>
+          </a:prstGeom>
+          <a:ln w="57150">
+            <a:solidFill>
+              <a:schemeClr val="accent2"/>
+            </a:solidFill>
+            <a:tailEnd type="triangle"/>
+          </a:ln>
+        </p:spPr>
+        <p:style>
+          <a:lnRef idx="1">
+            <a:schemeClr val="accent1"/>
+          </a:lnRef>
+          <a:fillRef idx="0">
+            <a:schemeClr val="accent1"/>
+          </a:fillRef>
+          <a:effectRef idx="0">
+            <a:schemeClr val="accent1"/>
+          </a:effectRef>
+          <a:fontRef idx="minor">
+            <a:schemeClr val="tx1"/>
+          </a:fontRef>
+        </p:style>
+      </p:cxnSp>
+      <p:cxnSp>
+        <p:nvCxnSpPr>
+          <p:cNvPr id="20" name="Straight Arrow Connector 19">
+            <a:extLst>
+              <a:ext uri="{FF2B5EF4-FFF2-40B4-BE49-F238E27FC236}">
+                <a16:creationId xmlns:a16="http://schemas.microsoft.com/office/drawing/2014/main" id="{A518AD78-0B17-4752-B2BD-662B5119B5F0}"/>
+              </a:ext>
+            </a:extLst>
+          </p:cNvPr>
+          <p:cNvCxnSpPr>
+            <a:cxnSpLocks/>
+          </p:cNvCxnSpPr>
+          <p:nvPr/>
+        </p:nvCxnSpPr>
+        <p:spPr>
+          <a:xfrm>
+            <a:off x="3554610" y="4417622"/>
+            <a:ext cx="5231581" cy="882458"/>
+          </a:xfrm>
+          <a:prstGeom prst="straightConnector1">
+            <a:avLst/>
+          </a:prstGeom>
+          <a:ln w="57150">
+            <a:solidFill>
+              <a:schemeClr val="accent2"/>
+            </a:solidFill>
+            <a:tailEnd type="triangle"/>
+          </a:ln>
+        </p:spPr>
+        <p:style>
+          <a:lnRef idx="1">
+            <a:schemeClr val="accent1"/>
+          </a:lnRef>
+          <a:fillRef idx="0">
+            <a:schemeClr val="accent1"/>
+          </a:fillRef>
+          <a:effectRef idx="0">
+            <a:schemeClr val="accent1"/>
+          </a:effectRef>
+          <a:fontRef idx="minor">
+            <a:schemeClr val="tx1"/>
+          </a:fontRef>
+        </p:style>
+      </p:cxnSp>
+    </p:spTree>
+    <p:extLst>
+      <p:ext uri="{BB962C8B-B14F-4D97-AF65-F5344CB8AC3E}">
+        <p14:creationId xmlns:p14="http://schemas.microsoft.com/office/powerpoint/2010/main" val="1994242255"/>
+      </p:ext>
+    </p:extLst>
+  </p:cSld>
+  <p:clrMapOvr>
+    <a:masterClrMapping/>
+  </p:clrMapOvr>
+</p:sld>
+</file>
+
 <file path=ppt/slides/slide2.xml><?xml version="1.0" encoding="utf-8"?>
 <p:sld xmlns:a="http://schemas.openxmlformats.org/drawingml/2006/main" xmlns:r="http://schemas.openxmlformats.org/officeDocument/2006/relationships" xmlns:p="http://schemas.openxmlformats.org/presentationml/2006/main">
   <p:cSld>
@@ -4103,7 +8875,7 @@
         <p:spPr>
           <a:xfrm>
             <a:off x="690663" y="1789889"/>
-            <a:ext cx="5768503" cy="3046988"/>
+            <a:ext cx="5768503" cy="3416320"/>
           </a:xfrm>
           <a:prstGeom prst="rect">
             <a:avLst/>
@@ -4111,7 +8883,7 @@
           <a:noFill/>
           <a:ln w="76200">
             <a:solidFill>
-              <a:schemeClr val="accent4"/>
+              <a:schemeClr val="accent1"/>
             </a:solidFill>
           </a:ln>
         </p:spPr>
@@ -4178,10 +8950,19 @@
           <a:p>
             <a:r>
               <a:rPr lang="en-CA" sz="2400" b="1" dirty="0">
-                <a:latin typeface="Source Serif Pro" panose="02040603050405020204" pitchFamily="18" charset="0"/>
-                <a:ea typeface="Source Serif Pro" panose="02040603050405020204" pitchFamily="18" charset="0"/>
-              </a:rPr>
-              <a:t>Website URL: </a:t>
+                <a:latin typeface="Source Sans Pro" panose="020B0503030403020204" pitchFamily="34" charset="0"/>
+                <a:ea typeface="Source Sans Pro" panose="020B0503030403020204" pitchFamily="34" charset="0"/>
+              </a:rPr>
+              <a:t>Website URL:</a:t>
+            </a:r>
+          </a:p>
+          <a:p>
+            <a:r>
+              <a:rPr lang="en-CA" sz="2400" dirty="0">
+                <a:latin typeface="Source Sans Pro" panose="020B0503030403020204" pitchFamily="34" charset="0"/>
+                <a:ea typeface="Source Sans Pro" panose="020B0503030403020204" pitchFamily="34" charset="0"/>
+              </a:rPr>
+              <a:t>https://dufo0062.github.io/final/ </a:t>
             </a:r>
           </a:p>
         </p:txBody>
@@ -4200,7 +8981,7 @@
         </p:nvSpPr>
         <p:spPr>
           <a:xfrm>
-            <a:off x="3623158" y="598410"/>
+            <a:off x="4033705" y="318492"/>
             <a:ext cx="4037773" cy="646331"/>
           </a:xfrm>
           <a:prstGeom prst="rect">
@@ -4247,7 +9028,7 @@
           <p:nvPr/>
         </p:nvPicPr>
         <p:blipFill rotWithShape="1">
-          <a:blip r:embed="rId2">
+          <a:blip r:embed="rId3">
             <a:extLst>
               <a:ext uri="{28A0092B-C50C-407E-A947-70E740481C1C}">
                 <a14:useLocalDpi xmlns:a14="http://schemas.microsoft.com/office/drawing/2010/main" val="0"/>
@@ -4267,7 +9048,7 @@
           </a:prstGeom>
           <a:ln w="76200">
             <a:solidFill>
-              <a:schemeClr val="accent4"/>
+              <a:schemeClr val="accent1"/>
             </a:solidFill>
           </a:ln>
         </p:spPr>
@@ -4302,10 +9083,3410 @@
           <a:chExt cx="0" cy="0"/>
         </a:xfrm>
       </p:grpSpPr>
+      <p:sp>
+        <p:nvSpPr>
+          <p:cNvPr id="2" name="Rectangle 1">
+            <a:extLst>
+              <a:ext uri="{FF2B5EF4-FFF2-40B4-BE49-F238E27FC236}">
+                <a16:creationId xmlns:a16="http://schemas.microsoft.com/office/drawing/2014/main" id="{DDE44C0A-170A-4D97-B3BE-EE4096F9C886}"/>
+              </a:ext>
+            </a:extLst>
+          </p:cNvPr>
+          <p:cNvSpPr/>
+          <p:nvPr/>
+        </p:nvSpPr>
+        <p:spPr>
+          <a:xfrm>
+            <a:off x="4342484" y="323882"/>
+            <a:ext cx="3494867" cy="646331"/>
+          </a:xfrm>
+          <a:prstGeom prst="rect">
+            <a:avLst/>
+          </a:prstGeom>
+        </p:spPr>
+        <p:txBody>
+          <a:bodyPr wrap="none">
+            <a:spAutoFit/>
+          </a:bodyPr>
+          <a:lstStyle/>
+          <a:p>
+            <a:pPr algn="ctr"/>
+            <a:r>
+              <a:rPr lang="en-CA" sz="3600" b="1" u="sng" dirty="0">
+                <a:solidFill>
+                  <a:schemeClr val="accent2"/>
+                </a:solidFill>
+                <a:latin typeface="Source Serif Pro" panose="02040603050405020204" pitchFamily="18" charset="0"/>
+                <a:ea typeface="Source Serif Pro" panose="02040603050405020204" pitchFamily="18" charset="0"/>
+              </a:rPr>
+              <a:t>Creative Design</a:t>
+            </a:r>
+            <a:endParaRPr lang="en-CA" sz="3600" u="sng" dirty="0">
+              <a:solidFill>
+                <a:schemeClr val="accent2"/>
+              </a:solidFill>
+            </a:endParaRPr>
+          </a:p>
+        </p:txBody>
+      </p:sp>
+      <p:sp>
+        <p:nvSpPr>
+          <p:cNvPr id="3" name="TextBox 2">
+            <a:extLst>
+              <a:ext uri="{FF2B5EF4-FFF2-40B4-BE49-F238E27FC236}">
+                <a16:creationId xmlns:a16="http://schemas.microsoft.com/office/drawing/2014/main" id="{7F47E76A-DB1B-49B0-8868-155EBA0C0DF2}"/>
+              </a:ext>
+            </a:extLst>
+          </p:cNvPr>
+          <p:cNvSpPr txBox="1"/>
+          <p:nvPr/>
+        </p:nvSpPr>
+        <p:spPr>
+          <a:xfrm>
+            <a:off x="543178" y="954138"/>
+            <a:ext cx="7824072" cy="461665"/>
+          </a:xfrm>
+          <a:prstGeom prst="rect">
+            <a:avLst/>
+          </a:prstGeom>
+          <a:noFill/>
+          <a:ln w="76200">
+            <a:noFill/>
+          </a:ln>
+        </p:spPr>
+        <p:txBody>
+          <a:bodyPr wrap="square" rtlCol="0">
+            <a:spAutoFit/>
+          </a:bodyPr>
+          <a:lstStyle/>
+          <a:p>
+            <a:r>
+              <a:rPr lang="en-CA" sz="2400" b="1" dirty="0">
+                <a:latin typeface="Source Serif Pro" panose="02040603050405020204" pitchFamily="18" charset="0"/>
+                <a:ea typeface="Source Serif Pro" panose="02040603050405020204" pitchFamily="18" charset="0"/>
+              </a:rPr>
+              <a:t>Inspiration: </a:t>
+            </a:r>
+            <a:r>
+              <a:rPr lang="en-CA" sz="2400" dirty="0">
+                <a:latin typeface="Source Serif Pro" panose="02040603050405020204" pitchFamily="18" charset="0"/>
+                <a:ea typeface="Source Serif Pro" panose="02040603050405020204" pitchFamily="18" charset="0"/>
+              </a:rPr>
+              <a:t>Target Demographic (Environmentalists)</a:t>
+            </a:r>
+          </a:p>
+        </p:txBody>
+      </p:sp>
+      <p:sp>
+        <p:nvSpPr>
+          <p:cNvPr id="5" name="TextBox 4">
+            <a:extLst>
+              <a:ext uri="{FF2B5EF4-FFF2-40B4-BE49-F238E27FC236}">
+                <a16:creationId xmlns:a16="http://schemas.microsoft.com/office/drawing/2014/main" id="{54D2059E-AEFE-4F54-9BBF-EE7135E55A3A}"/>
+              </a:ext>
+            </a:extLst>
+          </p:cNvPr>
+          <p:cNvSpPr txBox="1"/>
+          <p:nvPr/>
+        </p:nvSpPr>
+        <p:spPr>
+          <a:xfrm>
+            <a:off x="690664" y="1726967"/>
+            <a:ext cx="5147128" cy="461665"/>
+          </a:xfrm>
+          <a:prstGeom prst="rect">
+            <a:avLst/>
+          </a:prstGeom>
+          <a:solidFill>
+            <a:schemeClr val="accent1"/>
+          </a:solidFill>
+          <a:ln w="76200">
+            <a:solidFill>
+              <a:schemeClr val="accent2"/>
+            </a:solidFill>
+          </a:ln>
+        </p:spPr>
+        <p:txBody>
+          <a:bodyPr wrap="square" rtlCol="0">
+            <a:spAutoFit/>
+          </a:bodyPr>
+          <a:lstStyle/>
+          <a:p>
+            <a:pPr algn="ctr"/>
+            <a:r>
+              <a:rPr lang="en-CA" sz="2400" b="1" dirty="0">
+                <a:latin typeface="Source Serif Pro" panose="02040603050405020204" pitchFamily="18" charset="0"/>
+                <a:ea typeface="Source Serif Pro" panose="02040603050405020204" pitchFamily="18" charset="0"/>
+              </a:rPr>
+              <a:t>Characteristics</a:t>
+            </a:r>
+          </a:p>
+        </p:txBody>
+      </p:sp>
+      <p:sp>
+        <p:nvSpPr>
+          <p:cNvPr id="6" name="TextBox 5">
+            <a:extLst>
+              <a:ext uri="{FF2B5EF4-FFF2-40B4-BE49-F238E27FC236}">
+                <a16:creationId xmlns:a16="http://schemas.microsoft.com/office/drawing/2014/main" id="{17F52C99-7345-44DE-9AC0-844A642258C0}"/>
+              </a:ext>
+            </a:extLst>
+          </p:cNvPr>
+          <p:cNvSpPr txBox="1"/>
+          <p:nvPr/>
+        </p:nvSpPr>
+        <p:spPr>
+          <a:xfrm>
+            <a:off x="6155424" y="1726967"/>
+            <a:ext cx="5259827" cy="461665"/>
+          </a:xfrm>
+          <a:prstGeom prst="rect">
+            <a:avLst/>
+          </a:prstGeom>
+          <a:solidFill>
+            <a:schemeClr val="accent1"/>
+          </a:solidFill>
+          <a:ln w="76200">
+            <a:solidFill>
+              <a:schemeClr val="accent2"/>
+            </a:solidFill>
+          </a:ln>
+        </p:spPr>
+        <p:txBody>
+          <a:bodyPr wrap="square" rtlCol="0">
+            <a:spAutoFit/>
+          </a:bodyPr>
+          <a:lstStyle/>
+          <a:p>
+            <a:pPr algn="ctr"/>
+            <a:r>
+              <a:rPr lang="en-CA" sz="2400" b="1" dirty="0">
+                <a:latin typeface="Source Serif Pro" panose="02040603050405020204" pitchFamily="18" charset="0"/>
+                <a:ea typeface="Source Serif Pro" panose="02040603050405020204" pitchFamily="18" charset="0"/>
+              </a:rPr>
+              <a:t>Implications</a:t>
+            </a:r>
+          </a:p>
+        </p:txBody>
+      </p:sp>
+      <p:sp>
+        <p:nvSpPr>
+          <p:cNvPr id="7" name="TextBox 6">
+            <a:extLst>
+              <a:ext uri="{FF2B5EF4-FFF2-40B4-BE49-F238E27FC236}">
+                <a16:creationId xmlns:a16="http://schemas.microsoft.com/office/drawing/2014/main" id="{199A2013-ACE2-40B7-A559-862E059C3897}"/>
+              </a:ext>
+            </a:extLst>
+          </p:cNvPr>
+          <p:cNvSpPr txBox="1"/>
+          <p:nvPr/>
+        </p:nvSpPr>
+        <p:spPr>
+          <a:xfrm>
+            <a:off x="843135" y="2360555"/>
+            <a:ext cx="4994656" cy="2677656"/>
+          </a:xfrm>
+          <a:prstGeom prst="rect">
+            <a:avLst/>
+          </a:prstGeom>
+          <a:noFill/>
+          <a:ln w="76200">
+            <a:noFill/>
+          </a:ln>
+        </p:spPr>
+        <p:txBody>
+          <a:bodyPr wrap="square" rtlCol="0">
+            <a:spAutoFit/>
+          </a:bodyPr>
+          <a:lstStyle/>
+          <a:p>
+            <a:pPr marL="342900" indent="-342900">
+              <a:buFont typeface="Arial" panose="020B0604020202020204" pitchFamily="34" charset="0"/>
+              <a:buChar char="•"/>
+            </a:pPr>
+            <a:r>
+              <a:rPr lang="en-CA" sz="2400" dirty="0">
+                <a:latin typeface="Source Sans Pro" panose="020B0503030403020204" pitchFamily="34" charset="0"/>
+                <a:ea typeface="Source Sans Pro" panose="020B0503030403020204" pitchFamily="34" charset="0"/>
+              </a:rPr>
+              <a:t>24-40</a:t>
+            </a:r>
+          </a:p>
+          <a:p>
+            <a:pPr marL="342900" indent="-342900">
+              <a:buFont typeface="Arial" panose="020B0604020202020204" pitchFamily="34" charset="0"/>
+              <a:buChar char="•"/>
+            </a:pPr>
+            <a:r>
+              <a:rPr lang="en-CA" sz="2400" dirty="0">
+                <a:latin typeface="Source Sans Pro" panose="020B0503030403020204" pitchFamily="34" charset="0"/>
+                <a:ea typeface="Source Sans Pro" panose="020B0503030403020204" pitchFamily="34" charset="0"/>
+              </a:rPr>
+              <a:t>Busy</a:t>
+            </a:r>
+          </a:p>
+          <a:p>
+            <a:pPr marL="342900" indent="-342900">
+              <a:buFont typeface="Arial" panose="020B0604020202020204" pitchFamily="34" charset="0"/>
+              <a:buChar char="•"/>
+            </a:pPr>
+            <a:r>
+              <a:rPr lang="en-CA" sz="2400" dirty="0">
+                <a:latin typeface="Source Sans Pro" panose="020B0503030403020204" pitchFamily="34" charset="0"/>
+                <a:ea typeface="Source Sans Pro" panose="020B0503030403020204" pitchFamily="34" charset="0"/>
+              </a:rPr>
+              <a:t>Technology-dependent</a:t>
+            </a:r>
+          </a:p>
+          <a:p>
+            <a:pPr marL="342900" indent="-342900">
+              <a:buFont typeface="Arial" panose="020B0604020202020204" pitchFamily="34" charset="0"/>
+              <a:buChar char="•"/>
+            </a:pPr>
+            <a:r>
+              <a:rPr lang="en-CA" sz="2400" dirty="0">
+                <a:latin typeface="Source Sans Pro" panose="020B0503030403020204" pitchFamily="34" charset="0"/>
+                <a:ea typeface="Source Sans Pro" panose="020B0503030403020204" pitchFamily="34" charset="0"/>
+              </a:rPr>
+              <a:t>Nature-lovers</a:t>
+            </a:r>
+          </a:p>
+          <a:p>
+            <a:pPr marL="342900" indent="-342900">
+              <a:buFont typeface="Arial" panose="020B0604020202020204" pitchFamily="34" charset="0"/>
+              <a:buChar char="•"/>
+            </a:pPr>
+            <a:r>
+              <a:rPr lang="en-CA" sz="2400" dirty="0">
+                <a:latin typeface="Source Sans Pro" panose="020B0503030403020204" pitchFamily="34" charset="0"/>
+                <a:ea typeface="Source Sans Pro" panose="020B0503030403020204" pitchFamily="34" charset="0"/>
+              </a:rPr>
+              <a:t>Minimalists</a:t>
+            </a:r>
+          </a:p>
+          <a:p>
+            <a:pPr marL="342900" indent="-342900">
+              <a:buFont typeface="Arial" panose="020B0604020202020204" pitchFamily="34" charset="0"/>
+              <a:buChar char="•"/>
+            </a:pPr>
+            <a:r>
+              <a:rPr lang="en-CA" sz="2400" dirty="0">
+                <a:latin typeface="Source Sans Pro" panose="020B0503030403020204" pitchFamily="34" charset="0"/>
+                <a:ea typeface="Source Sans Pro" panose="020B0503030403020204" pitchFamily="34" charset="0"/>
+              </a:rPr>
+              <a:t>Zero-waste Supporters</a:t>
+            </a:r>
+          </a:p>
+          <a:p>
+            <a:endParaRPr lang="en-CA" sz="2400" dirty="0">
+              <a:latin typeface="Source Sans Pro" panose="020B0503030403020204" pitchFamily="34" charset="0"/>
+              <a:ea typeface="Source Sans Pro" panose="020B0503030403020204" pitchFamily="34" charset="0"/>
+            </a:endParaRPr>
+          </a:p>
+        </p:txBody>
+      </p:sp>
+      <p:sp>
+        <p:nvSpPr>
+          <p:cNvPr id="8" name="TextBox 7">
+            <a:extLst>
+              <a:ext uri="{FF2B5EF4-FFF2-40B4-BE49-F238E27FC236}">
+                <a16:creationId xmlns:a16="http://schemas.microsoft.com/office/drawing/2014/main" id="{EB2DAA5F-C8B8-4112-B10F-3ECB269D8271}"/>
+              </a:ext>
+            </a:extLst>
+          </p:cNvPr>
+          <p:cNvSpPr txBox="1"/>
+          <p:nvPr/>
+        </p:nvSpPr>
+        <p:spPr>
+          <a:xfrm>
+            <a:off x="6155425" y="2360555"/>
+            <a:ext cx="2496962" cy="3354765"/>
+          </a:xfrm>
+          <a:prstGeom prst="rect">
+            <a:avLst/>
+          </a:prstGeom>
+          <a:noFill/>
+          <a:ln w="76200">
+            <a:noFill/>
+          </a:ln>
+        </p:spPr>
+        <p:txBody>
+          <a:bodyPr wrap="square" rtlCol="0">
+            <a:spAutoFit/>
+          </a:bodyPr>
+          <a:lstStyle/>
+          <a:p>
+            <a:r>
+              <a:rPr lang="en-CA" sz="2400" b="1" dirty="0">
+                <a:latin typeface="Source Serif Pro" panose="02040603050405020204" pitchFamily="18" charset="0"/>
+                <a:ea typeface="Source Serif Pro" panose="02040603050405020204" pitchFamily="18" charset="0"/>
+              </a:rPr>
+              <a:t>Colours: </a:t>
+            </a:r>
+          </a:p>
+          <a:p>
+            <a:pPr marL="800100" lvl="1" indent="-342900">
+              <a:buFont typeface="Arial" panose="020B0604020202020204" pitchFamily="34" charset="0"/>
+              <a:buChar char="•"/>
+            </a:pPr>
+            <a:r>
+              <a:rPr lang="en-CA" sz="2400" dirty="0">
+                <a:latin typeface="Source Sans Pro" panose="020B0503030403020204" pitchFamily="34" charset="0"/>
+                <a:ea typeface="Source Sans Pro" panose="020B0503030403020204" pitchFamily="34" charset="0"/>
+              </a:rPr>
+              <a:t>Natural </a:t>
+            </a:r>
+          </a:p>
+          <a:p>
+            <a:pPr marL="800100" lvl="1" indent="-342900">
+              <a:buFont typeface="Arial" panose="020B0604020202020204" pitchFamily="34" charset="0"/>
+              <a:buChar char="•"/>
+            </a:pPr>
+            <a:r>
+              <a:rPr lang="en-CA" sz="2400" dirty="0">
+                <a:latin typeface="Source Sans Pro" panose="020B0503030403020204" pitchFamily="34" charset="0"/>
+                <a:ea typeface="Source Sans Pro" panose="020B0503030403020204" pitchFamily="34" charset="0"/>
+              </a:rPr>
+              <a:t>Mature</a:t>
+            </a:r>
+          </a:p>
+          <a:p>
+            <a:pPr marL="800100" lvl="1" indent="-342900">
+              <a:buFont typeface="Arial" panose="020B0604020202020204" pitchFamily="34" charset="0"/>
+              <a:buChar char="•"/>
+            </a:pPr>
+            <a:r>
+              <a:rPr lang="en-CA" sz="2400" dirty="0">
+                <a:latin typeface="Source Sans Pro" panose="020B0503030403020204" pitchFamily="34" charset="0"/>
+                <a:ea typeface="Source Sans Pro" panose="020B0503030403020204" pitchFamily="34" charset="0"/>
+              </a:rPr>
+              <a:t>Green</a:t>
+            </a:r>
+          </a:p>
+          <a:p>
+            <a:r>
+              <a:rPr lang="en-CA" sz="2400" b="1" dirty="0">
+                <a:latin typeface="Source Serif Pro" panose="02040603050405020204" pitchFamily="18" charset="0"/>
+                <a:ea typeface="Source Serif Pro" panose="02040603050405020204" pitchFamily="18" charset="0"/>
+              </a:rPr>
+              <a:t>Content: </a:t>
+            </a:r>
+          </a:p>
+          <a:p>
+            <a:pPr marL="800100" lvl="1" indent="-342900">
+              <a:buFont typeface="Arial" panose="020B0604020202020204" pitchFamily="34" charset="0"/>
+              <a:buChar char="•"/>
+            </a:pPr>
+            <a:r>
+              <a:rPr lang="en-CA" sz="2400" dirty="0">
+                <a:latin typeface="Source Sans Pro" panose="020B0503030403020204" pitchFamily="34" charset="0"/>
+                <a:ea typeface="Source Sans Pro" panose="020B0503030403020204" pitchFamily="34" charset="0"/>
+              </a:rPr>
+              <a:t>Informative</a:t>
+            </a:r>
+          </a:p>
+          <a:p>
+            <a:pPr marL="800100" lvl="1" indent="-342900">
+              <a:buFont typeface="Arial" panose="020B0604020202020204" pitchFamily="34" charset="0"/>
+              <a:buChar char="•"/>
+            </a:pPr>
+            <a:r>
+              <a:rPr lang="en-CA" sz="2400" dirty="0">
+                <a:latin typeface="Source Sans Pro" panose="020B0503030403020204" pitchFamily="34" charset="0"/>
+                <a:ea typeface="Source Sans Pro" panose="020B0503030403020204" pitchFamily="34" charset="0"/>
+              </a:rPr>
+              <a:t>Limited text</a:t>
+            </a:r>
+            <a:endParaRPr lang="en-CA" sz="2400" b="1" dirty="0">
+              <a:latin typeface="Source Serif Pro" panose="02040603050405020204" pitchFamily="18" charset="0"/>
+              <a:ea typeface="Source Serif Pro" panose="02040603050405020204" pitchFamily="18" charset="0"/>
+            </a:endParaRPr>
+          </a:p>
+          <a:p>
+            <a:pPr marL="342900" indent="-342900">
+              <a:buFont typeface="Arial" panose="020B0604020202020204" pitchFamily="34" charset="0"/>
+              <a:buChar char="•"/>
+            </a:pPr>
+            <a:endParaRPr lang="en-CA" sz="2400" b="1" dirty="0">
+              <a:latin typeface="Source Serif Pro" panose="02040603050405020204" pitchFamily="18" charset="0"/>
+              <a:ea typeface="Source Serif Pro" panose="02040603050405020204" pitchFamily="18" charset="0"/>
+            </a:endParaRPr>
+          </a:p>
+          <a:p>
+            <a:endParaRPr lang="en-CA" sz="2000" b="1" dirty="0">
+              <a:latin typeface="Source Serif Pro" panose="02040603050405020204" pitchFamily="18" charset="0"/>
+              <a:ea typeface="Source Serif Pro" panose="02040603050405020204" pitchFamily="18" charset="0"/>
+            </a:endParaRPr>
+          </a:p>
+        </p:txBody>
+      </p:sp>
+      <p:sp>
+        <p:nvSpPr>
+          <p:cNvPr id="9" name="TextBox 8">
+            <a:extLst>
+              <a:ext uri="{FF2B5EF4-FFF2-40B4-BE49-F238E27FC236}">
+                <a16:creationId xmlns:a16="http://schemas.microsoft.com/office/drawing/2014/main" id="{6DF86CE8-8DD8-4C02-8259-A1082FE5B091}"/>
+              </a:ext>
+            </a:extLst>
+          </p:cNvPr>
+          <p:cNvSpPr txBox="1"/>
+          <p:nvPr/>
+        </p:nvSpPr>
+        <p:spPr>
+          <a:xfrm>
+            <a:off x="8844548" y="2371199"/>
+            <a:ext cx="2570704" cy="3600986"/>
+          </a:xfrm>
+          <a:prstGeom prst="rect">
+            <a:avLst/>
+          </a:prstGeom>
+          <a:noFill/>
+          <a:ln w="76200">
+            <a:noFill/>
+          </a:ln>
+        </p:spPr>
+        <p:txBody>
+          <a:bodyPr wrap="square" rtlCol="0">
+            <a:spAutoFit/>
+          </a:bodyPr>
+          <a:lstStyle/>
+          <a:p>
+            <a:r>
+              <a:rPr lang="en-CA" sz="2400" b="1" dirty="0">
+                <a:latin typeface="Source Serif Pro" panose="02040603050405020204" pitchFamily="18" charset="0"/>
+                <a:ea typeface="Source Serif Pro" panose="02040603050405020204" pitchFamily="18" charset="0"/>
+              </a:rPr>
+              <a:t>Layout: </a:t>
+            </a:r>
+          </a:p>
+          <a:p>
+            <a:pPr marL="800100" lvl="1" indent="-342900">
+              <a:buFont typeface="Arial" panose="020B0604020202020204" pitchFamily="34" charset="0"/>
+              <a:buChar char="•"/>
+            </a:pPr>
+            <a:r>
+              <a:rPr lang="en-CA" sz="2400" dirty="0">
+                <a:latin typeface="Source Sans Pro" panose="020B0503030403020204" pitchFamily="34" charset="0"/>
+                <a:ea typeface="Source Sans Pro" panose="020B0503030403020204" pitchFamily="34" charset="0"/>
+              </a:rPr>
+              <a:t>Minimalistic</a:t>
+            </a:r>
+          </a:p>
+          <a:p>
+            <a:pPr marL="800100" lvl="1" indent="-342900">
+              <a:buFont typeface="Arial" panose="020B0604020202020204" pitchFamily="34" charset="0"/>
+              <a:buChar char="•"/>
+            </a:pPr>
+            <a:r>
+              <a:rPr lang="en-CA" sz="2400" dirty="0">
+                <a:latin typeface="Source Sans Pro" panose="020B0503030403020204" pitchFamily="34" charset="0"/>
+                <a:ea typeface="Source Sans Pro" panose="020B0503030403020204" pitchFamily="34" charset="0"/>
+              </a:rPr>
+              <a:t>Responsive</a:t>
+            </a:r>
+          </a:p>
+          <a:p>
+            <a:endParaRPr lang="en-CA" sz="2400" b="1" dirty="0">
+              <a:latin typeface="Source Serif Pro" panose="02040603050405020204" pitchFamily="18" charset="0"/>
+              <a:ea typeface="Source Serif Pro" panose="02040603050405020204" pitchFamily="18" charset="0"/>
+            </a:endParaRPr>
+          </a:p>
+          <a:p>
+            <a:r>
+              <a:rPr lang="en-CA" sz="2400" b="1" dirty="0">
+                <a:latin typeface="Source Serif Pro" panose="02040603050405020204" pitchFamily="18" charset="0"/>
+                <a:ea typeface="Source Serif Pro" panose="02040603050405020204" pitchFamily="18" charset="0"/>
+              </a:rPr>
+              <a:t>Images: </a:t>
+            </a:r>
+          </a:p>
+          <a:p>
+            <a:pPr marL="800100" lvl="1" indent="-342900">
+              <a:buFont typeface="Arial" panose="020B0604020202020204" pitchFamily="34" charset="0"/>
+              <a:buChar char="•"/>
+            </a:pPr>
+            <a:r>
+              <a:rPr lang="en-CA" sz="2400" dirty="0">
+                <a:latin typeface="Source Sans Pro" panose="020B0503030403020204" pitchFamily="34" charset="0"/>
+                <a:ea typeface="Source Sans Pro" panose="020B0503030403020204" pitchFamily="34" charset="0"/>
+              </a:rPr>
+              <a:t>Nature-Oriented</a:t>
+            </a:r>
+          </a:p>
+          <a:p>
+            <a:pPr marL="342900" indent="-342900">
+              <a:buFont typeface="Arial" panose="020B0604020202020204" pitchFamily="34" charset="0"/>
+              <a:buChar char="•"/>
+            </a:pPr>
+            <a:endParaRPr lang="en-CA" sz="2000" b="1" dirty="0">
+              <a:latin typeface="Source Serif Pro" panose="02040603050405020204" pitchFamily="18" charset="0"/>
+              <a:ea typeface="Source Serif Pro" panose="02040603050405020204" pitchFamily="18" charset="0"/>
+            </a:endParaRPr>
+          </a:p>
+          <a:p>
+            <a:pPr marL="342900" indent="-342900">
+              <a:buFont typeface="Arial" panose="020B0604020202020204" pitchFamily="34" charset="0"/>
+              <a:buChar char="•"/>
+            </a:pPr>
+            <a:endParaRPr lang="en-CA" sz="2000" b="1" dirty="0">
+              <a:latin typeface="Source Serif Pro" panose="02040603050405020204" pitchFamily="18" charset="0"/>
+              <a:ea typeface="Source Serif Pro" panose="02040603050405020204" pitchFamily="18" charset="0"/>
+            </a:endParaRPr>
+          </a:p>
+          <a:p>
+            <a:endParaRPr lang="en-CA" sz="2000" b="1" dirty="0">
+              <a:latin typeface="Source Serif Pro" panose="02040603050405020204" pitchFamily="18" charset="0"/>
+              <a:ea typeface="Source Serif Pro" panose="02040603050405020204" pitchFamily="18" charset="0"/>
+            </a:endParaRPr>
+          </a:p>
+        </p:txBody>
+      </p:sp>
+      <p:sp>
+        <p:nvSpPr>
+          <p:cNvPr id="10" name="Rectangle 9">
+            <a:extLst>
+              <a:ext uri="{FF2B5EF4-FFF2-40B4-BE49-F238E27FC236}">
+                <a16:creationId xmlns:a16="http://schemas.microsoft.com/office/drawing/2014/main" id="{9DB36429-6A8F-48AD-93D5-EDF9731BF3CB}"/>
+              </a:ext>
+            </a:extLst>
+          </p:cNvPr>
+          <p:cNvSpPr/>
+          <p:nvPr/>
+        </p:nvSpPr>
+        <p:spPr>
+          <a:xfrm>
+            <a:off x="690663" y="2336117"/>
+            <a:ext cx="5147128" cy="2796322"/>
+          </a:xfrm>
+          <a:prstGeom prst="rect">
+            <a:avLst/>
+          </a:prstGeom>
+          <a:noFill/>
+          <a:ln w="76200">
+            <a:solidFill>
+              <a:schemeClr val="accent2"/>
+            </a:solidFill>
+          </a:ln>
+        </p:spPr>
+        <p:style>
+          <a:lnRef idx="2">
+            <a:schemeClr val="accent1">
+              <a:shade val="50000"/>
+            </a:schemeClr>
+          </a:lnRef>
+          <a:fillRef idx="1">
+            <a:schemeClr val="accent1"/>
+          </a:fillRef>
+          <a:effectRef idx="0">
+            <a:schemeClr val="accent1"/>
+          </a:effectRef>
+          <a:fontRef idx="minor">
+            <a:schemeClr val="lt1"/>
+          </a:fontRef>
+        </p:style>
+        <p:txBody>
+          <a:bodyPr rtlCol="0" anchor="ctr"/>
+          <a:lstStyle/>
+          <a:p>
+            <a:pPr algn="ctr"/>
+            <a:endParaRPr lang="en-CA"/>
+          </a:p>
+        </p:txBody>
+      </p:sp>
+      <p:sp>
+        <p:nvSpPr>
+          <p:cNvPr id="12" name="Rectangle 11">
+            <a:extLst>
+              <a:ext uri="{FF2B5EF4-FFF2-40B4-BE49-F238E27FC236}">
+                <a16:creationId xmlns:a16="http://schemas.microsoft.com/office/drawing/2014/main" id="{59B1C0D7-7183-485D-955C-A5982114D453}"/>
+              </a:ext>
+            </a:extLst>
+          </p:cNvPr>
+          <p:cNvSpPr/>
+          <p:nvPr/>
+        </p:nvSpPr>
+        <p:spPr>
+          <a:xfrm>
+            <a:off x="6174903" y="2341704"/>
+            <a:ext cx="5240347" cy="2790735"/>
+          </a:xfrm>
+          <a:prstGeom prst="rect">
+            <a:avLst/>
+          </a:prstGeom>
+          <a:noFill/>
+          <a:ln w="76200">
+            <a:solidFill>
+              <a:schemeClr val="accent2"/>
+            </a:solidFill>
+          </a:ln>
+        </p:spPr>
+        <p:style>
+          <a:lnRef idx="2">
+            <a:schemeClr val="accent1">
+              <a:shade val="50000"/>
+            </a:schemeClr>
+          </a:lnRef>
+          <a:fillRef idx="1">
+            <a:schemeClr val="accent1"/>
+          </a:fillRef>
+          <a:effectRef idx="0">
+            <a:schemeClr val="accent1"/>
+          </a:effectRef>
+          <a:fontRef idx="minor">
+            <a:schemeClr val="lt1"/>
+          </a:fontRef>
+        </p:style>
+        <p:txBody>
+          <a:bodyPr rtlCol="0" anchor="ctr"/>
+          <a:lstStyle/>
+          <a:p>
+            <a:pPr algn="ctr"/>
+            <a:endParaRPr lang="en-CA"/>
+          </a:p>
+        </p:txBody>
+      </p:sp>
     </p:spTree>
     <p:extLst>
       <p:ext uri="{BB962C8B-B14F-4D97-AF65-F5344CB8AC3E}">
         <p14:creationId xmlns:p14="http://schemas.microsoft.com/office/powerpoint/2010/main" val="4124168610"/>
+      </p:ext>
+    </p:extLst>
+  </p:cSld>
+  <p:clrMapOvr>
+    <a:masterClrMapping/>
+  </p:clrMapOvr>
+</p:sld>
+</file>
+
+<file path=ppt/slides/slide4.xml><?xml version="1.0" encoding="utf-8"?>
+<p:sld xmlns:a="http://schemas.openxmlformats.org/drawingml/2006/main" xmlns:r="http://schemas.openxmlformats.org/officeDocument/2006/relationships" xmlns:p="http://schemas.openxmlformats.org/presentationml/2006/main">
+  <p:cSld>
+    <p:spTree>
+      <p:nvGrpSpPr>
+        <p:cNvPr id="1" name=""/>
+        <p:cNvGrpSpPr/>
+        <p:nvPr/>
+      </p:nvGrpSpPr>
+      <p:grpSpPr>
+        <a:xfrm>
+          <a:off x="0" y="0"/>
+          <a:ext cx="0" cy="0"/>
+          <a:chOff x="0" y="0"/>
+          <a:chExt cx="0" cy="0"/>
+        </a:xfrm>
+      </p:grpSpPr>
+      <p:sp>
+        <p:nvSpPr>
+          <p:cNvPr id="2" name="Rectangle 1">
+            <a:extLst>
+              <a:ext uri="{FF2B5EF4-FFF2-40B4-BE49-F238E27FC236}">
+                <a16:creationId xmlns:a16="http://schemas.microsoft.com/office/drawing/2014/main" id="{DDE44C0A-170A-4D97-B3BE-EE4096F9C886}"/>
+              </a:ext>
+            </a:extLst>
+          </p:cNvPr>
+          <p:cNvSpPr/>
+          <p:nvPr/>
+        </p:nvSpPr>
+        <p:spPr>
+          <a:xfrm>
+            <a:off x="5157640" y="323882"/>
+            <a:ext cx="1864549" cy="646331"/>
+          </a:xfrm>
+          <a:prstGeom prst="rect">
+            <a:avLst/>
+          </a:prstGeom>
+        </p:spPr>
+        <p:txBody>
+          <a:bodyPr wrap="none">
+            <a:spAutoFit/>
+          </a:bodyPr>
+          <a:lstStyle/>
+          <a:p>
+            <a:pPr algn="ctr"/>
+            <a:r>
+              <a:rPr lang="en-CA" sz="3600" b="1" u="sng" dirty="0">
+                <a:solidFill>
+                  <a:schemeClr val="accent2"/>
+                </a:solidFill>
+                <a:latin typeface="Source Serif Pro" panose="02040603050405020204" pitchFamily="18" charset="0"/>
+                <a:ea typeface="Source Serif Pro" panose="02040603050405020204" pitchFamily="18" charset="0"/>
+              </a:rPr>
+              <a:t>Content</a:t>
+            </a:r>
+            <a:endParaRPr lang="en-CA" sz="3600" u="sng" dirty="0">
+              <a:solidFill>
+                <a:schemeClr val="accent2"/>
+              </a:solidFill>
+            </a:endParaRPr>
+          </a:p>
+        </p:txBody>
+      </p:sp>
+      <p:sp>
+        <p:nvSpPr>
+          <p:cNvPr id="3" name="TextBox 2">
+            <a:extLst>
+              <a:ext uri="{FF2B5EF4-FFF2-40B4-BE49-F238E27FC236}">
+                <a16:creationId xmlns:a16="http://schemas.microsoft.com/office/drawing/2014/main" id="{7F47E76A-DB1B-49B0-8868-155EBA0C0DF2}"/>
+              </a:ext>
+            </a:extLst>
+          </p:cNvPr>
+          <p:cNvSpPr txBox="1"/>
+          <p:nvPr/>
+        </p:nvSpPr>
+        <p:spPr>
+          <a:xfrm>
+            <a:off x="690663" y="1308097"/>
+            <a:ext cx="5336511" cy="523220"/>
+          </a:xfrm>
+          <a:prstGeom prst="rect">
+            <a:avLst/>
+          </a:prstGeom>
+          <a:solidFill>
+            <a:schemeClr val="accent1"/>
+          </a:solidFill>
+          <a:ln w="76200">
+            <a:solidFill>
+              <a:schemeClr val="accent2"/>
+            </a:solidFill>
+          </a:ln>
+        </p:spPr>
+        <p:txBody>
+          <a:bodyPr wrap="square" rtlCol="0">
+            <a:spAutoFit/>
+          </a:bodyPr>
+          <a:lstStyle/>
+          <a:p>
+            <a:r>
+              <a:rPr lang="en-CA" sz="2800" b="1" dirty="0">
+                <a:latin typeface="Source Serif Pro" panose="02040603050405020204" pitchFamily="18" charset="0"/>
+                <a:ea typeface="Source Serif Pro" panose="02040603050405020204" pitchFamily="18" charset="0"/>
+              </a:rPr>
+              <a:t>Essential/Beneficial Elements:</a:t>
+            </a:r>
+            <a:endParaRPr lang="en-CA" sz="2800" dirty="0">
+              <a:latin typeface="Source Serif Pro" panose="02040603050405020204" pitchFamily="18" charset="0"/>
+              <a:ea typeface="Source Serif Pro" panose="02040603050405020204" pitchFamily="18" charset="0"/>
+            </a:endParaRPr>
+          </a:p>
+        </p:txBody>
+      </p:sp>
+      <p:sp>
+        <p:nvSpPr>
+          <p:cNvPr id="8" name="TextBox 7">
+            <a:extLst>
+              <a:ext uri="{FF2B5EF4-FFF2-40B4-BE49-F238E27FC236}">
+                <a16:creationId xmlns:a16="http://schemas.microsoft.com/office/drawing/2014/main" id="{EB2DAA5F-C8B8-4112-B10F-3ECB269D8271}"/>
+              </a:ext>
+            </a:extLst>
+          </p:cNvPr>
+          <p:cNvSpPr txBox="1"/>
+          <p:nvPr/>
+        </p:nvSpPr>
+        <p:spPr>
+          <a:xfrm>
+            <a:off x="690663" y="1987742"/>
+            <a:ext cx="5336511" cy="4154984"/>
+          </a:xfrm>
+          <a:prstGeom prst="rect">
+            <a:avLst/>
+          </a:prstGeom>
+          <a:noFill/>
+          <a:ln w="76200">
+            <a:solidFill>
+              <a:schemeClr val="accent2"/>
+            </a:solidFill>
+          </a:ln>
+        </p:spPr>
+        <p:txBody>
+          <a:bodyPr wrap="square" rtlCol="0">
+            <a:spAutoFit/>
+          </a:bodyPr>
+          <a:lstStyle/>
+          <a:p>
+            <a:pPr marL="457200" indent="-457200">
+              <a:buFont typeface="+mj-lt"/>
+              <a:buAutoNum type="arabicPeriod"/>
+            </a:pPr>
+            <a:r>
+              <a:rPr lang="en-CA" sz="2400" b="1" dirty="0">
+                <a:latin typeface="Source Serif Pro" panose="02040603050405020204" pitchFamily="18" charset="0"/>
+                <a:ea typeface="Source Serif Pro" panose="02040603050405020204" pitchFamily="18" charset="0"/>
+              </a:rPr>
+              <a:t>Company Information </a:t>
+            </a:r>
+          </a:p>
+          <a:p>
+            <a:pPr marL="800100" lvl="1" indent="-342900">
+              <a:buFont typeface="Arial" panose="020B0604020202020204" pitchFamily="34" charset="0"/>
+              <a:buChar char="•"/>
+            </a:pPr>
+            <a:r>
+              <a:rPr lang="en-CA" sz="2400" dirty="0">
+                <a:latin typeface="Source Sans Pro" panose="020B0503030403020204" pitchFamily="34" charset="0"/>
+                <a:ea typeface="Source Sans Pro" panose="020B0503030403020204" pitchFamily="34" charset="0"/>
+              </a:rPr>
+              <a:t>Purpose</a:t>
+            </a:r>
+          </a:p>
+          <a:p>
+            <a:pPr marL="800100" lvl="1" indent="-342900">
+              <a:buFont typeface="Arial" panose="020B0604020202020204" pitchFamily="34" charset="0"/>
+              <a:buChar char="•"/>
+            </a:pPr>
+            <a:r>
+              <a:rPr lang="en-CA" sz="2400" dirty="0">
+                <a:latin typeface="Source Sans Pro" panose="020B0503030403020204" pitchFamily="34" charset="0"/>
+                <a:ea typeface="Source Sans Pro" panose="020B0503030403020204" pitchFamily="34" charset="0"/>
+              </a:rPr>
+              <a:t>Benefits</a:t>
+            </a:r>
+          </a:p>
+          <a:p>
+            <a:pPr marL="457200" indent="-457200">
+              <a:buFont typeface="+mj-lt"/>
+              <a:buAutoNum type="arabicPeriod"/>
+            </a:pPr>
+            <a:r>
+              <a:rPr lang="en-CA" sz="2400" b="1" dirty="0">
+                <a:latin typeface="Source Serif Pro" panose="02040603050405020204" pitchFamily="18" charset="0"/>
+                <a:ea typeface="Source Serif Pro" panose="02040603050405020204" pitchFamily="18" charset="0"/>
+              </a:rPr>
+              <a:t>Tree Information  </a:t>
+            </a:r>
+          </a:p>
+          <a:p>
+            <a:pPr marL="800100" lvl="1" indent="-342900">
+              <a:buFont typeface="Arial" panose="020B0604020202020204" pitchFamily="34" charset="0"/>
+              <a:buChar char="•"/>
+            </a:pPr>
+            <a:r>
+              <a:rPr lang="en-CA" sz="2400" dirty="0">
+                <a:latin typeface="Source Sans Pro" panose="020B0503030403020204" pitchFamily="34" charset="0"/>
+                <a:ea typeface="Source Sans Pro" panose="020B0503030403020204" pitchFamily="34" charset="0"/>
+              </a:rPr>
+              <a:t>Type</a:t>
+            </a:r>
+          </a:p>
+          <a:p>
+            <a:pPr marL="800100" lvl="1" indent="-342900">
+              <a:buFont typeface="Arial" panose="020B0604020202020204" pitchFamily="34" charset="0"/>
+              <a:buChar char="•"/>
+            </a:pPr>
+            <a:r>
+              <a:rPr lang="en-CA" sz="2400" dirty="0">
+                <a:latin typeface="Source Sans Pro" panose="020B0503030403020204" pitchFamily="34" charset="0"/>
+                <a:ea typeface="Source Sans Pro" panose="020B0503030403020204" pitchFamily="34" charset="0"/>
+              </a:rPr>
+              <a:t>Cost</a:t>
+            </a:r>
+          </a:p>
+          <a:p>
+            <a:pPr marL="800100" lvl="1" indent="-342900">
+              <a:buFont typeface="Arial" panose="020B0604020202020204" pitchFamily="34" charset="0"/>
+              <a:buChar char="•"/>
+            </a:pPr>
+            <a:r>
+              <a:rPr lang="en-CA" sz="2400" dirty="0">
+                <a:latin typeface="Source Sans Pro" panose="020B0503030403020204" pitchFamily="34" charset="0"/>
+                <a:ea typeface="Source Sans Pro" panose="020B0503030403020204" pitchFamily="34" charset="0"/>
+              </a:rPr>
+              <a:t>Care</a:t>
+            </a:r>
+            <a:endParaRPr lang="en-CA" sz="2400" b="1" dirty="0">
+              <a:latin typeface="Source Sans Pro" panose="020B0503030403020204" pitchFamily="34" charset="0"/>
+              <a:ea typeface="Source Sans Pro" panose="020B0503030403020204" pitchFamily="34" charset="0"/>
+            </a:endParaRPr>
+          </a:p>
+          <a:p>
+            <a:pPr marL="457200" indent="-457200">
+              <a:buFont typeface="+mj-lt"/>
+              <a:buAutoNum type="arabicPeriod"/>
+            </a:pPr>
+            <a:r>
+              <a:rPr lang="en-CA" sz="2400" b="1" dirty="0">
+                <a:latin typeface="Source Serif Pro" panose="02040603050405020204" pitchFamily="18" charset="0"/>
+                <a:ea typeface="Source Serif Pro" panose="02040603050405020204" pitchFamily="18" charset="0"/>
+              </a:rPr>
+              <a:t>Reservations</a:t>
+            </a:r>
+          </a:p>
+          <a:p>
+            <a:pPr marL="457200" indent="-457200">
+              <a:buFont typeface="+mj-lt"/>
+              <a:buAutoNum type="arabicPeriod"/>
+            </a:pPr>
+            <a:r>
+              <a:rPr lang="en-CA" sz="2400" b="1" dirty="0">
+                <a:latin typeface="Source Serif Pro" panose="02040603050405020204" pitchFamily="18" charset="0"/>
+                <a:ea typeface="Source Serif Pro" panose="02040603050405020204" pitchFamily="18" charset="0"/>
+              </a:rPr>
+              <a:t>Inspiration </a:t>
+            </a:r>
+          </a:p>
+          <a:p>
+            <a:pPr marL="800100" lvl="1" indent="-342900">
+              <a:buFont typeface="Arial" panose="020B0604020202020204" pitchFamily="34" charset="0"/>
+              <a:buChar char="•"/>
+            </a:pPr>
+            <a:r>
+              <a:rPr lang="en-CA" sz="2400" dirty="0">
+                <a:latin typeface="Source Sans Pro" panose="020B0503030403020204" pitchFamily="34" charset="0"/>
+                <a:ea typeface="Source Sans Pro" panose="020B0503030403020204" pitchFamily="34" charset="0"/>
+              </a:rPr>
+              <a:t>Blog</a:t>
+            </a:r>
+            <a:endParaRPr lang="en-CA" sz="2000" b="1" dirty="0">
+              <a:latin typeface="Source Serif Pro" panose="02040603050405020204" pitchFamily="18" charset="0"/>
+              <a:ea typeface="Source Serif Pro" panose="02040603050405020204" pitchFamily="18" charset="0"/>
+            </a:endParaRPr>
+          </a:p>
+          <a:p>
+            <a:pPr marL="457200" indent="-457200">
+              <a:buFont typeface="+mj-lt"/>
+              <a:buAutoNum type="arabicPeriod"/>
+            </a:pPr>
+            <a:r>
+              <a:rPr lang="en-CA" sz="2400" b="1" dirty="0">
+                <a:latin typeface="Source Serif Pro" panose="02040603050405020204" pitchFamily="18" charset="0"/>
+                <a:ea typeface="Source Serif Pro" panose="02040603050405020204" pitchFamily="18" charset="0"/>
+              </a:rPr>
+              <a:t>Contact</a:t>
+            </a:r>
+            <a:endParaRPr lang="en-CA" sz="2400" dirty="0">
+              <a:latin typeface="Source Sans Pro" panose="020B0503030403020204" pitchFamily="34" charset="0"/>
+              <a:ea typeface="Source Sans Pro" panose="020B0503030403020204" pitchFamily="34" charset="0"/>
+            </a:endParaRPr>
+          </a:p>
+        </p:txBody>
+      </p:sp>
+      <p:pic>
+        <p:nvPicPr>
+          <p:cNvPr id="14" name="Picture 13">
+            <a:extLst>
+              <a:ext uri="{FF2B5EF4-FFF2-40B4-BE49-F238E27FC236}">
+                <a16:creationId xmlns:a16="http://schemas.microsoft.com/office/drawing/2014/main" id="{7279CA4F-958A-4EBC-A249-A87A7BC26D8C}"/>
+              </a:ext>
+            </a:extLst>
+          </p:cNvPr>
+          <p:cNvPicPr>
+            <a:picLocks noChangeAspect="1"/>
+          </p:cNvPicPr>
+          <p:nvPr/>
+        </p:nvPicPr>
+        <p:blipFill rotWithShape="1">
+          <a:blip r:embed="rId3"/>
+          <a:srcRect b="2319"/>
+          <a:stretch/>
+        </p:blipFill>
+        <p:spPr>
+          <a:xfrm>
+            <a:off x="6454021" y="2046330"/>
+            <a:ext cx="5372572" cy="4037807"/>
+          </a:xfrm>
+          <a:prstGeom prst="rect">
+            <a:avLst/>
+          </a:prstGeom>
+          <a:ln w="76200">
+            <a:solidFill>
+              <a:schemeClr val="accent2"/>
+            </a:solidFill>
+          </a:ln>
+        </p:spPr>
+      </p:pic>
+    </p:spTree>
+    <p:extLst>
+      <p:ext uri="{BB962C8B-B14F-4D97-AF65-F5344CB8AC3E}">
+        <p14:creationId xmlns:p14="http://schemas.microsoft.com/office/powerpoint/2010/main" val="2762925674"/>
+      </p:ext>
+    </p:extLst>
+  </p:cSld>
+  <p:clrMapOvr>
+    <a:masterClrMapping/>
+  </p:clrMapOvr>
+</p:sld>
+</file>
+
+<file path=ppt/slides/slide5.xml><?xml version="1.0" encoding="utf-8"?>
+<p:sld xmlns:a="http://schemas.openxmlformats.org/drawingml/2006/main" xmlns:r="http://schemas.openxmlformats.org/officeDocument/2006/relationships" xmlns:p="http://schemas.openxmlformats.org/presentationml/2006/main">
+  <p:cSld>
+    <p:spTree>
+      <p:nvGrpSpPr>
+        <p:cNvPr id="1" name=""/>
+        <p:cNvGrpSpPr/>
+        <p:nvPr/>
+      </p:nvGrpSpPr>
+      <p:grpSpPr>
+        <a:xfrm>
+          <a:off x="0" y="0"/>
+          <a:ext cx="0" cy="0"/>
+          <a:chOff x="0" y="0"/>
+          <a:chExt cx="0" cy="0"/>
+        </a:xfrm>
+      </p:grpSpPr>
+      <p:sp>
+        <p:nvSpPr>
+          <p:cNvPr id="2" name="Rectangle 1">
+            <a:extLst>
+              <a:ext uri="{FF2B5EF4-FFF2-40B4-BE49-F238E27FC236}">
+                <a16:creationId xmlns:a16="http://schemas.microsoft.com/office/drawing/2014/main" id="{DDE44C0A-170A-4D97-B3BE-EE4096F9C886}"/>
+              </a:ext>
+            </a:extLst>
+          </p:cNvPr>
+          <p:cNvSpPr/>
+          <p:nvPr/>
+        </p:nvSpPr>
+        <p:spPr>
+          <a:xfrm>
+            <a:off x="5157640" y="323882"/>
+            <a:ext cx="1864549" cy="646331"/>
+          </a:xfrm>
+          <a:prstGeom prst="rect">
+            <a:avLst/>
+          </a:prstGeom>
+        </p:spPr>
+        <p:txBody>
+          <a:bodyPr wrap="none">
+            <a:spAutoFit/>
+          </a:bodyPr>
+          <a:lstStyle/>
+          <a:p>
+            <a:pPr algn="ctr"/>
+            <a:r>
+              <a:rPr lang="en-CA" sz="3600" b="1" u="sng" dirty="0">
+                <a:solidFill>
+                  <a:schemeClr val="accent2"/>
+                </a:solidFill>
+                <a:latin typeface="Source Serif Pro" panose="02040603050405020204" pitchFamily="18" charset="0"/>
+                <a:ea typeface="Source Serif Pro" panose="02040603050405020204" pitchFamily="18" charset="0"/>
+              </a:rPr>
+              <a:t>Content</a:t>
+            </a:r>
+            <a:endParaRPr lang="en-CA" sz="3600" u="sng" dirty="0">
+              <a:solidFill>
+                <a:schemeClr val="accent2"/>
+              </a:solidFill>
+            </a:endParaRPr>
+          </a:p>
+        </p:txBody>
+      </p:sp>
+      <p:sp>
+        <p:nvSpPr>
+          <p:cNvPr id="3" name="TextBox 2">
+            <a:extLst>
+              <a:ext uri="{FF2B5EF4-FFF2-40B4-BE49-F238E27FC236}">
+                <a16:creationId xmlns:a16="http://schemas.microsoft.com/office/drawing/2014/main" id="{7F47E76A-DB1B-49B0-8868-155EBA0C0DF2}"/>
+              </a:ext>
+            </a:extLst>
+          </p:cNvPr>
+          <p:cNvSpPr txBox="1"/>
+          <p:nvPr/>
+        </p:nvSpPr>
+        <p:spPr>
+          <a:xfrm>
+            <a:off x="690663" y="1308097"/>
+            <a:ext cx="5336511" cy="523220"/>
+          </a:xfrm>
+          <a:prstGeom prst="rect">
+            <a:avLst/>
+          </a:prstGeom>
+          <a:solidFill>
+            <a:schemeClr val="accent1"/>
+          </a:solidFill>
+          <a:ln w="76200">
+            <a:solidFill>
+              <a:schemeClr val="accent2"/>
+            </a:solidFill>
+          </a:ln>
+        </p:spPr>
+        <p:txBody>
+          <a:bodyPr wrap="square" rtlCol="0">
+            <a:spAutoFit/>
+          </a:bodyPr>
+          <a:lstStyle/>
+          <a:p>
+            <a:r>
+              <a:rPr lang="en-CA" sz="2800" b="1" dirty="0">
+                <a:latin typeface="Source Serif Pro" panose="02040603050405020204" pitchFamily="18" charset="0"/>
+                <a:ea typeface="Source Serif Pro" panose="02040603050405020204" pitchFamily="18" charset="0"/>
+              </a:rPr>
+              <a:t>Essential/Beneficial Elements:</a:t>
+            </a:r>
+            <a:endParaRPr lang="en-CA" sz="2800" dirty="0">
+              <a:latin typeface="Source Serif Pro" panose="02040603050405020204" pitchFamily="18" charset="0"/>
+              <a:ea typeface="Source Serif Pro" panose="02040603050405020204" pitchFamily="18" charset="0"/>
+            </a:endParaRPr>
+          </a:p>
+        </p:txBody>
+      </p:sp>
+      <p:sp>
+        <p:nvSpPr>
+          <p:cNvPr id="8" name="TextBox 7">
+            <a:extLst>
+              <a:ext uri="{FF2B5EF4-FFF2-40B4-BE49-F238E27FC236}">
+                <a16:creationId xmlns:a16="http://schemas.microsoft.com/office/drawing/2014/main" id="{EB2DAA5F-C8B8-4112-B10F-3ECB269D8271}"/>
+              </a:ext>
+            </a:extLst>
+          </p:cNvPr>
+          <p:cNvSpPr txBox="1"/>
+          <p:nvPr/>
+        </p:nvSpPr>
+        <p:spPr>
+          <a:xfrm>
+            <a:off x="690663" y="1987742"/>
+            <a:ext cx="5336511" cy="4154984"/>
+          </a:xfrm>
+          <a:prstGeom prst="rect">
+            <a:avLst/>
+          </a:prstGeom>
+          <a:noFill/>
+          <a:ln w="76200">
+            <a:solidFill>
+              <a:schemeClr val="accent2"/>
+            </a:solidFill>
+          </a:ln>
+        </p:spPr>
+        <p:txBody>
+          <a:bodyPr wrap="square" rtlCol="0">
+            <a:spAutoFit/>
+          </a:bodyPr>
+          <a:lstStyle/>
+          <a:p>
+            <a:pPr marL="457200" indent="-457200">
+              <a:buFont typeface="+mj-lt"/>
+              <a:buAutoNum type="arabicPeriod"/>
+            </a:pPr>
+            <a:r>
+              <a:rPr lang="en-CA" sz="2400" b="1" dirty="0">
+                <a:latin typeface="Source Serif Pro" panose="02040603050405020204" pitchFamily="18" charset="0"/>
+                <a:ea typeface="Source Serif Pro" panose="02040603050405020204" pitchFamily="18" charset="0"/>
+              </a:rPr>
+              <a:t>Company Information </a:t>
+            </a:r>
+          </a:p>
+          <a:p>
+            <a:pPr marL="800100" lvl="1" indent="-342900">
+              <a:buFont typeface="Arial" panose="020B0604020202020204" pitchFamily="34" charset="0"/>
+              <a:buChar char="•"/>
+            </a:pPr>
+            <a:r>
+              <a:rPr lang="en-CA" sz="2400" dirty="0">
+                <a:latin typeface="Source Sans Pro" panose="020B0503030403020204" pitchFamily="34" charset="0"/>
+                <a:ea typeface="Source Sans Pro" panose="020B0503030403020204" pitchFamily="34" charset="0"/>
+              </a:rPr>
+              <a:t>Purpose</a:t>
+            </a:r>
+          </a:p>
+          <a:p>
+            <a:pPr marL="800100" lvl="1" indent="-342900">
+              <a:buFont typeface="Arial" panose="020B0604020202020204" pitchFamily="34" charset="0"/>
+              <a:buChar char="•"/>
+            </a:pPr>
+            <a:r>
+              <a:rPr lang="en-CA" sz="2400" dirty="0">
+                <a:latin typeface="Source Sans Pro" panose="020B0503030403020204" pitchFamily="34" charset="0"/>
+                <a:ea typeface="Source Sans Pro" panose="020B0503030403020204" pitchFamily="34" charset="0"/>
+              </a:rPr>
+              <a:t>Benefits</a:t>
+            </a:r>
+          </a:p>
+          <a:p>
+            <a:pPr marL="457200" indent="-457200">
+              <a:buFont typeface="+mj-lt"/>
+              <a:buAutoNum type="arabicPeriod"/>
+            </a:pPr>
+            <a:r>
+              <a:rPr lang="en-CA" sz="2400" b="1" dirty="0">
+                <a:latin typeface="Source Serif Pro" panose="02040603050405020204" pitchFamily="18" charset="0"/>
+                <a:ea typeface="Source Serif Pro" panose="02040603050405020204" pitchFamily="18" charset="0"/>
+              </a:rPr>
+              <a:t>Tree Information  </a:t>
+            </a:r>
+          </a:p>
+          <a:p>
+            <a:pPr marL="800100" lvl="1" indent="-342900">
+              <a:buFont typeface="Arial" panose="020B0604020202020204" pitchFamily="34" charset="0"/>
+              <a:buChar char="•"/>
+            </a:pPr>
+            <a:r>
+              <a:rPr lang="en-CA" sz="2400" dirty="0">
+                <a:latin typeface="Source Sans Pro" panose="020B0503030403020204" pitchFamily="34" charset="0"/>
+                <a:ea typeface="Source Sans Pro" panose="020B0503030403020204" pitchFamily="34" charset="0"/>
+              </a:rPr>
+              <a:t>Type</a:t>
+            </a:r>
+          </a:p>
+          <a:p>
+            <a:pPr marL="800100" lvl="1" indent="-342900">
+              <a:buFont typeface="Arial" panose="020B0604020202020204" pitchFamily="34" charset="0"/>
+              <a:buChar char="•"/>
+            </a:pPr>
+            <a:r>
+              <a:rPr lang="en-CA" sz="2400" dirty="0">
+                <a:latin typeface="Source Sans Pro" panose="020B0503030403020204" pitchFamily="34" charset="0"/>
+                <a:ea typeface="Source Sans Pro" panose="020B0503030403020204" pitchFamily="34" charset="0"/>
+              </a:rPr>
+              <a:t>Cost</a:t>
+            </a:r>
+          </a:p>
+          <a:p>
+            <a:pPr marL="800100" lvl="1" indent="-342900">
+              <a:buFont typeface="Arial" panose="020B0604020202020204" pitchFamily="34" charset="0"/>
+              <a:buChar char="•"/>
+            </a:pPr>
+            <a:r>
+              <a:rPr lang="en-CA" sz="2400" dirty="0">
+                <a:latin typeface="Source Sans Pro" panose="020B0503030403020204" pitchFamily="34" charset="0"/>
+                <a:ea typeface="Source Sans Pro" panose="020B0503030403020204" pitchFamily="34" charset="0"/>
+              </a:rPr>
+              <a:t>Care</a:t>
+            </a:r>
+            <a:endParaRPr lang="en-CA" sz="2400" b="1" dirty="0">
+              <a:latin typeface="Source Sans Pro" panose="020B0503030403020204" pitchFamily="34" charset="0"/>
+              <a:ea typeface="Source Sans Pro" panose="020B0503030403020204" pitchFamily="34" charset="0"/>
+            </a:endParaRPr>
+          </a:p>
+          <a:p>
+            <a:pPr marL="457200" indent="-457200">
+              <a:buFont typeface="+mj-lt"/>
+              <a:buAutoNum type="arabicPeriod"/>
+            </a:pPr>
+            <a:r>
+              <a:rPr lang="en-CA" sz="2400" b="1" dirty="0">
+                <a:latin typeface="Source Serif Pro" panose="02040603050405020204" pitchFamily="18" charset="0"/>
+                <a:ea typeface="Source Serif Pro" panose="02040603050405020204" pitchFamily="18" charset="0"/>
+              </a:rPr>
+              <a:t>Reservations</a:t>
+            </a:r>
+          </a:p>
+          <a:p>
+            <a:pPr marL="457200" indent="-457200">
+              <a:buFont typeface="+mj-lt"/>
+              <a:buAutoNum type="arabicPeriod"/>
+            </a:pPr>
+            <a:r>
+              <a:rPr lang="en-CA" sz="2400" b="1" dirty="0">
+                <a:latin typeface="Source Serif Pro" panose="02040603050405020204" pitchFamily="18" charset="0"/>
+                <a:ea typeface="Source Serif Pro" panose="02040603050405020204" pitchFamily="18" charset="0"/>
+              </a:rPr>
+              <a:t>Inspiration </a:t>
+            </a:r>
+          </a:p>
+          <a:p>
+            <a:pPr marL="800100" lvl="1" indent="-342900">
+              <a:buFont typeface="Arial" panose="020B0604020202020204" pitchFamily="34" charset="0"/>
+              <a:buChar char="•"/>
+            </a:pPr>
+            <a:r>
+              <a:rPr lang="en-CA" sz="2400" dirty="0">
+                <a:latin typeface="Source Sans Pro" panose="020B0503030403020204" pitchFamily="34" charset="0"/>
+                <a:ea typeface="Source Sans Pro" panose="020B0503030403020204" pitchFamily="34" charset="0"/>
+              </a:rPr>
+              <a:t>Blog</a:t>
+            </a:r>
+            <a:endParaRPr lang="en-CA" sz="2000" b="1" dirty="0">
+              <a:latin typeface="Source Serif Pro" panose="02040603050405020204" pitchFamily="18" charset="0"/>
+              <a:ea typeface="Source Serif Pro" panose="02040603050405020204" pitchFamily="18" charset="0"/>
+            </a:endParaRPr>
+          </a:p>
+          <a:p>
+            <a:pPr marL="457200" indent="-457200">
+              <a:buFont typeface="+mj-lt"/>
+              <a:buAutoNum type="arabicPeriod"/>
+            </a:pPr>
+            <a:r>
+              <a:rPr lang="en-CA" sz="2400" b="1" dirty="0">
+                <a:latin typeface="Source Serif Pro" panose="02040603050405020204" pitchFamily="18" charset="0"/>
+                <a:ea typeface="Source Serif Pro" panose="02040603050405020204" pitchFamily="18" charset="0"/>
+              </a:rPr>
+              <a:t>Contact</a:t>
+            </a:r>
+            <a:endParaRPr lang="en-CA" sz="2400" dirty="0">
+              <a:latin typeface="Source Sans Pro" panose="020B0503030403020204" pitchFamily="34" charset="0"/>
+              <a:ea typeface="Source Sans Pro" panose="020B0503030403020204" pitchFamily="34" charset="0"/>
+            </a:endParaRPr>
+          </a:p>
+        </p:txBody>
+      </p:sp>
+      <p:pic>
+        <p:nvPicPr>
+          <p:cNvPr id="14" name="Picture 13">
+            <a:extLst>
+              <a:ext uri="{FF2B5EF4-FFF2-40B4-BE49-F238E27FC236}">
+                <a16:creationId xmlns:a16="http://schemas.microsoft.com/office/drawing/2014/main" id="{7279CA4F-958A-4EBC-A249-A87A7BC26D8C}"/>
+              </a:ext>
+            </a:extLst>
+          </p:cNvPr>
+          <p:cNvPicPr>
+            <a:picLocks noChangeAspect="1"/>
+          </p:cNvPicPr>
+          <p:nvPr/>
+        </p:nvPicPr>
+        <p:blipFill rotWithShape="1">
+          <a:blip r:embed="rId3"/>
+          <a:srcRect b="2319"/>
+          <a:stretch/>
+        </p:blipFill>
+        <p:spPr>
+          <a:xfrm>
+            <a:off x="6454021" y="2046330"/>
+            <a:ext cx="5372572" cy="4037807"/>
+          </a:xfrm>
+          <a:prstGeom prst="rect">
+            <a:avLst/>
+          </a:prstGeom>
+          <a:ln w="76200">
+            <a:solidFill>
+              <a:schemeClr val="accent2"/>
+            </a:solidFill>
+          </a:ln>
+        </p:spPr>
+      </p:pic>
+      <p:cxnSp>
+        <p:nvCxnSpPr>
+          <p:cNvPr id="16" name="Straight Arrow Connector 15">
+            <a:extLst>
+              <a:ext uri="{FF2B5EF4-FFF2-40B4-BE49-F238E27FC236}">
+                <a16:creationId xmlns:a16="http://schemas.microsoft.com/office/drawing/2014/main" id="{7B6C1466-D85B-4433-BC55-A353E873822C}"/>
+              </a:ext>
+            </a:extLst>
+          </p:cNvPr>
+          <p:cNvCxnSpPr/>
+          <p:nvPr/>
+        </p:nvCxnSpPr>
+        <p:spPr>
+          <a:xfrm>
+            <a:off x="4385187" y="2212258"/>
+            <a:ext cx="4483510" cy="1553497"/>
+          </a:xfrm>
+          <a:prstGeom prst="straightConnector1">
+            <a:avLst/>
+          </a:prstGeom>
+          <a:ln w="57150">
+            <a:solidFill>
+              <a:schemeClr val="accent2"/>
+            </a:solidFill>
+            <a:tailEnd type="triangle"/>
+          </a:ln>
+        </p:spPr>
+        <p:style>
+          <a:lnRef idx="1">
+            <a:schemeClr val="accent1"/>
+          </a:lnRef>
+          <a:fillRef idx="0">
+            <a:schemeClr val="accent1"/>
+          </a:fillRef>
+          <a:effectRef idx="0">
+            <a:schemeClr val="accent1"/>
+          </a:effectRef>
+          <a:fontRef idx="minor">
+            <a:schemeClr val="tx1"/>
+          </a:fontRef>
+        </p:style>
+      </p:cxnSp>
+    </p:spTree>
+    <p:extLst>
+      <p:ext uri="{BB962C8B-B14F-4D97-AF65-F5344CB8AC3E}">
+        <p14:creationId xmlns:p14="http://schemas.microsoft.com/office/powerpoint/2010/main" val="3335264125"/>
+      </p:ext>
+    </p:extLst>
+  </p:cSld>
+  <p:clrMapOvr>
+    <a:masterClrMapping/>
+  </p:clrMapOvr>
+</p:sld>
+</file>
+
+<file path=ppt/slides/slide6.xml><?xml version="1.0" encoding="utf-8"?>
+<p:sld xmlns:a="http://schemas.openxmlformats.org/drawingml/2006/main" xmlns:r="http://schemas.openxmlformats.org/officeDocument/2006/relationships" xmlns:p="http://schemas.openxmlformats.org/presentationml/2006/main">
+  <p:cSld>
+    <p:spTree>
+      <p:nvGrpSpPr>
+        <p:cNvPr id="1" name=""/>
+        <p:cNvGrpSpPr/>
+        <p:nvPr/>
+      </p:nvGrpSpPr>
+      <p:grpSpPr>
+        <a:xfrm>
+          <a:off x="0" y="0"/>
+          <a:ext cx="0" cy="0"/>
+          <a:chOff x="0" y="0"/>
+          <a:chExt cx="0" cy="0"/>
+        </a:xfrm>
+      </p:grpSpPr>
+      <p:sp>
+        <p:nvSpPr>
+          <p:cNvPr id="2" name="Rectangle 1">
+            <a:extLst>
+              <a:ext uri="{FF2B5EF4-FFF2-40B4-BE49-F238E27FC236}">
+                <a16:creationId xmlns:a16="http://schemas.microsoft.com/office/drawing/2014/main" id="{DDE44C0A-170A-4D97-B3BE-EE4096F9C886}"/>
+              </a:ext>
+            </a:extLst>
+          </p:cNvPr>
+          <p:cNvSpPr/>
+          <p:nvPr/>
+        </p:nvSpPr>
+        <p:spPr>
+          <a:xfrm>
+            <a:off x="5157640" y="323882"/>
+            <a:ext cx="1864549" cy="646331"/>
+          </a:xfrm>
+          <a:prstGeom prst="rect">
+            <a:avLst/>
+          </a:prstGeom>
+        </p:spPr>
+        <p:txBody>
+          <a:bodyPr wrap="none">
+            <a:spAutoFit/>
+          </a:bodyPr>
+          <a:lstStyle/>
+          <a:p>
+            <a:pPr algn="ctr"/>
+            <a:r>
+              <a:rPr lang="en-CA" sz="3600" b="1" u="sng" dirty="0">
+                <a:solidFill>
+                  <a:schemeClr val="accent2"/>
+                </a:solidFill>
+                <a:latin typeface="Source Serif Pro" panose="02040603050405020204" pitchFamily="18" charset="0"/>
+                <a:ea typeface="Source Serif Pro" panose="02040603050405020204" pitchFamily="18" charset="0"/>
+              </a:rPr>
+              <a:t>Content</a:t>
+            </a:r>
+            <a:endParaRPr lang="en-CA" sz="3600" u="sng" dirty="0">
+              <a:solidFill>
+                <a:schemeClr val="accent2"/>
+              </a:solidFill>
+            </a:endParaRPr>
+          </a:p>
+        </p:txBody>
+      </p:sp>
+      <p:sp>
+        <p:nvSpPr>
+          <p:cNvPr id="3" name="TextBox 2">
+            <a:extLst>
+              <a:ext uri="{FF2B5EF4-FFF2-40B4-BE49-F238E27FC236}">
+                <a16:creationId xmlns:a16="http://schemas.microsoft.com/office/drawing/2014/main" id="{7F47E76A-DB1B-49B0-8868-155EBA0C0DF2}"/>
+              </a:ext>
+            </a:extLst>
+          </p:cNvPr>
+          <p:cNvSpPr txBox="1"/>
+          <p:nvPr/>
+        </p:nvSpPr>
+        <p:spPr>
+          <a:xfrm>
+            <a:off x="690663" y="1308097"/>
+            <a:ext cx="5336511" cy="523220"/>
+          </a:xfrm>
+          <a:prstGeom prst="rect">
+            <a:avLst/>
+          </a:prstGeom>
+          <a:solidFill>
+            <a:schemeClr val="accent1"/>
+          </a:solidFill>
+          <a:ln w="76200">
+            <a:solidFill>
+              <a:schemeClr val="accent2"/>
+            </a:solidFill>
+          </a:ln>
+        </p:spPr>
+        <p:txBody>
+          <a:bodyPr wrap="square" rtlCol="0">
+            <a:spAutoFit/>
+          </a:bodyPr>
+          <a:lstStyle/>
+          <a:p>
+            <a:r>
+              <a:rPr lang="en-CA" sz="2800" b="1" dirty="0">
+                <a:latin typeface="Source Serif Pro" panose="02040603050405020204" pitchFamily="18" charset="0"/>
+                <a:ea typeface="Source Serif Pro" panose="02040603050405020204" pitchFamily="18" charset="0"/>
+              </a:rPr>
+              <a:t>Essential/Beneficial Elements:</a:t>
+            </a:r>
+            <a:endParaRPr lang="en-CA" sz="2800" dirty="0">
+              <a:latin typeface="Source Serif Pro" panose="02040603050405020204" pitchFamily="18" charset="0"/>
+              <a:ea typeface="Source Serif Pro" panose="02040603050405020204" pitchFamily="18" charset="0"/>
+            </a:endParaRPr>
+          </a:p>
+        </p:txBody>
+      </p:sp>
+      <p:sp>
+        <p:nvSpPr>
+          <p:cNvPr id="8" name="TextBox 7">
+            <a:extLst>
+              <a:ext uri="{FF2B5EF4-FFF2-40B4-BE49-F238E27FC236}">
+                <a16:creationId xmlns:a16="http://schemas.microsoft.com/office/drawing/2014/main" id="{EB2DAA5F-C8B8-4112-B10F-3ECB269D8271}"/>
+              </a:ext>
+            </a:extLst>
+          </p:cNvPr>
+          <p:cNvSpPr txBox="1"/>
+          <p:nvPr/>
+        </p:nvSpPr>
+        <p:spPr>
+          <a:xfrm>
+            <a:off x="690663" y="1987742"/>
+            <a:ext cx="5336511" cy="4154984"/>
+          </a:xfrm>
+          <a:prstGeom prst="rect">
+            <a:avLst/>
+          </a:prstGeom>
+          <a:noFill/>
+          <a:ln w="76200">
+            <a:solidFill>
+              <a:schemeClr val="accent2"/>
+            </a:solidFill>
+          </a:ln>
+        </p:spPr>
+        <p:txBody>
+          <a:bodyPr wrap="square" rtlCol="0">
+            <a:spAutoFit/>
+          </a:bodyPr>
+          <a:lstStyle/>
+          <a:p>
+            <a:pPr marL="457200" indent="-457200">
+              <a:buFont typeface="+mj-lt"/>
+              <a:buAutoNum type="arabicPeriod"/>
+            </a:pPr>
+            <a:r>
+              <a:rPr lang="en-CA" sz="2400" b="1" dirty="0">
+                <a:latin typeface="Source Serif Pro" panose="02040603050405020204" pitchFamily="18" charset="0"/>
+                <a:ea typeface="Source Serif Pro" panose="02040603050405020204" pitchFamily="18" charset="0"/>
+              </a:rPr>
+              <a:t>Company Information </a:t>
+            </a:r>
+          </a:p>
+          <a:p>
+            <a:pPr marL="800100" lvl="1" indent="-342900">
+              <a:buFont typeface="Arial" panose="020B0604020202020204" pitchFamily="34" charset="0"/>
+              <a:buChar char="•"/>
+            </a:pPr>
+            <a:r>
+              <a:rPr lang="en-CA" sz="2400" dirty="0">
+                <a:latin typeface="Source Sans Pro" panose="020B0503030403020204" pitchFamily="34" charset="0"/>
+                <a:ea typeface="Source Sans Pro" panose="020B0503030403020204" pitchFamily="34" charset="0"/>
+              </a:rPr>
+              <a:t>Purpose</a:t>
+            </a:r>
+          </a:p>
+          <a:p>
+            <a:pPr marL="800100" lvl="1" indent="-342900">
+              <a:buFont typeface="Arial" panose="020B0604020202020204" pitchFamily="34" charset="0"/>
+              <a:buChar char="•"/>
+            </a:pPr>
+            <a:r>
+              <a:rPr lang="en-CA" sz="2400" dirty="0">
+                <a:latin typeface="Source Sans Pro" panose="020B0503030403020204" pitchFamily="34" charset="0"/>
+                <a:ea typeface="Source Sans Pro" panose="020B0503030403020204" pitchFamily="34" charset="0"/>
+              </a:rPr>
+              <a:t>Benefits</a:t>
+            </a:r>
+          </a:p>
+          <a:p>
+            <a:pPr marL="457200" indent="-457200">
+              <a:buFont typeface="+mj-lt"/>
+              <a:buAutoNum type="arabicPeriod"/>
+            </a:pPr>
+            <a:r>
+              <a:rPr lang="en-CA" sz="2400" b="1" dirty="0">
+                <a:latin typeface="Source Serif Pro" panose="02040603050405020204" pitchFamily="18" charset="0"/>
+                <a:ea typeface="Source Serif Pro" panose="02040603050405020204" pitchFamily="18" charset="0"/>
+              </a:rPr>
+              <a:t>Tree Information  </a:t>
+            </a:r>
+          </a:p>
+          <a:p>
+            <a:pPr marL="800100" lvl="1" indent="-342900">
+              <a:buFont typeface="Arial" panose="020B0604020202020204" pitchFamily="34" charset="0"/>
+              <a:buChar char="•"/>
+            </a:pPr>
+            <a:r>
+              <a:rPr lang="en-CA" sz="2400" dirty="0">
+                <a:latin typeface="Source Sans Pro" panose="020B0503030403020204" pitchFamily="34" charset="0"/>
+                <a:ea typeface="Source Sans Pro" panose="020B0503030403020204" pitchFamily="34" charset="0"/>
+              </a:rPr>
+              <a:t>Type</a:t>
+            </a:r>
+          </a:p>
+          <a:p>
+            <a:pPr marL="800100" lvl="1" indent="-342900">
+              <a:buFont typeface="Arial" panose="020B0604020202020204" pitchFamily="34" charset="0"/>
+              <a:buChar char="•"/>
+            </a:pPr>
+            <a:r>
+              <a:rPr lang="en-CA" sz="2400" dirty="0">
+                <a:latin typeface="Source Sans Pro" panose="020B0503030403020204" pitchFamily="34" charset="0"/>
+                <a:ea typeface="Source Sans Pro" panose="020B0503030403020204" pitchFamily="34" charset="0"/>
+              </a:rPr>
+              <a:t>Cost</a:t>
+            </a:r>
+          </a:p>
+          <a:p>
+            <a:pPr marL="800100" lvl="1" indent="-342900">
+              <a:buFont typeface="Arial" panose="020B0604020202020204" pitchFamily="34" charset="0"/>
+              <a:buChar char="•"/>
+            </a:pPr>
+            <a:r>
+              <a:rPr lang="en-CA" sz="2400" dirty="0">
+                <a:latin typeface="Source Sans Pro" panose="020B0503030403020204" pitchFamily="34" charset="0"/>
+                <a:ea typeface="Source Sans Pro" panose="020B0503030403020204" pitchFamily="34" charset="0"/>
+              </a:rPr>
+              <a:t>Care</a:t>
+            </a:r>
+            <a:endParaRPr lang="en-CA" sz="2400" b="1" dirty="0">
+              <a:latin typeface="Source Sans Pro" panose="020B0503030403020204" pitchFamily="34" charset="0"/>
+              <a:ea typeface="Source Sans Pro" panose="020B0503030403020204" pitchFamily="34" charset="0"/>
+            </a:endParaRPr>
+          </a:p>
+          <a:p>
+            <a:pPr marL="457200" indent="-457200">
+              <a:buFont typeface="+mj-lt"/>
+              <a:buAutoNum type="arabicPeriod"/>
+            </a:pPr>
+            <a:r>
+              <a:rPr lang="en-CA" sz="2400" b="1" dirty="0">
+                <a:latin typeface="Source Serif Pro" panose="02040603050405020204" pitchFamily="18" charset="0"/>
+                <a:ea typeface="Source Serif Pro" panose="02040603050405020204" pitchFamily="18" charset="0"/>
+              </a:rPr>
+              <a:t>Reservations</a:t>
+            </a:r>
+          </a:p>
+          <a:p>
+            <a:pPr marL="457200" indent="-457200">
+              <a:buFont typeface="+mj-lt"/>
+              <a:buAutoNum type="arabicPeriod"/>
+            </a:pPr>
+            <a:r>
+              <a:rPr lang="en-CA" sz="2400" b="1" dirty="0">
+                <a:latin typeface="Source Serif Pro" panose="02040603050405020204" pitchFamily="18" charset="0"/>
+                <a:ea typeface="Source Serif Pro" panose="02040603050405020204" pitchFamily="18" charset="0"/>
+              </a:rPr>
+              <a:t>Inspiration </a:t>
+            </a:r>
+          </a:p>
+          <a:p>
+            <a:pPr marL="800100" lvl="1" indent="-342900">
+              <a:buFont typeface="Arial" panose="020B0604020202020204" pitchFamily="34" charset="0"/>
+              <a:buChar char="•"/>
+            </a:pPr>
+            <a:r>
+              <a:rPr lang="en-CA" sz="2400" dirty="0">
+                <a:latin typeface="Source Sans Pro" panose="020B0503030403020204" pitchFamily="34" charset="0"/>
+                <a:ea typeface="Source Sans Pro" panose="020B0503030403020204" pitchFamily="34" charset="0"/>
+              </a:rPr>
+              <a:t>Blog</a:t>
+            </a:r>
+            <a:endParaRPr lang="en-CA" sz="2000" b="1" dirty="0">
+              <a:latin typeface="Source Serif Pro" panose="02040603050405020204" pitchFamily="18" charset="0"/>
+              <a:ea typeface="Source Serif Pro" panose="02040603050405020204" pitchFamily="18" charset="0"/>
+            </a:endParaRPr>
+          </a:p>
+          <a:p>
+            <a:pPr marL="457200" indent="-457200">
+              <a:buFont typeface="+mj-lt"/>
+              <a:buAutoNum type="arabicPeriod"/>
+            </a:pPr>
+            <a:r>
+              <a:rPr lang="en-CA" sz="2400" b="1" dirty="0">
+                <a:latin typeface="Source Serif Pro" panose="02040603050405020204" pitchFamily="18" charset="0"/>
+                <a:ea typeface="Source Serif Pro" panose="02040603050405020204" pitchFamily="18" charset="0"/>
+              </a:rPr>
+              <a:t>Contact</a:t>
+            </a:r>
+            <a:endParaRPr lang="en-CA" sz="2400" dirty="0">
+              <a:latin typeface="Source Sans Pro" panose="020B0503030403020204" pitchFamily="34" charset="0"/>
+              <a:ea typeface="Source Sans Pro" panose="020B0503030403020204" pitchFamily="34" charset="0"/>
+            </a:endParaRPr>
+          </a:p>
+        </p:txBody>
+      </p:sp>
+      <p:pic>
+        <p:nvPicPr>
+          <p:cNvPr id="14" name="Picture 13">
+            <a:extLst>
+              <a:ext uri="{FF2B5EF4-FFF2-40B4-BE49-F238E27FC236}">
+                <a16:creationId xmlns:a16="http://schemas.microsoft.com/office/drawing/2014/main" id="{7279CA4F-958A-4EBC-A249-A87A7BC26D8C}"/>
+              </a:ext>
+            </a:extLst>
+          </p:cNvPr>
+          <p:cNvPicPr>
+            <a:picLocks noChangeAspect="1"/>
+          </p:cNvPicPr>
+          <p:nvPr/>
+        </p:nvPicPr>
+        <p:blipFill rotWithShape="1">
+          <a:blip r:embed="rId3"/>
+          <a:srcRect b="2319"/>
+          <a:stretch/>
+        </p:blipFill>
+        <p:spPr>
+          <a:xfrm>
+            <a:off x="6454021" y="2046330"/>
+            <a:ext cx="5372572" cy="4037807"/>
+          </a:xfrm>
+          <a:prstGeom prst="rect">
+            <a:avLst/>
+          </a:prstGeom>
+          <a:ln w="76200">
+            <a:solidFill>
+              <a:schemeClr val="accent2"/>
+            </a:solidFill>
+          </a:ln>
+        </p:spPr>
+      </p:pic>
+      <p:cxnSp>
+        <p:nvCxnSpPr>
+          <p:cNvPr id="16" name="Straight Arrow Connector 15">
+            <a:extLst>
+              <a:ext uri="{FF2B5EF4-FFF2-40B4-BE49-F238E27FC236}">
+                <a16:creationId xmlns:a16="http://schemas.microsoft.com/office/drawing/2014/main" id="{7B6C1466-D85B-4433-BC55-A353E873822C}"/>
+              </a:ext>
+            </a:extLst>
+          </p:cNvPr>
+          <p:cNvCxnSpPr/>
+          <p:nvPr/>
+        </p:nvCxnSpPr>
+        <p:spPr>
+          <a:xfrm>
+            <a:off x="4385187" y="2212258"/>
+            <a:ext cx="4483510" cy="1553497"/>
+          </a:xfrm>
+          <a:prstGeom prst="straightConnector1">
+            <a:avLst/>
+          </a:prstGeom>
+          <a:ln w="57150">
+            <a:solidFill>
+              <a:schemeClr val="accent2"/>
+            </a:solidFill>
+            <a:tailEnd type="triangle"/>
+          </a:ln>
+        </p:spPr>
+        <p:style>
+          <a:lnRef idx="1">
+            <a:schemeClr val="accent1"/>
+          </a:lnRef>
+          <a:fillRef idx="0">
+            <a:schemeClr val="accent1"/>
+          </a:fillRef>
+          <a:effectRef idx="0">
+            <a:schemeClr val="accent1"/>
+          </a:effectRef>
+          <a:fontRef idx="minor">
+            <a:schemeClr val="tx1"/>
+          </a:fontRef>
+        </p:style>
+      </p:cxnSp>
+      <p:cxnSp>
+        <p:nvCxnSpPr>
+          <p:cNvPr id="17" name="Straight Arrow Connector 16">
+            <a:extLst>
+              <a:ext uri="{FF2B5EF4-FFF2-40B4-BE49-F238E27FC236}">
+                <a16:creationId xmlns:a16="http://schemas.microsoft.com/office/drawing/2014/main" id="{41300A2A-6F78-4691-8213-B01049343709}"/>
+              </a:ext>
+            </a:extLst>
+          </p:cNvPr>
+          <p:cNvCxnSpPr>
+            <a:cxnSpLocks/>
+          </p:cNvCxnSpPr>
+          <p:nvPr/>
+        </p:nvCxnSpPr>
+        <p:spPr>
+          <a:xfrm>
+            <a:off x="3785419" y="3369947"/>
+            <a:ext cx="4935794" cy="907085"/>
+          </a:xfrm>
+          <a:prstGeom prst="straightConnector1">
+            <a:avLst/>
+          </a:prstGeom>
+          <a:ln w="57150">
+            <a:solidFill>
+              <a:schemeClr val="accent2"/>
+            </a:solidFill>
+            <a:tailEnd type="triangle"/>
+          </a:ln>
+        </p:spPr>
+        <p:style>
+          <a:lnRef idx="1">
+            <a:schemeClr val="accent1"/>
+          </a:lnRef>
+          <a:fillRef idx="0">
+            <a:schemeClr val="accent1"/>
+          </a:fillRef>
+          <a:effectRef idx="0">
+            <a:schemeClr val="accent1"/>
+          </a:effectRef>
+          <a:fontRef idx="minor">
+            <a:schemeClr val="tx1"/>
+          </a:fontRef>
+        </p:style>
+      </p:cxnSp>
+    </p:spTree>
+    <p:extLst>
+      <p:ext uri="{BB962C8B-B14F-4D97-AF65-F5344CB8AC3E}">
+        <p14:creationId xmlns:p14="http://schemas.microsoft.com/office/powerpoint/2010/main" val="1781447510"/>
+      </p:ext>
+    </p:extLst>
+  </p:cSld>
+  <p:clrMapOvr>
+    <a:masterClrMapping/>
+  </p:clrMapOvr>
+</p:sld>
+</file>
+
+<file path=ppt/slides/slide7.xml><?xml version="1.0" encoding="utf-8"?>
+<p:sld xmlns:a="http://schemas.openxmlformats.org/drawingml/2006/main" xmlns:r="http://schemas.openxmlformats.org/officeDocument/2006/relationships" xmlns:p="http://schemas.openxmlformats.org/presentationml/2006/main">
+  <p:cSld>
+    <p:spTree>
+      <p:nvGrpSpPr>
+        <p:cNvPr id="1" name=""/>
+        <p:cNvGrpSpPr/>
+        <p:nvPr/>
+      </p:nvGrpSpPr>
+      <p:grpSpPr>
+        <a:xfrm>
+          <a:off x="0" y="0"/>
+          <a:ext cx="0" cy="0"/>
+          <a:chOff x="0" y="0"/>
+          <a:chExt cx="0" cy="0"/>
+        </a:xfrm>
+      </p:grpSpPr>
+      <p:sp>
+        <p:nvSpPr>
+          <p:cNvPr id="2" name="Rectangle 1">
+            <a:extLst>
+              <a:ext uri="{FF2B5EF4-FFF2-40B4-BE49-F238E27FC236}">
+                <a16:creationId xmlns:a16="http://schemas.microsoft.com/office/drawing/2014/main" id="{DDE44C0A-170A-4D97-B3BE-EE4096F9C886}"/>
+              </a:ext>
+            </a:extLst>
+          </p:cNvPr>
+          <p:cNvSpPr/>
+          <p:nvPr/>
+        </p:nvSpPr>
+        <p:spPr>
+          <a:xfrm>
+            <a:off x="5157640" y="323882"/>
+            <a:ext cx="1864549" cy="646331"/>
+          </a:xfrm>
+          <a:prstGeom prst="rect">
+            <a:avLst/>
+          </a:prstGeom>
+        </p:spPr>
+        <p:txBody>
+          <a:bodyPr wrap="none">
+            <a:spAutoFit/>
+          </a:bodyPr>
+          <a:lstStyle/>
+          <a:p>
+            <a:pPr algn="ctr"/>
+            <a:r>
+              <a:rPr lang="en-CA" sz="3600" b="1" u="sng" dirty="0">
+                <a:solidFill>
+                  <a:schemeClr val="accent2"/>
+                </a:solidFill>
+                <a:latin typeface="Source Serif Pro" panose="02040603050405020204" pitchFamily="18" charset="0"/>
+                <a:ea typeface="Source Serif Pro" panose="02040603050405020204" pitchFamily="18" charset="0"/>
+              </a:rPr>
+              <a:t>Content</a:t>
+            </a:r>
+            <a:endParaRPr lang="en-CA" sz="3600" u="sng" dirty="0">
+              <a:solidFill>
+                <a:schemeClr val="accent2"/>
+              </a:solidFill>
+            </a:endParaRPr>
+          </a:p>
+        </p:txBody>
+      </p:sp>
+      <p:sp>
+        <p:nvSpPr>
+          <p:cNvPr id="3" name="TextBox 2">
+            <a:extLst>
+              <a:ext uri="{FF2B5EF4-FFF2-40B4-BE49-F238E27FC236}">
+                <a16:creationId xmlns:a16="http://schemas.microsoft.com/office/drawing/2014/main" id="{7F47E76A-DB1B-49B0-8868-155EBA0C0DF2}"/>
+              </a:ext>
+            </a:extLst>
+          </p:cNvPr>
+          <p:cNvSpPr txBox="1"/>
+          <p:nvPr/>
+        </p:nvSpPr>
+        <p:spPr>
+          <a:xfrm>
+            <a:off x="690663" y="1308097"/>
+            <a:ext cx="5336511" cy="523220"/>
+          </a:xfrm>
+          <a:prstGeom prst="rect">
+            <a:avLst/>
+          </a:prstGeom>
+          <a:solidFill>
+            <a:schemeClr val="accent1"/>
+          </a:solidFill>
+          <a:ln w="76200">
+            <a:solidFill>
+              <a:schemeClr val="accent2"/>
+            </a:solidFill>
+          </a:ln>
+        </p:spPr>
+        <p:txBody>
+          <a:bodyPr wrap="square" rtlCol="0">
+            <a:spAutoFit/>
+          </a:bodyPr>
+          <a:lstStyle/>
+          <a:p>
+            <a:r>
+              <a:rPr lang="en-CA" sz="2800" b="1" dirty="0">
+                <a:latin typeface="Source Serif Pro" panose="02040603050405020204" pitchFamily="18" charset="0"/>
+                <a:ea typeface="Source Serif Pro" panose="02040603050405020204" pitchFamily="18" charset="0"/>
+              </a:rPr>
+              <a:t>Essential/Beneficial Elements:</a:t>
+            </a:r>
+            <a:endParaRPr lang="en-CA" sz="2800" dirty="0">
+              <a:latin typeface="Source Serif Pro" panose="02040603050405020204" pitchFamily="18" charset="0"/>
+              <a:ea typeface="Source Serif Pro" panose="02040603050405020204" pitchFamily="18" charset="0"/>
+            </a:endParaRPr>
+          </a:p>
+        </p:txBody>
+      </p:sp>
+      <p:sp>
+        <p:nvSpPr>
+          <p:cNvPr id="8" name="TextBox 7">
+            <a:extLst>
+              <a:ext uri="{FF2B5EF4-FFF2-40B4-BE49-F238E27FC236}">
+                <a16:creationId xmlns:a16="http://schemas.microsoft.com/office/drawing/2014/main" id="{EB2DAA5F-C8B8-4112-B10F-3ECB269D8271}"/>
+              </a:ext>
+            </a:extLst>
+          </p:cNvPr>
+          <p:cNvSpPr txBox="1"/>
+          <p:nvPr/>
+        </p:nvSpPr>
+        <p:spPr>
+          <a:xfrm>
+            <a:off x="690663" y="1987742"/>
+            <a:ext cx="5336511" cy="4154984"/>
+          </a:xfrm>
+          <a:prstGeom prst="rect">
+            <a:avLst/>
+          </a:prstGeom>
+          <a:noFill/>
+          <a:ln w="76200">
+            <a:solidFill>
+              <a:schemeClr val="accent2"/>
+            </a:solidFill>
+          </a:ln>
+        </p:spPr>
+        <p:txBody>
+          <a:bodyPr wrap="square" rtlCol="0">
+            <a:spAutoFit/>
+          </a:bodyPr>
+          <a:lstStyle/>
+          <a:p>
+            <a:pPr marL="457200" indent="-457200">
+              <a:buFont typeface="+mj-lt"/>
+              <a:buAutoNum type="arabicPeriod"/>
+            </a:pPr>
+            <a:r>
+              <a:rPr lang="en-CA" sz="2400" b="1" dirty="0">
+                <a:latin typeface="Source Serif Pro" panose="02040603050405020204" pitchFamily="18" charset="0"/>
+                <a:ea typeface="Source Serif Pro" panose="02040603050405020204" pitchFamily="18" charset="0"/>
+              </a:rPr>
+              <a:t>Company Information </a:t>
+            </a:r>
+          </a:p>
+          <a:p>
+            <a:pPr marL="800100" lvl="1" indent="-342900">
+              <a:buFont typeface="Arial" panose="020B0604020202020204" pitchFamily="34" charset="0"/>
+              <a:buChar char="•"/>
+            </a:pPr>
+            <a:r>
+              <a:rPr lang="en-CA" sz="2400" dirty="0">
+                <a:latin typeface="Source Sans Pro" panose="020B0503030403020204" pitchFamily="34" charset="0"/>
+                <a:ea typeface="Source Sans Pro" panose="020B0503030403020204" pitchFamily="34" charset="0"/>
+              </a:rPr>
+              <a:t>Purpose</a:t>
+            </a:r>
+          </a:p>
+          <a:p>
+            <a:pPr marL="800100" lvl="1" indent="-342900">
+              <a:buFont typeface="Arial" panose="020B0604020202020204" pitchFamily="34" charset="0"/>
+              <a:buChar char="•"/>
+            </a:pPr>
+            <a:r>
+              <a:rPr lang="en-CA" sz="2400" dirty="0">
+                <a:latin typeface="Source Sans Pro" panose="020B0503030403020204" pitchFamily="34" charset="0"/>
+                <a:ea typeface="Source Sans Pro" panose="020B0503030403020204" pitchFamily="34" charset="0"/>
+              </a:rPr>
+              <a:t>Benefits</a:t>
+            </a:r>
+          </a:p>
+          <a:p>
+            <a:pPr marL="457200" indent="-457200">
+              <a:buFont typeface="+mj-lt"/>
+              <a:buAutoNum type="arabicPeriod"/>
+            </a:pPr>
+            <a:r>
+              <a:rPr lang="en-CA" sz="2400" b="1" dirty="0">
+                <a:latin typeface="Source Serif Pro" panose="02040603050405020204" pitchFamily="18" charset="0"/>
+                <a:ea typeface="Source Serif Pro" panose="02040603050405020204" pitchFamily="18" charset="0"/>
+              </a:rPr>
+              <a:t>Tree Information  </a:t>
+            </a:r>
+          </a:p>
+          <a:p>
+            <a:pPr marL="800100" lvl="1" indent="-342900">
+              <a:buFont typeface="Arial" panose="020B0604020202020204" pitchFamily="34" charset="0"/>
+              <a:buChar char="•"/>
+            </a:pPr>
+            <a:r>
+              <a:rPr lang="en-CA" sz="2400" dirty="0">
+                <a:latin typeface="Source Sans Pro" panose="020B0503030403020204" pitchFamily="34" charset="0"/>
+                <a:ea typeface="Source Sans Pro" panose="020B0503030403020204" pitchFamily="34" charset="0"/>
+              </a:rPr>
+              <a:t>Type</a:t>
+            </a:r>
+          </a:p>
+          <a:p>
+            <a:pPr marL="800100" lvl="1" indent="-342900">
+              <a:buFont typeface="Arial" panose="020B0604020202020204" pitchFamily="34" charset="0"/>
+              <a:buChar char="•"/>
+            </a:pPr>
+            <a:r>
+              <a:rPr lang="en-CA" sz="2400" dirty="0">
+                <a:latin typeface="Source Sans Pro" panose="020B0503030403020204" pitchFamily="34" charset="0"/>
+                <a:ea typeface="Source Sans Pro" panose="020B0503030403020204" pitchFamily="34" charset="0"/>
+              </a:rPr>
+              <a:t>Cost</a:t>
+            </a:r>
+          </a:p>
+          <a:p>
+            <a:pPr marL="800100" lvl="1" indent="-342900">
+              <a:buFont typeface="Arial" panose="020B0604020202020204" pitchFamily="34" charset="0"/>
+              <a:buChar char="•"/>
+            </a:pPr>
+            <a:r>
+              <a:rPr lang="en-CA" sz="2400" dirty="0">
+                <a:latin typeface="Source Sans Pro" panose="020B0503030403020204" pitchFamily="34" charset="0"/>
+                <a:ea typeface="Source Sans Pro" panose="020B0503030403020204" pitchFamily="34" charset="0"/>
+              </a:rPr>
+              <a:t>Care</a:t>
+            </a:r>
+            <a:endParaRPr lang="en-CA" sz="2400" b="1" dirty="0">
+              <a:latin typeface="Source Sans Pro" panose="020B0503030403020204" pitchFamily="34" charset="0"/>
+              <a:ea typeface="Source Sans Pro" panose="020B0503030403020204" pitchFamily="34" charset="0"/>
+            </a:endParaRPr>
+          </a:p>
+          <a:p>
+            <a:pPr marL="457200" indent="-457200">
+              <a:buFont typeface="+mj-lt"/>
+              <a:buAutoNum type="arabicPeriod"/>
+            </a:pPr>
+            <a:r>
+              <a:rPr lang="en-CA" sz="2400" b="1" dirty="0">
+                <a:latin typeface="Source Serif Pro" panose="02040603050405020204" pitchFamily="18" charset="0"/>
+                <a:ea typeface="Source Serif Pro" panose="02040603050405020204" pitchFamily="18" charset="0"/>
+              </a:rPr>
+              <a:t>Reservations</a:t>
+            </a:r>
+          </a:p>
+          <a:p>
+            <a:pPr marL="457200" indent="-457200">
+              <a:buFont typeface="+mj-lt"/>
+              <a:buAutoNum type="arabicPeriod"/>
+            </a:pPr>
+            <a:r>
+              <a:rPr lang="en-CA" sz="2400" b="1" dirty="0">
+                <a:latin typeface="Source Serif Pro" panose="02040603050405020204" pitchFamily="18" charset="0"/>
+                <a:ea typeface="Source Serif Pro" panose="02040603050405020204" pitchFamily="18" charset="0"/>
+              </a:rPr>
+              <a:t>Inspiration </a:t>
+            </a:r>
+          </a:p>
+          <a:p>
+            <a:pPr marL="800100" lvl="1" indent="-342900">
+              <a:buFont typeface="Arial" panose="020B0604020202020204" pitchFamily="34" charset="0"/>
+              <a:buChar char="•"/>
+            </a:pPr>
+            <a:r>
+              <a:rPr lang="en-CA" sz="2400" dirty="0">
+                <a:latin typeface="Source Sans Pro" panose="020B0503030403020204" pitchFamily="34" charset="0"/>
+                <a:ea typeface="Source Sans Pro" panose="020B0503030403020204" pitchFamily="34" charset="0"/>
+              </a:rPr>
+              <a:t>Blog</a:t>
+            </a:r>
+            <a:endParaRPr lang="en-CA" sz="2000" b="1" dirty="0">
+              <a:latin typeface="Source Serif Pro" panose="02040603050405020204" pitchFamily="18" charset="0"/>
+              <a:ea typeface="Source Serif Pro" panose="02040603050405020204" pitchFamily="18" charset="0"/>
+            </a:endParaRPr>
+          </a:p>
+          <a:p>
+            <a:pPr marL="457200" indent="-457200">
+              <a:buFont typeface="+mj-lt"/>
+              <a:buAutoNum type="arabicPeriod"/>
+            </a:pPr>
+            <a:r>
+              <a:rPr lang="en-CA" sz="2400" b="1" dirty="0">
+                <a:latin typeface="Source Serif Pro" panose="02040603050405020204" pitchFamily="18" charset="0"/>
+                <a:ea typeface="Source Serif Pro" panose="02040603050405020204" pitchFamily="18" charset="0"/>
+              </a:rPr>
+              <a:t>Contact</a:t>
+            </a:r>
+            <a:endParaRPr lang="en-CA" sz="2400" dirty="0">
+              <a:latin typeface="Source Sans Pro" panose="020B0503030403020204" pitchFamily="34" charset="0"/>
+              <a:ea typeface="Source Sans Pro" panose="020B0503030403020204" pitchFamily="34" charset="0"/>
+            </a:endParaRPr>
+          </a:p>
+        </p:txBody>
+      </p:sp>
+      <p:pic>
+        <p:nvPicPr>
+          <p:cNvPr id="14" name="Picture 13">
+            <a:extLst>
+              <a:ext uri="{FF2B5EF4-FFF2-40B4-BE49-F238E27FC236}">
+                <a16:creationId xmlns:a16="http://schemas.microsoft.com/office/drawing/2014/main" id="{7279CA4F-958A-4EBC-A249-A87A7BC26D8C}"/>
+              </a:ext>
+            </a:extLst>
+          </p:cNvPr>
+          <p:cNvPicPr>
+            <a:picLocks noChangeAspect="1"/>
+          </p:cNvPicPr>
+          <p:nvPr/>
+        </p:nvPicPr>
+        <p:blipFill rotWithShape="1">
+          <a:blip r:embed="rId3"/>
+          <a:srcRect b="2319"/>
+          <a:stretch/>
+        </p:blipFill>
+        <p:spPr>
+          <a:xfrm>
+            <a:off x="6454021" y="2046330"/>
+            <a:ext cx="5372572" cy="4037807"/>
+          </a:xfrm>
+          <a:prstGeom prst="rect">
+            <a:avLst/>
+          </a:prstGeom>
+          <a:ln w="76200">
+            <a:solidFill>
+              <a:schemeClr val="accent2"/>
+            </a:solidFill>
+          </a:ln>
+        </p:spPr>
+      </p:pic>
+      <p:cxnSp>
+        <p:nvCxnSpPr>
+          <p:cNvPr id="16" name="Straight Arrow Connector 15">
+            <a:extLst>
+              <a:ext uri="{FF2B5EF4-FFF2-40B4-BE49-F238E27FC236}">
+                <a16:creationId xmlns:a16="http://schemas.microsoft.com/office/drawing/2014/main" id="{7B6C1466-D85B-4433-BC55-A353E873822C}"/>
+              </a:ext>
+            </a:extLst>
+          </p:cNvPr>
+          <p:cNvCxnSpPr/>
+          <p:nvPr/>
+        </p:nvCxnSpPr>
+        <p:spPr>
+          <a:xfrm>
+            <a:off x="4385187" y="2212258"/>
+            <a:ext cx="4483510" cy="1553497"/>
+          </a:xfrm>
+          <a:prstGeom prst="straightConnector1">
+            <a:avLst/>
+          </a:prstGeom>
+          <a:ln w="57150">
+            <a:solidFill>
+              <a:schemeClr val="accent2"/>
+            </a:solidFill>
+            <a:tailEnd type="triangle"/>
+          </a:ln>
+        </p:spPr>
+        <p:style>
+          <a:lnRef idx="1">
+            <a:schemeClr val="accent1"/>
+          </a:lnRef>
+          <a:fillRef idx="0">
+            <a:schemeClr val="accent1"/>
+          </a:fillRef>
+          <a:effectRef idx="0">
+            <a:schemeClr val="accent1"/>
+          </a:effectRef>
+          <a:fontRef idx="minor">
+            <a:schemeClr val="tx1"/>
+          </a:fontRef>
+        </p:style>
+      </p:cxnSp>
+      <p:cxnSp>
+        <p:nvCxnSpPr>
+          <p:cNvPr id="17" name="Straight Arrow Connector 16">
+            <a:extLst>
+              <a:ext uri="{FF2B5EF4-FFF2-40B4-BE49-F238E27FC236}">
+                <a16:creationId xmlns:a16="http://schemas.microsoft.com/office/drawing/2014/main" id="{41300A2A-6F78-4691-8213-B01049343709}"/>
+              </a:ext>
+            </a:extLst>
+          </p:cNvPr>
+          <p:cNvCxnSpPr>
+            <a:cxnSpLocks/>
+          </p:cNvCxnSpPr>
+          <p:nvPr/>
+        </p:nvCxnSpPr>
+        <p:spPr>
+          <a:xfrm>
+            <a:off x="3785419" y="3369947"/>
+            <a:ext cx="4935794" cy="907085"/>
+          </a:xfrm>
+          <a:prstGeom prst="straightConnector1">
+            <a:avLst/>
+          </a:prstGeom>
+          <a:ln w="57150">
+            <a:solidFill>
+              <a:schemeClr val="accent2"/>
+            </a:solidFill>
+            <a:tailEnd type="triangle"/>
+          </a:ln>
+        </p:spPr>
+        <p:style>
+          <a:lnRef idx="1">
+            <a:schemeClr val="accent1"/>
+          </a:lnRef>
+          <a:fillRef idx="0">
+            <a:schemeClr val="accent1"/>
+          </a:fillRef>
+          <a:effectRef idx="0">
+            <a:schemeClr val="accent1"/>
+          </a:effectRef>
+          <a:fontRef idx="minor">
+            <a:schemeClr val="tx1"/>
+          </a:fontRef>
+        </p:style>
+      </p:cxnSp>
+      <p:cxnSp>
+        <p:nvCxnSpPr>
+          <p:cNvPr id="19" name="Straight Arrow Connector 18">
+            <a:extLst>
+              <a:ext uri="{FF2B5EF4-FFF2-40B4-BE49-F238E27FC236}">
+                <a16:creationId xmlns:a16="http://schemas.microsoft.com/office/drawing/2014/main" id="{5E59B727-98B2-4083-AC81-5B98B3A4B945}"/>
+              </a:ext>
+            </a:extLst>
+          </p:cNvPr>
+          <p:cNvCxnSpPr>
+            <a:cxnSpLocks/>
+          </p:cNvCxnSpPr>
+          <p:nvPr/>
+        </p:nvCxnSpPr>
+        <p:spPr>
+          <a:xfrm>
+            <a:off x="3111909" y="4794484"/>
+            <a:ext cx="5609304" cy="0"/>
+          </a:xfrm>
+          <a:prstGeom prst="straightConnector1">
+            <a:avLst/>
+          </a:prstGeom>
+          <a:ln w="57150">
+            <a:solidFill>
+              <a:schemeClr val="accent2"/>
+            </a:solidFill>
+            <a:tailEnd type="triangle"/>
+          </a:ln>
+        </p:spPr>
+        <p:style>
+          <a:lnRef idx="1">
+            <a:schemeClr val="accent1"/>
+          </a:lnRef>
+          <a:fillRef idx="0">
+            <a:schemeClr val="accent1"/>
+          </a:fillRef>
+          <a:effectRef idx="0">
+            <a:schemeClr val="accent1"/>
+          </a:effectRef>
+          <a:fontRef idx="minor">
+            <a:schemeClr val="tx1"/>
+          </a:fontRef>
+        </p:style>
+      </p:cxnSp>
+    </p:spTree>
+    <p:extLst>
+      <p:ext uri="{BB962C8B-B14F-4D97-AF65-F5344CB8AC3E}">
+        <p14:creationId xmlns:p14="http://schemas.microsoft.com/office/powerpoint/2010/main" val="1594615502"/>
+      </p:ext>
+    </p:extLst>
+  </p:cSld>
+  <p:clrMapOvr>
+    <a:masterClrMapping/>
+  </p:clrMapOvr>
+</p:sld>
+</file>
+
+<file path=ppt/slides/slide8.xml><?xml version="1.0" encoding="utf-8"?>
+<p:sld xmlns:a="http://schemas.openxmlformats.org/drawingml/2006/main" xmlns:r="http://schemas.openxmlformats.org/officeDocument/2006/relationships" xmlns:p="http://schemas.openxmlformats.org/presentationml/2006/main">
+  <p:cSld>
+    <p:spTree>
+      <p:nvGrpSpPr>
+        <p:cNvPr id="1" name=""/>
+        <p:cNvGrpSpPr/>
+        <p:nvPr/>
+      </p:nvGrpSpPr>
+      <p:grpSpPr>
+        <a:xfrm>
+          <a:off x="0" y="0"/>
+          <a:ext cx="0" cy="0"/>
+          <a:chOff x="0" y="0"/>
+          <a:chExt cx="0" cy="0"/>
+        </a:xfrm>
+      </p:grpSpPr>
+      <p:sp>
+        <p:nvSpPr>
+          <p:cNvPr id="2" name="Rectangle 1">
+            <a:extLst>
+              <a:ext uri="{FF2B5EF4-FFF2-40B4-BE49-F238E27FC236}">
+                <a16:creationId xmlns:a16="http://schemas.microsoft.com/office/drawing/2014/main" id="{DDE44C0A-170A-4D97-B3BE-EE4096F9C886}"/>
+              </a:ext>
+            </a:extLst>
+          </p:cNvPr>
+          <p:cNvSpPr/>
+          <p:nvPr/>
+        </p:nvSpPr>
+        <p:spPr>
+          <a:xfrm>
+            <a:off x="5157640" y="323882"/>
+            <a:ext cx="1864549" cy="646331"/>
+          </a:xfrm>
+          <a:prstGeom prst="rect">
+            <a:avLst/>
+          </a:prstGeom>
+        </p:spPr>
+        <p:txBody>
+          <a:bodyPr wrap="none">
+            <a:spAutoFit/>
+          </a:bodyPr>
+          <a:lstStyle/>
+          <a:p>
+            <a:pPr algn="ctr"/>
+            <a:r>
+              <a:rPr lang="en-CA" sz="3600" b="1" u="sng" dirty="0">
+                <a:solidFill>
+                  <a:schemeClr val="accent2"/>
+                </a:solidFill>
+                <a:latin typeface="Source Serif Pro" panose="02040603050405020204" pitchFamily="18" charset="0"/>
+                <a:ea typeface="Source Serif Pro" panose="02040603050405020204" pitchFamily="18" charset="0"/>
+              </a:rPr>
+              <a:t>Content</a:t>
+            </a:r>
+            <a:endParaRPr lang="en-CA" sz="3600" u="sng" dirty="0">
+              <a:solidFill>
+                <a:schemeClr val="accent2"/>
+              </a:solidFill>
+            </a:endParaRPr>
+          </a:p>
+        </p:txBody>
+      </p:sp>
+      <p:sp>
+        <p:nvSpPr>
+          <p:cNvPr id="3" name="TextBox 2">
+            <a:extLst>
+              <a:ext uri="{FF2B5EF4-FFF2-40B4-BE49-F238E27FC236}">
+                <a16:creationId xmlns:a16="http://schemas.microsoft.com/office/drawing/2014/main" id="{7F47E76A-DB1B-49B0-8868-155EBA0C0DF2}"/>
+              </a:ext>
+            </a:extLst>
+          </p:cNvPr>
+          <p:cNvSpPr txBox="1"/>
+          <p:nvPr/>
+        </p:nvSpPr>
+        <p:spPr>
+          <a:xfrm>
+            <a:off x="690663" y="1308097"/>
+            <a:ext cx="5336511" cy="523220"/>
+          </a:xfrm>
+          <a:prstGeom prst="rect">
+            <a:avLst/>
+          </a:prstGeom>
+          <a:solidFill>
+            <a:schemeClr val="accent1"/>
+          </a:solidFill>
+          <a:ln w="76200">
+            <a:solidFill>
+              <a:schemeClr val="accent2"/>
+            </a:solidFill>
+          </a:ln>
+        </p:spPr>
+        <p:txBody>
+          <a:bodyPr wrap="square" rtlCol="0">
+            <a:spAutoFit/>
+          </a:bodyPr>
+          <a:lstStyle/>
+          <a:p>
+            <a:r>
+              <a:rPr lang="en-CA" sz="2800" b="1" dirty="0">
+                <a:latin typeface="Source Serif Pro" panose="02040603050405020204" pitchFamily="18" charset="0"/>
+                <a:ea typeface="Source Serif Pro" panose="02040603050405020204" pitchFamily="18" charset="0"/>
+              </a:rPr>
+              <a:t>Essential/Beneficial Elements:</a:t>
+            </a:r>
+            <a:endParaRPr lang="en-CA" sz="2800" dirty="0">
+              <a:latin typeface="Source Serif Pro" panose="02040603050405020204" pitchFamily="18" charset="0"/>
+              <a:ea typeface="Source Serif Pro" panose="02040603050405020204" pitchFamily="18" charset="0"/>
+            </a:endParaRPr>
+          </a:p>
+        </p:txBody>
+      </p:sp>
+      <p:sp>
+        <p:nvSpPr>
+          <p:cNvPr id="8" name="TextBox 7">
+            <a:extLst>
+              <a:ext uri="{FF2B5EF4-FFF2-40B4-BE49-F238E27FC236}">
+                <a16:creationId xmlns:a16="http://schemas.microsoft.com/office/drawing/2014/main" id="{EB2DAA5F-C8B8-4112-B10F-3ECB269D8271}"/>
+              </a:ext>
+            </a:extLst>
+          </p:cNvPr>
+          <p:cNvSpPr txBox="1"/>
+          <p:nvPr/>
+        </p:nvSpPr>
+        <p:spPr>
+          <a:xfrm>
+            <a:off x="690663" y="1987742"/>
+            <a:ext cx="5336511" cy="4154984"/>
+          </a:xfrm>
+          <a:prstGeom prst="rect">
+            <a:avLst/>
+          </a:prstGeom>
+          <a:noFill/>
+          <a:ln w="76200">
+            <a:solidFill>
+              <a:schemeClr val="accent2"/>
+            </a:solidFill>
+          </a:ln>
+        </p:spPr>
+        <p:txBody>
+          <a:bodyPr wrap="square" rtlCol="0">
+            <a:spAutoFit/>
+          </a:bodyPr>
+          <a:lstStyle/>
+          <a:p>
+            <a:pPr marL="457200" indent="-457200">
+              <a:buFont typeface="+mj-lt"/>
+              <a:buAutoNum type="arabicPeriod"/>
+            </a:pPr>
+            <a:r>
+              <a:rPr lang="en-CA" sz="2400" b="1" dirty="0">
+                <a:latin typeface="Source Serif Pro" panose="02040603050405020204" pitchFamily="18" charset="0"/>
+                <a:ea typeface="Source Serif Pro" panose="02040603050405020204" pitchFamily="18" charset="0"/>
+              </a:rPr>
+              <a:t>Company Information </a:t>
+            </a:r>
+          </a:p>
+          <a:p>
+            <a:pPr marL="800100" lvl="1" indent="-342900">
+              <a:buFont typeface="Arial" panose="020B0604020202020204" pitchFamily="34" charset="0"/>
+              <a:buChar char="•"/>
+            </a:pPr>
+            <a:r>
+              <a:rPr lang="en-CA" sz="2400" dirty="0">
+                <a:latin typeface="Source Sans Pro" panose="020B0503030403020204" pitchFamily="34" charset="0"/>
+                <a:ea typeface="Source Sans Pro" panose="020B0503030403020204" pitchFamily="34" charset="0"/>
+              </a:rPr>
+              <a:t>Purpose</a:t>
+            </a:r>
+          </a:p>
+          <a:p>
+            <a:pPr marL="800100" lvl="1" indent="-342900">
+              <a:buFont typeface="Arial" panose="020B0604020202020204" pitchFamily="34" charset="0"/>
+              <a:buChar char="•"/>
+            </a:pPr>
+            <a:r>
+              <a:rPr lang="en-CA" sz="2400" dirty="0">
+                <a:latin typeface="Source Sans Pro" panose="020B0503030403020204" pitchFamily="34" charset="0"/>
+                <a:ea typeface="Source Sans Pro" panose="020B0503030403020204" pitchFamily="34" charset="0"/>
+              </a:rPr>
+              <a:t>Benefits</a:t>
+            </a:r>
+          </a:p>
+          <a:p>
+            <a:pPr marL="457200" indent="-457200">
+              <a:buFont typeface="+mj-lt"/>
+              <a:buAutoNum type="arabicPeriod"/>
+            </a:pPr>
+            <a:r>
+              <a:rPr lang="en-CA" sz="2400" b="1" dirty="0">
+                <a:latin typeface="Source Serif Pro" panose="02040603050405020204" pitchFamily="18" charset="0"/>
+                <a:ea typeface="Source Serif Pro" panose="02040603050405020204" pitchFamily="18" charset="0"/>
+              </a:rPr>
+              <a:t>Tree Information  </a:t>
+            </a:r>
+          </a:p>
+          <a:p>
+            <a:pPr marL="800100" lvl="1" indent="-342900">
+              <a:buFont typeface="Arial" panose="020B0604020202020204" pitchFamily="34" charset="0"/>
+              <a:buChar char="•"/>
+            </a:pPr>
+            <a:r>
+              <a:rPr lang="en-CA" sz="2400" dirty="0">
+                <a:latin typeface="Source Sans Pro" panose="020B0503030403020204" pitchFamily="34" charset="0"/>
+                <a:ea typeface="Source Sans Pro" panose="020B0503030403020204" pitchFamily="34" charset="0"/>
+              </a:rPr>
+              <a:t>Type</a:t>
+            </a:r>
+          </a:p>
+          <a:p>
+            <a:pPr marL="800100" lvl="1" indent="-342900">
+              <a:buFont typeface="Arial" panose="020B0604020202020204" pitchFamily="34" charset="0"/>
+              <a:buChar char="•"/>
+            </a:pPr>
+            <a:r>
+              <a:rPr lang="en-CA" sz="2400" dirty="0">
+                <a:latin typeface="Source Sans Pro" panose="020B0503030403020204" pitchFamily="34" charset="0"/>
+                <a:ea typeface="Source Sans Pro" panose="020B0503030403020204" pitchFamily="34" charset="0"/>
+              </a:rPr>
+              <a:t>Cost</a:t>
+            </a:r>
+          </a:p>
+          <a:p>
+            <a:pPr marL="800100" lvl="1" indent="-342900">
+              <a:buFont typeface="Arial" panose="020B0604020202020204" pitchFamily="34" charset="0"/>
+              <a:buChar char="•"/>
+            </a:pPr>
+            <a:r>
+              <a:rPr lang="en-CA" sz="2400" dirty="0">
+                <a:latin typeface="Source Sans Pro" panose="020B0503030403020204" pitchFamily="34" charset="0"/>
+                <a:ea typeface="Source Sans Pro" panose="020B0503030403020204" pitchFamily="34" charset="0"/>
+              </a:rPr>
+              <a:t>Care</a:t>
+            </a:r>
+            <a:endParaRPr lang="en-CA" sz="2400" b="1" dirty="0">
+              <a:latin typeface="Source Sans Pro" panose="020B0503030403020204" pitchFamily="34" charset="0"/>
+              <a:ea typeface="Source Sans Pro" panose="020B0503030403020204" pitchFamily="34" charset="0"/>
+            </a:endParaRPr>
+          </a:p>
+          <a:p>
+            <a:pPr marL="457200" indent="-457200">
+              <a:buFont typeface="+mj-lt"/>
+              <a:buAutoNum type="arabicPeriod"/>
+            </a:pPr>
+            <a:r>
+              <a:rPr lang="en-CA" sz="2400" b="1" dirty="0">
+                <a:latin typeface="Source Serif Pro" panose="02040603050405020204" pitchFamily="18" charset="0"/>
+                <a:ea typeface="Source Serif Pro" panose="02040603050405020204" pitchFamily="18" charset="0"/>
+              </a:rPr>
+              <a:t>Reservations</a:t>
+            </a:r>
+          </a:p>
+          <a:p>
+            <a:pPr marL="457200" indent="-457200">
+              <a:buFont typeface="+mj-lt"/>
+              <a:buAutoNum type="arabicPeriod"/>
+            </a:pPr>
+            <a:r>
+              <a:rPr lang="en-CA" sz="2400" b="1" dirty="0">
+                <a:latin typeface="Source Serif Pro" panose="02040603050405020204" pitchFamily="18" charset="0"/>
+                <a:ea typeface="Source Serif Pro" panose="02040603050405020204" pitchFamily="18" charset="0"/>
+              </a:rPr>
+              <a:t>Inspiration </a:t>
+            </a:r>
+          </a:p>
+          <a:p>
+            <a:pPr marL="800100" lvl="1" indent="-342900">
+              <a:buFont typeface="Arial" panose="020B0604020202020204" pitchFamily="34" charset="0"/>
+              <a:buChar char="•"/>
+            </a:pPr>
+            <a:r>
+              <a:rPr lang="en-CA" sz="2400" dirty="0">
+                <a:latin typeface="Source Sans Pro" panose="020B0503030403020204" pitchFamily="34" charset="0"/>
+                <a:ea typeface="Source Sans Pro" panose="020B0503030403020204" pitchFamily="34" charset="0"/>
+              </a:rPr>
+              <a:t>Blog</a:t>
+            </a:r>
+            <a:endParaRPr lang="en-CA" sz="2000" b="1" dirty="0">
+              <a:latin typeface="Source Serif Pro" panose="02040603050405020204" pitchFamily="18" charset="0"/>
+              <a:ea typeface="Source Serif Pro" panose="02040603050405020204" pitchFamily="18" charset="0"/>
+            </a:endParaRPr>
+          </a:p>
+          <a:p>
+            <a:pPr marL="457200" indent="-457200">
+              <a:buFont typeface="+mj-lt"/>
+              <a:buAutoNum type="arabicPeriod"/>
+            </a:pPr>
+            <a:r>
+              <a:rPr lang="en-CA" sz="2400" b="1" dirty="0">
+                <a:latin typeface="Source Serif Pro" panose="02040603050405020204" pitchFamily="18" charset="0"/>
+                <a:ea typeface="Source Serif Pro" panose="02040603050405020204" pitchFamily="18" charset="0"/>
+              </a:rPr>
+              <a:t>Contact</a:t>
+            </a:r>
+            <a:endParaRPr lang="en-CA" sz="2400" dirty="0">
+              <a:latin typeface="Source Sans Pro" panose="020B0503030403020204" pitchFamily="34" charset="0"/>
+              <a:ea typeface="Source Sans Pro" panose="020B0503030403020204" pitchFamily="34" charset="0"/>
+            </a:endParaRPr>
+          </a:p>
+        </p:txBody>
+      </p:sp>
+      <p:pic>
+        <p:nvPicPr>
+          <p:cNvPr id="14" name="Picture 13">
+            <a:extLst>
+              <a:ext uri="{FF2B5EF4-FFF2-40B4-BE49-F238E27FC236}">
+                <a16:creationId xmlns:a16="http://schemas.microsoft.com/office/drawing/2014/main" id="{7279CA4F-958A-4EBC-A249-A87A7BC26D8C}"/>
+              </a:ext>
+            </a:extLst>
+          </p:cNvPr>
+          <p:cNvPicPr>
+            <a:picLocks noChangeAspect="1"/>
+          </p:cNvPicPr>
+          <p:nvPr/>
+        </p:nvPicPr>
+        <p:blipFill rotWithShape="1">
+          <a:blip r:embed="rId3"/>
+          <a:srcRect b="2319"/>
+          <a:stretch/>
+        </p:blipFill>
+        <p:spPr>
+          <a:xfrm>
+            <a:off x="6454021" y="2046330"/>
+            <a:ext cx="5372572" cy="4037807"/>
+          </a:xfrm>
+          <a:prstGeom prst="rect">
+            <a:avLst/>
+          </a:prstGeom>
+          <a:ln w="76200">
+            <a:solidFill>
+              <a:schemeClr val="accent2"/>
+            </a:solidFill>
+          </a:ln>
+        </p:spPr>
+      </p:pic>
+      <p:cxnSp>
+        <p:nvCxnSpPr>
+          <p:cNvPr id="16" name="Straight Arrow Connector 15">
+            <a:extLst>
+              <a:ext uri="{FF2B5EF4-FFF2-40B4-BE49-F238E27FC236}">
+                <a16:creationId xmlns:a16="http://schemas.microsoft.com/office/drawing/2014/main" id="{7B6C1466-D85B-4433-BC55-A353E873822C}"/>
+              </a:ext>
+            </a:extLst>
+          </p:cNvPr>
+          <p:cNvCxnSpPr/>
+          <p:nvPr/>
+        </p:nvCxnSpPr>
+        <p:spPr>
+          <a:xfrm>
+            <a:off x="4385187" y="2212258"/>
+            <a:ext cx="4483510" cy="1553497"/>
+          </a:xfrm>
+          <a:prstGeom prst="straightConnector1">
+            <a:avLst/>
+          </a:prstGeom>
+          <a:ln w="57150">
+            <a:solidFill>
+              <a:schemeClr val="accent2"/>
+            </a:solidFill>
+            <a:tailEnd type="triangle"/>
+          </a:ln>
+        </p:spPr>
+        <p:style>
+          <a:lnRef idx="1">
+            <a:schemeClr val="accent1"/>
+          </a:lnRef>
+          <a:fillRef idx="0">
+            <a:schemeClr val="accent1"/>
+          </a:fillRef>
+          <a:effectRef idx="0">
+            <a:schemeClr val="accent1"/>
+          </a:effectRef>
+          <a:fontRef idx="minor">
+            <a:schemeClr val="tx1"/>
+          </a:fontRef>
+        </p:style>
+      </p:cxnSp>
+      <p:cxnSp>
+        <p:nvCxnSpPr>
+          <p:cNvPr id="17" name="Straight Arrow Connector 16">
+            <a:extLst>
+              <a:ext uri="{FF2B5EF4-FFF2-40B4-BE49-F238E27FC236}">
+                <a16:creationId xmlns:a16="http://schemas.microsoft.com/office/drawing/2014/main" id="{41300A2A-6F78-4691-8213-B01049343709}"/>
+              </a:ext>
+            </a:extLst>
+          </p:cNvPr>
+          <p:cNvCxnSpPr>
+            <a:cxnSpLocks/>
+          </p:cNvCxnSpPr>
+          <p:nvPr/>
+        </p:nvCxnSpPr>
+        <p:spPr>
+          <a:xfrm>
+            <a:off x="3785419" y="3369947"/>
+            <a:ext cx="4935794" cy="907085"/>
+          </a:xfrm>
+          <a:prstGeom prst="straightConnector1">
+            <a:avLst/>
+          </a:prstGeom>
+          <a:ln w="57150">
+            <a:solidFill>
+              <a:schemeClr val="accent2"/>
+            </a:solidFill>
+            <a:tailEnd type="triangle"/>
+          </a:ln>
+        </p:spPr>
+        <p:style>
+          <a:lnRef idx="1">
+            <a:schemeClr val="accent1"/>
+          </a:lnRef>
+          <a:fillRef idx="0">
+            <a:schemeClr val="accent1"/>
+          </a:fillRef>
+          <a:effectRef idx="0">
+            <a:schemeClr val="accent1"/>
+          </a:effectRef>
+          <a:fontRef idx="minor">
+            <a:schemeClr val="tx1"/>
+          </a:fontRef>
+        </p:style>
+      </p:cxnSp>
+      <p:cxnSp>
+        <p:nvCxnSpPr>
+          <p:cNvPr id="19" name="Straight Arrow Connector 18">
+            <a:extLst>
+              <a:ext uri="{FF2B5EF4-FFF2-40B4-BE49-F238E27FC236}">
+                <a16:creationId xmlns:a16="http://schemas.microsoft.com/office/drawing/2014/main" id="{5E59B727-98B2-4083-AC81-5B98B3A4B945}"/>
+              </a:ext>
+            </a:extLst>
+          </p:cNvPr>
+          <p:cNvCxnSpPr>
+            <a:cxnSpLocks/>
+          </p:cNvCxnSpPr>
+          <p:nvPr/>
+        </p:nvCxnSpPr>
+        <p:spPr>
+          <a:xfrm>
+            <a:off x="3111909" y="4794484"/>
+            <a:ext cx="5609304" cy="0"/>
+          </a:xfrm>
+          <a:prstGeom prst="straightConnector1">
+            <a:avLst/>
+          </a:prstGeom>
+          <a:ln w="57150">
+            <a:solidFill>
+              <a:schemeClr val="accent2"/>
+            </a:solidFill>
+            <a:tailEnd type="triangle"/>
+          </a:ln>
+        </p:spPr>
+        <p:style>
+          <a:lnRef idx="1">
+            <a:schemeClr val="accent1"/>
+          </a:lnRef>
+          <a:fillRef idx="0">
+            <a:schemeClr val="accent1"/>
+          </a:fillRef>
+          <a:effectRef idx="0">
+            <a:schemeClr val="accent1"/>
+          </a:effectRef>
+          <a:fontRef idx="minor">
+            <a:schemeClr val="tx1"/>
+          </a:fontRef>
+        </p:style>
+      </p:cxnSp>
+      <p:cxnSp>
+        <p:nvCxnSpPr>
+          <p:cNvPr id="21" name="Straight Arrow Connector 20">
+            <a:extLst>
+              <a:ext uri="{FF2B5EF4-FFF2-40B4-BE49-F238E27FC236}">
+                <a16:creationId xmlns:a16="http://schemas.microsoft.com/office/drawing/2014/main" id="{34B83DE2-211C-4D12-A059-8AB9F7C0C236}"/>
+              </a:ext>
+            </a:extLst>
+          </p:cNvPr>
+          <p:cNvCxnSpPr>
+            <a:cxnSpLocks/>
+          </p:cNvCxnSpPr>
+          <p:nvPr/>
+        </p:nvCxnSpPr>
+        <p:spPr>
+          <a:xfrm>
+            <a:off x="2915885" y="5175466"/>
+            <a:ext cx="5952812" cy="136471"/>
+          </a:xfrm>
+          <a:prstGeom prst="straightConnector1">
+            <a:avLst/>
+          </a:prstGeom>
+          <a:ln w="57150">
+            <a:solidFill>
+              <a:schemeClr val="accent2"/>
+            </a:solidFill>
+            <a:tailEnd type="triangle"/>
+          </a:ln>
+        </p:spPr>
+        <p:style>
+          <a:lnRef idx="1">
+            <a:schemeClr val="accent1"/>
+          </a:lnRef>
+          <a:fillRef idx="0">
+            <a:schemeClr val="accent1"/>
+          </a:fillRef>
+          <a:effectRef idx="0">
+            <a:schemeClr val="accent1"/>
+          </a:effectRef>
+          <a:fontRef idx="minor">
+            <a:schemeClr val="tx1"/>
+          </a:fontRef>
+        </p:style>
+      </p:cxnSp>
+    </p:spTree>
+    <p:extLst>
+      <p:ext uri="{BB962C8B-B14F-4D97-AF65-F5344CB8AC3E}">
+        <p14:creationId xmlns:p14="http://schemas.microsoft.com/office/powerpoint/2010/main" val="3277143734"/>
+      </p:ext>
+    </p:extLst>
+  </p:cSld>
+  <p:clrMapOvr>
+    <a:masterClrMapping/>
+  </p:clrMapOvr>
+</p:sld>
+</file>
+
+<file path=ppt/slides/slide9.xml><?xml version="1.0" encoding="utf-8"?>
+<p:sld xmlns:a="http://schemas.openxmlformats.org/drawingml/2006/main" xmlns:r="http://schemas.openxmlformats.org/officeDocument/2006/relationships" xmlns:p="http://schemas.openxmlformats.org/presentationml/2006/main">
+  <p:cSld>
+    <p:spTree>
+      <p:nvGrpSpPr>
+        <p:cNvPr id="1" name=""/>
+        <p:cNvGrpSpPr/>
+        <p:nvPr/>
+      </p:nvGrpSpPr>
+      <p:grpSpPr>
+        <a:xfrm>
+          <a:off x="0" y="0"/>
+          <a:ext cx="0" cy="0"/>
+          <a:chOff x="0" y="0"/>
+          <a:chExt cx="0" cy="0"/>
+        </a:xfrm>
+      </p:grpSpPr>
+      <p:sp>
+        <p:nvSpPr>
+          <p:cNvPr id="2" name="Rectangle 1">
+            <a:extLst>
+              <a:ext uri="{FF2B5EF4-FFF2-40B4-BE49-F238E27FC236}">
+                <a16:creationId xmlns:a16="http://schemas.microsoft.com/office/drawing/2014/main" id="{DDE44C0A-170A-4D97-B3BE-EE4096F9C886}"/>
+              </a:ext>
+            </a:extLst>
+          </p:cNvPr>
+          <p:cNvSpPr/>
+          <p:nvPr/>
+        </p:nvSpPr>
+        <p:spPr>
+          <a:xfrm>
+            <a:off x="5157640" y="323882"/>
+            <a:ext cx="1864549" cy="646331"/>
+          </a:xfrm>
+          <a:prstGeom prst="rect">
+            <a:avLst/>
+          </a:prstGeom>
+        </p:spPr>
+        <p:txBody>
+          <a:bodyPr wrap="none">
+            <a:spAutoFit/>
+          </a:bodyPr>
+          <a:lstStyle/>
+          <a:p>
+            <a:pPr algn="ctr"/>
+            <a:r>
+              <a:rPr lang="en-CA" sz="3600" b="1" u="sng" dirty="0">
+                <a:solidFill>
+                  <a:schemeClr val="accent2"/>
+                </a:solidFill>
+                <a:latin typeface="Source Serif Pro" panose="02040603050405020204" pitchFamily="18" charset="0"/>
+                <a:ea typeface="Source Serif Pro" panose="02040603050405020204" pitchFamily="18" charset="0"/>
+              </a:rPr>
+              <a:t>Content</a:t>
+            </a:r>
+            <a:endParaRPr lang="en-CA" sz="3600" u="sng" dirty="0">
+              <a:solidFill>
+                <a:schemeClr val="accent2"/>
+              </a:solidFill>
+            </a:endParaRPr>
+          </a:p>
+        </p:txBody>
+      </p:sp>
+      <p:sp>
+        <p:nvSpPr>
+          <p:cNvPr id="3" name="TextBox 2">
+            <a:extLst>
+              <a:ext uri="{FF2B5EF4-FFF2-40B4-BE49-F238E27FC236}">
+                <a16:creationId xmlns:a16="http://schemas.microsoft.com/office/drawing/2014/main" id="{7F47E76A-DB1B-49B0-8868-155EBA0C0DF2}"/>
+              </a:ext>
+            </a:extLst>
+          </p:cNvPr>
+          <p:cNvSpPr txBox="1"/>
+          <p:nvPr/>
+        </p:nvSpPr>
+        <p:spPr>
+          <a:xfrm>
+            <a:off x="690663" y="1308097"/>
+            <a:ext cx="5336511" cy="523220"/>
+          </a:xfrm>
+          <a:prstGeom prst="rect">
+            <a:avLst/>
+          </a:prstGeom>
+          <a:solidFill>
+            <a:schemeClr val="accent1"/>
+          </a:solidFill>
+          <a:ln w="76200">
+            <a:solidFill>
+              <a:schemeClr val="accent2"/>
+            </a:solidFill>
+          </a:ln>
+        </p:spPr>
+        <p:txBody>
+          <a:bodyPr wrap="square" rtlCol="0">
+            <a:spAutoFit/>
+          </a:bodyPr>
+          <a:lstStyle/>
+          <a:p>
+            <a:r>
+              <a:rPr lang="en-CA" sz="2800" b="1" dirty="0">
+                <a:latin typeface="Source Serif Pro" panose="02040603050405020204" pitchFamily="18" charset="0"/>
+                <a:ea typeface="Source Serif Pro" panose="02040603050405020204" pitchFamily="18" charset="0"/>
+              </a:rPr>
+              <a:t>Essential/Beneficial Elements:</a:t>
+            </a:r>
+            <a:endParaRPr lang="en-CA" sz="2800" dirty="0">
+              <a:latin typeface="Source Serif Pro" panose="02040603050405020204" pitchFamily="18" charset="0"/>
+              <a:ea typeface="Source Serif Pro" panose="02040603050405020204" pitchFamily="18" charset="0"/>
+            </a:endParaRPr>
+          </a:p>
+        </p:txBody>
+      </p:sp>
+      <p:sp>
+        <p:nvSpPr>
+          <p:cNvPr id="8" name="TextBox 7">
+            <a:extLst>
+              <a:ext uri="{FF2B5EF4-FFF2-40B4-BE49-F238E27FC236}">
+                <a16:creationId xmlns:a16="http://schemas.microsoft.com/office/drawing/2014/main" id="{EB2DAA5F-C8B8-4112-B10F-3ECB269D8271}"/>
+              </a:ext>
+            </a:extLst>
+          </p:cNvPr>
+          <p:cNvSpPr txBox="1"/>
+          <p:nvPr/>
+        </p:nvSpPr>
+        <p:spPr>
+          <a:xfrm>
+            <a:off x="690663" y="1987742"/>
+            <a:ext cx="5336511" cy="4154984"/>
+          </a:xfrm>
+          <a:prstGeom prst="rect">
+            <a:avLst/>
+          </a:prstGeom>
+          <a:noFill/>
+          <a:ln w="76200">
+            <a:solidFill>
+              <a:schemeClr val="accent2"/>
+            </a:solidFill>
+          </a:ln>
+        </p:spPr>
+        <p:txBody>
+          <a:bodyPr wrap="square" rtlCol="0">
+            <a:spAutoFit/>
+          </a:bodyPr>
+          <a:lstStyle/>
+          <a:p>
+            <a:pPr marL="457200" indent="-457200">
+              <a:buFont typeface="+mj-lt"/>
+              <a:buAutoNum type="arabicPeriod"/>
+            </a:pPr>
+            <a:r>
+              <a:rPr lang="en-CA" sz="2400" b="1" dirty="0">
+                <a:latin typeface="Source Serif Pro" panose="02040603050405020204" pitchFamily="18" charset="0"/>
+                <a:ea typeface="Source Serif Pro" panose="02040603050405020204" pitchFamily="18" charset="0"/>
+              </a:rPr>
+              <a:t>Company Information </a:t>
+            </a:r>
+          </a:p>
+          <a:p>
+            <a:pPr marL="800100" lvl="1" indent="-342900">
+              <a:buFont typeface="Arial" panose="020B0604020202020204" pitchFamily="34" charset="0"/>
+              <a:buChar char="•"/>
+            </a:pPr>
+            <a:r>
+              <a:rPr lang="en-CA" sz="2400" dirty="0">
+                <a:latin typeface="Source Sans Pro" panose="020B0503030403020204" pitchFamily="34" charset="0"/>
+                <a:ea typeface="Source Sans Pro" panose="020B0503030403020204" pitchFamily="34" charset="0"/>
+              </a:rPr>
+              <a:t>Purpose</a:t>
+            </a:r>
+          </a:p>
+          <a:p>
+            <a:pPr marL="800100" lvl="1" indent="-342900">
+              <a:buFont typeface="Arial" panose="020B0604020202020204" pitchFamily="34" charset="0"/>
+              <a:buChar char="•"/>
+            </a:pPr>
+            <a:r>
+              <a:rPr lang="en-CA" sz="2400" dirty="0">
+                <a:latin typeface="Source Sans Pro" panose="020B0503030403020204" pitchFamily="34" charset="0"/>
+                <a:ea typeface="Source Sans Pro" panose="020B0503030403020204" pitchFamily="34" charset="0"/>
+              </a:rPr>
+              <a:t>Benefits</a:t>
+            </a:r>
+          </a:p>
+          <a:p>
+            <a:pPr marL="457200" indent="-457200">
+              <a:buFont typeface="+mj-lt"/>
+              <a:buAutoNum type="arabicPeriod"/>
+            </a:pPr>
+            <a:r>
+              <a:rPr lang="en-CA" sz="2400" b="1" dirty="0">
+                <a:latin typeface="Source Serif Pro" panose="02040603050405020204" pitchFamily="18" charset="0"/>
+                <a:ea typeface="Source Serif Pro" panose="02040603050405020204" pitchFamily="18" charset="0"/>
+              </a:rPr>
+              <a:t>Tree Information  </a:t>
+            </a:r>
+          </a:p>
+          <a:p>
+            <a:pPr marL="800100" lvl="1" indent="-342900">
+              <a:buFont typeface="Arial" panose="020B0604020202020204" pitchFamily="34" charset="0"/>
+              <a:buChar char="•"/>
+            </a:pPr>
+            <a:r>
+              <a:rPr lang="en-CA" sz="2400" dirty="0">
+                <a:latin typeface="Source Sans Pro" panose="020B0503030403020204" pitchFamily="34" charset="0"/>
+                <a:ea typeface="Source Sans Pro" panose="020B0503030403020204" pitchFamily="34" charset="0"/>
+              </a:rPr>
+              <a:t>Type</a:t>
+            </a:r>
+          </a:p>
+          <a:p>
+            <a:pPr marL="800100" lvl="1" indent="-342900">
+              <a:buFont typeface="Arial" panose="020B0604020202020204" pitchFamily="34" charset="0"/>
+              <a:buChar char="•"/>
+            </a:pPr>
+            <a:r>
+              <a:rPr lang="en-CA" sz="2400" dirty="0">
+                <a:latin typeface="Source Sans Pro" panose="020B0503030403020204" pitchFamily="34" charset="0"/>
+                <a:ea typeface="Source Sans Pro" panose="020B0503030403020204" pitchFamily="34" charset="0"/>
+              </a:rPr>
+              <a:t>Cost</a:t>
+            </a:r>
+          </a:p>
+          <a:p>
+            <a:pPr marL="800100" lvl="1" indent="-342900">
+              <a:buFont typeface="Arial" panose="020B0604020202020204" pitchFamily="34" charset="0"/>
+              <a:buChar char="•"/>
+            </a:pPr>
+            <a:r>
+              <a:rPr lang="en-CA" sz="2400" dirty="0">
+                <a:latin typeface="Source Sans Pro" panose="020B0503030403020204" pitchFamily="34" charset="0"/>
+                <a:ea typeface="Source Sans Pro" panose="020B0503030403020204" pitchFamily="34" charset="0"/>
+              </a:rPr>
+              <a:t>Care</a:t>
+            </a:r>
+            <a:endParaRPr lang="en-CA" sz="2400" b="1" dirty="0">
+              <a:latin typeface="Source Sans Pro" panose="020B0503030403020204" pitchFamily="34" charset="0"/>
+              <a:ea typeface="Source Sans Pro" panose="020B0503030403020204" pitchFamily="34" charset="0"/>
+            </a:endParaRPr>
+          </a:p>
+          <a:p>
+            <a:pPr marL="457200" indent="-457200">
+              <a:buFont typeface="+mj-lt"/>
+              <a:buAutoNum type="arabicPeriod"/>
+            </a:pPr>
+            <a:r>
+              <a:rPr lang="en-CA" sz="2400" b="1" dirty="0">
+                <a:latin typeface="Source Serif Pro" panose="02040603050405020204" pitchFamily="18" charset="0"/>
+                <a:ea typeface="Source Serif Pro" panose="02040603050405020204" pitchFamily="18" charset="0"/>
+              </a:rPr>
+              <a:t>Reservations</a:t>
+            </a:r>
+          </a:p>
+          <a:p>
+            <a:pPr marL="457200" indent="-457200">
+              <a:buFont typeface="+mj-lt"/>
+              <a:buAutoNum type="arabicPeriod"/>
+            </a:pPr>
+            <a:r>
+              <a:rPr lang="en-CA" sz="2400" b="1" dirty="0">
+                <a:latin typeface="Source Serif Pro" panose="02040603050405020204" pitchFamily="18" charset="0"/>
+                <a:ea typeface="Source Serif Pro" panose="02040603050405020204" pitchFamily="18" charset="0"/>
+              </a:rPr>
+              <a:t>Inspiration </a:t>
+            </a:r>
+          </a:p>
+          <a:p>
+            <a:pPr marL="800100" lvl="1" indent="-342900">
+              <a:buFont typeface="Arial" panose="020B0604020202020204" pitchFamily="34" charset="0"/>
+              <a:buChar char="•"/>
+            </a:pPr>
+            <a:r>
+              <a:rPr lang="en-CA" sz="2400" dirty="0">
+                <a:latin typeface="Source Sans Pro" panose="020B0503030403020204" pitchFamily="34" charset="0"/>
+                <a:ea typeface="Source Sans Pro" panose="020B0503030403020204" pitchFamily="34" charset="0"/>
+              </a:rPr>
+              <a:t>Blog</a:t>
+            </a:r>
+            <a:endParaRPr lang="en-CA" sz="2000" b="1" dirty="0">
+              <a:latin typeface="Source Serif Pro" panose="02040603050405020204" pitchFamily="18" charset="0"/>
+              <a:ea typeface="Source Serif Pro" panose="02040603050405020204" pitchFamily="18" charset="0"/>
+            </a:endParaRPr>
+          </a:p>
+          <a:p>
+            <a:pPr marL="457200" indent="-457200">
+              <a:buFont typeface="+mj-lt"/>
+              <a:buAutoNum type="arabicPeriod"/>
+            </a:pPr>
+            <a:r>
+              <a:rPr lang="en-CA" sz="2400" b="1" dirty="0">
+                <a:latin typeface="Source Serif Pro" panose="02040603050405020204" pitchFamily="18" charset="0"/>
+                <a:ea typeface="Source Serif Pro" panose="02040603050405020204" pitchFamily="18" charset="0"/>
+              </a:rPr>
+              <a:t>Contact</a:t>
+            </a:r>
+            <a:endParaRPr lang="en-CA" sz="2400" dirty="0">
+              <a:latin typeface="Source Sans Pro" panose="020B0503030403020204" pitchFamily="34" charset="0"/>
+              <a:ea typeface="Source Sans Pro" panose="020B0503030403020204" pitchFamily="34" charset="0"/>
+            </a:endParaRPr>
+          </a:p>
+        </p:txBody>
+      </p:sp>
+      <p:pic>
+        <p:nvPicPr>
+          <p:cNvPr id="14" name="Picture 13">
+            <a:extLst>
+              <a:ext uri="{FF2B5EF4-FFF2-40B4-BE49-F238E27FC236}">
+                <a16:creationId xmlns:a16="http://schemas.microsoft.com/office/drawing/2014/main" id="{7279CA4F-958A-4EBC-A249-A87A7BC26D8C}"/>
+              </a:ext>
+            </a:extLst>
+          </p:cNvPr>
+          <p:cNvPicPr>
+            <a:picLocks noChangeAspect="1"/>
+          </p:cNvPicPr>
+          <p:nvPr/>
+        </p:nvPicPr>
+        <p:blipFill rotWithShape="1">
+          <a:blip r:embed="rId3"/>
+          <a:srcRect b="2319"/>
+          <a:stretch/>
+        </p:blipFill>
+        <p:spPr>
+          <a:xfrm>
+            <a:off x="6454021" y="2046330"/>
+            <a:ext cx="5372572" cy="4037807"/>
+          </a:xfrm>
+          <a:prstGeom prst="rect">
+            <a:avLst/>
+          </a:prstGeom>
+          <a:ln w="76200">
+            <a:solidFill>
+              <a:schemeClr val="accent2"/>
+            </a:solidFill>
+          </a:ln>
+        </p:spPr>
+      </p:pic>
+      <p:cxnSp>
+        <p:nvCxnSpPr>
+          <p:cNvPr id="16" name="Straight Arrow Connector 15">
+            <a:extLst>
+              <a:ext uri="{FF2B5EF4-FFF2-40B4-BE49-F238E27FC236}">
+                <a16:creationId xmlns:a16="http://schemas.microsoft.com/office/drawing/2014/main" id="{7B6C1466-D85B-4433-BC55-A353E873822C}"/>
+              </a:ext>
+            </a:extLst>
+          </p:cNvPr>
+          <p:cNvCxnSpPr/>
+          <p:nvPr/>
+        </p:nvCxnSpPr>
+        <p:spPr>
+          <a:xfrm>
+            <a:off x="4385187" y="2212258"/>
+            <a:ext cx="4483510" cy="1553497"/>
+          </a:xfrm>
+          <a:prstGeom prst="straightConnector1">
+            <a:avLst/>
+          </a:prstGeom>
+          <a:ln w="57150">
+            <a:solidFill>
+              <a:schemeClr val="accent2"/>
+            </a:solidFill>
+            <a:tailEnd type="triangle"/>
+          </a:ln>
+        </p:spPr>
+        <p:style>
+          <a:lnRef idx="1">
+            <a:schemeClr val="accent1"/>
+          </a:lnRef>
+          <a:fillRef idx="0">
+            <a:schemeClr val="accent1"/>
+          </a:fillRef>
+          <a:effectRef idx="0">
+            <a:schemeClr val="accent1"/>
+          </a:effectRef>
+          <a:fontRef idx="minor">
+            <a:schemeClr val="tx1"/>
+          </a:fontRef>
+        </p:style>
+      </p:cxnSp>
+      <p:cxnSp>
+        <p:nvCxnSpPr>
+          <p:cNvPr id="17" name="Straight Arrow Connector 16">
+            <a:extLst>
+              <a:ext uri="{FF2B5EF4-FFF2-40B4-BE49-F238E27FC236}">
+                <a16:creationId xmlns:a16="http://schemas.microsoft.com/office/drawing/2014/main" id="{41300A2A-6F78-4691-8213-B01049343709}"/>
+              </a:ext>
+            </a:extLst>
+          </p:cNvPr>
+          <p:cNvCxnSpPr>
+            <a:cxnSpLocks/>
+          </p:cNvCxnSpPr>
+          <p:nvPr/>
+        </p:nvCxnSpPr>
+        <p:spPr>
+          <a:xfrm>
+            <a:off x="3785419" y="3369947"/>
+            <a:ext cx="4935794" cy="907085"/>
+          </a:xfrm>
+          <a:prstGeom prst="straightConnector1">
+            <a:avLst/>
+          </a:prstGeom>
+          <a:ln w="57150">
+            <a:solidFill>
+              <a:schemeClr val="accent2"/>
+            </a:solidFill>
+            <a:tailEnd type="triangle"/>
+          </a:ln>
+        </p:spPr>
+        <p:style>
+          <a:lnRef idx="1">
+            <a:schemeClr val="accent1"/>
+          </a:lnRef>
+          <a:fillRef idx="0">
+            <a:schemeClr val="accent1"/>
+          </a:fillRef>
+          <a:effectRef idx="0">
+            <a:schemeClr val="accent1"/>
+          </a:effectRef>
+          <a:fontRef idx="minor">
+            <a:schemeClr val="tx1"/>
+          </a:fontRef>
+        </p:style>
+      </p:cxnSp>
+      <p:cxnSp>
+        <p:nvCxnSpPr>
+          <p:cNvPr id="19" name="Straight Arrow Connector 18">
+            <a:extLst>
+              <a:ext uri="{FF2B5EF4-FFF2-40B4-BE49-F238E27FC236}">
+                <a16:creationId xmlns:a16="http://schemas.microsoft.com/office/drawing/2014/main" id="{5E59B727-98B2-4083-AC81-5B98B3A4B945}"/>
+              </a:ext>
+            </a:extLst>
+          </p:cNvPr>
+          <p:cNvCxnSpPr>
+            <a:cxnSpLocks/>
+          </p:cNvCxnSpPr>
+          <p:nvPr/>
+        </p:nvCxnSpPr>
+        <p:spPr>
+          <a:xfrm>
+            <a:off x="3111909" y="4794484"/>
+            <a:ext cx="5609304" cy="0"/>
+          </a:xfrm>
+          <a:prstGeom prst="straightConnector1">
+            <a:avLst/>
+          </a:prstGeom>
+          <a:ln w="57150">
+            <a:solidFill>
+              <a:schemeClr val="accent2"/>
+            </a:solidFill>
+            <a:tailEnd type="triangle"/>
+          </a:ln>
+        </p:spPr>
+        <p:style>
+          <a:lnRef idx="1">
+            <a:schemeClr val="accent1"/>
+          </a:lnRef>
+          <a:fillRef idx="0">
+            <a:schemeClr val="accent1"/>
+          </a:fillRef>
+          <a:effectRef idx="0">
+            <a:schemeClr val="accent1"/>
+          </a:effectRef>
+          <a:fontRef idx="minor">
+            <a:schemeClr val="tx1"/>
+          </a:fontRef>
+        </p:style>
+      </p:cxnSp>
+      <p:cxnSp>
+        <p:nvCxnSpPr>
+          <p:cNvPr id="21" name="Straight Arrow Connector 20">
+            <a:extLst>
+              <a:ext uri="{FF2B5EF4-FFF2-40B4-BE49-F238E27FC236}">
+                <a16:creationId xmlns:a16="http://schemas.microsoft.com/office/drawing/2014/main" id="{34B83DE2-211C-4D12-A059-8AB9F7C0C236}"/>
+              </a:ext>
+            </a:extLst>
+          </p:cNvPr>
+          <p:cNvCxnSpPr>
+            <a:cxnSpLocks/>
+          </p:cNvCxnSpPr>
+          <p:nvPr/>
+        </p:nvCxnSpPr>
+        <p:spPr>
+          <a:xfrm>
+            <a:off x="2915885" y="5175466"/>
+            <a:ext cx="5952812" cy="136471"/>
+          </a:xfrm>
+          <a:prstGeom prst="straightConnector1">
+            <a:avLst/>
+          </a:prstGeom>
+          <a:ln w="57150">
+            <a:solidFill>
+              <a:schemeClr val="accent2"/>
+            </a:solidFill>
+            <a:tailEnd type="triangle"/>
+          </a:ln>
+        </p:spPr>
+        <p:style>
+          <a:lnRef idx="1">
+            <a:schemeClr val="accent1"/>
+          </a:lnRef>
+          <a:fillRef idx="0">
+            <a:schemeClr val="accent1"/>
+          </a:fillRef>
+          <a:effectRef idx="0">
+            <a:schemeClr val="accent1"/>
+          </a:effectRef>
+          <a:fontRef idx="minor">
+            <a:schemeClr val="tx1"/>
+          </a:fontRef>
+        </p:style>
+      </p:cxnSp>
+      <p:cxnSp>
+        <p:nvCxnSpPr>
+          <p:cNvPr id="23" name="Straight Arrow Connector 22">
+            <a:extLst>
+              <a:ext uri="{FF2B5EF4-FFF2-40B4-BE49-F238E27FC236}">
+                <a16:creationId xmlns:a16="http://schemas.microsoft.com/office/drawing/2014/main" id="{431CF678-EFA4-4812-8EA9-4B8F3B05192F}"/>
+              </a:ext>
+            </a:extLst>
+          </p:cNvPr>
+          <p:cNvCxnSpPr>
+            <a:cxnSpLocks/>
+          </p:cNvCxnSpPr>
+          <p:nvPr/>
+        </p:nvCxnSpPr>
+        <p:spPr>
+          <a:xfrm flipV="1">
+            <a:off x="2354826" y="5821753"/>
+            <a:ext cx="6513871" cy="61676"/>
+          </a:xfrm>
+          <a:prstGeom prst="straightConnector1">
+            <a:avLst/>
+          </a:prstGeom>
+          <a:ln w="57150">
+            <a:solidFill>
+              <a:schemeClr val="accent2"/>
+            </a:solidFill>
+            <a:tailEnd type="triangle"/>
+          </a:ln>
+        </p:spPr>
+        <p:style>
+          <a:lnRef idx="1">
+            <a:schemeClr val="accent1"/>
+          </a:lnRef>
+          <a:fillRef idx="0">
+            <a:schemeClr val="accent1"/>
+          </a:fillRef>
+          <a:effectRef idx="0">
+            <a:schemeClr val="accent1"/>
+          </a:effectRef>
+          <a:fontRef idx="minor">
+            <a:schemeClr val="tx1"/>
+          </a:fontRef>
+        </p:style>
+      </p:cxnSp>
+    </p:spTree>
+    <p:extLst>
+      <p:ext uri="{BB962C8B-B14F-4D97-AF65-F5344CB8AC3E}">
+        <p14:creationId xmlns:p14="http://schemas.microsoft.com/office/powerpoint/2010/main" val="852590599"/>
       </p:ext>
     </p:extLst>
   </p:cSld>
@@ -4596,4 +12777,299 @@
     </a:ext>
   </a:extLst>
 </a:theme>
+</file>
+
+<file path=ppt/theme/theme2.xml><?xml version="1.0" encoding="utf-8"?>
+<a:theme xmlns:a="http://schemas.openxmlformats.org/drawingml/2006/main" name="Office Theme">
+  <a:themeElements>
+    <a:clrScheme name="Office">
+      <a:dk1>
+        <a:sysClr val="windowText" lastClr="000000"/>
+      </a:dk1>
+      <a:lt1>
+        <a:sysClr val="window" lastClr="FFFFFF"/>
+      </a:lt1>
+      <a:dk2>
+        <a:srgbClr val="44546A"/>
+      </a:dk2>
+      <a:lt2>
+        <a:srgbClr val="E7E6E6"/>
+      </a:lt2>
+      <a:accent1>
+        <a:srgbClr val="4472C4"/>
+      </a:accent1>
+      <a:accent2>
+        <a:srgbClr val="ED7D31"/>
+      </a:accent2>
+      <a:accent3>
+        <a:srgbClr val="A5A5A5"/>
+      </a:accent3>
+      <a:accent4>
+        <a:srgbClr val="FFC000"/>
+      </a:accent4>
+      <a:accent5>
+        <a:srgbClr val="5B9BD5"/>
+      </a:accent5>
+      <a:accent6>
+        <a:srgbClr val="70AD47"/>
+      </a:accent6>
+      <a:hlink>
+        <a:srgbClr val="0563C1"/>
+      </a:hlink>
+      <a:folHlink>
+        <a:srgbClr val="954F72"/>
+      </a:folHlink>
+    </a:clrScheme>
+    <a:fontScheme name="Office">
+      <a:majorFont>
+        <a:latin typeface="Calibri Light" panose="020F0302020204030204"/>
+        <a:ea typeface=""/>
+        <a:cs typeface=""/>
+        <a:font script="Jpan" typeface="游ゴシック Light"/>
+        <a:font script="Hang" typeface="맑은 고딕"/>
+        <a:font script="Hans" typeface="等线 Light"/>
+        <a:font script="Hant" typeface="新細明體"/>
+        <a:font script="Arab" typeface="Times New Roman"/>
+        <a:font script="Hebr" typeface="Times New Roman"/>
+        <a:font script="Thai" typeface="Angsana New"/>
+        <a:font script="Ethi" typeface="Nyala"/>
+        <a:font script="Beng" typeface="Vrinda"/>
+        <a:font script="Gujr" typeface="Shruti"/>
+        <a:font script="Khmr" typeface="MoolBoran"/>
+        <a:font script="Knda" typeface="Tunga"/>
+        <a:font script="Guru" typeface="Raavi"/>
+        <a:font script="Cans" typeface="Euphemia"/>
+        <a:font script="Cher" typeface="Plantagenet Cherokee"/>
+        <a:font script="Yiii" typeface="Microsoft Yi Baiti"/>
+        <a:font script="Tibt" typeface="Microsoft Himalaya"/>
+        <a:font script="Thaa" typeface="MV Boli"/>
+        <a:font script="Deva" typeface="Mangal"/>
+        <a:font script="Telu" typeface="Gautami"/>
+        <a:font script="Taml" typeface="Latha"/>
+        <a:font script="Syrc" typeface="Estrangelo Edessa"/>
+        <a:font script="Orya" typeface="Kalinga"/>
+        <a:font script="Mlym" typeface="Kartika"/>
+        <a:font script="Laoo" typeface="DokChampa"/>
+        <a:font script="Sinh" typeface="Iskoola Pota"/>
+        <a:font script="Mong" typeface="Mongolian Baiti"/>
+        <a:font script="Viet" typeface="Times New Roman"/>
+        <a:font script="Uigh" typeface="Microsoft Uighur"/>
+        <a:font script="Geor" typeface="Sylfaen"/>
+        <a:font script="Armn" typeface="Arial"/>
+        <a:font script="Bugi" typeface="Leelawadee UI"/>
+        <a:font script="Bopo" typeface="Microsoft JhengHei"/>
+        <a:font script="Java" typeface="Javanese Text"/>
+        <a:font script="Lisu" typeface="Segoe UI"/>
+        <a:font script="Mymr" typeface="Myanmar Text"/>
+        <a:font script="Nkoo" typeface="Ebrima"/>
+        <a:font script="Olck" typeface="Nirmala UI"/>
+        <a:font script="Osma" typeface="Ebrima"/>
+        <a:font script="Phag" typeface="Phagspa"/>
+        <a:font script="Syrn" typeface="Estrangelo Edessa"/>
+        <a:font script="Syrj" typeface="Estrangelo Edessa"/>
+        <a:font script="Syre" typeface="Estrangelo Edessa"/>
+        <a:font script="Sora" typeface="Nirmala UI"/>
+        <a:font script="Tale" typeface="Microsoft Tai Le"/>
+        <a:font script="Talu" typeface="Microsoft New Tai Lue"/>
+        <a:font script="Tfng" typeface="Ebrima"/>
+      </a:majorFont>
+      <a:minorFont>
+        <a:latin typeface="Calibri" panose="020F0502020204030204"/>
+        <a:ea typeface=""/>
+        <a:cs typeface=""/>
+        <a:font script="Jpan" typeface="游ゴシック"/>
+        <a:font script="Hang" typeface="맑은 고딕"/>
+        <a:font script="Hans" typeface="等线"/>
+        <a:font script="Hant" typeface="新細明體"/>
+        <a:font script="Arab" typeface="Arial"/>
+        <a:font script="Hebr" typeface="Arial"/>
+        <a:font script="Thai" typeface="Cordia New"/>
+        <a:font script="Ethi" typeface="Nyala"/>
+        <a:font script="Beng" typeface="Vrinda"/>
+        <a:font script="Gujr" typeface="Shruti"/>
+        <a:font script="Khmr" typeface="DaunPenh"/>
+        <a:font script="Knda" typeface="Tunga"/>
+        <a:font script="Guru" typeface="Raavi"/>
+        <a:font script="Cans" typeface="Euphemia"/>
+        <a:font script="Cher" typeface="Plantagenet Cherokee"/>
+        <a:font script="Yiii" typeface="Microsoft Yi Baiti"/>
+        <a:font script="Tibt" typeface="Microsoft Himalaya"/>
+        <a:font script="Thaa" typeface="MV Boli"/>
+        <a:font script="Deva" typeface="Mangal"/>
+        <a:font script="Telu" typeface="Gautami"/>
+        <a:font script="Taml" typeface="Latha"/>
+        <a:font script="Syrc" typeface="Estrangelo Edessa"/>
+        <a:font script="Orya" typeface="Kalinga"/>
+        <a:font script="Mlym" typeface="Kartika"/>
+        <a:font script="Laoo" typeface="DokChampa"/>
+        <a:font script="Sinh" typeface="Iskoola Pota"/>
+        <a:font script="Mong" typeface="Mongolian Baiti"/>
+        <a:font script="Viet" typeface="Arial"/>
+        <a:font script="Uigh" typeface="Microsoft Uighur"/>
+        <a:font script="Geor" typeface="Sylfaen"/>
+        <a:font script="Armn" typeface="Arial"/>
+        <a:font script="Bugi" typeface="Leelawadee UI"/>
+        <a:font script="Bopo" typeface="Microsoft JhengHei"/>
+        <a:font script="Java" typeface="Javanese Text"/>
+        <a:font script="Lisu" typeface="Segoe UI"/>
+        <a:font script="Mymr" typeface="Myanmar Text"/>
+        <a:font script="Nkoo" typeface="Ebrima"/>
+        <a:font script="Olck" typeface="Nirmala UI"/>
+        <a:font script="Osma" typeface="Ebrima"/>
+        <a:font script="Phag" typeface="Phagspa"/>
+        <a:font script="Syrn" typeface="Estrangelo Edessa"/>
+        <a:font script="Syrj" typeface="Estrangelo Edessa"/>
+        <a:font script="Syre" typeface="Estrangelo Edessa"/>
+        <a:font script="Sora" typeface="Nirmala UI"/>
+        <a:font script="Tale" typeface="Microsoft Tai Le"/>
+        <a:font script="Talu" typeface="Microsoft New Tai Lue"/>
+        <a:font script="Tfng" typeface="Ebrima"/>
+      </a:minorFont>
+    </a:fontScheme>
+    <a:fmtScheme name="Office">
+      <a:fillStyleLst>
+        <a:solidFill>
+          <a:schemeClr val="phClr"/>
+        </a:solidFill>
+        <a:gradFill rotWithShape="1">
+          <a:gsLst>
+            <a:gs pos="0">
+              <a:schemeClr val="phClr">
+                <a:lumMod val="110000"/>
+                <a:satMod val="105000"/>
+                <a:tint val="67000"/>
+              </a:schemeClr>
+            </a:gs>
+            <a:gs pos="50000">
+              <a:schemeClr val="phClr">
+                <a:lumMod val="105000"/>
+                <a:satMod val="103000"/>
+                <a:tint val="73000"/>
+              </a:schemeClr>
+            </a:gs>
+            <a:gs pos="100000">
+              <a:schemeClr val="phClr">
+                <a:lumMod val="105000"/>
+                <a:satMod val="109000"/>
+                <a:tint val="81000"/>
+              </a:schemeClr>
+            </a:gs>
+          </a:gsLst>
+          <a:lin ang="5400000" scaled="0"/>
+        </a:gradFill>
+        <a:gradFill rotWithShape="1">
+          <a:gsLst>
+            <a:gs pos="0">
+              <a:schemeClr val="phClr">
+                <a:satMod val="103000"/>
+                <a:lumMod val="102000"/>
+                <a:tint val="94000"/>
+              </a:schemeClr>
+            </a:gs>
+            <a:gs pos="50000">
+              <a:schemeClr val="phClr">
+                <a:satMod val="110000"/>
+                <a:lumMod val="100000"/>
+                <a:shade val="100000"/>
+              </a:schemeClr>
+            </a:gs>
+            <a:gs pos="100000">
+              <a:schemeClr val="phClr">
+                <a:lumMod val="99000"/>
+                <a:satMod val="120000"/>
+                <a:shade val="78000"/>
+              </a:schemeClr>
+            </a:gs>
+          </a:gsLst>
+          <a:lin ang="5400000" scaled="0"/>
+        </a:gradFill>
+      </a:fillStyleLst>
+      <a:lnStyleLst>
+        <a:ln w="6350" cap="flat" cmpd="sng" algn="ctr">
+          <a:solidFill>
+            <a:schemeClr val="phClr"/>
+          </a:solidFill>
+          <a:prstDash val="solid"/>
+          <a:miter lim="800000"/>
+        </a:ln>
+        <a:ln w="12700" cap="flat" cmpd="sng" algn="ctr">
+          <a:solidFill>
+            <a:schemeClr val="phClr"/>
+          </a:solidFill>
+          <a:prstDash val="solid"/>
+          <a:miter lim="800000"/>
+        </a:ln>
+        <a:ln w="19050" cap="flat" cmpd="sng" algn="ctr">
+          <a:solidFill>
+            <a:schemeClr val="phClr"/>
+          </a:solidFill>
+          <a:prstDash val="solid"/>
+          <a:miter lim="800000"/>
+        </a:ln>
+      </a:lnStyleLst>
+      <a:effectStyleLst>
+        <a:effectStyle>
+          <a:effectLst/>
+        </a:effectStyle>
+        <a:effectStyle>
+          <a:effectLst/>
+        </a:effectStyle>
+        <a:effectStyle>
+          <a:effectLst>
+            <a:outerShdw blurRad="57150" dist="19050" dir="5400000" algn="ctr" rotWithShape="0">
+              <a:srgbClr val="000000">
+                <a:alpha val="63000"/>
+              </a:srgbClr>
+            </a:outerShdw>
+          </a:effectLst>
+        </a:effectStyle>
+      </a:effectStyleLst>
+      <a:bgFillStyleLst>
+        <a:solidFill>
+          <a:schemeClr val="phClr"/>
+        </a:solidFill>
+        <a:solidFill>
+          <a:schemeClr val="phClr">
+            <a:tint val="95000"/>
+            <a:satMod val="170000"/>
+          </a:schemeClr>
+        </a:solidFill>
+        <a:gradFill rotWithShape="1">
+          <a:gsLst>
+            <a:gs pos="0">
+              <a:schemeClr val="phClr">
+                <a:tint val="93000"/>
+                <a:satMod val="150000"/>
+                <a:shade val="98000"/>
+                <a:lumMod val="102000"/>
+              </a:schemeClr>
+            </a:gs>
+            <a:gs pos="50000">
+              <a:schemeClr val="phClr">
+                <a:tint val="98000"/>
+                <a:satMod val="130000"/>
+                <a:shade val="90000"/>
+                <a:lumMod val="103000"/>
+              </a:schemeClr>
+            </a:gs>
+            <a:gs pos="100000">
+              <a:schemeClr val="phClr">
+                <a:shade val="63000"/>
+                <a:satMod val="120000"/>
+              </a:schemeClr>
+            </a:gs>
+          </a:gsLst>
+          <a:lin ang="5400000" scaled="0"/>
+        </a:gradFill>
+      </a:bgFillStyleLst>
+    </a:fmtScheme>
+  </a:themeElements>
+  <a:objectDefaults/>
+  <a:extraClrSchemeLst/>
+  <a:extLst>
+    <a:ext uri="{05A4C25C-085E-4340-85A3-A5531E510DB2}">
+      <thm15:themeFamily xmlns:thm15="http://schemas.microsoft.com/office/thememl/2012/main" name="Office Theme" id="{62F939B6-93AF-4DB8-9C6B-D6C7DFDC589F}" vid="{4A3C46E8-61CC-4603-A589-7422A47A8E4A}"/>
+    </a:ext>
+  </a:extLst>
+</a:theme>
 </file>
--- a/final/dufour_kathryn_final.pptx
+++ b/final/dufour_kathryn_final.pptx
@@ -6109,8 +6109,9 @@
                 <a:solidFill>
                   <a:schemeClr val="accent2"/>
                 </a:solidFill>
-                <a:latin typeface="Source Serif Pro" panose="02040603050405020204" pitchFamily="18" charset="0"/>
+                <a:latin typeface="Times New Roman" panose="02020603050405020304" pitchFamily="18" charset="0"/>
                 <a:ea typeface="Source Serif Pro" panose="02040603050405020204" pitchFamily="18" charset="0"/>
+                <a:cs typeface="Times New Roman" panose="02020603050405020304" pitchFamily="18" charset="0"/>
               </a:rPr>
               <a:t>Sustainabili</a:t>
             </a:r>
@@ -6119,8 +6120,9 @@
                 <a:solidFill>
                   <a:schemeClr val="accent2"/>
                 </a:solidFill>
-                <a:latin typeface="Source Serif Pro" panose="02040603050405020204" pitchFamily="18" charset="0"/>
+                <a:latin typeface="Times New Roman" panose="02020603050405020304" pitchFamily="18" charset="0"/>
                 <a:ea typeface="Source Serif Pro" panose="02040603050405020204" pitchFamily="18" charset="0"/>
+                <a:cs typeface="Times New Roman" panose="02020603050405020304" pitchFamily="18" charset="0"/>
               </a:rPr>
               <a:t>-TREE</a:t>
             </a:r>
@@ -6128,6 +6130,8 @@
               <a:solidFill>
                 <a:schemeClr val="accent2"/>
               </a:solidFill>
+              <a:latin typeface="Times New Roman" panose="02020603050405020304" pitchFamily="18" charset="0"/>
+              <a:cs typeface="Times New Roman" panose="02020603050405020304" pitchFamily="18" charset="0"/>
             </a:endParaRPr>
           </a:p>
         </p:txBody>
@@ -6240,8 +6244,9 @@
             <a:pPr algn="ctr"/>
             <a:r>
               <a:rPr lang="en-CA" dirty="0">
-                <a:latin typeface="Source Sans Pro" panose="020B0503030403020204" pitchFamily="34" charset="0"/>
+                <a:latin typeface="Times New Roman" panose="02020603050405020304" pitchFamily="18" charset="0"/>
                 <a:ea typeface="Source Sans Pro" panose="020B0503030403020204" pitchFamily="34" charset="0"/>
+                <a:cs typeface="Times New Roman" panose="02020603050405020304" pitchFamily="18" charset="0"/>
               </a:rPr>
               <a:t>By: Kathryn Dufour</a:t>
             </a:r>
@@ -6250,56 +6255,64 @@
             <a:pPr algn="ctr"/>
             <a:r>
               <a:rPr lang="en-CA" dirty="0">
-                <a:latin typeface="Source Sans Pro" panose="020B0503030403020204" pitchFamily="34" charset="0"/>
+                <a:latin typeface="Times New Roman" panose="02020603050405020304" pitchFamily="18" charset="0"/>
                 <a:ea typeface="Source Sans Pro" panose="020B0503030403020204" pitchFamily="34" charset="0"/>
+                <a:cs typeface="Times New Roman" panose="02020603050405020304" pitchFamily="18" charset="0"/>
               </a:rPr>
               <a:t>Professor:  </a:t>
             </a:r>
             <a:r>
               <a:rPr lang="en-CA" dirty="0" err="1">
-                <a:latin typeface="Source Sans Pro" panose="020B0503030403020204" pitchFamily="34" charset="0"/>
+                <a:latin typeface="Times New Roman" panose="02020603050405020304" pitchFamily="18" charset="0"/>
                 <a:ea typeface="Source Sans Pro" panose="020B0503030403020204" pitchFamily="34" charset="0"/>
+                <a:cs typeface="Times New Roman" panose="02020603050405020304" pitchFamily="18" charset="0"/>
               </a:rPr>
               <a:t>Winnerjit</a:t>
             </a:r>
             <a:r>
               <a:rPr lang="en-CA" dirty="0">
-                <a:latin typeface="Source Sans Pro" panose="020B0503030403020204" pitchFamily="34" charset="0"/>
+                <a:latin typeface="Times New Roman" panose="02020603050405020304" pitchFamily="18" charset="0"/>
                 <a:ea typeface="Source Sans Pro" panose="020B0503030403020204" pitchFamily="34" charset="0"/>
+                <a:cs typeface="Times New Roman" panose="02020603050405020304" pitchFamily="18" charset="0"/>
               </a:rPr>
               <a:t> Singh </a:t>
             </a:r>
             <a:r>
               <a:rPr lang="en-CA" dirty="0" err="1">
-                <a:latin typeface="Source Sans Pro" panose="020B0503030403020204" pitchFamily="34" charset="0"/>
+                <a:latin typeface="Times New Roman" panose="02020603050405020304" pitchFamily="18" charset="0"/>
                 <a:ea typeface="Source Sans Pro" panose="020B0503030403020204" pitchFamily="34" charset="0"/>
+                <a:cs typeface="Times New Roman" panose="02020603050405020304" pitchFamily="18" charset="0"/>
               </a:rPr>
               <a:t>Rathor</a:t>
             </a:r>
             <a:endParaRPr lang="en-CA" dirty="0">
-              <a:latin typeface="Source Sans Pro" panose="020B0503030403020204" pitchFamily="34" charset="0"/>
+              <a:latin typeface="Times New Roman" panose="02020603050405020304" pitchFamily="18" charset="0"/>
               <a:ea typeface="Source Sans Pro" panose="020B0503030403020204" pitchFamily="34" charset="0"/>
+              <a:cs typeface="Times New Roman" panose="02020603050405020304" pitchFamily="18" charset="0"/>
             </a:endParaRPr>
           </a:p>
           <a:p>
             <a:pPr algn="ctr"/>
             <a:r>
               <a:rPr lang="en-CA" dirty="0">
-                <a:latin typeface="Source Sans Pro" panose="020B0503030403020204" pitchFamily="34" charset="0"/>
+                <a:latin typeface="Times New Roman" panose="02020603050405020304" pitchFamily="18" charset="0"/>
                 <a:ea typeface="Source Sans Pro" panose="020B0503030403020204" pitchFamily="34" charset="0"/>
+                <a:cs typeface="Times New Roman" panose="02020603050405020304" pitchFamily="18" charset="0"/>
               </a:rPr>
               <a:t>Class: </a:t>
             </a:r>
             <a:r>
               <a:rPr lang="en-US" dirty="0">
-                <a:latin typeface="Source Sans Pro" panose="020B0503030403020204" pitchFamily="34" charset="0"/>
+                <a:latin typeface="Times New Roman" panose="02020603050405020304" pitchFamily="18" charset="0"/>
                 <a:ea typeface="Source Sans Pro" panose="020B0503030403020204" pitchFamily="34" charset="0"/>
+                <a:cs typeface="Times New Roman" panose="02020603050405020304" pitchFamily="18" charset="0"/>
               </a:rPr>
               <a:t>Internet Applications (LIB2024 010)</a:t>
             </a:r>
             <a:endParaRPr lang="en-CA" dirty="0">
-              <a:latin typeface="Source Sans Pro" panose="020B0503030403020204" pitchFamily="34" charset="0"/>
+              <a:latin typeface="Times New Roman" panose="02020603050405020304" pitchFamily="18" charset="0"/>
               <a:ea typeface="Source Sans Pro" panose="020B0503030403020204" pitchFamily="34" charset="0"/>
+              <a:cs typeface="Times New Roman" panose="02020603050405020304" pitchFamily="18" charset="0"/>
             </a:endParaRPr>
           </a:p>
         </p:txBody>
@@ -6378,8 +6391,8 @@
         </p:nvSpPr>
         <p:spPr>
           <a:xfrm>
-            <a:off x="4816491" y="323882"/>
-            <a:ext cx="2546852" cy="646331"/>
+            <a:off x="4875482" y="323882"/>
+            <a:ext cx="2428870" cy="646331"/>
           </a:xfrm>
           <a:prstGeom prst="rect">
             <a:avLst/>
@@ -6397,8 +6410,9 @@
                 <a:solidFill>
                   <a:schemeClr val="accent2"/>
                 </a:solidFill>
-                <a:latin typeface="Source Serif Pro" panose="02040603050405020204" pitchFamily="18" charset="0"/>
+                <a:latin typeface="Times New Roman" panose="02020603050405020304" pitchFamily="18" charset="0"/>
                 <a:ea typeface="Source Serif Pro" panose="02040603050405020204" pitchFamily="18" charset="0"/>
+                <a:cs typeface="Times New Roman" panose="02020603050405020304" pitchFamily="18" charset="0"/>
               </a:rPr>
               <a:t>Home Page</a:t>
             </a:r>
@@ -6406,6 +6420,8 @@
               <a:solidFill>
                 <a:schemeClr val="accent2"/>
               </a:solidFill>
+              <a:latin typeface="Times New Roman" panose="02020603050405020304" pitchFamily="18" charset="0"/>
+              <a:cs typeface="Times New Roman" panose="02020603050405020304" pitchFamily="18" charset="0"/>
             </a:endParaRPr>
           </a:p>
         </p:txBody>
@@ -6448,14 +6464,16 @@
             <a:pPr algn="ctr"/>
             <a:r>
               <a:rPr lang="en-CA" sz="2800" b="1" dirty="0">
-                <a:latin typeface="Source Serif Pro" panose="02040603050405020204" pitchFamily="18" charset="0"/>
+                <a:latin typeface="Times New Roman" panose="02020603050405020304" pitchFamily="18" charset="0"/>
                 <a:ea typeface="Source Serif Pro" panose="02040603050405020204" pitchFamily="18" charset="0"/>
+                <a:cs typeface="Times New Roman" panose="02020603050405020304" pitchFamily="18" charset="0"/>
               </a:rPr>
               <a:t>Purpose:</a:t>
             </a:r>
             <a:endParaRPr lang="en-CA" sz="2800" dirty="0">
-              <a:latin typeface="Source Serif Pro" panose="02040603050405020204" pitchFamily="18" charset="0"/>
+              <a:latin typeface="Times New Roman" panose="02020603050405020304" pitchFamily="18" charset="0"/>
               <a:ea typeface="Source Serif Pro" panose="02040603050405020204" pitchFamily="18" charset="0"/>
+              <a:cs typeface="Times New Roman" panose="02020603050405020304" pitchFamily="18" charset="0"/>
             </a:endParaRPr>
           </a:p>
         </p:txBody>
@@ -6499,8 +6517,9 @@
             </a:pPr>
             <a:r>
               <a:rPr lang="en-CA" sz="2400" b="1" dirty="0">
-                <a:latin typeface="Source Serif Pro" panose="02040603050405020204" pitchFamily="18" charset="0"/>
+                <a:latin typeface="Times New Roman" panose="02020603050405020304" pitchFamily="18" charset="0"/>
                 <a:ea typeface="Source Serif Pro" panose="02040603050405020204" pitchFamily="18" charset="0"/>
+                <a:cs typeface="Times New Roman" panose="02020603050405020304" pitchFamily="18" charset="0"/>
               </a:rPr>
               <a:t>Summarize all content</a:t>
             </a:r>
@@ -6512,8 +6531,9 @@
             </a:pPr>
             <a:r>
               <a:rPr lang="en-CA" sz="2400" b="1" dirty="0">
-                <a:latin typeface="Source Serif Pro" panose="02040603050405020204" pitchFamily="18" charset="0"/>
+                <a:latin typeface="Times New Roman" panose="02020603050405020304" pitchFamily="18" charset="0"/>
                 <a:ea typeface="Source Serif Pro" panose="02040603050405020204" pitchFamily="18" charset="0"/>
+                <a:cs typeface="Times New Roman" panose="02020603050405020304" pitchFamily="18" charset="0"/>
               </a:rPr>
               <a:t>Visually appealing</a:t>
             </a:r>
@@ -6525,8 +6545,9 @@
             </a:pPr>
             <a:r>
               <a:rPr lang="en-CA" sz="2400" b="1" dirty="0">
-                <a:latin typeface="Source Serif Pro" panose="02040603050405020204" pitchFamily="18" charset="0"/>
+                <a:latin typeface="Times New Roman" panose="02020603050405020304" pitchFamily="18" charset="0"/>
                 <a:ea typeface="Source Serif Pro" panose="02040603050405020204" pitchFamily="18" charset="0"/>
+                <a:cs typeface="Times New Roman" panose="02020603050405020304" pitchFamily="18" charset="0"/>
               </a:rPr>
               <a:t>Emphasize purpose/benefits</a:t>
             </a:r>
@@ -6571,14 +6592,16 @@
             <a:pPr algn="ctr"/>
             <a:r>
               <a:rPr lang="en-CA" sz="2800" b="1" dirty="0">
-                <a:latin typeface="Source Serif Pro" panose="02040603050405020204" pitchFamily="18" charset="0"/>
+                <a:latin typeface="Times New Roman" panose="02020603050405020304" pitchFamily="18" charset="0"/>
                 <a:ea typeface="Source Serif Pro" panose="02040603050405020204" pitchFamily="18" charset="0"/>
+                <a:cs typeface="Times New Roman" panose="02020603050405020304" pitchFamily="18" charset="0"/>
               </a:rPr>
               <a:t>Reason:</a:t>
             </a:r>
             <a:endParaRPr lang="en-CA" sz="2800" dirty="0">
-              <a:latin typeface="Source Serif Pro" panose="02040603050405020204" pitchFamily="18" charset="0"/>
+              <a:latin typeface="Times New Roman" panose="02020603050405020304" pitchFamily="18" charset="0"/>
               <a:ea typeface="Source Serif Pro" panose="02040603050405020204" pitchFamily="18" charset="0"/>
+              <a:cs typeface="Times New Roman" panose="02020603050405020304" pitchFamily="18" charset="0"/>
             </a:endParaRPr>
           </a:p>
         </p:txBody>
@@ -6622,8 +6645,9 @@
             </a:pPr>
             <a:r>
               <a:rPr lang="en-CA" sz="2400" b="1" dirty="0">
-                <a:latin typeface="Source Serif Pro" panose="02040603050405020204" pitchFamily="18" charset="0"/>
+                <a:latin typeface="Times New Roman" panose="02020603050405020304" pitchFamily="18" charset="0"/>
                 <a:ea typeface="Source Serif Pro" panose="02040603050405020204" pitchFamily="18" charset="0"/>
+                <a:cs typeface="Times New Roman" panose="02020603050405020304" pitchFamily="18" charset="0"/>
               </a:rPr>
               <a:t>Novel idea</a:t>
             </a:r>
@@ -6635,8 +6659,9 @@
             </a:pPr>
             <a:r>
               <a:rPr lang="en-CA" sz="2400" b="1" dirty="0">
-                <a:latin typeface="Source Serif Pro" panose="02040603050405020204" pitchFamily="18" charset="0"/>
+                <a:latin typeface="Times New Roman" panose="02020603050405020304" pitchFamily="18" charset="0"/>
                 <a:ea typeface="Source Serif Pro" panose="02040603050405020204" pitchFamily="18" charset="0"/>
+                <a:cs typeface="Times New Roman" panose="02020603050405020304" pitchFamily="18" charset="0"/>
               </a:rPr>
               <a:t>Quickly catch attention</a:t>
             </a:r>
@@ -6648,8 +6673,9 @@
             </a:pPr>
             <a:r>
               <a:rPr lang="en-CA" sz="2400" b="1" dirty="0">
-                <a:latin typeface="Source Serif Pro" panose="02040603050405020204" pitchFamily="18" charset="0"/>
+                <a:latin typeface="Times New Roman" panose="02020603050405020304" pitchFamily="18" charset="0"/>
                 <a:ea typeface="Source Serif Pro" panose="02040603050405020204" pitchFamily="18" charset="0"/>
+                <a:cs typeface="Times New Roman" panose="02020603050405020304" pitchFamily="18" charset="0"/>
               </a:rPr>
               <a:t>Quickly Answer questions</a:t>
             </a:r>
@@ -6661,8 +6687,9 @@
             </a:pPr>
             <a:r>
               <a:rPr lang="en-CA" sz="2400" b="1" dirty="0">
-                <a:latin typeface="Source Serif Pro" panose="02040603050405020204" pitchFamily="18" charset="0"/>
+                <a:latin typeface="Times New Roman" panose="02020603050405020304" pitchFamily="18" charset="0"/>
                 <a:ea typeface="Source Serif Pro" panose="02040603050405020204" pitchFamily="18" charset="0"/>
+                <a:cs typeface="Times New Roman" panose="02020603050405020304" pitchFamily="18" charset="0"/>
               </a:rPr>
               <a:t>Sell idea</a:t>
             </a:r>
@@ -6748,8 +6775,8 @@
         </p:nvSpPr>
         <p:spPr>
           <a:xfrm>
-            <a:off x="4816491" y="323882"/>
-            <a:ext cx="2546852" cy="646331"/>
+            <a:off x="4875482" y="323882"/>
+            <a:ext cx="2428870" cy="646331"/>
           </a:xfrm>
           <a:prstGeom prst="rect">
             <a:avLst/>
@@ -6767,8 +6794,9 @@
                 <a:solidFill>
                   <a:schemeClr val="accent2"/>
                 </a:solidFill>
-                <a:latin typeface="Source Serif Pro" panose="02040603050405020204" pitchFamily="18" charset="0"/>
+                <a:latin typeface="Times New Roman" panose="02020603050405020304" pitchFamily="18" charset="0"/>
                 <a:ea typeface="Source Serif Pro" panose="02040603050405020204" pitchFamily="18" charset="0"/>
+                <a:cs typeface="Times New Roman" panose="02020603050405020304" pitchFamily="18" charset="0"/>
               </a:rPr>
               <a:t>Home Page</a:t>
             </a:r>
@@ -6776,6 +6804,8 @@
               <a:solidFill>
                 <a:schemeClr val="accent2"/>
               </a:solidFill>
+              <a:latin typeface="Times New Roman" panose="02020603050405020304" pitchFamily="18" charset="0"/>
+              <a:cs typeface="Times New Roman" panose="02020603050405020304" pitchFamily="18" charset="0"/>
             </a:endParaRPr>
           </a:p>
         </p:txBody>
@@ -6818,14 +6848,16 @@
             <a:pPr algn="ctr"/>
             <a:r>
               <a:rPr lang="en-CA" sz="2800" b="1" dirty="0">
-                <a:latin typeface="Source Serif Pro" panose="02040603050405020204" pitchFamily="18" charset="0"/>
+                <a:latin typeface="Times New Roman" panose="02020603050405020304" pitchFamily="18" charset="0"/>
                 <a:ea typeface="Source Serif Pro" panose="02040603050405020204" pitchFamily="18" charset="0"/>
+                <a:cs typeface="Times New Roman" panose="02020603050405020304" pitchFamily="18" charset="0"/>
               </a:rPr>
               <a:t>Results:</a:t>
             </a:r>
             <a:endParaRPr lang="en-CA" sz="2800" dirty="0">
-              <a:latin typeface="Source Serif Pro" panose="02040603050405020204" pitchFamily="18" charset="0"/>
+              <a:latin typeface="Times New Roman" panose="02020603050405020304" pitchFamily="18" charset="0"/>
               <a:ea typeface="Source Serif Pro" panose="02040603050405020204" pitchFamily="18" charset="0"/>
+              <a:cs typeface="Times New Roman" panose="02020603050405020304" pitchFamily="18" charset="0"/>
             </a:endParaRPr>
           </a:p>
         </p:txBody>
@@ -6869,8 +6901,9 @@
             </a:pPr>
             <a:r>
               <a:rPr lang="en-CA" sz="2400" b="1" dirty="0">
-                <a:latin typeface="Source Serif Pro" panose="02040603050405020204" pitchFamily="18" charset="0"/>
+                <a:latin typeface="Times New Roman" panose="02020603050405020304" pitchFamily="18" charset="0"/>
                 <a:ea typeface="Source Serif Pro" panose="02040603050405020204" pitchFamily="18" charset="0"/>
+                <a:cs typeface="Times New Roman" panose="02020603050405020304" pitchFamily="18" charset="0"/>
               </a:rPr>
               <a:t>Intuitive</a:t>
             </a:r>
@@ -6882,8 +6915,9 @@
             </a:pPr>
             <a:r>
               <a:rPr lang="en-CA" sz="2400" b="1" dirty="0">
-                <a:latin typeface="Source Serif Pro" panose="02040603050405020204" pitchFamily="18" charset="0"/>
+                <a:latin typeface="Times New Roman" panose="02020603050405020304" pitchFamily="18" charset="0"/>
                 <a:ea typeface="Source Serif Pro" panose="02040603050405020204" pitchFamily="18" charset="0"/>
+                <a:cs typeface="Times New Roman" panose="02020603050405020304" pitchFamily="18" charset="0"/>
               </a:rPr>
               <a:t>Basic</a:t>
             </a:r>
@@ -6895,8 +6929,9 @@
             </a:pPr>
             <a:r>
               <a:rPr lang="en-CA" sz="2400" b="1" dirty="0">
-                <a:latin typeface="Source Serif Pro" panose="02040603050405020204" pitchFamily="18" charset="0"/>
+                <a:latin typeface="Times New Roman" panose="02020603050405020304" pitchFamily="18" charset="0"/>
                 <a:ea typeface="Source Serif Pro" panose="02040603050405020204" pitchFamily="18" charset="0"/>
+                <a:cs typeface="Times New Roman" panose="02020603050405020304" pitchFamily="18" charset="0"/>
               </a:rPr>
               <a:t>Persuasive</a:t>
             </a:r>
@@ -6908,8 +6943,9 @@
             </a:pPr>
             <a:r>
               <a:rPr lang="en-CA" sz="2400" dirty="0">
-                <a:latin typeface="Source Sans Pro" panose="020B0503030403020204" pitchFamily="34" charset="0"/>
+                <a:latin typeface="Times New Roman" panose="02020603050405020304" pitchFamily="18" charset="0"/>
                 <a:ea typeface="Source Sans Pro" panose="020B0503030403020204" pitchFamily="34" charset="0"/>
+                <a:cs typeface="Times New Roman" panose="02020603050405020304" pitchFamily="18" charset="0"/>
               </a:rPr>
               <a:t>Slogans</a:t>
             </a:r>
@@ -6921,14 +6957,16 @@
             </a:pPr>
             <a:r>
               <a:rPr lang="en-CA" sz="2400" dirty="0">
-                <a:latin typeface="Source Sans Pro" panose="020B0503030403020204" pitchFamily="34" charset="0"/>
+                <a:latin typeface="Times New Roman" panose="02020603050405020304" pitchFamily="18" charset="0"/>
                 <a:ea typeface="Source Sans Pro" panose="020B0503030403020204" pitchFamily="34" charset="0"/>
+                <a:cs typeface="Times New Roman" panose="02020603050405020304" pitchFamily="18" charset="0"/>
               </a:rPr>
               <a:t>Quotes</a:t>
             </a:r>
             <a:endParaRPr lang="en-CA" sz="2400" b="1" dirty="0">
-              <a:latin typeface="Source Serif Pro" panose="02040603050405020204" pitchFamily="18" charset="0"/>
+              <a:latin typeface="Times New Roman" panose="02020603050405020304" pitchFamily="18" charset="0"/>
               <a:ea typeface="Source Serif Pro" panose="02040603050405020204" pitchFamily="18" charset="0"/>
+              <a:cs typeface="Times New Roman" panose="02020603050405020304" pitchFamily="18" charset="0"/>
             </a:endParaRPr>
           </a:p>
           <a:p>
@@ -6938,8 +6976,9 @@
             </a:pPr>
             <a:r>
               <a:rPr lang="en-CA" sz="2400" b="1" dirty="0">
-                <a:latin typeface="Source Serif Pro" panose="02040603050405020204" pitchFamily="18" charset="0"/>
+                <a:latin typeface="Times New Roman" panose="02020603050405020304" pitchFamily="18" charset="0"/>
                 <a:ea typeface="Source Serif Pro" panose="02040603050405020204" pitchFamily="18" charset="0"/>
+                <a:cs typeface="Times New Roman" panose="02020603050405020304" pitchFamily="18" charset="0"/>
               </a:rPr>
               <a:t>Clear Titles</a:t>
             </a:r>
@@ -6951,8 +6990,9 @@
             </a:pPr>
             <a:r>
               <a:rPr lang="en-CA" sz="2400" b="1" dirty="0">
-                <a:latin typeface="Source Serif Pro" panose="02040603050405020204" pitchFamily="18" charset="0"/>
+                <a:latin typeface="Times New Roman" panose="02020603050405020304" pitchFamily="18" charset="0"/>
                 <a:ea typeface="Source Serif Pro" panose="02040603050405020204" pitchFamily="18" charset="0"/>
+                <a:cs typeface="Times New Roman" panose="02020603050405020304" pitchFamily="18" charset="0"/>
               </a:rPr>
               <a:t>Helpful Buttons</a:t>
             </a:r>
@@ -6964,8 +7004,9 @@
             </a:pPr>
             <a:r>
               <a:rPr lang="en-CA" sz="2400" b="1" dirty="0">
-                <a:latin typeface="Source Serif Pro" panose="02040603050405020204" pitchFamily="18" charset="0"/>
+                <a:latin typeface="Times New Roman" panose="02020603050405020304" pitchFamily="18" charset="0"/>
                 <a:ea typeface="Source Serif Pro" panose="02040603050405020204" pitchFamily="18" charset="0"/>
+                <a:cs typeface="Times New Roman" panose="02020603050405020304" pitchFamily="18" charset="0"/>
               </a:rPr>
               <a:t>Good Overview</a:t>
             </a:r>
@@ -7051,8 +7092,8 @@
         </p:nvSpPr>
         <p:spPr>
           <a:xfrm>
-            <a:off x="4816491" y="323882"/>
-            <a:ext cx="2546852" cy="646331"/>
+            <a:off x="4875482" y="323882"/>
+            <a:ext cx="2428870" cy="646331"/>
           </a:xfrm>
           <a:prstGeom prst="rect">
             <a:avLst/>
@@ -7070,8 +7111,9 @@
                 <a:solidFill>
                   <a:schemeClr val="accent2"/>
                 </a:solidFill>
-                <a:latin typeface="Source Serif Pro" panose="02040603050405020204" pitchFamily="18" charset="0"/>
+                <a:latin typeface="Times New Roman" panose="02020603050405020304" pitchFamily="18" charset="0"/>
                 <a:ea typeface="Source Serif Pro" panose="02040603050405020204" pitchFamily="18" charset="0"/>
+                <a:cs typeface="Times New Roman" panose="02020603050405020304" pitchFamily="18" charset="0"/>
               </a:rPr>
               <a:t>Home Page</a:t>
             </a:r>
@@ -7079,6 +7121,8 @@
               <a:solidFill>
                 <a:schemeClr val="accent2"/>
               </a:solidFill>
+              <a:latin typeface="Times New Roman" panose="02020603050405020304" pitchFamily="18" charset="0"/>
+              <a:cs typeface="Times New Roman" panose="02020603050405020304" pitchFamily="18" charset="0"/>
             </a:endParaRPr>
           </a:p>
         </p:txBody>
@@ -7121,14 +7165,16 @@
             <a:pPr algn="ctr"/>
             <a:r>
               <a:rPr lang="en-CA" sz="2800" b="1" dirty="0">
-                <a:latin typeface="Source Serif Pro" panose="02040603050405020204" pitchFamily="18" charset="0"/>
+                <a:latin typeface="Times New Roman" panose="02020603050405020304" pitchFamily="18" charset="0"/>
                 <a:ea typeface="Source Serif Pro" panose="02040603050405020204" pitchFamily="18" charset="0"/>
+                <a:cs typeface="Times New Roman" panose="02020603050405020304" pitchFamily="18" charset="0"/>
               </a:rPr>
               <a:t>Results:</a:t>
             </a:r>
             <a:endParaRPr lang="en-CA" sz="2800" dirty="0">
-              <a:latin typeface="Source Serif Pro" panose="02040603050405020204" pitchFamily="18" charset="0"/>
+              <a:latin typeface="Times New Roman" panose="02020603050405020304" pitchFamily="18" charset="0"/>
               <a:ea typeface="Source Serif Pro" panose="02040603050405020204" pitchFamily="18" charset="0"/>
+              <a:cs typeface="Times New Roman" panose="02020603050405020304" pitchFamily="18" charset="0"/>
             </a:endParaRPr>
           </a:p>
         </p:txBody>
@@ -7172,8 +7218,9 @@
             </a:pPr>
             <a:r>
               <a:rPr lang="en-CA" sz="2400" b="1" dirty="0">
-                <a:latin typeface="Source Serif Pro" panose="02040603050405020204" pitchFamily="18" charset="0"/>
+                <a:latin typeface="Times New Roman" panose="02020603050405020304" pitchFamily="18" charset="0"/>
                 <a:ea typeface="Source Serif Pro" panose="02040603050405020204" pitchFamily="18" charset="0"/>
+                <a:cs typeface="Times New Roman" panose="02020603050405020304" pitchFamily="18" charset="0"/>
               </a:rPr>
               <a:t>Intuitive</a:t>
             </a:r>
@@ -7185,8 +7232,9 @@
             </a:pPr>
             <a:r>
               <a:rPr lang="en-CA" sz="2400" b="1" dirty="0">
-                <a:latin typeface="Source Serif Pro" panose="02040603050405020204" pitchFamily="18" charset="0"/>
+                <a:latin typeface="Times New Roman" panose="02020603050405020304" pitchFamily="18" charset="0"/>
                 <a:ea typeface="Source Serif Pro" panose="02040603050405020204" pitchFamily="18" charset="0"/>
+                <a:cs typeface="Times New Roman" panose="02020603050405020304" pitchFamily="18" charset="0"/>
               </a:rPr>
               <a:t>Basic</a:t>
             </a:r>
@@ -7198,8 +7246,9 @@
             </a:pPr>
             <a:r>
               <a:rPr lang="en-CA" sz="2400" b="1" dirty="0">
-                <a:latin typeface="Source Serif Pro" panose="02040603050405020204" pitchFamily="18" charset="0"/>
+                <a:latin typeface="Times New Roman" panose="02020603050405020304" pitchFamily="18" charset="0"/>
                 <a:ea typeface="Source Serif Pro" panose="02040603050405020204" pitchFamily="18" charset="0"/>
+                <a:cs typeface="Times New Roman" panose="02020603050405020304" pitchFamily="18" charset="0"/>
               </a:rPr>
               <a:t>Persuasive</a:t>
             </a:r>
@@ -7211,8 +7260,9 @@
             </a:pPr>
             <a:r>
               <a:rPr lang="en-CA" sz="2400" dirty="0">
-                <a:latin typeface="Source Sans Pro" panose="020B0503030403020204" pitchFamily="34" charset="0"/>
+                <a:latin typeface="Times New Roman" panose="02020603050405020304" pitchFamily="18" charset="0"/>
                 <a:ea typeface="Source Sans Pro" panose="020B0503030403020204" pitchFamily="34" charset="0"/>
+                <a:cs typeface="Times New Roman" panose="02020603050405020304" pitchFamily="18" charset="0"/>
               </a:rPr>
               <a:t>Slogans</a:t>
             </a:r>
@@ -7224,14 +7274,16 @@
             </a:pPr>
             <a:r>
               <a:rPr lang="en-CA" sz="2400" dirty="0">
-                <a:latin typeface="Source Sans Pro" panose="020B0503030403020204" pitchFamily="34" charset="0"/>
+                <a:latin typeface="Times New Roman" panose="02020603050405020304" pitchFamily="18" charset="0"/>
                 <a:ea typeface="Source Sans Pro" panose="020B0503030403020204" pitchFamily="34" charset="0"/>
+                <a:cs typeface="Times New Roman" panose="02020603050405020304" pitchFamily="18" charset="0"/>
               </a:rPr>
               <a:t>Quotes</a:t>
             </a:r>
             <a:endParaRPr lang="en-CA" sz="2400" b="1" dirty="0">
-              <a:latin typeface="Source Serif Pro" panose="02040603050405020204" pitchFamily="18" charset="0"/>
+              <a:latin typeface="Times New Roman" panose="02020603050405020304" pitchFamily="18" charset="0"/>
               <a:ea typeface="Source Serif Pro" panose="02040603050405020204" pitchFamily="18" charset="0"/>
+              <a:cs typeface="Times New Roman" panose="02020603050405020304" pitchFamily="18" charset="0"/>
             </a:endParaRPr>
           </a:p>
           <a:p>
@@ -7241,8 +7293,9 @@
             </a:pPr>
             <a:r>
               <a:rPr lang="en-CA" sz="2400" b="1" dirty="0">
-                <a:latin typeface="Source Serif Pro" panose="02040603050405020204" pitchFamily="18" charset="0"/>
+                <a:latin typeface="Times New Roman" panose="02020603050405020304" pitchFamily="18" charset="0"/>
                 <a:ea typeface="Source Serif Pro" panose="02040603050405020204" pitchFamily="18" charset="0"/>
+                <a:cs typeface="Times New Roman" panose="02020603050405020304" pitchFamily="18" charset="0"/>
               </a:rPr>
               <a:t>Clear Titles</a:t>
             </a:r>
@@ -7254,8 +7307,9 @@
             </a:pPr>
             <a:r>
               <a:rPr lang="en-CA" sz="2400" b="1" dirty="0">
-                <a:latin typeface="Source Serif Pro" panose="02040603050405020204" pitchFamily="18" charset="0"/>
+                <a:latin typeface="Times New Roman" panose="02020603050405020304" pitchFamily="18" charset="0"/>
                 <a:ea typeface="Source Serif Pro" panose="02040603050405020204" pitchFamily="18" charset="0"/>
+                <a:cs typeface="Times New Roman" panose="02020603050405020304" pitchFamily="18" charset="0"/>
               </a:rPr>
               <a:t>Helpful Buttons</a:t>
             </a:r>
@@ -7267,8 +7321,9 @@
             </a:pPr>
             <a:r>
               <a:rPr lang="en-CA" sz="2400" b="1" dirty="0">
-                <a:latin typeface="Source Serif Pro" panose="02040603050405020204" pitchFamily="18" charset="0"/>
+                <a:latin typeface="Times New Roman" panose="02020603050405020304" pitchFamily="18" charset="0"/>
                 <a:ea typeface="Source Serif Pro" panose="02040603050405020204" pitchFamily="18" charset="0"/>
+                <a:cs typeface="Times New Roman" panose="02020603050405020304" pitchFamily="18" charset="0"/>
               </a:rPr>
               <a:t>Good Overview</a:t>
             </a:r>
@@ -7398,8 +7453,8 @@
         </p:nvSpPr>
         <p:spPr>
           <a:xfrm>
-            <a:off x="4816491" y="323882"/>
-            <a:ext cx="2546852" cy="646331"/>
+            <a:off x="4875482" y="323882"/>
+            <a:ext cx="2428870" cy="646331"/>
           </a:xfrm>
           <a:prstGeom prst="rect">
             <a:avLst/>
@@ -7417,8 +7472,9 @@
                 <a:solidFill>
                   <a:schemeClr val="accent2"/>
                 </a:solidFill>
-                <a:latin typeface="Source Serif Pro" panose="02040603050405020204" pitchFamily="18" charset="0"/>
+                <a:latin typeface="Times New Roman" panose="02020603050405020304" pitchFamily="18" charset="0"/>
                 <a:ea typeface="Source Serif Pro" panose="02040603050405020204" pitchFamily="18" charset="0"/>
+                <a:cs typeface="Times New Roman" panose="02020603050405020304" pitchFamily="18" charset="0"/>
               </a:rPr>
               <a:t>Home Page</a:t>
             </a:r>
@@ -7426,6 +7482,8 @@
               <a:solidFill>
                 <a:schemeClr val="accent2"/>
               </a:solidFill>
+              <a:latin typeface="Times New Roman" panose="02020603050405020304" pitchFamily="18" charset="0"/>
+              <a:cs typeface="Times New Roman" panose="02020603050405020304" pitchFamily="18" charset="0"/>
             </a:endParaRPr>
           </a:p>
         </p:txBody>
@@ -7468,14 +7526,16 @@
             <a:pPr algn="ctr"/>
             <a:r>
               <a:rPr lang="en-CA" sz="2800" b="1" dirty="0">
-                <a:latin typeface="Source Serif Pro" panose="02040603050405020204" pitchFamily="18" charset="0"/>
+                <a:latin typeface="Times New Roman" panose="02020603050405020304" pitchFamily="18" charset="0"/>
                 <a:ea typeface="Source Serif Pro" panose="02040603050405020204" pitchFamily="18" charset="0"/>
+                <a:cs typeface="Times New Roman" panose="02020603050405020304" pitchFamily="18" charset="0"/>
               </a:rPr>
               <a:t>Results:</a:t>
             </a:r>
             <a:endParaRPr lang="en-CA" sz="2800" dirty="0">
-              <a:latin typeface="Source Serif Pro" panose="02040603050405020204" pitchFamily="18" charset="0"/>
+              <a:latin typeface="Times New Roman" panose="02020603050405020304" pitchFamily="18" charset="0"/>
               <a:ea typeface="Source Serif Pro" panose="02040603050405020204" pitchFamily="18" charset="0"/>
+              <a:cs typeface="Times New Roman" panose="02020603050405020304" pitchFamily="18" charset="0"/>
             </a:endParaRPr>
           </a:p>
         </p:txBody>
@@ -7554,8 +7614,9 @@
             </a:pPr>
             <a:r>
               <a:rPr lang="en-CA" sz="2400" b="1" dirty="0">
-                <a:latin typeface="Source Serif Pro" panose="02040603050405020204" pitchFamily="18" charset="0"/>
+                <a:latin typeface="Times New Roman" panose="02020603050405020304" pitchFamily="18" charset="0"/>
                 <a:ea typeface="Source Serif Pro" panose="02040603050405020204" pitchFamily="18" charset="0"/>
+                <a:cs typeface="Times New Roman" panose="02020603050405020304" pitchFamily="18" charset="0"/>
               </a:rPr>
               <a:t>Intuitive</a:t>
             </a:r>
@@ -7567,8 +7628,9 @@
             </a:pPr>
             <a:r>
               <a:rPr lang="en-CA" sz="2400" b="1" dirty="0">
-                <a:latin typeface="Source Serif Pro" panose="02040603050405020204" pitchFamily="18" charset="0"/>
+                <a:latin typeface="Times New Roman" panose="02020603050405020304" pitchFamily="18" charset="0"/>
                 <a:ea typeface="Source Serif Pro" panose="02040603050405020204" pitchFamily="18" charset="0"/>
+                <a:cs typeface="Times New Roman" panose="02020603050405020304" pitchFamily="18" charset="0"/>
               </a:rPr>
               <a:t>Basic</a:t>
             </a:r>
@@ -7580,8 +7642,9 @@
             </a:pPr>
             <a:r>
               <a:rPr lang="en-CA" sz="2400" b="1" dirty="0">
-                <a:latin typeface="Source Serif Pro" panose="02040603050405020204" pitchFamily="18" charset="0"/>
+                <a:latin typeface="Times New Roman" panose="02020603050405020304" pitchFamily="18" charset="0"/>
                 <a:ea typeface="Source Serif Pro" panose="02040603050405020204" pitchFamily="18" charset="0"/>
+                <a:cs typeface="Times New Roman" panose="02020603050405020304" pitchFamily="18" charset="0"/>
               </a:rPr>
               <a:t>Persuasive</a:t>
             </a:r>
@@ -7593,8 +7656,9 @@
             </a:pPr>
             <a:r>
               <a:rPr lang="en-CA" sz="2400" dirty="0">
-                <a:latin typeface="Source Sans Pro" panose="020B0503030403020204" pitchFamily="34" charset="0"/>
+                <a:latin typeface="Times New Roman" panose="02020603050405020304" pitchFamily="18" charset="0"/>
                 <a:ea typeface="Source Sans Pro" panose="020B0503030403020204" pitchFamily="34" charset="0"/>
+                <a:cs typeface="Times New Roman" panose="02020603050405020304" pitchFamily="18" charset="0"/>
               </a:rPr>
               <a:t>Slogans</a:t>
             </a:r>
@@ -7606,14 +7670,16 @@
             </a:pPr>
             <a:r>
               <a:rPr lang="en-CA" sz="2400" dirty="0">
-                <a:latin typeface="Source Sans Pro" panose="020B0503030403020204" pitchFamily="34" charset="0"/>
+                <a:latin typeface="Times New Roman" panose="02020603050405020304" pitchFamily="18" charset="0"/>
                 <a:ea typeface="Source Sans Pro" panose="020B0503030403020204" pitchFamily="34" charset="0"/>
+                <a:cs typeface="Times New Roman" panose="02020603050405020304" pitchFamily="18" charset="0"/>
               </a:rPr>
               <a:t>Quotes</a:t>
             </a:r>
             <a:endParaRPr lang="en-CA" sz="2400" b="1" dirty="0">
-              <a:latin typeface="Source Serif Pro" panose="02040603050405020204" pitchFamily="18" charset="0"/>
+              <a:latin typeface="Times New Roman" panose="02020603050405020304" pitchFamily="18" charset="0"/>
               <a:ea typeface="Source Serif Pro" panose="02040603050405020204" pitchFamily="18" charset="0"/>
+              <a:cs typeface="Times New Roman" panose="02020603050405020304" pitchFamily="18" charset="0"/>
             </a:endParaRPr>
           </a:p>
           <a:p>
@@ -7623,8 +7689,9 @@
             </a:pPr>
             <a:r>
               <a:rPr lang="en-CA" sz="2400" b="1" dirty="0">
-                <a:latin typeface="Source Serif Pro" panose="02040603050405020204" pitchFamily="18" charset="0"/>
+                <a:latin typeface="Times New Roman" panose="02020603050405020304" pitchFamily="18" charset="0"/>
                 <a:ea typeface="Source Serif Pro" panose="02040603050405020204" pitchFamily="18" charset="0"/>
+                <a:cs typeface="Times New Roman" panose="02020603050405020304" pitchFamily="18" charset="0"/>
               </a:rPr>
               <a:t>Clear Titles</a:t>
             </a:r>
@@ -7636,8 +7703,9 @@
             </a:pPr>
             <a:r>
               <a:rPr lang="en-CA" sz="2400" b="1" dirty="0">
-                <a:latin typeface="Source Serif Pro" panose="02040603050405020204" pitchFamily="18" charset="0"/>
+                <a:latin typeface="Times New Roman" panose="02020603050405020304" pitchFamily="18" charset="0"/>
                 <a:ea typeface="Source Serif Pro" panose="02040603050405020204" pitchFamily="18" charset="0"/>
+                <a:cs typeface="Times New Roman" panose="02020603050405020304" pitchFamily="18" charset="0"/>
               </a:rPr>
               <a:t>Helpful Buttons</a:t>
             </a:r>
@@ -7649,8 +7717,9 @@
             </a:pPr>
             <a:r>
               <a:rPr lang="en-CA" sz="2400" b="1" dirty="0">
-                <a:latin typeface="Source Serif Pro" panose="02040603050405020204" pitchFamily="18" charset="0"/>
+                <a:latin typeface="Times New Roman" panose="02020603050405020304" pitchFamily="18" charset="0"/>
                 <a:ea typeface="Source Serif Pro" panose="02040603050405020204" pitchFamily="18" charset="0"/>
+                <a:cs typeface="Times New Roman" panose="02020603050405020304" pitchFamily="18" charset="0"/>
               </a:rPr>
               <a:t>Good Overview</a:t>
             </a:r>
@@ -7701,8 +7770,8 @@
         </p:nvSpPr>
         <p:spPr>
           <a:xfrm>
-            <a:off x="4816491" y="323882"/>
-            <a:ext cx="2546852" cy="646331"/>
+            <a:off x="4875482" y="323882"/>
+            <a:ext cx="2428870" cy="646331"/>
           </a:xfrm>
           <a:prstGeom prst="rect">
             <a:avLst/>
@@ -7720,8 +7789,9 @@
                 <a:solidFill>
                   <a:schemeClr val="accent2"/>
                 </a:solidFill>
-                <a:latin typeface="Source Serif Pro" panose="02040603050405020204" pitchFamily="18" charset="0"/>
+                <a:latin typeface="Times New Roman" panose="02020603050405020304" pitchFamily="18" charset="0"/>
                 <a:ea typeface="Source Serif Pro" panose="02040603050405020204" pitchFamily="18" charset="0"/>
+                <a:cs typeface="Times New Roman" panose="02020603050405020304" pitchFamily="18" charset="0"/>
               </a:rPr>
               <a:t>Home Page</a:t>
             </a:r>
@@ -7729,6 +7799,8 @@
               <a:solidFill>
                 <a:schemeClr val="accent2"/>
               </a:solidFill>
+              <a:latin typeface="Times New Roman" panose="02020603050405020304" pitchFamily="18" charset="0"/>
+              <a:cs typeface="Times New Roman" panose="02020603050405020304" pitchFamily="18" charset="0"/>
             </a:endParaRPr>
           </a:p>
         </p:txBody>
@@ -7771,14 +7843,16 @@
             <a:pPr algn="ctr"/>
             <a:r>
               <a:rPr lang="en-CA" sz="2800" b="1" dirty="0">
-                <a:latin typeface="Source Serif Pro" panose="02040603050405020204" pitchFamily="18" charset="0"/>
+                <a:latin typeface="Times New Roman" panose="02020603050405020304" pitchFamily="18" charset="0"/>
                 <a:ea typeface="Source Serif Pro" panose="02040603050405020204" pitchFamily="18" charset="0"/>
+                <a:cs typeface="Times New Roman" panose="02020603050405020304" pitchFamily="18" charset="0"/>
               </a:rPr>
               <a:t>Results:</a:t>
             </a:r>
             <a:endParaRPr lang="en-CA" sz="2800" dirty="0">
-              <a:latin typeface="Source Serif Pro" panose="02040603050405020204" pitchFamily="18" charset="0"/>
+              <a:latin typeface="Times New Roman" panose="02020603050405020304" pitchFamily="18" charset="0"/>
               <a:ea typeface="Source Serif Pro" panose="02040603050405020204" pitchFamily="18" charset="0"/>
+              <a:cs typeface="Times New Roman" panose="02020603050405020304" pitchFamily="18" charset="0"/>
             </a:endParaRPr>
           </a:p>
         </p:txBody>
@@ -7857,8 +7931,9 @@
             </a:pPr>
             <a:r>
               <a:rPr lang="en-CA" sz="2400" b="1" dirty="0">
-                <a:latin typeface="Source Serif Pro" panose="02040603050405020204" pitchFamily="18" charset="0"/>
+                <a:latin typeface="Times New Roman" panose="02020603050405020304" pitchFamily="18" charset="0"/>
                 <a:ea typeface="Source Serif Pro" panose="02040603050405020204" pitchFamily="18" charset="0"/>
+                <a:cs typeface="Times New Roman" panose="02020603050405020304" pitchFamily="18" charset="0"/>
               </a:rPr>
               <a:t>Intuitive</a:t>
             </a:r>
@@ -7870,8 +7945,9 @@
             </a:pPr>
             <a:r>
               <a:rPr lang="en-CA" sz="2400" b="1" dirty="0">
-                <a:latin typeface="Source Serif Pro" panose="02040603050405020204" pitchFamily="18" charset="0"/>
+                <a:latin typeface="Times New Roman" panose="02020603050405020304" pitchFamily="18" charset="0"/>
                 <a:ea typeface="Source Serif Pro" panose="02040603050405020204" pitchFamily="18" charset="0"/>
+                <a:cs typeface="Times New Roman" panose="02020603050405020304" pitchFamily="18" charset="0"/>
               </a:rPr>
               <a:t>Basic</a:t>
             </a:r>
@@ -7883,8 +7959,9 @@
             </a:pPr>
             <a:r>
               <a:rPr lang="en-CA" sz="2400" b="1" dirty="0">
-                <a:latin typeface="Source Serif Pro" panose="02040603050405020204" pitchFamily="18" charset="0"/>
+                <a:latin typeface="Times New Roman" panose="02020603050405020304" pitchFamily="18" charset="0"/>
                 <a:ea typeface="Source Serif Pro" panose="02040603050405020204" pitchFamily="18" charset="0"/>
+                <a:cs typeface="Times New Roman" panose="02020603050405020304" pitchFamily="18" charset="0"/>
               </a:rPr>
               <a:t>Persuasive</a:t>
             </a:r>
@@ -7896,8 +7973,9 @@
             </a:pPr>
             <a:r>
               <a:rPr lang="en-CA" sz="2400" dirty="0">
-                <a:latin typeface="Source Sans Pro" panose="020B0503030403020204" pitchFamily="34" charset="0"/>
+                <a:latin typeface="Times New Roman" panose="02020603050405020304" pitchFamily="18" charset="0"/>
                 <a:ea typeface="Source Sans Pro" panose="020B0503030403020204" pitchFamily="34" charset="0"/>
+                <a:cs typeface="Times New Roman" panose="02020603050405020304" pitchFamily="18" charset="0"/>
               </a:rPr>
               <a:t>Slogans</a:t>
             </a:r>
@@ -7909,14 +7987,16 @@
             </a:pPr>
             <a:r>
               <a:rPr lang="en-CA" sz="2400" dirty="0">
-                <a:latin typeface="Source Sans Pro" panose="020B0503030403020204" pitchFamily="34" charset="0"/>
+                <a:latin typeface="Times New Roman" panose="02020603050405020304" pitchFamily="18" charset="0"/>
                 <a:ea typeface="Source Sans Pro" panose="020B0503030403020204" pitchFamily="34" charset="0"/>
+                <a:cs typeface="Times New Roman" panose="02020603050405020304" pitchFamily="18" charset="0"/>
               </a:rPr>
               <a:t>Quotes</a:t>
             </a:r>
             <a:endParaRPr lang="en-CA" sz="2400" b="1" dirty="0">
-              <a:latin typeface="Source Serif Pro" panose="02040603050405020204" pitchFamily="18" charset="0"/>
+              <a:latin typeface="Times New Roman" panose="02020603050405020304" pitchFamily="18" charset="0"/>
               <a:ea typeface="Source Serif Pro" panose="02040603050405020204" pitchFamily="18" charset="0"/>
+              <a:cs typeface="Times New Roman" panose="02020603050405020304" pitchFamily="18" charset="0"/>
             </a:endParaRPr>
           </a:p>
           <a:p>
@@ -7926,8 +8006,9 @@
             </a:pPr>
             <a:r>
               <a:rPr lang="en-CA" sz="2400" b="1" dirty="0">
-                <a:latin typeface="Source Serif Pro" panose="02040603050405020204" pitchFamily="18" charset="0"/>
+                <a:latin typeface="Times New Roman" panose="02020603050405020304" pitchFamily="18" charset="0"/>
                 <a:ea typeface="Source Serif Pro" panose="02040603050405020204" pitchFamily="18" charset="0"/>
+                <a:cs typeface="Times New Roman" panose="02020603050405020304" pitchFamily="18" charset="0"/>
               </a:rPr>
               <a:t>Clear Titles</a:t>
             </a:r>
@@ -7939,8 +8020,9 @@
             </a:pPr>
             <a:r>
               <a:rPr lang="en-CA" sz="2400" b="1" dirty="0">
-                <a:latin typeface="Source Serif Pro" panose="02040603050405020204" pitchFamily="18" charset="0"/>
+                <a:latin typeface="Times New Roman" panose="02020603050405020304" pitchFamily="18" charset="0"/>
                 <a:ea typeface="Source Serif Pro" panose="02040603050405020204" pitchFamily="18" charset="0"/>
+                <a:cs typeface="Times New Roman" panose="02020603050405020304" pitchFamily="18" charset="0"/>
               </a:rPr>
               <a:t>Helpful Buttons</a:t>
             </a:r>
@@ -7952,8 +8034,9 @@
             </a:pPr>
             <a:r>
               <a:rPr lang="en-CA" sz="2400" b="1" dirty="0">
-                <a:latin typeface="Source Serif Pro" panose="02040603050405020204" pitchFamily="18" charset="0"/>
+                <a:latin typeface="Times New Roman" panose="02020603050405020304" pitchFamily="18" charset="0"/>
                 <a:ea typeface="Source Serif Pro" panose="02040603050405020204" pitchFamily="18" charset="0"/>
+                <a:cs typeface="Times New Roman" panose="02020603050405020304" pitchFamily="18" charset="0"/>
               </a:rPr>
               <a:t>Good Overview</a:t>
             </a:r>
@@ -8048,8 +8131,8 @@
         </p:nvSpPr>
         <p:spPr>
           <a:xfrm>
-            <a:off x="4816491" y="323882"/>
-            <a:ext cx="2546852" cy="646331"/>
+            <a:off x="4875482" y="323882"/>
+            <a:ext cx="2428870" cy="646331"/>
           </a:xfrm>
           <a:prstGeom prst="rect">
             <a:avLst/>
@@ -8067,8 +8150,9 @@
                 <a:solidFill>
                   <a:schemeClr val="accent2"/>
                 </a:solidFill>
-                <a:latin typeface="Source Serif Pro" panose="02040603050405020204" pitchFamily="18" charset="0"/>
+                <a:latin typeface="Times New Roman" panose="02020603050405020304" pitchFamily="18" charset="0"/>
                 <a:ea typeface="Source Serif Pro" panose="02040603050405020204" pitchFamily="18" charset="0"/>
+                <a:cs typeface="Times New Roman" panose="02020603050405020304" pitchFamily="18" charset="0"/>
               </a:rPr>
               <a:t>Home Page</a:t>
             </a:r>
@@ -8076,6 +8160,8 @@
               <a:solidFill>
                 <a:schemeClr val="accent2"/>
               </a:solidFill>
+              <a:latin typeface="Times New Roman" panose="02020603050405020304" pitchFamily="18" charset="0"/>
+              <a:cs typeface="Times New Roman" panose="02020603050405020304" pitchFamily="18" charset="0"/>
             </a:endParaRPr>
           </a:p>
         </p:txBody>
@@ -8118,14 +8204,16 @@
             <a:pPr algn="ctr"/>
             <a:r>
               <a:rPr lang="en-CA" sz="2800" b="1" dirty="0">
-                <a:latin typeface="Source Serif Pro" panose="02040603050405020204" pitchFamily="18" charset="0"/>
+                <a:latin typeface="Times New Roman" panose="02020603050405020304" pitchFamily="18" charset="0"/>
                 <a:ea typeface="Source Serif Pro" panose="02040603050405020204" pitchFamily="18" charset="0"/>
+                <a:cs typeface="Times New Roman" panose="02020603050405020304" pitchFamily="18" charset="0"/>
               </a:rPr>
               <a:t>Results:</a:t>
             </a:r>
             <a:endParaRPr lang="en-CA" sz="2800" dirty="0">
-              <a:latin typeface="Source Serif Pro" panose="02040603050405020204" pitchFamily="18" charset="0"/>
+              <a:latin typeface="Times New Roman" panose="02020603050405020304" pitchFamily="18" charset="0"/>
               <a:ea typeface="Source Serif Pro" panose="02040603050405020204" pitchFamily="18" charset="0"/>
+              <a:cs typeface="Times New Roman" panose="02020603050405020304" pitchFamily="18" charset="0"/>
             </a:endParaRPr>
           </a:p>
         </p:txBody>
@@ -8204,8 +8292,9 @@
             </a:pPr>
             <a:r>
               <a:rPr lang="en-CA" sz="2400" b="1" dirty="0">
-                <a:latin typeface="Source Serif Pro" panose="02040603050405020204" pitchFamily="18" charset="0"/>
+                <a:latin typeface="Times New Roman" panose="02020603050405020304" pitchFamily="18" charset="0"/>
                 <a:ea typeface="Source Serif Pro" panose="02040603050405020204" pitchFamily="18" charset="0"/>
+                <a:cs typeface="Times New Roman" panose="02020603050405020304" pitchFamily="18" charset="0"/>
               </a:rPr>
               <a:t>Intuitive</a:t>
             </a:r>
@@ -8217,8 +8306,9 @@
             </a:pPr>
             <a:r>
               <a:rPr lang="en-CA" sz="2400" b="1" dirty="0">
-                <a:latin typeface="Source Serif Pro" panose="02040603050405020204" pitchFamily="18" charset="0"/>
+                <a:latin typeface="Times New Roman" panose="02020603050405020304" pitchFamily="18" charset="0"/>
                 <a:ea typeface="Source Serif Pro" panose="02040603050405020204" pitchFamily="18" charset="0"/>
+                <a:cs typeface="Times New Roman" panose="02020603050405020304" pitchFamily="18" charset="0"/>
               </a:rPr>
               <a:t>Basic</a:t>
             </a:r>
@@ -8230,8 +8320,9 @@
             </a:pPr>
             <a:r>
               <a:rPr lang="en-CA" sz="2400" b="1" dirty="0">
-                <a:latin typeface="Source Serif Pro" panose="02040603050405020204" pitchFamily="18" charset="0"/>
+                <a:latin typeface="Times New Roman" panose="02020603050405020304" pitchFamily="18" charset="0"/>
                 <a:ea typeface="Source Serif Pro" panose="02040603050405020204" pitchFamily="18" charset="0"/>
+                <a:cs typeface="Times New Roman" panose="02020603050405020304" pitchFamily="18" charset="0"/>
               </a:rPr>
               <a:t>Persuasive</a:t>
             </a:r>
@@ -8243,8 +8334,9 @@
             </a:pPr>
             <a:r>
               <a:rPr lang="en-CA" sz="2400" dirty="0">
-                <a:latin typeface="Source Sans Pro" panose="020B0503030403020204" pitchFamily="34" charset="0"/>
+                <a:latin typeface="Times New Roman" panose="02020603050405020304" pitchFamily="18" charset="0"/>
                 <a:ea typeface="Source Sans Pro" panose="020B0503030403020204" pitchFamily="34" charset="0"/>
+                <a:cs typeface="Times New Roman" panose="02020603050405020304" pitchFamily="18" charset="0"/>
               </a:rPr>
               <a:t>Slogans</a:t>
             </a:r>
@@ -8256,14 +8348,16 @@
             </a:pPr>
             <a:r>
               <a:rPr lang="en-CA" sz="2400" dirty="0">
-                <a:latin typeface="Source Sans Pro" panose="020B0503030403020204" pitchFamily="34" charset="0"/>
+                <a:latin typeface="Times New Roman" panose="02020603050405020304" pitchFamily="18" charset="0"/>
                 <a:ea typeface="Source Sans Pro" panose="020B0503030403020204" pitchFamily="34" charset="0"/>
+                <a:cs typeface="Times New Roman" panose="02020603050405020304" pitchFamily="18" charset="0"/>
               </a:rPr>
               <a:t>Quotes</a:t>
             </a:r>
             <a:endParaRPr lang="en-CA" sz="2400" b="1" dirty="0">
-              <a:latin typeface="Source Serif Pro" panose="02040603050405020204" pitchFamily="18" charset="0"/>
+              <a:latin typeface="Times New Roman" panose="02020603050405020304" pitchFamily="18" charset="0"/>
               <a:ea typeface="Source Serif Pro" panose="02040603050405020204" pitchFamily="18" charset="0"/>
+              <a:cs typeface="Times New Roman" panose="02020603050405020304" pitchFamily="18" charset="0"/>
             </a:endParaRPr>
           </a:p>
           <a:p>
@@ -8273,8 +8367,9 @@
             </a:pPr>
             <a:r>
               <a:rPr lang="en-CA" sz="2400" b="1" dirty="0">
-                <a:latin typeface="Source Serif Pro" panose="02040603050405020204" pitchFamily="18" charset="0"/>
+                <a:latin typeface="Times New Roman" panose="02020603050405020304" pitchFamily="18" charset="0"/>
                 <a:ea typeface="Source Serif Pro" panose="02040603050405020204" pitchFamily="18" charset="0"/>
+                <a:cs typeface="Times New Roman" panose="02020603050405020304" pitchFamily="18" charset="0"/>
               </a:rPr>
               <a:t>Clear Titles</a:t>
             </a:r>
@@ -8286,8 +8381,9 @@
             </a:pPr>
             <a:r>
               <a:rPr lang="en-CA" sz="2400" b="1" dirty="0">
-                <a:latin typeface="Source Serif Pro" panose="02040603050405020204" pitchFamily="18" charset="0"/>
+                <a:latin typeface="Times New Roman" panose="02020603050405020304" pitchFamily="18" charset="0"/>
                 <a:ea typeface="Source Serif Pro" panose="02040603050405020204" pitchFamily="18" charset="0"/>
+                <a:cs typeface="Times New Roman" panose="02020603050405020304" pitchFamily="18" charset="0"/>
               </a:rPr>
               <a:t>Helpful Buttons</a:t>
             </a:r>
@@ -8299,8 +8395,9 @@
             </a:pPr>
             <a:r>
               <a:rPr lang="en-CA" sz="2400" b="1" dirty="0">
-                <a:latin typeface="Source Serif Pro" panose="02040603050405020204" pitchFamily="18" charset="0"/>
+                <a:latin typeface="Times New Roman" panose="02020603050405020304" pitchFamily="18" charset="0"/>
                 <a:ea typeface="Source Serif Pro" panose="02040603050405020204" pitchFamily="18" charset="0"/>
+                <a:cs typeface="Times New Roman" panose="02020603050405020304" pitchFamily="18" charset="0"/>
               </a:rPr>
               <a:t>Good Overview</a:t>
             </a:r>
@@ -8439,8 +8536,8 @@
         </p:nvSpPr>
         <p:spPr>
           <a:xfrm>
-            <a:off x="4816491" y="323882"/>
-            <a:ext cx="2546852" cy="646331"/>
+            <a:off x="4875482" y="323882"/>
+            <a:ext cx="2428870" cy="646331"/>
           </a:xfrm>
           <a:prstGeom prst="rect">
             <a:avLst/>
@@ -8458,8 +8555,9 @@
                 <a:solidFill>
                   <a:schemeClr val="accent2"/>
                 </a:solidFill>
-                <a:latin typeface="Source Serif Pro" panose="02040603050405020204" pitchFamily="18" charset="0"/>
+                <a:latin typeface="Times New Roman" panose="02020603050405020304" pitchFamily="18" charset="0"/>
                 <a:ea typeface="Source Serif Pro" panose="02040603050405020204" pitchFamily="18" charset="0"/>
+                <a:cs typeface="Times New Roman" panose="02020603050405020304" pitchFamily="18" charset="0"/>
               </a:rPr>
               <a:t>Home Page</a:t>
             </a:r>
@@ -8467,6 +8565,8 @@
               <a:solidFill>
                 <a:schemeClr val="accent2"/>
               </a:solidFill>
+              <a:latin typeface="Times New Roman" panose="02020603050405020304" pitchFamily="18" charset="0"/>
+              <a:cs typeface="Times New Roman" panose="02020603050405020304" pitchFamily="18" charset="0"/>
             </a:endParaRPr>
           </a:p>
         </p:txBody>
@@ -8509,14 +8609,16 @@
             <a:pPr algn="ctr"/>
             <a:r>
               <a:rPr lang="en-CA" sz="2800" b="1" dirty="0">
-                <a:latin typeface="Source Serif Pro" panose="02040603050405020204" pitchFamily="18" charset="0"/>
+                <a:latin typeface="Times New Roman" panose="02020603050405020304" pitchFamily="18" charset="0"/>
                 <a:ea typeface="Source Serif Pro" panose="02040603050405020204" pitchFamily="18" charset="0"/>
+                <a:cs typeface="Times New Roman" panose="02020603050405020304" pitchFamily="18" charset="0"/>
               </a:rPr>
               <a:t>Results:</a:t>
             </a:r>
             <a:endParaRPr lang="en-CA" sz="2800" dirty="0">
-              <a:latin typeface="Source Serif Pro" panose="02040603050405020204" pitchFamily="18" charset="0"/>
+              <a:latin typeface="Times New Roman" panose="02020603050405020304" pitchFamily="18" charset="0"/>
               <a:ea typeface="Source Serif Pro" panose="02040603050405020204" pitchFamily="18" charset="0"/>
+              <a:cs typeface="Times New Roman" panose="02020603050405020304" pitchFamily="18" charset="0"/>
             </a:endParaRPr>
           </a:p>
         </p:txBody>
@@ -8595,8 +8697,9 @@
             </a:pPr>
             <a:r>
               <a:rPr lang="en-CA" sz="2400" b="1" dirty="0">
-                <a:latin typeface="Source Serif Pro" panose="02040603050405020204" pitchFamily="18" charset="0"/>
+                <a:latin typeface="Times New Roman" panose="02020603050405020304" pitchFamily="18" charset="0"/>
                 <a:ea typeface="Source Serif Pro" panose="02040603050405020204" pitchFamily="18" charset="0"/>
+                <a:cs typeface="Times New Roman" panose="02020603050405020304" pitchFamily="18" charset="0"/>
               </a:rPr>
               <a:t>Intuitive</a:t>
             </a:r>
@@ -8608,8 +8711,9 @@
             </a:pPr>
             <a:r>
               <a:rPr lang="en-CA" sz="2400" b="1" dirty="0">
-                <a:latin typeface="Source Serif Pro" panose="02040603050405020204" pitchFamily="18" charset="0"/>
+                <a:latin typeface="Times New Roman" panose="02020603050405020304" pitchFamily="18" charset="0"/>
                 <a:ea typeface="Source Serif Pro" panose="02040603050405020204" pitchFamily="18" charset="0"/>
+                <a:cs typeface="Times New Roman" panose="02020603050405020304" pitchFamily="18" charset="0"/>
               </a:rPr>
               <a:t>Basic</a:t>
             </a:r>
@@ -8621,8 +8725,9 @@
             </a:pPr>
             <a:r>
               <a:rPr lang="en-CA" sz="2400" b="1" dirty="0">
-                <a:latin typeface="Source Serif Pro" panose="02040603050405020204" pitchFamily="18" charset="0"/>
+                <a:latin typeface="Times New Roman" panose="02020603050405020304" pitchFamily="18" charset="0"/>
                 <a:ea typeface="Source Serif Pro" panose="02040603050405020204" pitchFamily="18" charset="0"/>
+                <a:cs typeface="Times New Roman" panose="02020603050405020304" pitchFamily="18" charset="0"/>
               </a:rPr>
               <a:t>Persuasive</a:t>
             </a:r>
@@ -8634,8 +8739,9 @@
             </a:pPr>
             <a:r>
               <a:rPr lang="en-CA" sz="2400" dirty="0">
-                <a:latin typeface="Source Sans Pro" panose="020B0503030403020204" pitchFamily="34" charset="0"/>
+                <a:latin typeface="Times New Roman" panose="02020603050405020304" pitchFamily="18" charset="0"/>
                 <a:ea typeface="Source Sans Pro" panose="020B0503030403020204" pitchFamily="34" charset="0"/>
+                <a:cs typeface="Times New Roman" panose="02020603050405020304" pitchFamily="18" charset="0"/>
               </a:rPr>
               <a:t>Slogans</a:t>
             </a:r>
@@ -8647,14 +8753,16 @@
             </a:pPr>
             <a:r>
               <a:rPr lang="en-CA" sz="2400" dirty="0">
-                <a:latin typeface="Source Sans Pro" panose="020B0503030403020204" pitchFamily="34" charset="0"/>
+                <a:latin typeface="Times New Roman" panose="02020603050405020304" pitchFamily="18" charset="0"/>
                 <a:ea typeface="Source Sans Pro" panose="020B0503030403020204" pitchFamily="34" charset="0"/>
+                <a:cs typeface="Times New Roman" panose="02020603050405020304" pitchFamily="18" charset="0"/>
               </a:rPr>
               <a:t>Quotes</a:t>
             </a:r>
             <a:endParaRPr lang="en-CA" sz="2400" b="1" dirty="0">
-              <a:latin typeface="Source Serif Pro" panose="02040603050405020204" pitchFamily="18" charset="0"/>
+              <a:latin typeface="Times New Roman" panose="02020603050405020304" pitchFamily="18" charset="0"/>
               <a:ea typeface="Source Serif Pro" panose="02040603050405020204" pitchFamily="18" charset="0"/>
+              <a:cs typeface="Times New Roman" panose="02020603050405020304" pitchFamily="18" charset="0"/>
             </a:endParaRPr>
           </a:p>
           <a:p>
@@ -8664,8 +8772,9 @@
             </a:pPr>
             <a:r>
               <a:rPr lang="en-CA" sz="2400" b="1" dirty="0">
-                <a:latin typeface="Source Serif Pro" panose="02040603050405020204" pitchFamily="18" charset="0"/>
+                <a:latin typeface="Times New Roman" panose="02020603050405020304" pitchFamily="18" charset="0"/>
                 <a:ea typeface="Source Serif Pro" panose="02040603050405020204" pitchFamily="18" charset="0"/>
+                <a:cs typeface="Times New Roman" panose="02020603050405020304" pitchFamily="18" charset="0"/>
               </a:rPr>
               <a:t>Clear Titles</a:t>
             </a:r>
@@ -8677,8 +8786,9 @@
             </a:pPr>
             <a:r>
               <a:rPr lang="en-CA" sz="2400" b="1" dirty="0">
-                <a:latin typeface="Source Serif Pro" panose="02040603050405020204" pitchFamily="18" charset="0"/>
+                <a:latin typeface="Times New Roman" panose="02020603050405020304" pitchFamily="18" charset="0"/>
                 <a:ea typeface="Source Serif Pro" panose="02040603050405020204" pitchFamily="18" charset="0"/>
+                <a:cs typeface="Times New Roman" panose="02020603050405020304" pitchFamily="18" charset="0"/>
               </a:rPr>
               <a:t>Helpful Buttons</a:t>
             </a:r>
@@ -8690,8 +8800,9 @@
             </a:pPr>
             <a:r>
               <a:rPr lang="en-CA" sz="2400" b="1" dirty="0">
-                <a:latin typeface="Source Serif Pro" panose="02040603050405020204" pitchFamily="18" charset="0"/>
+                <a:latin typeface="Times New Roman" panose="02020603050405020304" pitchFamily="18" charset="0"/>
                 <a:ea typeface="Source Serif Pro" panose="02040603050405020204" pitchFamily="18" charset="0"/>
+                <a:cs typeface="Times New Roman" panose="02020603050405020304" pitchFamily="18" charset="0"/>
               </a:rPr>
               <a:t>Good Overview</a:t>
             </a:r>
@@ -8875,7 +8986,7 @@
         <p:spPr>
           <a:xfrm>
             <a:off x="690663" y="1789889"/>
-            <a:ext cx="5768503" cy="3416320"/>
+            <a:ext cx="5768503" cy="3046988"/>
           </a:xfrm>
           <a:prstGeom prst="rect">
             <a:avLst/>
@@ -8895,8 +9006,9 @@
           <a:p>
             <a:r>
               <a:rPr lang="en-CA" sz="2400" b="1" dirty="0">
-                <a:latin typeface="Source Serif Pro" panose="02040603050405020204" pitchFamily="18" charset="0"/>
+                <a:latin typeface="Times New Roman" panose="02020603050405020304" pitchFamily="18" charset="0"/>
                 <a:ea typeface="Source Serif Pro" panose="02040603050405020204" pitchFamily="18" charset="0"/>
+                <a:cs typeface="Times New Roman" panose="02020603050405020304" pitchFamily="18" charset="0"/>
               </a:rPr>
               <a:t>Company Name: </a:t>
             </a:r>
@@ -8904,30 +9016,34 @@
           <a:p>
             <a:r>
               <a:rPr lang="en-CA" sz="2400" dirty="0" err="1">
-                <a:latin typeface="Source Sans Pro" panose="020B0503030403020204" pitchFamily="34" charset="0"/>
+                <a:latin typeface="Times New Roman" panose="02020603050405020304" pitchFamily="18" charset="0"/>
                 <a:ea typeface="Source Sans Pro" panose="020B0503030403020204" pitchFamily="34" charset="0"/>
+                <a:cs typeface="Times New Roman" panose="02020603050405020304" pitchFamily="18" charset="0"/>
               </a:rPr>
               <a:t>Sustainabili</a:t>
             </a:r>
             <a:r>
               <a:rPr lang="en-CA" sz="2400" dirty="0">
-                <a:latin typeface="Source Sans Pro" panose="020B0503030403020204" pitchFamily="34" charset="0"/>
+                <a:latin typeface="Times New Roman" panose="02020603050405020304" pitchFamily="18" charset="0"/>
                 <a:ea typeface="Source Sans Pro" panose="020B0503030403020204" pitchFamily="34" charset="0"/>
+                <a:cs typeface="Times New Roman" panose="02020603050405020304" pitchFamily="18" charset="0"/>
               </a:rPr>
               <a:t>-TREE</a:t>
             </a:r>
           </a:p>
           <a:p>
             <a:endParaRPr lang="en-CA" sz="2400" dirty="0">
-              <a:latin typeface="Source Serif Pro" panose="02040603050405020204" pitchFamily="18" charset="0"/>
+              <a:latin typeface="Times New Roman" panose="02020603050405020304" pitchFamily="18" charset="0"/>
               <a:ea typeface="Source Serif Pro" panose="02040603050405020204" pitchFamily="18" charset="0"/>
+              <a:cs typeface="Times New Roman" panose="02020603050405020304" pitchFamily="18" charset="0"/>
             </a:endParaRPr>
           </a:p>
           <a:p>
             <a:r>
               <a:rPr lang="en-CA" sz="2400" b="1" dirty="0">
-                <a:latin typeface="Source Serif Pro" panose="02040603050405020204" pitchFamily="18" charset="0"/>
+                <a:latin typeface="Times New Roman" panose="02020603050405020304" pitchFamily="18" charset="0"/>
                 <a:ea typeface="Source Serif Pro" panose="02040603050405020204" pitchFamily="18" charset="0"/>
+                <a:cs typeface="Times New Roman" panose="02020603050405020304" pitchFamily="18" charset="0"/>
               </a:rPr>
               <a:t>Purpose: </a:t>
             </a:r>
@@ -8935,23 +9051,26 @@
           <a:p>
             <a:r>
               <a:rPr lang="en-CA" sz="2400" dirty="0">
-                <a:latin typeface="Source Sans Pro" panose="020B0503030403020204" pitchFamily="34" charset="0"/>
+                <a:latin typeface="Times New Roman" panose="02020603050405020304" pitchFamily="18" charset="0"/>
                 <a:ea typeface="Source Sans Pro" panose="020B0503030403020204" pitchFamily="34" charset="0"/>
+                <a:cs typeface="Times New Roman" panose="02020603050405020304" pitchFamily="18" charset="0"/>
               </a:rPr>
               <a:t>Eco-friendly, Christmas tree-rental company</a:t>
             </a:r>
           </a:p>
           <a:p>
             <a:endParaRPr lang="en-CA" sz="2400" dirty="0">
-              <a:latin typeface="Source Sans Pro" panose="020B0503030403020204" pitchFamily="34" charset="0"/>
+              <a:latin typeface="Times New Roman" panose="02020603050405020304" pitchFamily="18" charset="0"/>
               <a:ea typeface="Source Sans Pro" panose="020B0503030403020204" pitchFamily="34" charset="0"/>
+              <a:cs typeface="Times New Roman" panose="02020603050405020304" pitchFamily="18" charset="0"/>
             </a:endParaRPr>
           </a:p>
           <a:p>
             <a:r>
               <a:rPr lang="en-CA" sz="2400" b="1" dirty="0">
-                <a:latin typeface="Source Sans Pro" panose="020B0503030403020204" pitchFamily="34" charset="0"/>
+                <a:latin typeface="Times New Roman" panose="02020603050405020304" pitchFamily="18" charset="0"/>
                 <a:ea typeface="Source Sans Pro" panose="020B0503030403020204" pitchFamily="34" charset="0"/>
+                <a:cs typeface="Times New Roman" panose="02020603050405020304" pitchFamily="18" charset="0"/>
               </a:rPr>
               <a:t>Website URL:</a:t>
             </a:r>
@@ -8959,8 +9078,9 @@
           <a:p>
             <a:r>
               <a:rPr lang="en-CA" sz="2400" dirty="0">
-                <a:latin typeface="Source Sans Pro" panose="020B0503030403020204" pitchFamily="34" charset="0"/>
+                <a:latin typeface="Times New Roman" panose="02020603050405020304" pitchFamily="18" charset="0"/>
                 <a:ea typeface="Source Sans Pro" panose="020B0503030403020204" pitchFamily="34" charset="0"/>
+                <a:cs typeface="Times New Roman" panose="02020603050405020304" pitchFamily="18" charset="0"/>
               </a:rPr>
               <a:t>https://dufo0062.github.io/final/ </a:t>
             </a:r>
@@ -8981,8 +9101,8 @@
         </p:nvSpPr>
         <p:spPr>
           <a:xfrm>
-            <a:off x="4033705" y="318492"/>
-            <a:ext cx="4037773" cy="646331"/>
+            <a:off x="4171307" y="318492"/>
+            <a:ext cx="3762568" cy="646331"/>
           </a:xfrm>
           <a:prstGeom prst="rect">
             <a:avLst/>
@@ -9000,8 +9120,9 @@
                 <a:solidFill>
                   <a:schemeClr val="accent2"/>
                 </a:solidFill>
-                <a:latin typeface="Source Serif Pro" panose="02040603050405020204" pitchFamily="18" charset="0"/>
+                <a:latin typeface="Times New Roman" panose="02020603050405020304" pitchFamily="18" charset="0"/>
                 <a:ea typeface="Source Serif Pro" panose="02040603050405020204" pitchFamily="18" charset="0"/>
+                <a:cs typeface="Times New Roman" panose="02020603050405020304" pitchFamily="18" charset="0"/>
               </a:rPr>
               <a:t>Basic Information</a:t>
             </a:r>
@@ -9009,6 +9130,8 @@
               <a:solidFill>
                 <a:schemeClr val="accent2"/>
               </a:solidFill>
+              <a:latin typeface="Times New Roman" panose="02020603050405020304" pitchFamily="18" charset="0"/>
+              <a:cs typeface="Times New Roman" panose="02020603050405020304" pitchFamily="18" charset="0"/>
             </a:endParaRPr>
           </a:p>
         </p:txBody>
@@ -9097,8 +9220,8 @@
         </p:nvSpPr>
         <p:spPr>
           <a:xfrm>
-            <a:off x="4342484" y="323882"/>
-            <a:ext cx="3494867" cy="646331"/>
+            <a:off x="4430809" y="323882"/>
+            <a:ext cx="3318216" cy="646331"/>
           </a:xfrm>
           <a:prstGeom prst="rect">
             <a:avLst/>
@@ -9116,8 +9239,9 @@
                 <a:solidFill>
                   <a:schemeClr val="accent2"/>
                 </a:solidFill>
-                <a:latin typeface="Source Serif Pro" panose="02040603050405020204" pitchFamily="18" charset="0"/>
+                <a:latin typeface="Times New Roman" panose="02020603050405020304" pitchFamily="18" charset="0"/>
                 <a:ea typeface="Source Serif Pro" panose="02040603050405020204" pitchFamily="18" charset="0"/>
+                <a:cs typeface="Times New Roman" panose="02020603050405020304" pitchFamily="18" charset="0"/>
               </a:rPr>
               <a:t>Creative Design</a:t>
             </a:r>
@@ -9125,6 +9249,8 @@
               <a:solidFill>
                 <a:schemeClr val="accent2"/>
               </a:solidFill>
+              <a:latin typeface="Times New Roman" panose="02020603050405020304" pitchFamily="18" charset="0"/>
+              <a:cs typeface="Times New Roman" panose="02020603050405020304" pitchFamily="18" charset="0"/>
             </a:endParaRPr>
           </a:p>
         </p:txBody>
@@ -9162,15 +9288,17 @@
           <a:p>
             <a:r>
               <a:rPr lang="en-CA" sz="2400" b="1" dirty="0">
-                <a:latin typeface="Source Serif Pro" panose="02040603050405020204" pitchFamily="18" charset="0"/>
+                <a:latin typeface="Times New Roman" panose="02020603050405020304" pitchFamily="18" charset="0"/>
                 <a:ea typeface="Source Serif Pro" panose="02040603050405020204" pitchFamily="18" charset="0"/>
+                <a:cs typeface="Times New Roman" panose="02020603050405020304" pitchFamily="18" charset="0"/>
               </a:rPr>
               <a:t>Inspiration: </a:t>
             </a:r>
             <a:r>
               <a:rPr lang="en-CA" sz="2400" dirty="0">
-                <a:latin typeface="Source Serif Pro" panose="02040603050405020204" pitchFamily="18" charset="0"/>
+                <a:latin typeface="Times New Roman" panose="02020603050405020304" pitchFamily="18" charset="0"/>
                 <a:ea typeface="Source Serif Pro" panose="02040603050405020204" pitchFamily="18" charset="0"/>
+                <a:cs typeface="Times New Roman" panose="02020603050405020304" pitchFamily="18" charset="0"/>
               </a:rPr>
               <a:t>Target Demographic (Environmentalists)</a:t>
             </a:r>
@@ -9215,8 +9343,9 @@
             <a:pPr algn="ctr"/>
             <a:r>
               <a:rPr lang="en-CA" sz="2400" b="1" dirty="0">
-                <a:latin typeface="Source Serif Pro" panose="02040603050405020204" pitchFamily="18" charset="0"/>
+                <a:latin typeface="Times New Roman" panose="02020603050405020304" pitchFamily="18" charset="0"/>
                 <a:ea typeface="Source Serif Pro" panose="02040603050405020204" pitchFamily="18" charset="0"/>
+                <a:cs typeface="Times New Roman" panose="02020603050405020304" pitchFamily="18" charset="0"/>
               </a:rPr>
               <a:t>Characteristics</a:t>
             </a:r>
@@ -9261,8 +9390,9 @@
             <a:pPr algn="ctr"/>
             <a:r>
               <a:rPr lang="en-CA" sz="2400" b="1" dirty="0">
-                <a:latin typeface="Source Serif Pro" panose="02040603050405020204" pitchFamily="18" charset="0"/>
+                <a:latin typeface="Times New Roman" panose="02020603050405020304" pitchFamily="18" charset="0"/>
                 <a:ea typeface="Source Serif Pro" panose="02040603050405020204" pitchFamily="18" charset="0"/>
+                <a:cs typeface="Times New Roman" panose="02020603050405020304" pitchFamily="18" charset="0"/>
               </a:rPr>
               <a:t>Implications</a:t>
             </a:r>
@@ -9306,8 +9436,9 @@
             </a:pPr>
             <a:r>
               <a:rPr lang="en-CA" sz="2400" dirty="0">
-                <a:latin typeface="Source Sans Pro" panose="020B0503030403020204" pitchFamily="34" charset="0"/>
+                <a:latin typeface="Times New Roman" panose="02020603050405020304" pitchFamily="18" charset="0"/>
                 <a:ea typeface="Source Sans Pro" panose="020B0503030403020204" pitchFamily="34" charset="0"/>
+                <a:cs typeface="Times New Roman" panose="02020603050405020304" pitchFamily="18" charset="0"/>
               </a:rPr>
               <a:t>24-40</a:t>
             </a:r>
@@ -9319,8 +9450,9 @@
             </a:pPr>
             <a:r>
               <a:rPr lang="en-CA" sz="2400" dirty="0">
-                <a:latin typeface="Source Sans Pro" panose="020B0503030403020204" pitchFamily="34" charset="0"/>
+                <a:latin typeface="Times New Roman" panose="02020603050405020304" pitchFamily="18" charset="0"/>
                 <a:ea typeface="Source Sans Pro" panose="020B0503030403020204" pitchFamily="34" charset="0"/>
+                <a:cs typeface="Times New Roman" panose="02020603050405020304" pitchFamily="18" charset="0"/>
               </a:rPr>
               <a:t>Busy</a:t>
             </a:r>
@@ -9332,8 +9464,9 @@
             </a:pPr>
             <a:r>
               <a:rPr lang="en-CA" sz="2400" dirty="0">
-                <a:latin typeface="Source Sans Pro" panose="020B0503030403020204" pitchFamily="34" charset="0"/>
+                <a:latin typeface="Times New Roman" panose="02020603050405020304" pitchFamily="18" charset="0"/>
                 <a:ea typeface="Source Sans Pro" panose="020B0503030403020204" pitchFamily="34" charset="0"/>
+                <a:cs typeface="Times New Roman" panose="02020603050405020304" pitchFamily="18" charset="0"/>
               </a:rPr>
               <a:t>Technology-dependent</a:t>
             </a:r>
@@ -9345,8 +9478,9 @@
             </a:pPr>
             <a:r>
               <a:rPr lang="en-CA" sz="2400" dirty="0">
-                <a:latin typeface="Source Sans Pro" panose="020B0503030403020204" pitchFamily="34" charset="0"/>
+                <a:latin typeface="Times New Roman" panose="02020603050405020304" pitchFamily="18" charset="0"/>
                 <a:ea typeface="Source Sans Pro" panose="020B0503030403020204" pitchFamily="34" charset="0"/>
+                <a:cs typeface="Times New Roman" panose="02020603050405020304" pitchFamily="18" charset="0"/>
               </a:rPr>
               <a:t>Nature-lovers</a:t>
             </a:r>
@@ -9358,8 +9492,9 @@
             </a:pPr>
             <a:r>
               <a:rPr lang="en-CA" sz="2400" dirty="0">
-                <a:latin typeface="Source Sans Pro" panose="020B0503030403020204" pitchFamily="34" charset="0"/>
+                <a:latin typeface="Times New Roman" panose="02020603050405020304" pitchFamily="18" charset="0"/>
                 <a:ea typeface="Source Sans Pro" panose="020B0503030403020204" pitchFamily="34" charset="0"/>
+                <a:cs typeface="Times New Roman" panose="02020603050405020304" pitchFamily="18" charset="0"/>
               </a:rPr>
               <a:t>Minimalists</a:t>
             </a:r>
@@ -9371,16 +9506,18 @@
             </a:pPr>
             <a:r>
               <a:rPr lang="en-CA" sz="2400" dirty="0">
-                <a:latin typeface="Source Sans Pro" panose="020B0503030403020204" pitchFamily="34" charset="0"/>
+                <a:latin typeface="Times New Roman" panose="02020603050405020304" pitchFamily="18" charset="0"/>
                 <a:ea typeface="Source Sans Pro" panose="020B0503030403020204" pitchFamily="34" charset="0"/>
+                <a:cs typeface="Times New Roman" panose="02020603050405020304" pitchFamily="18" charset="0"/>
               </a:rPr>
               <a:t>Zero-waste Supporters</a:t>
             </a:r>
           </a:p>
           <a:p>
             <a:endParaRPr lang="en-CA" sz="2400" dirty="0">
-              <a:latin typeface="Source Sans Pro" panose="020B0503030403020204" pitchFamily="34" charset="0"/>
+              <a:latin typeface="Times New Roman" panose="02020603050405020304" pitchFamily="18" charset="0"/>
               <a:ea typeface="Source Sans Pro" panose="020B0503030403020204" pitchFamily="34" charset="0"/>
+              <a:cs typeface="Times New Roman" panose="02020603050405020304" pitchFamily="18" charset="0"/>
             </a:endParaRPr>
           </a:p>
         </p:txBody>
@@ -9418,8 +9555,9 @@
           <a:p>
             <a:r>
               <a:rPr lang="en-CA" sz="2400" b="1" dirty="0">
-                <a:latin typeface="Source Serif Pro" panose="02040603050405020204" pitchFamily="18" charset="0"/>
+                <a:latin typeface="Times New Roman" panose="02020603050405020304" pitchFamily="18" charset="0"/>
                 <a:ea typeface="Source Serif Pro" panose="02040603050405020204" pitchFamily="18" charset="0"/>
+                <a:cs typeface="Times New Roman" panose="02020603050405020304" pitchFamily="18" charset="0"/>
               </a:rPr>
               <a:t>Colours: </a:t>
             </a:r>
@@ -9431,8 +9569,9 @@
             </a:pPr>
             <a:r>
               <a:rPr lang="en-CA" sz="2400" dirty="0">
-                <a:latin typeface="Source Sans Pro" panose="020B0503030403020204" pitchFamily="34" charset="0"/>
+                <a:latin typeface="Times New Roman" panose="02020603050405020304" pitchFamily="18" charset="0"/>
                 <a:ea typeface="Source Sans Pro" panose="020B0503030403020204" pitchFamily="34" charset="0"/>
+                <a:cs typeface="Times New Roman" panose="02020603050405020304" pitchFamily="18" charset="0"/>
               </a:rPr>
               <a:t>Natural </a:t>
             </a:r>
@@ -9444,8 +9583,9 @@
             </a:pPr>
             <a:r>
               <a:rPr lang="en-CA" sz="2400" dirty="0">
-                <a:latin typeface="Source Sans Pro" panose="020B0503030403020204" pitchFamily="34" charset="0"/>
+                <a:latin typeface="Times New Roman" panose="02020603050405020304" pitchFamily="18" charset="0"/>
                 <a:ea typeface="Source Sans Pro" panose="020B0503030403020204" pitchFamily="34" charset="0"/>
+                <a:cs typeface="Times New Roman" panose="02020603050405020304" pitchFamily="18" charset="0"/>
               </a:rPr>
               <a:t>Mature</a:t>
             </a:r>
@@ -9457,8 +9597,9 @@
             </a:pPr>
             <a:r>
               <a:rPr lang="en-CA" sz="2400" dirty="0">
-                <a:latin typeface="Source Sans Pro" panose="020B0503030403020204" pitchFamily="34" charset="0"/>
+                <a:latin typeface="Times New Roman" panose="02020603050405020304" pitchFamily="18" charset="0"/>
                 <a:ea typeface="Source Sans Pro" panose="020B0503030403020204" pitchFamily="34" charset="0"/>
+                <a:cs typeface="Times New Roman" panose="02020603050405020304" pitchFamily="18" charset="0"/>
               </a:rPr>
               <a:t>Green</a:t>
             </a:r>
@@ -9466,8 +9607,9 @@
           <a:p>
             <a:r>
               <a:rPr lang="en-CA" sz="2400" b="1" dirty="0">
-                <a:latin typeface="Source Serif Pro" panose="02040603050405020204" pitchFamily="18" charset="0"/>
+                <a:latin typeface="Times New Roman" panose="02020603050405020304" pitchFamily="18" charset="0"/>
                 <a:ea typeface="Source Serif Pro" panose="02040603050405020204" pitchFamily="18" charset="0"/>
+                <a:cs typeface="Times New Roman" panose="02020603050405020304" pitchFamily="18" charset="0"/>
               </a:rPr>
               <a:t>Content: </a:t>
             </a:r>
@@ -9479,8 +9621,9 @@
             </a:pPr>
             <a:r>
               <a:rPr lang="en-CA" sz="2400" dirty="0">
-                <a:latin typeface="Source Sans Pro" panose="020B0503030403020204" pitchFamily="34" charset="0"/>
+                <a:latin typeface="Times New Roman" panose="02020603050405020304" pitchFamily="18" charset="0"/>
                 <a:ea typeface="Source Sans Pro" panose="020B0503030403020204" pitchFamily="34" charset="0"/>
+                <a:cs typeface="Times New Roman" panose="02020603050405020304" pitchFamily="18" charset="0"/>
               </a:rPr>
               <a:t>Informative</a:t>
             </a:r>
@@ -9492,14 +9635,16 @@
             </a:pPr>
             <a:r>
               <a:rPr lang="en-CA" sz="2400" dirty="0">
-                <a:latin typeface="Source Sans Pro" panose="020B0503030403020204" pitchFamily="34" charset="0"/>
+                <a:latin typeface="Times New Roman" panose="02020603050405020304" pitchFamily="18" charset="0"/>
                 <a:ea typeface="Source Sans Pro" panose="020B0503030403020204" pitchFamily="34" charset="0"/>
+                <a:cs typeface="Times New Roman" panose="02020603050405020304" pitchFamily="18" charset="0"/>
               </a:rPr>
               <a:t>Limited text</a:t>
             </a:r>
             <a:endParaRPr lang="en-CA" sz="2400" b="1" dirty="0">
-              <a:latin typeface="Source Serif Pro" panose="02040603050405020204" pitchFamily="18" charset="0"/>
+              <a:latin typeface="Times New Roman" panose="02020603050405020304" pitchFamily="18" charset="0"/>
               <a:ea typeface="Source Serif Pro" panose="02040603050405020204" pitchFamily="18" charset="0"/>
+              <a:cs typeface="Times New Roman" panose="02020603050405020304" pitchFamily="18" charset="0"/>
             </a:endParaRPr>
           </a:p>
           <a:p>
@@ -9508,14 +9653,16 @@
               <a:buChar char="•"/>
             </a:pPr>
             <a:endParaRPr lang="en-CA" sz="2400" b="1" dirty="0">
-              <a:latin typeface="Source Serif Pro" panose="02040603050405020204" pitchFamily="18" charset="0"/>
+              <a:latin typeface="Times New Roman" panose="02020603050405020304" pitchFamily="18" charset="0"/>
               <a:ea typeface="Source Serif Pro" panose="02040603050405020204" pitchFamily="18" charset="0"/>
+              <a:cs typeface="Times New Roman" panose="02020603050405020304" pitchFamily="18" charset="0"/>
             </a:endParaRPr>
           </a:p>
           <a:p>
             <a:endParaRPr lang="en-CA" sz="2000" b="1" dirty="0">
-              <a:latin typeface="Source Serif Pro" panose="02040603050405020204" pitchFamily="18" charset="0"/>
+              <a:latin typeface="Times New Roman" panose="02020603050405020304" pitchFamily="18" charset="0"/>
               <a:ea typeface="Source Serif Pro" panose="02040603050405020204" pitchFamily="18" charset="0"/>
+              <a:cs typeface="Times New Roman" panose="02020603050405020304" pitchFamily="18" charset="0"/>
             </a:endParaRPr>
           </a:p>
         </p:txBody>
@@ -9553,8 +9700,9 @@
           <a:p>
             <a:r>
               <a:rPr lang="en-CA" sz="2400" b="1" dirty="0">
-                <a:latin typeface="Source Serif Pro" panose="02040603050405020204" pitchFamily="18" charset="0"/>
+                <a:latin typeface="Times New Roman" panose="02020603050405020304" pitchFamily="18" charset="0"/>
                 <a:ea typeface="Source Serif Pro" panose="02040603050405020204" pitchFamily="18" charset="0"/>
+                <a:cs typeface="Times New Roman" panose="02020603050405020304" pitchFamily="18" charset="0"/>
               </a:rPr>
               <a:t>Layout: </a:t>
             </a:r>
@@ -9566,8 +9714,9 @@
             </a:pPr>
             <a:r>
               <a:rPr lang="en-CA" sz="2400" dirty="0">
-                <a:latin typeface="Source Sans Pro" panose="020B0503030403020204" pitchFamily="34" charset="0"/>
+                <a:latin typeface="Times New Roman" panose="02020603050405020304" pitchFamily="18" charset="0"/>
                 <a:ea typeface="Source Sans Pro" panose="020B0503030403020204" pitchFamily="34" charset="0"/>
+                <a:cs typeface="Times New Roman" panose="02020603050405020304" pitchFamily="18" charset="0"/>
               </a:rPr>
               <a:t>Minimalistic</a:t>
             </a:r>
@@ -9579,23 +9728,26 @@
             </a:pPr>
             <a:r>
               <a:rPr lang="en-CA" sz="2400" dirty="0">
-                <a:latin typeface="Source Sans Pro" panose="020B0503030403020204" pitchFamily="34" charset="0"/>
+                <a:latin typeface="Times New Roman" panose="02020603050405020304" pitchFamily="18" charset="0"/>
                 <a:ea typeface="Source Sans Pro" panose="020B0503030403020204" pitchFamily="34" charset="0"/>
+                <a:cs typeface="Times New Roman" panose="02020603050405020304" pitchFamily="18" charset="0"/>
               </a:rPr>
               <a:t>Responsive</a:t>
             </a:r>
           </a:p>
           <a:p>
             <a:endParaRPr lang="en-CA" sz="2400" b="1" dirty="0">
-              <a:latin typeface="Source Serif Pro" panose="02040603050405020204" pitchFamily="18" charset="0"/>
+              <a:latin typeface="Times New Roman" panose="02020603050405020304" pitchFamily="18" charset="0"/>
               <a:ea typeface="Source Serif Pro" panose="02040603050405020204" pitchFamily="18" charset="0"/>
+              <a:cs typeface="Times New Roman" panose="02020603050405020304" pitchFamily="18" charset="0"/>
             </a:endParaRPr>
           </a:p>
           <a:p>
             <a:r>
               <a:rPr lang="en-CA" sz="2400" b="1" dirty="0">
-                <a:latin typeface="Source Serif Pro" panose="02040603050405020204" pitchFamily="18" charset="0"/>
+                <a:latin typeface="Times New Roman" panose="02020603050405020304" pitchFamily="18" charset="0"/>
                 <a:ea typeface="Source Serif Pro" panose="02040603050405020204" pitchFamily="18" charset="0"/>
+                <a:cs typeface="Times New Roman" panose="02020603050405020304" pitchFamily="18" charset="0"/>
               </a:rPr>
               <a:t>Images: </a:t>
             </a:r>
@@ -9607,8 +9759,9 @@
             </a:pPr>
             <a:r>
               <a:rPr lang="en-CA" sz="2400" dirty="0">
-                <a:latin typeface="Source Sans Pro" panose="020B0503030403020204" pitchFamily="34" charset="0"/>
+                <a:latin typeface="Times New Roman" panose="02020603050405020304" pitchFamily="18" charset="0"/>
                 <a:ea typeface="Source Sans Pro" panose="020B0503030403020204" pitchFamily="34" charset="0"/>
+                <a:cs typeface="Times New Roman" panose="02020603050405020304" pitchFamily="18" charset="0"/>
               </a:rPr>
               <a:t>Nature-Oriented</a:t>
             </a:r>
@@ -9619,8 +9772,9 @@
               <a:buChar char="•"/>
             </a:pPr>
             <a:endParaRPr lang="en-CA" sz="2000" b="1" dirty="0">
-              <a:latin typeface="Source Serif Pro" panose="02040603050405020204" pitchFamily="18" charset="0"/>
+              <a:latin typeface="Times New Roman" panose="02020603050405020304" pitchFamily="18" charset="0"/>
               <a:ea typeface="Source Serif Pro" panose="02040603050405020204" pitchFamily="18" charset="0"/>
+              <a:cs typeface="Times New Roman" panose="02020603050405020304" pitchFamily="18" charset="0"/>
             </a:endParaRPr>
           </a:p>
           <a:p>
@@ -9629,14 +9783,16 @@
               <a:buChar char="•"/>
             </a:pPr>
             <a:endParaRPr lang="en-CA" sz="2000" b="1" dirty="0">
-              <a:latin typeface="Source Serif Pro" panose="02040603050405020204" pitchFamily="18" charset="0"/>
+              <a:latin typeface="Times New Roman" panose="02020603050405020304" pitchFamily="18" charset="0"/>
               <a:ea typeface="Source Serif Pro" panose="02040603050405020204" pitchFamily="18" charset="0"/>
+              <a:cs typeface="Times New Roman" panose="02020603050405020304" pitchFamily="18" charset="0"/>
             </a:endParaRPr>
           </a:p>
           <a:p>
             <a:endParaRPr lang="en-CA" sz="2000" b="1" dirty="0">
-              <a:latin typeface="Source Serif Pro" panose="02040603050405020204" pitchFamily="18" charset="0"/>
+              <a:latin typeface="Times New Roman" panose="02020603050405020304" pitchFamily="18" charset="0"/>
               <a:ea typeface="Source Serif Pro" panose="02040603050405020204" pitchFamily="18" charset="0"/>
+              <a:cs typeface="Times New Roman" panose="02020603050405020304" pitchFamily="18" charset="0"/>
             </a:endParaRPr>
           </a:p>
         </p:txBody>
@@ -9689,7 +9845,10 @@
           <a:lstStyle/>
           <a:p>
             <a:pPr algn="ctr"/>
-            <a:endParaRPr lang="en-CA"/>
+            <a:endParaRPr lang="en-CA">
+              <a:latin typeface="Times New Roman" panose="02020603050405020304" pitchFamily="18" charset="0"/>
+              <a:cs typeface="Times New Roman" panose="02020603050405020304" pitchFamily="18" charset="0"/>
+            </a:endParaRPr>
           </a:p>
         </p:txBody>
       </p:sp>
@@ -9741,7 +9900,10 @@
           <a:lstStyle/>
           <a:p>
             <a:pPr algn="ctr"/>
-            <a:endParaRPr lang="en-CA"/>
+            <a:endParaRPr lang="en-CA">
+              <a:latin typeface="Times New Roman" panose="02020603050405020304" pitchFamily="18" charset="0"/>
+              <a:cs typeface="Times New Roman" panose="02020603050405020304" pitchFamily="18" charset="0"/>
+            </a:endParaRPr>
           </a:p>
         </p:txBody>
       </p:sp>
@@ -9789,8 +9951,8 @@
         </p:nvSpPr>
         <p:spPr>
           <a:xfrm>
-            <a:off x="5157640" y="323882"/>
-            <a:ext cx="1864549" cy="646331"/>
+            <a:off x="5202492" y="323882"/>
+            <a:ext cx="1774845" cy="646331"/>
           </a:xfrm>
           <a:prstGeom prst="rect">
             <a:avLst/>
@@ -9808,8 +9970,9 @@
                 <a:solidFill>
                   <a:schemeClr val="accent2"/>
                 </a:solidFill>
-                <a:latin typeface="Source Serif Pro" panose="02040603050405020204" pitchFamily="18" charset="0"/>
+                <a:latin typeface="Times New Roman" panose="02020603050405020304" pitchFamily="18" charset="0"/>
                 <a:ea typeface="Source Serif Pro" panose="02040603050405020204" pitchFamily="18" charset="0"/>
+                <a:cs typeface="Times New Roman" panose="02020603050405020304" pitchFamily="18" charset="0"/>
               </a:rPr>
               <a:t>Content</a:t>
             </a:r>
@@ -9817,6 +9980,8 @@
               <a:solidFill>
                 <a:schemeClr val="accent2"/>
               </a:solidFill>
+              <a:latin typeface="Times New Roman" panose="02020603050405020304" pitchFamily="18" charset="0"/>
+              <a:cs typeface="Times New Roman" panose="02020603050405020304" pitchFamily="18" charset="0"/>
             </a:endParaRPr>
           </a:p>
         </p:txBody>
@@ -9858,14 +10023,16 @@
           <a:p>
             <a:r>
               <a:rPr lang="en-CA" sz="2800" b="1" dirty="0">
-                <a:latin typeface="Source Serif Pro" panose="02040603050405020204" pitchFamily="18" charset="0"/>
+                <a:latin typeface="Times New Roman" panose="02020603050405020304" pitchFamily="18" charset="0"/>
                 <a:ea typeface="Source Serif Pro" panose="02040603050405020204" pitchFamily="18" charset="0"/>
+                <a:cs typeface="Times New Roman" panose="02020603050405020304" pitchFamily="18" charset="0"/>
               </a:rPr>
               <a:t>Essential/Beneficial Elements:</a:t>
             </a:r>
             <a:endParaRPr lang="en-CA" sz="2800" dirty="0">
-              <a:latin typeface="Source Serif Pro" panose="02040603050405020204" pitchFamily="18" charset="0"/>
+              <a:latin typeface="Times New Roman" panose="02020603050405020304" pitchFamily="18" charset="0"/>
               <a:ea typeface="Source Serif Pro" panose="02040603050405020204" pitchFamily="18" charset="0"/>
+              <a:cs typeface="Times New Roman" panose="02020603050405020304" pitchFamily="18" charset="0"/>
             </a:endParaRPr>
           </a:p>
         </p:txBody>
@@ -9909,8 +10076,9 @@
             </a:pPr>
             <a:r>
               <a:rPr lang="en-CA" sz="2400" b="1" dirty="0">
-                <a:latin typeface="Source Serif Pro" panose="02040603050405020204" pitchFamily="18" charset="0"/>
+                <a:latin typeface="Times New Roman" panose="02020603050405020304" pitchFamily="18" charset="0"/>
                 <a:ea typeface="Source Serif Pro" panose="02040603050405020204" pitchFamily="18" charset="0"/>
+                <a:cs typeface="Times New Roman" panose="02020603050405020304" pitchFamily="18" charset="0"/>
               </a:rPr>
               <a:t>Company Information </a:t>
             </a:r>
@@ -9922,8 +10090,9 @@
             </a:pPr>
             <a:r>
               <a:rPr lang="en-CA" sz="2400" dirty="0">
-                <a:latin typeface="Source Sans Pro" panose="020B0503030403020204" pitchFamily="34" charset="0"/>
+                <a:latin typeface="Times New Roman" panose="02020603050405020304" pitchFamily="18" charset="0"/>
                 <a:ea typeface="Source Sans Pro" panose="020B0503030403020204" pitchFamily="34" charset="0"/>
+                <a:cs typeface="Times New Roman" panose="02020603050405020304" pitchFamily="18" charset="0"/>
               </a:rPr>
               <a:t>Purpose</a:t>
             </a:r>
@@ -9935,8 +10104,9 @@
             </a:pPr>
             <a:r>
               <a:rPr lang="en-CA" sz="2400" dirty="0">
-                <a:latin typeface="Source Sans Pro" panose="020B0503030403020204" pitchFamily="34" charset="0"/>
+                <a:latin typeface="Times New Roman" panose="02020603050405020304" pitchFamily="18" charset="0"/>
                 <a:ea typeface="Source Sans Pro" panose="020B0503030403020204" pitchFamily="34" charset="0"/>
+                <a:cs typeface="Times New Roman" panose="02020603050405020304" pitchFamily="18" charset="0"/>
               </a:rPr>
               <a:t>Benefits</a:t>
             </a:r>
@@ -9948,8 +10118,9 @@
             </a:pPr>
             <a:r>
               <a:rPr lang="en-CA" sz="2400" b="1" dirty="0">
-                <a:latin typeface="Source Serif Pro" panose="02040603050405020204" pitchFamily="18" charset="0"/>
+                <a:latin typeface="Times New Roman" panose="02020603050405020304" pitchFamily="18" charset="0"/>
                 <a:ea typeface="Source Serif Pro" panose="02040603050405020204" pitchFamily="18" charset="0"/>
+                <a:cs typeface="Times New Roman" panose="02020603050405020304" pitchFamily="18" charset="0"/>
               </a:rPr>
               <a:t>Tree Information  </a:t>
             </a:r>
@@ -9961,8 +10132,9 @@
             </a:pPr>
             <a:r>
               <a:rPr lang="en-CA" sz="2400" dirty="0">
-                <a:latin typeface="Source Sans Pro" panose="020B0503030403020204" pitchFamily="34" charset="0"/>
+                <a:latin typeface="Times New Roman" panose="02020603050405020304" pitchFamily="18" charset="0"/>
                 <a:ea typeface="Source Sans Pro" panose="020B0503030403020204" pitchFamily="34" charset="0"/>
+                <a:cs typeface="Times New Roman" panose="02020603050405020304" pitchFamily="18" charset="0"/>
               </a:rPr>
               <a:t>Type</a:t>
             </a:r>
@@ -9974,8 +10146,9 @@
             </a:pPr>
             <a:r>
               <a:rPr lang="en-CA" sz="2400" dirty="0">
-                <a:latin typeface="Source Sans Pro" panose="020B0503030403020204" pitchFamily="34" charset="0"/>
+                <a:latin typeface="Times New Roman" panose="02020603050405020304" pitchFamily="18" charset="0"/>
                 <a:ea typeface="Source Sans Pro" panose="020B0503030403020204" pitchFamily="34" charset="0"/>
+                <a:cs typeface="Times New Roman" panose="02020603050405020304" pitchFamily="18" charset="0"/>
               </a:rPr>
               <a:t>Cost</a:t>
             </a:r>
@@ -9987,14 +10160,16 @@
             </a:pPr>
             <a:r>
               <a:rPr lang="en-CA" sz="2400" dirty="0">
-                <a:latin typeface="Source Sans Pro" panose="020B0503030403020204" pitchFamily="34" charset="0"/>
+                <a:latin typeface="Times New Roman" panose="02020603050405020304" pitchFamily="18" charset="0"/>
                 <a:ea typeface="Source Sans Pro" panose="020B0503030403020204" pitchFamily="34" charset="0"/>
+                <a:cs typeface="Times New Roman" panose="02020603050405020304" pitchFamily="18" charset="0"/>
               </a:rPr>
               <a:t>Care</a:t>
             </a:r>
             <a:endParaRPr lang="en-CA" sz="2400" b="1" dirty="0">
-              <a:latin typeface="Source Sans Pro" panose="020B0503030403020204" pitchFamily="34" charset="0"/>
+              <a:latin typeface="Times New Roman" panose="02020603050405020304" pitchFamily="18" charset="0"/>
               <a:ea typeface="Source Sans Pro" panose="020B0503030403020204" pitchFamily="34" charset="0"/>
+              <a:cs typeface="Times New Roman" panose="02020603050405020304" pitchFamily="18" charset="0"/>
             </a:endParaRPr>
           </a:p>
           <a:p>
@@ -10004,8 +10179,9 @@
             </a:pPr>
             <a:r>
               <a:rPr lang="en-CA" sz="2400" b="1" dirty="0">
-                <a:latin typeface="Source Serif Pro" panose="02040603050405020204" pitchFamily="18" charset="0"/>
+                <a:latin typeface="Times New Roman" panose="02020603050405020304" pitchFamily="18" charset="0"/>
                 <a:ea typeface="Source Serif Pro" panose="02040603050405020204" pitchFamily="18" charset="0"/>
+                <a:cs typeface="Times New Roman" panose="02020603050405020304" pitchFamily="18" charset="0"/>
               </a:rPr>
               <a:t>Reservations</a:t>
             </a:r>
@@ -10017,8 +10193,9 @@
             </a:pPr>
             <a:r>
               <a:rPr lang="en-CA" sz="2400" b="1" dirty="0">
-                <a:latin typeface="Source Serif Pro" panose="02040603050405020204" pitchFamily="18" charset="0"/>
+                <a:latin typeface="Times New Roman" panose="02020603050405020304" pitchFamily="18" charset="0"/>
                 <a:ea typeface="Source Serif Pro" panose="02040603050405020204" pitchFamily="18" charset="0"/>
+                <a:cs typeface="Times New Roman" panose="02020603050405020304" pitchFamily="18" charset="0"/>
               </a:rPr>
               <a:t>Inspiration </a:t>
             </a:r>
@@ -10030,14 +10207,16 @@
             </a:pPr>
             <a:r>
               <a:rPr lang="en-CA" sz="2400" dirty="0">
-                <a:latin typeface="Source Sans Pro" panose="020B0503030403020204" pitchFamily="34" charset="0"/>
+                <a:latin typeface="Times New Roman" panose="02020603050405020304" pitchFamily="18" charset="0"/>
                 <a:ea typeface="Source Sans Pro" panose="020B0503030403020204" pitchFamily="34" charset="0"/>
+                <a:cs typeface="Times New Roman" panose="02020603050405020304" pitchFamily="18" charset="0"/>
               </a:rPr>
               <a:t>Blog</a:t>
             </a:r>
             <a:endParaRPr lang="en-CA" sz="2000" b="1" dirty="0">
-              <a:latin typeface="Source Serif Pro" panose="02040603050405020204" pitchFamily="18" charset="0"/>
+              <a:latin typeface="Times New Roman" panose="02020603050405020304" pitchFamily="18" charset="0"/>
               <a:ea typeface="Source Serif Pro" panose="02040603050405020204" pitchFamily="18" charset="0"/>
+              <a:cs typeface="Times New Roman" panose="02020603050405020304" pitchFamily="18" charset="0"/>
             </a:endParaRPr>
           </a:p>
           <a:p>
@@ -10047,14 +10226,16 @@
             </a:pPr>
             <a:r>
               <a:rPr lang="en-CA" sz="2400" b="1" dirty="0">
-                <a:latin typeface="Source Serif Pro" panose="02040603050405020204" pitchFamily="18" charset="0"/>
+                <a:latin typeface="Times New Roman" panose="02020603050405020304" pitchFamily="18" charset="0"/>
                 <a:ea typeface="Source Serif Pro" panose="02040603050405020204" pitchFamily="18" charset="0"/>
+                <a:cs typeface="Times New Roman" panose="02020603050405020304" pitchFamily="18" charset="0"/>
               </a:rPr>
               <a:t>Contact</a:t>
             </a:r>
             <a:endParaRPr lang="en-CA" sz="2400" dirty="0">
-              <a:latin typeface="Source Sans Pro" panose="020B0503030403020204" pitchFamily="34" charset="0"/>
+              <a:latin typeface="Times New Roman" panose="02020603050405020304" pitchFamily="18" charset="0"/>
               <a:ea typeface="Source Sans Pro" panose="020B0503030403020204" pitchFamily="34" charset="0"/>
+              <a:cs typeface="Times New Roman" panose="02020603050405020304" pitchFamily="18" charset="0"/>
             </a:endParaRPr>
           </a:p>
         </p:txBody>
@@ -10137,8 +10318,8 @@
         </p:nvSpPr>
         <p:spPr>
           <a:xfrm>
-            <a:off x="5157640" y="323882"/>
-            <a:ext cx="1864549" cy="646331"/>
+            <a:off x="5202492" y="323882"/>
+            <a:ext cx="1774845" cy="646331"/>
           </a:xfrm>
           <a:prstGeom prst="rect">
             <a:avLst/>
@@ -10156,8 +10337,9 @@
                 <a:solidFill>
                   <a:schemeClr val="accent2"/>
                 </a:solidFill>
-                <a:latin typeface="Source Serif Pro" panose="02040603050405020204" pitchFamily="18" charset="0"/>
+                <a:latin typeface="Times New Roman" panose="02020603050405020304" pitchFamily="18" charset="0"/>
                 <a:ea typeface="Source Serif Pro" panose="02040603050405020204" pitchFamily="18" charset="0"/>
+                <a:cs typeface="Times New Roman" panose="02020603050405020304" pitchFamily="18" charset="0"/>
               </a:rPr>
               <a:t>Content</a:t>
             </a:r>
@@ -10165,6 +10347,8 @@
               <a:solidFill>
                 <a:schemeClr val="accent2"/>
               </a:solidFill>
+              <a:latin typeface="Times New Roman" panose="02020603050405020304" pitchFamily="18" charset="0"/>
+              <a:cs typeface="Times New Roman" panose="02020603050405020304" pitchFamily="18" charset="0"/>
             </a:endParaRPr>
           </a:p>
         </p:txBody>
@@ -10206,14 +10390,16 @@
           <a:p>
             <a:r>
               <a:rPr lang="en-CA" sz="2800" b="1" dirty="0">
-                <a:latin typeface="Source Serif Pro" panose="02040603050405020204" pitchFamily="18" charset="0"/>
+                <a:latin typeface="Times New Roman" panose="02020603050405020304" pitchFamily="18" charset="0"/>
                 <a:ea typeface="Source Serif Pro" panose="02040603050405020204" pitchFamily="18" charset="0"/>
+                <a:cs typeface="Times New Roman" panose="02020603050405020304" pitchFamily="18" charset="0"/>
               </a:rPr>
               <a:t>Essential/Beneficial Elements:</a:t>
             </a:r>
             <a:endParaRPr lang="en-CA" sz="2800" dirty="0">
-              <a:latin typeface="Source Serif Pro" panose="02040603050405020204" pitchFamily="18" charset="0"/>
+              <a:latin typeface="Times New Roman" panose="02020603050405020304" pitchFamily="18" charset="0"/>
               <a:ea typeface="Source Serif Pro" panose="02040603050405020204" pitchFamily="18" charset="0"/>
+              <a:cs typeface="Times New Roman" panose="02020603050405020304" pitchFamily="18" charset="0"/>
             </a:endParaRPr>
           </a:p>
         </p:txBody>
@@ -10257,8 +10443,9 @@
             </a:pPr>
             <a:r>
               <a:rPr lang="en-CA" sz="2400" b="1" dirty="0">
-                <a:latin typeface="Source Serif Pro" panose="02040603050405020204" pitchFamily="18" charset="0"/>
+                <a:latin typeface="Times New Roman" panose="02020603050405020304" pitchFamily="18" charset="0"/>
                 <a:ea typeface="Source Serif Pro" panose="02040603050405020204" pitchFamily="18" charset="0"/>
+                <a:cs typeface="Times New Roman" panose="02020603050405020304" pitchFamily="18" charset="0"/>
               </a:rPr>
               <a:t>Company Information </a:t>
             </a:r>
@@ -10270,8 +10457,9 @@
             </a:pPr>
             <a:r>
               <a:rPr lang="en-CA" sz="2400" dirty="0">
-                <a:latin typeface="Source Sans Pro" panose="020B0503030403020204" pitchFamily="34" charset="0"/>
+                <a:latin typeface="Times New Roman" panose="02020603050405020304" pitchFamily="18" charset="0"/>
                 <a:ea typeface="Source Sans Pro" panose="020B0503030403020204" pitchFamily="34" charset="0"/>
+                <a:cs typeface="Times New Roman" panose="02020603050405020304" pitchFamily="18" charset="0"/>
               </a:rPr>
               <a:t>Purpose</a:t>
             </a:r>
@@ -10283,8 +10471,9 @@
             </a:pPr>
             <a:r>
               <a:rPr lang="en-CA" sz="2400" dirty="0">
-                <a:latin typeface="Source Sans Pro" panose="020B0503030403020204" pitchFamily="34" charset="0"/>
+                <a:latin typeface="Times New Roman" panose="02020603050405020304" pitchFamily="18" charset="0"/>
                 <a:ea typeface="Source Sans Pro" panose="020B0503030403020204" pitchFamily="34" charset="0"/>
+                <a:cs typeface="Times New Roman" panose="02020603050405020304" pitchFamily="18" charset="0"/>
               </a:rPr>
               <a:t>Benefits</a:t>
             </a:r>
@@ -10296,8 +10485,9 @@
             </a:pPr>
             <a:r>
               <a:rPr lang="en-CA" sz="2400" b="1" dirty="0">
-                <a:latin typeface="Source Serif Pro" panose="02040603050405020204" pitchFamily="18" charset="0"/>
+                <a:latin typeface="Times New Roman" panose="02020603050405020304" pitchFamily="18" charset="0"/>
                 <a:ea typeface="Source Serif Pro" panose="02040603050405020204" pitchFamily="18" charset="0"/>
+                <a:cs typeface="Times New Roman" panose="02020603050405020304" pitchFamily="18" charset="0"/>
               </a:rPr>
               <a:t>Tree Information  </a:t>
             </a:r>
@@ -10309,8 +10499,9 @@
             </a:pPr>
             <a:r>
               <a:rPr lang="en-CA" sz="2400" dirty="0">
-                <a:latin typeface="Source Sans Pro" panose="020B0503030403020204" pitchFamily="34" charset="0"/>
+                <a:latin typeface="Times New Roman" panose="02020603050405020304" pitchFamily="18" charset="0"/>
                 <a:ea typeface="Source Sans Pro" panose="020B0503030403020204" pitchFamily="34" charset="0"/>
+                <a:cs typeface="Times New Roman" panose="02020603050405020304" pitchFamily="18" charset="0"/>
               </a:rPr>
               <a:t>Type</a:t>
             </a:r>
@@ -10322,8 +10513,9 @@
             </a:pPr>
             <a:r>
               <a:rPr lang="en-CA" sz="2400" dirty="0">
-                <a:latin typeface="Source Sans Pro" panose="020B0503030403020204" pitchFamily="34" charset="0"/>
+                <a:latin typeface="Times New Roman" panose="02020603050405020304" pitchFamily="18" charset="0"/>
                 <a:ea typeface="Source Sans Pro" panose="020B0503030403020204" pitchFamily="34" charset="0"/>
+                <a:cs typeface="Times New Roman" panose="02020603050405020304" pitchFamily="18" charset="0"/>
               </a:rPr>
               <a:t>Cost</a:t>
             </a:r>
@@ -10335,14 +10527,16 @@
             </a:pPr>
             <a:r>
               <a:rPr lang="en-CA" sz="2400" dirty="0">
-                <a:latin typeface="Source Sans Pro" panose="020B0503030403020204" pitchFamily="34" charset="0"/>
+                <a:latin typeface="Times New Roman" panose="02020603050405020304" pitchFamily="18" charset="0"/>
                 <a:ea typeface="Source Sans Pro" panose="020B0503030403020204" pitchFamily="34" charset="0"/>
+                <a:cs typeface="Times New Roman" panose="02020603050405020304" pitchFamily="18" charset="0"/>
               </a:rPr>
               <a:t>Care</a:t>
             </a:r>
             <a:endParaRPr lang="en-CA" sz="2400" b="1" dirty="0">
-              <a:latin typeface="Source Sans Pro" panose="020B0503030403020204" pitchFamily="34" charset="0"/>
+              <a:latin typeface="Times New Roman" panose="02020603050405020304" pitchFamily="18" charset="0"/>
               <a:ea typeface="Source Sans Pro" panose="020B0503030403020204" pitchFamily="34" charset="0"/>
+              <a:cs typeface="Times New Roman" panose="02020603050405020304" pitchFamily="18" charset="0"/>
             </a:endParaRPr>
           </a:p>
           <a:p>
@@ -10352,8 +10546,9 @@
             </a:pPr>
             <a:r>
               <a:rPr lang="en-CA" sz="2400" b="1" dirty="0">
-                <a:latin typeface="Source Serif Pro" panose="02040603050405020204" pitchFamily="18" charset="0"/>
+                <a:latin typeface="Times New Roman" panose="02020603050405020304" pitchFamily="18" charset="0"/>
                 <a:ea typeface="Source Serif Pro" panose="02040603050405020204" pitchFamily="18" charset="0"/>
+                <a:cs typeface="Times New Roman" panose="02020603050405020304" pitchFamily="18" charset="0"/>
               </a:rPr>
               <a:t>Reservations</a:t>
             </a:r>
@@ -10365,8 +10560,9 @@
             </a:pPr>
             <a:r>
               <a:rPr lang="en-CA" sz="2400" b="1" dirty="0">
-                <a:latin typeface="Source Serif Pro" panose="02040603050405020204" pitchFamily="18" charset="0"/>
+                <a:latin typeface="Times New Roman" panose="02020603050405020304" pitchFamily="18" charset="0"/>
                 <a:ea typeface="Source Serif Pro" panose="02040603050405020204" pitchFamily="18" charset="0"/>
+                <a:cs typeface="Times New Roman" panose="02020603050405020304" pitchFamily="18" charset="0"/>
               </a:rPr>
               <a:t>Inspiration </a:t>
             </a:r>
@@ -10378,14 +10574,16 @@
             </a:pPr>
             <a:r>
               <a:rPr lang="en-CA" sz="2400" dirty="0">
-                <a:latin typeface="Source Sans Pro" panose="020B0503030403020204" pitchFamily="34" charset="0"/>
+                <a:latin typeface="Times New Roman" panose="02020603050405020304" pitchFamily="18" charset="0"/>
                 <a:ea typeface="Source Sans Pro" panose="020B0503030403020204" pitchFamily="34" charset="0"/>
+                <a:cs typeface="Times New Roman" panose="02020603050405020304" pitchFamily="18" charset="0"/>
               </a:rPr>
               <a:t>Blog</a:t>
             </a:r>
             <a:endParaRPr lang="en-CA" sz="2000" b="1" dirty="0">
-              <a:latin typeface="Source Serif Pro" panose="02040603050405020204" pitchFamily="18" charset="0"/>
+              <a:latin typeface="Times New Roman" panose="02020603050405020304" pitchFamily="18" charset="0"/>
               <a:ea typeface="Source Serif Pro" panose="02040603050405020204" pitchFamily="18" charset="0"/>
+              <a:cs typeface="Times New Roman" panose="02020603050405020304" pitchFamily="18" charset="0"/>
             </a:endParaRPr>
           </a:p>
           <a:p>
@@ -10395,14 +10593,16 @@
             </a:pPr>
             <a:r>
               <a:rPr lang="en-CA" sz="2400" b="1" dirty="0">
-                <a:latin typeface="Source Serif Pro" panose="02040603050405020204" pitchFamily="18" charset="0"/>
+                <a:latin typeface="Times New Roman" panose="02020603050405020304" pitchFamily="18" charset="0"/>
                 <a:ea typeface="Source Serif Pro" panose="02040603050405020204" pitchFamily="18" charset="0"/>
+                <a:cs typeface="Times New Roman" panose="02020603050405020304" pitchFamily="18" charset="0"/>
               </a:rPr>
               <a:t>Contact</a:t>
             </a:r>
             <a:endParaRPr lang="en-CA" sz="2400" dirty="0">
-              <a:latin typeface="Source Sans Pro" panose="020B0503030403020204" pitchFamily="34" charset="0"/>
+              <a:latin typeface="Times New Roman" panose="02020603050405020304" pitchFamily="18" charset="0"/>
               <a:ea typeface="Source Sans Pro" panose="020B0503030403020204" pitchFamily="34" charset="0"/>
+              <a:cs typeface="Times New Roman" panose="02020603050405020304" pitchFamily="18" charset="0"/>
             </a:endParaRPr>
           </a:p>
         </p:txBody>
@@ -10527,8 +10727,8 @@
         </p:nvSpPr>
         <p:spPr>
           <a:xfrm>
-            <a:off x="5157640" y="323882"/>
-            <a:ext cx="1864549" cy="646331"/>
+            <a:off x="5202492" y="323882"/>
+            <a:ext cx="1774845" cy="646331"/>
           </a:xfrm>
           <a:prstGeom prst="rect">
             <a:avLst/>
@@ -10546,8 +10746,9 @@
                 <a:solidFill>
                   <a:schemeClr val="accent2"/>
                 </a:solidFill>
-                <a:latin typeface="Source Serif Pro" panose="02040603050405020204" pitchFamily="18" charset="0"/>
+                <a:latin typeface="Times New Roman" panose="02020603050405020304" pitchFamily="18" charset="0"/>
                 <a:ea typeface="Source Serif Pro" panose="02040603050405020204" pitchFamily="18" charset="0"/>
+                <a:cs typeface="Times New Roman" panose="02020603050405020304" pitchFamily="18" charset="0"/>
               </a:rPr>
               <a:t>Content</a:t>
             </a:r>
@@ -10555,6 +10756,8 @@
               <a:solidFill>
                 <a:schemeClr val="accent2"/>
               </a:solidFill>
+              <a:latin typeface="Times New Roman" panose="02020603050405020304" pitchFamily="18" charset="0"/>
+              <a:cs typeface="Times New Roman" panose="02020603050405020304" pitchFamily="18" charset="0"/>
             </a:endParaRPr>
           </a:p>
         </p:txBody>
@@ -10596,14 +10799,16 @@
           <a:p>
             <a:r>
               <a:rPr lang="en-CA" sz="2800" b="1" dirty="0">
-                <a:latin typeface="Source Serif Pro" panose="02040603050405020204" pitchFamily="18" charset="0"/>
+                <a:latin typeface="Times New Roman" panose="02020603050405020304" pitchFamily="18" charset="0"/>
                 <a:ea typeface="Source Serif Pro" panose="02040603050405020204" pitchFamily="18" charset="0"/>
+                <a:cs typeface="Times New Roman" panose="02020603050405020304" pitchFamily="18" charset="0"/>
               </a:rPr>
               <a:t>Essential/Beneficial Elements:</a:t>
             </a:r>
             <a:endParaRPr lang="en-CA" sz="2800" dirty="0">
-              <a:latin typeface="Source Serif Pro" panose="02040603050405020204" pitchFamily="18" charset="0"/>
+              <a:latin typeface="Times New Roman" panose="02020603050405020304" pitchFamily="18" charset="0"/>
               <a:ea typeface="Source Serif Pro" panose="02040603050405020204" pitchFamily="18" charset="0"/>
+              <a:cs typeface="Times New Roman" panose="02020603050405020304" pitchFamily="18" charset="0"/>
             </a:endParaRPr>
           </a:p>
         </p:txBody>
@@ -10647,8 +10852,9 @@
             </a:pPr>
             <a:r>
               <a:rPr lang="en-CA" sz="2400" b="1" dirty="0">
-                <a:latin typeface="Source Serif Pro" panose="02040603050405020204" pitchFamily="18" charset="0"/>
+                <a:latin typeface="Times New Roman" panose="02020603050405020304" pitchFamily="18" charset="0"/>
                 <a:ea typeface="Source Serif Pro" panose="02040603050405020204" pitchFamily="18" charset="0"/>
+                <a:cs typeface="Times New Roman" panose="02020603050405020304" pitchFamily="18" charset="0"/>
               </a:rPr>
               <a:t>Company Information </a:t>
             </a:r>
@@ -10660,8 +10866,9 @@
             </a:pPr>
             <a:r>
               <a:rPr lang="en-CA" sz="2400" dirty="0">
-                <a:latin typeface="Source Sans Pro" panose="020B0503030403020204" pitchFamily="34" charset="0"/>
+                <a:latin typeface="Times New Roman" panose="02020603050405020304" pitchFamily="18" charset="0"/>
                 <a:ea typeface="Source Sans Pro" panose="020B0503030403020204" pitchFamily="34" charset="0"/>
+                <a:cs typeface="Times New Roman" panose="02020603050405020304" pitchFamily="18" charset="0"/>
               </a:rPr>
               <a:t>Purpose</a:t>
             </a:r>
@@ -10673,8 +10880,9 @@
             </a:pPr>
             <a:r>
               <a:rPr lang="en-CA" sz="2400" dirty="0">
-                <a:latin typeface="Source Sans Pro" panose="020B0503030403020204" pitchFamily="34" charset="0"/>
+                <a:latin typeface="Times New Roman" panose="02020603050405020304" pitchFamily="18" charset="0"/>
                 <a:ea typeface="Source Sans Pro" panose="020B0503030403020204" pitchFamily="34" charset="0"/>
+                <a:cs typeface="Times New Roman" panose="02020603050405020304" pitchFamily="18" charset="0"/>
               </a:rPr>
               <a:t>Benefits</a:t>
             </a:r>
@@ -10686,8 +10894,9 @@
             </a:pPr>
             <a:r>
               <a:rPr lang="en-CA" sz="2400" b="1" dirty="0">
-                <a:latin typeface="Source Serif Pro" panose="02040603050405020204" pitchFamily="18" charset="0"/>
+                <a:latin typeface="Times New Roman" panose="02020603050405020304" pitchFamily="18" charset="0"/>
                 <a:ea typeface="Source Serif Pro" panose="02040603050405020204" pitchFamily="18" charset="0"/>
+                <a:cs typeface="Times New Roman" panose="02020603050405020304" pitchFamily="18" charset="0"/>
               </a:rPr>
               <a:t>Tree Information  </a:t>
             </a:r>
@@ -10699,8 +10908,9 @@
             </a:pPr>
             <a:r>
               <a:rPr lang="en-CA" sz="2400" dirty="0">
-                <a:latin typeface="Source Sans Pro" panose="020B0503030403020204" pitchFamily="34" charset="0"/>
+                <a:latin typeface="Times New Roman" panose="02020603050405020304" pitchFamily="18" charset="0"/>
                 <a:ea typeface="Source Sans Pro" panose="020B0503030403020204" pitchFamily="34" charset="0"/>
+                <a:cs typeface="Times New Roman" panose="02020603050405020304" pitchFamily="18" charset="0"/>
               </a:rPr>
               <a:t>Type</a:t>
             </a:r>
@@ -10712,8 +10922,9 @@
             </a:pPr>
             <a:r>
               <a:rPr lang="en-CA" sz="2400" dirty="0">
-                <a:latin typeface="Source Sans Pro" panose="020B0503030403020204" pitchFamily="34" charset="0"/>
+                <a:latin typeface="Times New Roman" panose="02020603050405020304" pitchFamily="18" charset="0"/>
                 <a:ea typeface="Source Sans Pro" panose="020B0503030403020204" pitchFamily="34" charset="0"/>
+                <a:cs typeface="Times New Roman" panose="02020603050405020304" pitchFamily="18" charset="0"/>
               </a:rPr>
               <a:t>Cost</a:t>
             </a:r>
@@ -10725,14 +10936,16 @@
             </a:pPr>
             <a:r>
               <a:rPr lang="en-CA" sz="2400" dirty="0">
-                <a:latin typeface="Source Sans Pro" panose="020B0503030403020204" pitchFamily="34" charset="0"/>
+                <a:latin typeface="Times New Roman" panose="02020603050405020304" pitchFamily="18" charset="0"/>
                 <a:ea typeface="Source Sans Pro" panose="020B0503030403020204" pitchFamily="34" charset="0"/>
+                <a:cs typeface="Times New Roman" panose="02020603050405020304" pitchFamily="18" charset="0"/>
               </a:rPr>
               <a:t>Care</a:t>
             </a:r>
             <a:endParaRPr lang="en-CA" sz="2400" b="1" dirty="0">
-              <a:latin typeface="Source Sans Pro" panose="020B0503030403020204" pitchFamily="34" charset="0"/>
+              <a:latin typeface="Times New Roman" panose="02020603050405020304" pitchFamily="18" charset="0"/>
               <a:ea typeface="Source Sans Pro" panose="020B0503030403020204" pitchFamily="34" charset="0"/>
+              <a:cs typeface="Times New Roman" panose="02020603050405020304" pitchFamily="18" charset="0"/>
             </a:endParaRPr>
           </a:p>
           <a:p>
@@ -10742,8 +10955,9 @@
             </a:pPr>
             <a:r>
               <a:rPr lang="en-CA" sz="2400" b="1" dirty="0">
-                <a:latin typeface="Source Serif Pro" panose="02040603050405020204" pitchFamily="18" charset="0"/>
+                <a:latin typeface="Times New Roman" panose="02020603050405020304" pitchFamily="18" charset="0"/>
                 <a:ea typeface="Source Serif Pro" panose="02040603050405020204" pitchFamily="18" charset="0"/>
+                <a:cs typeface="Times New Roman" panose="02020603050405020304" pitchFamily="18" charset="0"/>
               </a:rPr>
               <a:t>Reservations</a:t>
             </a:r>
@@ -10755,8 +10969,9 @@
             </a:pPr>
             <a:r>
               <a:rPr lang="en-CA" sz="2400" b="1" dirty="0">
-                <a:latin typeface="Source Serif Pro" panose="02040603050405020204" pitchFamily="18" charset="0"/>
+                <a:latin typeface="Times New Roman" panose="02020603050405020304" pitchFamily="18" charset="0"/>
                 <a:ea typeface="Source Serif Pro" panose="02040603050405020204" pitchFamily="18" charset="0"/>
+                <a:cs typeface="Times New Roman" panose="02020603050405020304" pitchFamily="18" charset="0"/>
               </a:rPr>
               <a:t>Inspiration </a:t>
             </a:r>
@@ -10768,14 +10983,16 @@
             </a:pPr>
             <a:r>
               <a:rPr lang="en-CA" sz="2400" dirty="0">
-                <a:latin typeface="Source Sans Pro" panose="020B0503030403020204" pitchFamily="34" charset="0"/>
+                <a:latin typeface="Times New Roman" panose="02020603050405020304" pitchFamily="18" charset="0"/>
                 <a:ea typeface="Source Sans Pro" panose="020B0503030403020204" pitchFamily="34" charset="0"/>
+                <a:cs typeface="Times New Roman" panose="02020603050405020304" pitchFamily="18" charset="0"/>
               </a:rPr>
               <a:t>Blog</a:t>
             </a:r>
             <a:endParaRPr lang="en-CA" sz="2000" b="1" dirty="0">
-              <a:latin typeface="Source Serif Pro" panose="02040603050405020204" pitchFamily="18" charset="0"/>
+              <a:latin typeface="Times New Roman" panose="02020603050405020304" pitchFamily="18" charset="0"/>
               <a:ea typeface="Source Serif Pro" panose="02040603050405020204" pitchFamily="18" charset="0"/>
+              <a:cs typeface="Times New Roman" panose="02020603050405020304" pitchFamily="18" charset="0"/>
             </a:endParaRPr>
           </a:p>
           <a:p>
@@ -10785,14 +11002,16 @@
             </a:pPr>
             <a:r>
               <a:rPr lang="en-CA" sz="2400" b="1" dirty="0">
-                <a:latin typeface="Source Serif Pro" panose="02040603050405020204" pitchFamily="18" charset="0"/>
+                <a:latin typeface="Times New Roman" panose="02020603050405020304" pitchFamily="18" charset="0"/>
                 <a:ea typeface="Source Serif Pro" panose="02040603050405020204" pitchFamily="18" charset="0"/>
+                <a:cs typeface="Times New Roman" panose="02020603050405020304" pitchFamily="18" charset="0"/>
               </a:rPr>
               <a:t>Contact</a:t>
             </a:r>
             <a:endParaRPr lang="en-CA" sz="2400" dirty="0">
-              <a:latin typeface="Source Sans Pro" panose="020B0503030403020204" pitchFamily="34" charset="0"/>
+              <a:latin typeface="Times New Roman" panose="02020603050405020304" pitchFamily="18" charset="0"/>
               <a:ea typeface="Source Sans Pro" panose="020B0503030403020204" pitchFamily="34" charset="0"/>
+              <a:cs typeface="Times New Roman" panose="02020603050405020304" pitchFamily="18" charset="0"/>
             </a:endParaRPr>
           </a:p>
         </p:txBody>
@@ -10961,8 +11180,8 @@
         </p:nvSpPr>
         <p:spPr>
           <a:xfrm>
-            <a:off x="5157640" y="323882"/>
-            <a:ext cx="1864549" cy="646331"/>
+            <a:off x="5202492" y="323882"/>
+            <a:ext cx="1774845" cy="646331"/>
           </a:xfrm>
           <a:prstGeom prst="rect">
             <a:avLst/>
@@ -10980,8 +11199,9 @@
                 <a:solidFill>
                   <a:schemeClr val="accent2"/>
                 </a:solidFill>
-                <a:latin typeface="Source Serif Pro" panose="02040603050405020204" pitchFamily="18" charset="0"/>
+                <a:latin typeface="Times New Roman" panose="02020603050405020304" pitchFamily="18" charset="0"/>
                 <a:ea typeface="Source Serif Pro" panose="02040603050405020204" pitchFamily="18" charset="0"/>
+                <a:cs typeface="Times New Roman" panose="02020603050405020304" pitchFamily="18" charset="0"/>
               </a:rPr>
               <a:t>Content</a:t>
             </a:r>
@@ -10989,6 +11209,8 @@
               <a:solidFill>
                 <a:schemeClr val="accent2"/>
               </a:solidFill>
+              <a:latin typeface="Times New Roman" panose="02020603050405020304" pitchFamily="18" charset="0"/>
+              <a:cs typeface="Times New Roman" panose="02020603050405020304" pitchFamily="18" charset="0"/>
             </a:endParaRPr>
           </a:p>
         </p:txBody>
@@ -11030,14 +11252,16 @@
           <a:p>
             <a:r>
               <a:rPr lang="en-CA" sz="2800" b="1" dirty="0">
-                <a:latin typeface="Source Serif Pro" panose="02040603050405020204" pitchFamily="18" charset="0"/>
+                <a:latin typeface="Times New Roman" panose="02020603050405020304" pitchFamily="18" charset="0"/>
                 <a:ea typeface="Source Serif Pro" panose="02040603050405020204" pitchFamily="18" charset="0"/>
+                <a:cs typeface="Times New Roman" panose="02020603050405020304" pitchFamily="18" charset="0"/>
               </a:rPr>
               <a:t>Essential/Beneficial Elements:</a:t>
             </a:r>
             <a:endParaRPr lang="en-CA" sz="2800" dirty="0">
-              <a:latin typeface="Source Serif Pro" panose="02040603050405020204" pitchFamily="18" charset="0"/>
+              <a:latin typeface="Times New Roman" panose="02020603050405020304" pitchFamily="18" charset="0"/>
               <a:ea typeface="Source Serif Pro" panose="02040603050405020204" pitchFamily="18" charset="0"/>
+              <a:cs typeface="Times New Roman" panose="02020603050405020304" pitchFamily="18" charset="0"/>
             </a:endParaRPr>
           </a:p>
         </p:txBody>
@@ -11081,8 +11305,9 @@
             </a:pPr>
             <a:r>
               <a:rPr lang="en-CA" sz="2400" b="1" dirty="0">
-                <a:latin typeface="Source Serif Pro" panose="02040603050405020204" pitchFamily="18" charset="0"/>
+                <a:latin typeface="Times New Roman" panose="02020603050405020304" pitchFamily="18" charset="0"/>
                 <a:ea typeface="Source Serif Pro" panose="02040603050405020204" pitchFamily="18" charset="0"/>
+                <a:cs typeface="Times New Roman" panose="02020603050405020304" pitchFamily="18" charset="0"/>
               </a:rPr>
               <a:t>Company Information </a:t>
             </a:r>
@@ -11094,8 +11319,9 @@
             </a:pPr>
             <a:r>
               <a:rPr lang="en-CA" sz="2400" dirty="0">
-                <a:latin typeface="Source Sans Pro" panose="020B0503030403020204" pitchFamily="34" charset="0"/>
+                <a:latin typeface="Times New Roman" panose="02020603050405020304" pitchFamily="18" charset="0"/>
                 <a:ea typeface="Source Sans Pro" panose="020B0503030403020204" pitchFamily="34" charset="0"/>
+                <a:cs typeface="Times New Roman" panose="02020603050405020304" pitchFamily="18" charset="0"/>
               </a:rPr>
               <a:t>Purpose</a:t>
             </a:r>
@@ -11107,8 +11333,9 @@
             </a:pPr>
             <a:r>
               <a:rPr lang="en-CA" sz="2400" dirty="0">
-                <a:latin typeface="Source Sans Pro" panose="020B0503030403020204" pitchFamily="34" charset="0"/>
+                <a:latin typeface="Times New Roman" panose="02020603050405020304" pitchFamily="18" charset="0"/>
                 <a:ea typeface="Source Sans Pro" panose="020B0503030403020204" pitchFamily="34" charset="0"/>
+                <a:cs typeface="Times New Roman" panose="02020603050405020304" pitchFamily="18" charset="0"/>
               </a:rPr>
               <a:t>Benefits</a:t>
             </a:r>
@@ -11120,8 +11347,9 @@
             </a:pPr>
             <a:r>
               <a:rPr lang="en-CA" sz="2400" b="1" dirty="0">
-                <a:latin typeface="Source Serif Pro" panose="02040603050405020204" pitchFamily="18" charset="0"/>
+                <a:latin typeface="Times New Roman" panose="02020603050405020304" pitchFamily="18" charset="0"/>
                 <a:ea typeface="Source Serif Pro" panose="02040603050405020204" pitchFamily="18" charset="0"/>
+                <a:cs typeface="Times New Roman" panose="02020603050405020304" pitchFamily="18" charset="0"/>
               </a:rPr>
               <a:t>Tree Information  </a:t>
             </a:r>
@@ -11133,8 +11361,9 @@
             </a:pPr>
             <a:r>
               <a:rPr lang="en-CA" sz="2400" dirty="0">
-                <a:latin typeface="Source Sans Pro" panose="020B0503030403020204" pitchFamily="34" charset="0"/>
+                <a:latin typeface="Times New Roman" panose="02020603050405020304" pitchFamily="18" charset="0"/>
                 <a:ea typeface="Source Sans Pro" panose="020B0503030403020204" pitchFamily="34" charset="0"/>
+                <a:cs typeface="Times New Roman" panose="02020603050405020304" pitchFamily="18" charset="0"/>
               </a:rPr>
               <a:t>Type</a:t>
             </a:r>
@@ -11146,8 +11375,9 @@
             </a:pPr>
             <a:r>
               <a:rPr lang="en-CA" sz="2400" dirty="0">
-                <a:latin typeface="Source Sans Pro" panose="020B0503030403020204" pitchFamily="34" charset="0"/>
+                <a:latin typeface="Times New Roman" panose="02020603050405020304" pitchFamily="18" charset="0"/>
                 <a:ea typeface="Source Sans Pro" panose="020B0503030403020204" pitchFamily="34" charset="0"/>
+                <a:cs typeface="Times New Roman" panose="02020603050405020304" pitchFamily="18" charset="0"/>
               </a:rPr>
               <a:t>Cost</a:t>
             </a:r>
@@ -11159,14 +11389,16 @@
             </a:pPr>
             <a:r>
               <a:rPr lang="en-CA" sz="2400" dirty="0">
-                <a:latin typeface="Source Sans Pro" panose="020B0503030403020204" pitchFamily="34" charset="0"/>
+                <a:latin typeface="Times New Roman" panose="02020603050405020304" pitchFamily="18" charset="0"/>
                 <a:ea typeface="Source Sans Pro" panose="020B0503030403020204" pitchFamily="34" charset="0"/>
+                <a:cs typeface="Times New Roman" panose="02020603050405020304" pitchFamily="18" charset="0"/>
               </a:rPr>
               <a:t>Care</a:t>
             </a:r>
             <a:endParaRPr lang="en-CA" sz="2400" b="1" dirty="0">
-              <a:latin typeface="Source Sans Pro" panose="020B0503030403020204" pitchFamily="34" charset="0"/>
+              <a:latin typeface="Times New Roman" panose="02020603050405020304" pitchFamily="18" charset="0"/>
               <a:ea typeface="Source Sans Pro" panose="020B0503030403020204" pitchFamily="34" charset="0"/>
+              <a:cs typeface="Times New Roman" panose="02020603050405020304" pitchFamily="18" charset="0"/>
             </a:endParaRPr>
           </a:p>
           <a:p>
@@ -11176,8 +11408,9 @@
             </a:pPr>
             <a:r>
               <a:rPr lang="en-CA" sz="2400" b="1" dirty="0">
-                <a:latin typeface="Source Serif Pro" panose="02040603050405020204" pitchFamily="18" charset="0"/>
+                <a:latin typeface="Times New Roman" panose="02020603050405020304" pitchFamily="18" charset="0"/>
                 <a:ea typeface="Source Serif Pro" panose="02040603050405020204" pitchFamily="18" charset="0"/>
+                <a:cs typeface="Times New Roman" panose="02020603050405020304" pitchFamily="18" charset="0"/>
               </a:rPr>
               <a:t>Reservations</a:t>
             </a:r>
@@ -11189,8 +11422,9 @@
             </a:pPr>
             <a:r>
               <a:rPr lang="en-CA" sz="2400" b="1" dirty="0">
-                <a:latin typeface="Source Serif Pro" panose="02040603050405020204" pitchFamily="18" charset="0"/>
+                <a:latin typeface="Times New Roman" panose="02020603050405020304" pitchFamily="18" charset="0"/>
                 <a:ea typeface="Source Serif Pro" panose="02040603050405020204" pitchFamily="18" charset="0"/>
+                <a:cs typeface="Times New Roman" panose="02020603050405020304" pitchFamily="18" charset="0"/>
               </a:rPr>
               <a:t>Inspiration </a:t>
             </a:r>
@@ -11202,14 +11436,16 @@
             </a:pPr>
             <a:r>
               <a:rPr lang="en-CA" sz="2400" dirty="0">
-                <a:latin typeface="Source Sans Pro" panose="020B0503030403020204" pitchFamily="34" charset="0"/>
+                <a:latin typeface="Times New Roman" panose="02020603050405020304" pitchFamily="18" charset="0"/>
                 <a:ea typeface="Source Sans Pro" panose="020B0503030403020204" pitchFamily="34" charset="0"/>
+                <a:cs typeface="Times New Roman" panose="02020603050405020304" pitchFamily="18" charset="0"/>
               </a:rPr>
               <a:t>Blog</a:t>
             </a:r>
             <a:endParaRPr lang="en-CA" sz="2000" b="1" dirty="0">
-              <a:latin typeface="Source Serif Pro" panose="02040603050405020204" pitchFamily="18" charset="0"/>
+              <a:latin typeface="Times New Roman" panose="02020603050405020304" pitchFamily="18" charset="0"/>
               <a:ea typeface="Source Serif Pro" panose="02040603050405020204" pitchFamily="18" charset="0"/>
+              <a:cs typeface="Times New Roman" panose="02020603050405020304" pitchFamily="18" charset="0"/>
             </a:endParaRPr>
           </a:p>
           <a:p>
@@ -11219,14 +11455,16 @@
             </a:pPr>
             <a:r>
               <a:rPr lang="en-CA" sz="2400" b="1" dirty="0">
-                <a:latin typeface="Source Serif Pro" panose="02040603050405020204" pitchFamily="18" charset="0"/>
+                <a:latin typeface="Times New Roman" panose="02020603050405020304" pitchFamily="18" charset="0"/>
                 <a:ea typeface="Source Serif Pro" panose="02040603050405020204" pitchFamily="18" charset="0"/>
+                <a:cs typeface="Times New Roman" panose="02020603050405020304" pitchFamily="18" charset="0"/>
               </a:rPr>
               <a:t>Contact</a:t>
             </a:r>
             <a:endParaRPr lang="en-CA" sz="2400" dirty="0">
-              <a:latin typeface="Source Sans Pro" panose="020B0503030403020204" pitchFamily="34" charset="0"/>
+              <a:latin typeface="Times New Roman" panose="02020603050405020304" pitchFamily="18" charset="0"/>
               <a:ea typeface="Source Sans Pro" panose="020B0503030403020204" pitchFamily="34" charset="0"/>
+              <a:cs typeface="Times New Roman" panose="02020603050405020304" pitchFamily="18" charset="0"/>
             </a:endParaRPr>
           </a:p>
         </p:txBody>
@@ -11439,8 +11677,8 @@
         </p:nvSpPr>
         <p:spPr>
           <a:xfrm>
-            <a:off x="5157640" y="323882"/>
-            <a:ext cx="1864549" cy="646331"/>
+            <a:off x="5202492" y="323882"/>
+            <a:ext cx="1774845" cy="646331"/>
           </a:xfrm>
           <a:prstGeom prst="rect">
             <a:avLst/>
@@ -11458,8 +11696,9 @@
                 <a:solidFill>
                   <a:schemeClr val="accent2"/>
                 </a:solidFill>
-                <a:latin typeface="Source Serif Pro" panose="02040603050405020204" pitchFamily="18" charset="0"/>
+                <a:latin typeface="Times New Roman" panose="02020603050405020304" pitchFamily="18" charset="0"/>
                 <a:ea typeface="Source Serif Pro" panose="02040603050405020204" pitchFamily="18" charset="0"/>
+                <a:cs typeface="Times New Roman" panose="02020603050405020304" pitchFamily="18" charset="0"/>
               </a:rPr>
               <a:t>Content</a:t>
             </a:r>
@@ -11467,6 +11706,8 @@
               <a:solidFill>
                 <a:schemeClr val="accent2"/>
               </a:solidFill>
+              <a:latin typeface="Times New Roman" panose="02020603050405020304" pitchFamily="18" charset="0"/>
+              <a:cs typeface="Times New Roman" panose="02020603050405020304" pitchFamily="18" charset="0"/>
             </a:endParaRPr>
           </a:p>
         </p:txBody>
@@ -11508,14 +11749,16 @@
           <a:p>
             <a:r>
               <a:rPr lang="en-CA" sz="2800" b="1" dirty="0">
-                <a:latin typeface="Source Serif Pro" panose="02040603050405020204" pitchFamily="18" charset="0"/>
+                <a:latin typeface="Times New Roman" panose="02020603050405020304" pitchFamily="18" charset="0"/>
                 <a:ea typeface="Source Serif Pro" panose="02040603050405020204" pitchFamily="18" charset="0"/>
+                <a:cs typeface="Times New Roman" panose="02020603050405020304" pitchFamily="18" charset="0"/>
               </a:rPr>
               <a:t>Essential/Beneficial Elements:</a:t>
             </a:r>
             <a:endParaRPr lang="en-CA" sz="2800" dirty="0">
-              <a:latin typeface="Source Serif Pro" panose="02040603050405020204" pitchFamily="18" charset="0"/>
+              <a:latin typeface="Times New Roman" panose="02020603050405020304" pitchFamily="18" charset="0"/>
               <a:ea typeface="Source Serif Pro" panose="02040603050405020204" pitchFamily="18" charset="0"/>
+              <a:cs typeface="Times New Roman" panose="02020603050405020304" pitchFamily="18" charset="0"/>
             </a:endParaRPr>
           </a:p>
         </p:txBody>
@@ -11559,8 +11802,9 @@
             </a:pPr>
             <a:r>
               <a:rPr lang="en-CA" sz="2400" b="1" dirty="0">
-                <a:latin typeface="Source Serif Pro" panose="02040603050405020204" pitchFamily="18" charset="0"/>
+                <a:latin typeface="Times New Roman" panose="02020603050405020304" pitchFamily="18" charset="0"/>
                 <a:ea typeface="Source Serif Pro" panose="02040603050405020204" pitchFamily="18" charset="0"/>
+                <a:cs typeface="Times New Roman" panose="02020603050405020304" pitchFamily="18" charset="0"/>
               </a:rPr>
               <a:t>Company Information </a:t>
             </a:r>
@@ -11572,8 +11816,9 @@
             </a:pPr>
             <a:r>
               <a:rPr lang="en-CA" sz="2400" dirty="0">
-                <a:latin typeface="Source Sans Pro" panose="020B0503030403020204" pitchFamily="34" charset="0"/>
+                <a:latin typeface="Times New Roman" panose="02020603050405020304" pitchFamily="18" charset="0"/>
                 <a:ea typeface="Source Sans Pro" panose="020B0503030403020204" pitchFamily="34" charset="0"/>
+                <a:cs typeface="Times New Roman" panose="02020603050405020304" pitchFamily="18" charset="0"/>
               </a:rPr>
               <a:t>Purpose</a:t>
             </a:r>
@@ -11585,8 +11830,9 @@
             </a:pPr>
             <a:r>
               <a:rPr lang="en-CA" sz="2400" dirty="0">
-                <a:latin typeface="Source Sans Pro" panose="020B0503030403020204" pitchFamily="34" charset="0"/>
+                <a:latin typeface="Times New Roman" panose="02020603050405020304" pitchFamily="18" charset="0"/>
                 <a:ea typeface="Source Sans Pro" panose="020B0503030403020204" pitchFamily="34" charset="0"/>
+                <a:cs typeface="Times New Roman" panose="02020603050405020304" pitchFamily="18" charset="0"/>
               </a:rPr>
               <a:t>Benefits</a:t>
             </a:r>
@@ -11598,8 +11844,9 @@
             </a:pPr>
             <a:r>
               <a:rPr lang="en-CA" sz="2400" b="1" dirty="0">
-                <a:latin typeface="Source Serif Pro" panose="02040603050405020204" pitchFamily="18" charset="0"/>
+                <a:latin typeface="Times New Roman" panose="02020603050405020304" pitchFamily="18" charset="0"/>
                 <a:ea typeface="Source Serif Pro" panose="02040603050405020204" pitchFamily="18" charset="0"/>
+                <a:cs typeface="Times New Roman" panose="02020603050405020304" pitchFamily="18" charset="0"/>
               </a:rPr>
               <a:t>Tree Information  </a:t>
             </a:r>
@@ -11611,8 +11858,9 @@
             </a:pPr>
             <a:r>
               <a:rPr lang="en-CA" sz="2400" dirty="0">
-                <a:latin typeface="Source Sans Pro" panose="020B0503030403020204" pitchFamily="34" charset="0"/>
+                <a:latin typeface="Times New Roman" panose="02020603050405020304" pitchFamily="18" charset="0"/>
                 <a:ea typeface="Source Sans Pro" panose="020B0503030403020204" pitchFamily="34" charset="0"/>
+                <a:cs typeface="Times New Roman" panose="02020603050405020304" pitchFamily="18" charset="0"/>
               </a:rPr>
               <a:t>Type</a:t>
             </a:r>
@@ -11624,8 +11872,9 @@
             </a:pPr>
             <a:r>
               <a:rPr lang="en-CA" sz="2400" dirty="0">
-                <a:latin typeface="Source Sans Pro" panose="020B0503030403020204" pitchFamily="34" charset="0"/>
+                <a:latin typeface="Times New Roman" panose="02020603050405020304" pitchFamily="18" charset="0"/>
                 <a:ea typeface="Source Sans Pro" panose="020B0503030403020204" pitchFamily="34" charset="0"/>
+                <a:cs typeface="Times New Roman" panose="02020603050405020304" pitchFamily="18" charset="0"/>
               </a:rPr>
               <a:t>Cost</a:t>
             </a:r>
@@ -11637,14 +11886,16 @@
             </a:pPr>
             <a:r>
               <a:rPr lang="en-CA" sz="2400" dirty="0">
-                <a:latin typeface="Source Sans Pro" panose="020B0503030403020204" pitchFamily="34" charset="0"/>
+                <a:latin typeface="Times New Roman" panose="02020603050405020304" pitchFamily="18" charset="0"/>
                 <a:ea typeface="Source Sans Pro" panose="020B0503030403020204" pitchFamily="34" charset="0"/>
+                <a:cs typeface="Times New Roman" panose="02020603050405020304" pitchFamily="18" charset="0"/>
               </a:rPr>
               <a:t>Care</a:t>
             </a:r>
             <a:endParaRPr lang="en-CA" sz="2400" b="1" dirty="0">
-              <a:latin typeface="Source Sans Pro" panose="020B0503030403020204" pitchFamily="34" charset="0"/>
+              <a:latin typeface="Times New Roman" panose="02020603050405020304" pitchFamily="18" charset="0"/>
               <a:ea typeface="Source Sans Pro" panose="020B0503030403020204" pitchFamily="34" charset="0"/>
+              <a:cs typeface="Times New Roman" panose="02020603050405020304" pitchFamily="18" charset="0"/>
             </a:endParaRPr>
           </a:p>
           <a:p>
@@ -11654,8 +11905,9 @@
             </a:pPr>
             <a:r>
               <a:rPr lang="en-CA" sz="2400" b="1" dirty="0">
-                <a:latin typeface="Source Serif Pro" panose="02040603050405020204" pitchFamily="18" charset="0"/>
+                <a:latin typeface="Times New Roman" panose="02020603050405020304" pitchFamily="18" charset="0"/>
                 <a:ea typeface="Source Serif Pro" panose="02040603050405020204" pitchFamily="18" charset="0"/>
+                <a:cs typeface="Times New Roman" panose="02020603050405020304" pitchFamily="18" charset="0"/>
               </a:rPr>
               <a:t>Reservations</a:t>
             </a:r>
@@ -11667,8 +11919,9 @@
             </a:pPr>
             <a:r>
               <a:rPr lang="en-CA" sz="2400" b="1" dirty="0">
-                <a:latin typeface="Source Serif Pro" panose="02040603050405020204" pitchFamily="18" charset="0"/>
+                <a:latin typeface="Times New Roman" panose="02020603050405020304" pitchFamily="18" charset="0"/>
                 <a:ea typeface="Source Serif Pro" panose="02040603050405020204" pitchFamily="18" charset="0"/>
+                <a:cs typeface="Times New Roman" panose="02020603050405020304" pitchFamily="18" charset="0"/>
               </a:rPr>
               <a:t>Inspiration </a:t>
             </a:r>
@@ -11680,14 +11933,16 @@
             </a:pPr>
             <a:r>
               <a:rPr lang="en-CA" sz="2400" dirty="0">
-                <a:latin typeface="Source Sans Pro" panose="020B0503030403020204" pitchFamily="34" charset="0"/>
+                <a:latin typeface="Times New Roman" panose="02020603050405020304" pitchFamily="18" charset="0"/>
                 <a:ea typeface="Source Sans Pro" panose="020B0503030403020204" pitchFamily="34" charset="0"/>
+                <a:cs typeface="Times New Roman" panose="02020603050405020304" pitchFamily="18" charset="0"/>
               </a:rPr>
               <a:t>Blog</a:t>
             </a:r>
             <a:endParaRPr lang="en-CA" sz="2000" b="1" dirty="0">
-              <a:latin typeface="Source Serif Pro" panose="02040603050405020204" pitchFamily="18" charset="0"/>
+              <a:latin typeface="Times New Roman" panose="02020603050405020304" pitchFamily="18" charset="0"/>
               <a:ea typeface="Source Serif Pro" panose="02040603050405020204" pitchFamily="18" charset="0"/>
+              <a:cs typeface="Times New Roman" panose="02020603050405020304" pitchFamily="18" charset="0"/>
             </a:endParaRPr>
           </a:p>
           <a:p>
@@ -11697,14 +11952,16 @@
             </a:pPr>
             <a:r>
               <a:rPr lang="en-CA" sz="2400" b="1" dirty="0">
-                <a:latin typeface="Source Serif Pro" panose="02040603050405020204" pitchFamily="18" charset="0"/>
+                <a:latin typeface="Times New Roman" panose="02020603050405020304" pitchFamily="18" charset="0"/>
                 <a:ea typeface="Source Serif Pro" panose="02040603050405020204" pitchFamily="18" charset="0"/>
+                <a:cs typeface="Times New Roman" panose="02020603050405020304" pitchFamily="18" charset="0"/>
               </a:rPr>
               <a:t>Contact</a:t>
             </a:r>
             <a:endParaRPr lang="en-CA" sz="2400" dirty="0">
-              <a:latin typeface="Source Sans Pro" panose="020B0503030403020204" pitchFamily="34" charset="0"/>
+              <a:latin typeface="Times New Roman" panose="02020603050405020304" pitchFamily="18" charset="0"/>
               <a:ea typeface="Source Sans Pro" panose="020B0503030403020204" pitchFamily="34" charset="0"/>
+              <a:cs typeface="Times New Roman" panose="02020603050405020304" pitchFamily="18" charset="0"/>
             </a:endParaRPr>
           </a:p>
         </p:txBody>
@@ -11961,8 +12218,8 @@
         </p:nvSpPr>
         <p:spPr>
           <a:xfrm>
-            <a:off x="5157640" y="323882"/>
-            <a:ext cx="1864549" cy="646331"/>
+            <a:off x="5202492" y="323882"/>
+            <a:ext cx="1774845" cy="646331"/>
           </a:xfrm>
           <a:prstGeom prst="rect">
             <a:avLst/>
@@ -11980,8 +12237,9 @@
                 <a:solidFill>
                   <a:schemeClr val="accent2"/>
                 </a:solidFill>
-                <a:latin typeface="Source Serif Pro" panose="02040603050405020204" pitchFamily="18" charset="0"/>
+                <a:latin typeface="Times New Roman" panose="02020603050405020304" pitchFamily="18" charset="0"/>
                 <a:ea typeface="Source Serif Pro" panose="02040603050405020204" pitchFamily="18" charset="0"/>
+                <a:cs typeface="Times New Roman" panose="02020603050405020304" pitchFamily="18" charset="0"/>
               </a:rPr>
               <a:t>Content</a:t>
             </a:r>
@@ -11989,6 +12247,8 @@
               <a:solidFill>
                 <a:schemeClr val="accent2"/>
               </a:solidFill>
+              <a:latin typeface="Times New Roman" panose="02020603050405020304" pitchFamily="18" charset="0"/>
+              <a:cs typeface="Times New Roman" panose="02020603050405020304" pitchFamily="18" charset="0"/>
             </a:endParaRPr>
           </a:p>
         </p:txBody>
@@ -12030,14 +12290,16 @@
           <a:p>
             <a:r>
               <a:rPr lang="en-CA" sz="2800" b="1" dirty="0">
-                <a:latin typeface="Source Serif Pro" panose="02040603050405020204" pitchFamily="18" charset="0"/>
+                <a:latin typeface="Times New Roman" panose="02020603050405020304" pitchFamily="18" charset="0"/>
                 <a:ea typeface="Source Serif Pro" panose="02040603050405020204" pitchFamily="18" charset="0"/>
+                <a:cs typeface="Times New Roman" panose="02020603050405020304" pitchFamily="18" charset="0"/>
               </a:rPr>
               <a:t>Essential/Beneficial Elements:</a:t>
             </a:r>
             <a:endParaRPr lang="en-CA" sz="2800" dirty="0">
-              <a:latin typeface="Source Serif Pro" panose="02040603050405020204" pitchFamily="18" charset="0"/>
+              <a:latin typeface="Times New Roman" panose="02020603050405020304" pitchFamily="18" charset="0"/>
               <a:ea typeface="Source Serif Pro" panose="02040603050405020204" pitchFamily="18" charset="0"/>
+              <a:cs typeface="Times New Roman" panose="02020603050405020304" pitchFamily="18" charset="0"/>
             </a:endParaRPr>
           </a:p>
         </p:txBody>
@@ -12081,8 +12343,9 @@
             </a:pPr>
             <a:r>
               <a:rPr lang="en-CA" sz="2400" b="1" dirty="0">
-                <a:latin typeface="Source Serif Pro" panose="02040603050405020204" pitchFamily="18" charset="0"/>
+                <a:latin typeface="Times New Roman" panose="02020603050405020304" pitchFamily="18" charset="0"/>
                 <a:ea typeface="Source Serif Pro" panose="02040603050405020204" pitchFamily="18" charset="0"/>
+                <a:cs typeface="Times New Roman" panose="02020603050405020304" pitchFamily="18" charset="0"/>
               </a:rPr>
               <a:t>Company Information </a:t>
             </a:r>
@@ -12094,8 +12357,9 @@
             </a:pPr>
             <a:r>
               <a:rPr lang="en-CA" sz="2400" dirty="0">
-                <a:latin typeface="Source Sans Pro" panose="020B0503030403020204" pitchFamily="34" charset="0"/>
+                <a:latin typeface="Times New Roman" panose="02020603050405020304" pitchFamily="18" charset="0"/>
                 <a:ea typeface="Source Sans Pro" panose="020B0503030403020204" pitchFamily="34" charset="0"/>
+                <a:cs typeface="Times New Roman" panose="02020603050405020304" pitchFamily="18" charset="0"/>
               </a:rPr>
               <a:t>Purpose</a:t>
             </a:r>
@@ -12107,8 +12371,9 @@
             </a:pPr>
             <a:r>
               <a:rPr lang="en-CA" sz="2400" dirty="0">
-                <a:latin typeface="Source Sans Pro" panose="020B0503030403020204" pitchFamily="34" charset="0"/>
+                <a:latin typeface="Times New Roman" panose="02020603050405020304" pitchFamily="18" charset="0"/>
                 <a:ea typeface="Source Sans Pro" panose="020B0503030403020204" pitchFamily="34" charset="0"/>
+                <a:cs typeface="Times New Roman" panose="02020603050405020304" pitchFamily="18" charset="0"/>
               </a:rPr>
               <a:t>Benefits</a:t>
             </a:r>
@@ -12120,8 +12385,9 @@
             </a:pPr>
             <a:r>
               <a:rPr lang="en-CA" sz="2400" b="1" dirty="0">
-                <a:latin typeface="Source Serif Pro" panose="02040603050405020204" pitchFamily="18" charset="0"/>
+                <a:latin typeface="Times New Roman" panose="02020603050405020304" pitchFamily="18" charset="0"/>
                 <a:ea typeface="Source Serif Pro" panose="02040603050405020204" pitchFamily="18" charset="0"/>
+                <a:cs typeface="Times New Roman" panose="02020603050405020304" pitchFamily="18" charset="0"/>
               </a:rPr>
               <a:t>Tree Information  </a:t>
             </a:r>
@@ -12133,8 +12399,9 @@
             </a:pPr>
             <a:r>
               <a:rPr lang="en-CA" sz="2400" dirty="0">
-                <a:latin typeface="Source Sans Pro" panose="020B0503030403020204" pitchFamily="34" charset="0"/>
+                <a:latin typeface="Times New Roman" panose="02020603050405020304" pitchFamily="18" charset="0"/>
                 <a:ea typeface="Source Sans Pro" panose="020B0503030403020204" pitchFamily="34" charset="0"/>
+                <a:cs typeface="Times New Roman" panose="02020603050405020304" pitchFamily="18" charset="0"/>
               </a:rPr>
               <a:t>Type</a:t>
             </a:r>
@@ -12146,8 +12413,9 @@
             </a:pPr>
             <a:r>
               <a:rPr lang="en-CA" sz="2400" dirty="0">
-                <a:latin typeface="Source Sans Pro" panose="020B0503030403020204" pitchFamily="34" charset="0"/>
+                <a:latin typeface="Times New Roman" panose="02020603050405020304" pitchFamily="18" charset="0"/>
                 <a:ea typeface="Source Sans Pro" panose="020B0503030403020204" pitchFamily="34" charset="0"/>
+                <a:cs typeface="Times New Roman" panose="02020603050405020304" pitchFamily="18" charset="0"/>
               </a:rPr>
               <a:t>Cost</a:t>
             </a:r>
@@ -12159,14 +12427,16 @@
             </a:pPr>
             <a:r>
               <a:rPr lang="en-CA" sz="2400" dirty="0">
-                <a:latin typeface="Source Sans Pro" panose="020B0503030403020204" pitchFamily="34" charset="0"/>
+                <a:latin typeface="Times New Roman" panose="02020603050405020304" pitchFamily="18" charset="0"/>
                 <a:ea typeface="Source Sans Pro" panose="020B0503030403020204" pitchFamily="34" charset="0"/>
+                <a:cs typeface="Times New Roman" panose="02020603050405020304" pitchFamily="18" charset="0"/>
               </a:rPr>
               <a:t>Care</a:t>
             </a:r>
             <a:endParaRPr lang="en-CA" sz="2400" b="1" dirty="0">
-              <a:latin typeface="Source Sans Pro" panose="020B0503030403020204" pitchFamily="34" charset="0"/>
+              <a:latin typeface="Times New Roman" panose="02020603050405020304" pitchFamily="18" charset="0"/>
               <a:ea typeface="Source Sans Pro" panose="020B0503030403020204" pitchFamily="34" charset="0"/>
+              <a:cs typeface="Times New Roman" panose="02020603050405020304" pitchFamily="18" charset="0"/>
             </a:endParaRPr>
           </a:p>
           <a:p>
@@ -12176,8 +12446,9 @@
             </a:pPr>
             <a:r>
               <a:rPr lang="en-CA" sz="2400" b="1" dirty="0">
-                <a:latin typeface="Source Serif Pro" panose="02040603050405020204" pitchFamily="18" charset="0"/>
+                <a:latin typeface="Times New Roman" panose="02020603050405020304" pitchFamily="18" charset="0"/>
                 <a:ea typeface="Source Serif Pro" panose="02040603050405020204" pitchFamily="18" charset="0"/>
+                <a:cs typeface="Times New Roman" panose="02020603050405020304" pitchFamily="18" charset="0"/>
               </a:rPr>
               <a:t>Reservations</a:t>
             </a:r>
@@ -12189,8 +12460,9 @@
             </a:pPr>
             <a:r>
               <a:rPr lang="en-CA" sz="2400" b="1" dirty="0">
-                <a:latin typeface="Source Serif Pro" panose="02040603050405020204" pitchFamily="18" charset="0"/>
+                <a:latin typeface="Times New Roman" panose="02020603050405020304" pitchFamily="18" charset="0"/>
                 <a:ea typeface="Source Serif Pro" panose="02040603050405020204" pitchFamily="18" charset="0"/>
+                <a:cs typeface="Times New Roman" panose="02020603050405020304" pitchFamily="18" charset="0"/>
               </a:rPr>
               <a:t>Inspiration </a:t>
             </a:r>
@@ -12202,14 +12474,16 @@
             </a:pPr>
             <a:r>
               <a:rPr lang="en-CA" sz="2400" dirty="0">
-                <a:latin typeface="Source Sans Pro" panose="020B0503030403020204" pitchFamily="34" charset="0"/>
+                <a:latin typeface="Times New Roman" panose="02020603050405020304" pitchFamily="18" charset="0"/>
                 <a:ea typeface="Source Sans Pro" panose="020B0503030403020204" pitchFamily="34" charset="0"/>
+                <a:cs typeface="Times New Roman" panose="02020603050405020304" pitchFamily="18" charset="0"/>
               </a:rPr>
               <a:t>Blog</a:t>
             </a:r>
             <a:endParaRPr lang="en-CA" sz="2000" b="1" dirty="0">
-              <a:latin typeface="Source Serif Pro" panose="02040603050405020204" pitchFamily="18" charset="0"/>
+              <a:latin typeface="Times New Roman" panose="02020603050405020304" pitchFamily="18" charset="0"/>
               <a:ea typeface="Source Serif Pro" panose="02040603050405020204" pitchFamily="18" charset="0"/>
+              <a:cs typeface="Times New Roman" panose="02020603050405020304" pitchFamily="18" charset="0"/>
             </a:endParaRPr>
           </a:p>
           <a:p>
@@ -12219,14 +12493,16 @@
             </a:pPr>
             <a:r>
               <a:rPr lang="en-CA" sz="2400" b="1" dirty="0">
-                <a:latin typeface="Source Serif Pro" panose="02040603050405020204" pitchFamily="18" charset="0"/>
+                <a:latin typeface="Times New Roman" panose="02020603050405020304" pitchFamily="18" charset="0"/>
                 <a:ea typeface="Source Serif Pro" panose="02040603050405020204" pitchFamily="18" charset="0"/>
+                <a:cs typeface="Times New Roman" panose="02020603050405020304" pitchFamily="18" charset="0"/>
               </a:rPr>
               <a:t>Contact</a:t>
             </a:r>
             <a:endParaRPr lang="en-CA" sz="2400" dirty="0">
-              <a:latin typeface="Source Sans Pro" panose="020B0503030403020204" pitchFamily="34" charset="0"/>
+              <a:latin typeface="Times New Roman" panose="02020603050405020304" pitchFamily="18" charset="0"/>
               <a:ea typeface="Source Sans Pro" panose="020B0503030403020204" pitchFamily="34" charset="0"/>
+              <a:cs typeface="Times New Roman" panose="02020603050405020304" pitchFamily="18" charset="0"/>
             </a:endParaRPr>
           </a:p>
         </p:txBody>
